--- a/First_version_of_the_presentation.pptx
+++ b/First_version_of_the_presentation.pptx
@@ -1,36 +1,43 @@
 
 <file path=ppt/presentation.xml><?xml version="1.0" encoding="utf-8"?>
-<p:presentation xmlns:a="http://schemas.openxmlformats.org/drawingml/2006/main" xmlns:r="http://schemas.openxmlformats.org/officeDocument/2006/relationships" xmlns:mc="http://schemas.openxmlformats.org/markup-compatibility/2006" xmlns:mv="urn:schemas-microsoft-com:mac:vml" xmlns:p="http://schemas.openxmlformats.org/presentationml/2006/main" xmlns:c="http://schemas.openxmlformats.org/drawingml/2006/chart" xmlns:dgm="http://schemas.openxmlformats.org/drawingml/2006/diagram" xmlns:o="urn:schemas-microsoft-com:office:office" xmlns:v="urn:schemas-microsoft-com:vml" xmlns:pvml="urn:schemas-microsoft-com:office:powerpoint" xmlns:com="http://schemas.openxmlformats.org/drawingml/2006/compatibility" xmlns:p14="http://schemas.microsoft.com/office/powerpoint/2010/main" xmlns:p15="http://schemas.microsoft.com/office/powerpoint/2012/main" autoCompressPictures="0" embedTrueTypeFonts="1" strictFirstAndLastChars="0" saveSubsetFonts="1">
+<p:presentation xmlns:a="http://schemas.openxmlformats.org/drawingml/2006/main" xmlns:r="http://schemas.openxmlformats.org/officeDocument/2006/relationships" xmlns:p="http://schemas.openxmlformats.org/presentationml/2006/main" strictFirstAndLastChars="0" embedTrueTypeFonts="1" saveSubsetFonts="1" autoCompressPictures="0">
   <p:sldMasterIdLst>
-    <p:sldMasterId id="2147483659" r:id="rId4"/>
+    <p:sldMasterId id="2147483659" r:id="rId1"/>
   </p:sldMasterIdLst>
   <p:notesMasterIdLst>
-    <p:notesMasterId r:id="rId5"/>
+    <p:notesMasterId r:id="rId11"/>
   </p:notesMasterIdLst>
   <p:sldIdLst>
-    <p:sldId id="256" r:id="rId6"/>
-    <p:sldId id="257" r:id="rId7"/>
-    <p:sldId id="258" r:id="rId8"/>
-    <p:sldId id="259" r:id="rId9"/>
-    <p:sldId id="260" r:id="rId10"/>
-    <p:sldId id="261" r:id="rId11"/>
-    <p:sldId id="262" r:id="rId12"/>
-    <p:sldId id="263" r:id="rId13"/>
-    <p:sldId id="264" r:id="rId14"/>
+    <p:sldId id="256" r:id="rId2"/>
+    <p:sldId id="257" r:id="rId3"/>
+    <p:sldId id="258" r:id="rId4"/>
+    <p:sldId id="259" r:id="rId5"/>
+    <p:sldId id="260" r:id="rId6"/>
+    <p:sldId id="261" r:id="rId7"/>
+    <p:sldId id="262" r:id="rId8"/>
+    <p:sldId id="263" r:id="rId9"/>
+    <p:sldId id="264" r:id="rId10"/>
   </p:sldIdLst>
-  <p:sldSz cy="5143500" cx="9144000"/>
+  <p:sldSz cx="9144000" cy="5143500" type="screen16x9"/>
   <p:notesSz cx="6858000" cy="9144000"/>
   <p:embeddedFontLst>
     <p:embeddedFont>
-      <p:font typeface="Nunito"/>
-      <p:regular r:id="rId15"/>
-      <p:bold r:id="rId16"/>
-      <p:italic r:id="rId17"/>
-      <p:boldItalic r:id="rId18"/>
+      <p:font typeface="Nunito" charset="0"/>
+      <p:regular r:id="rId12"/>
+      <p:bold r:id="rId13"/>
+      <p:italic r:id="rId14"/>
+      <p:boldItalic r:id="rId15"/>
+    </p:embeddedFont>
+    <p:embeddedFont>
+      <p:font typeface="Calibri" pitchFamily="34" charset="0"/>
+      <p:regular r:id="rId16"/>
+      <p:bold r:id="rId17"/>
+      <p:italic r:id="rId18"/>
+      <p:boldItalic r:id="rId19"/>
     </p:embeddedFont>
   </p:embeddedFontLst>
   <p:defaultTextStyle>
-    <a:defPPr lvl="0" marR="0" rtl="0" algn="l">
+    <a:defPPr marR="0" lvl="0" algn="l" rtl="0">
       <a:lnSpc>
         <a:spcPct val="100000"/>
       </a:lnSpc>
@@ -41,7 +48,7 @@
         <a:spcPts val="0"/>
       </a:spcAft>
     </a:defPPr>
-    <a:lvl1pPr lvl="0" marR="0" rtl="0" algn="l">
+    <a:lvl1pPr marR="0" lvl="0" algn="l" rtl="0">
       <a:lnSpc>
         <a:spcPct val="100000"/>
       </a:lnSpc>
@@ -55,7 +62,7 @@
         <a:srgbClr val="000000"/>
       </a:buClr>
       <a:buFont typeface="Arial"/>
-      <a:defRPr b="0" i="0" sz="1400" u="none" cap="none" strike="noStrike">
+      <a:defRPr sz="1400" b="0" i="0" u="none" strike="noStrike" cap="none">
         <a:solidFill>
           <a:srgbClr val="000000"/>
         </a:solidFill>
@@ -65,7 +72,7 @@
         <a:sym typeface="Arial"/>
       </a:defRPr>
     </a:lvl1pPr>
-    <a:lvl2pPr lvl="1" marR="0" rtl="0" algn="l">
+    <a:lvl2pPr marR="0" lvl="1" algn="l" rtl="0">
       <a:lnSpc>
         <a:spcPct val="100000"/>
       </a:lnSpc>
@@ -79,7 +86,7 @@
         <a:srgbClr val="000000"/>
       </a:buClr>
       <a:buFont typeface="Arial"/>
-      <a:defRPr b="0" i="0" sz="1400" u="none" cap="none" strike="noStrike">
+      <a:defRPr sz="1400" b="0" i="0" u="none" strike="noStrike" cap="none">
         <a:solidFill>
           <a:srgbClr val="000000"/>
         </a:solidFill>
@@ -89,7 +96,7 @@
         <a:sym typeface="Arial"/>
       </a:defRPr>
     </a:lvl2pPr>
-    <a:lvl3pPr lvl="2" marR="0" rtl="0" algn="l">
+    <a:lvl3pPr marR="0" lvl="2" algn="l" rtl="0">
       <a:lnSpc>
         <a:spcPct val="100000"/>
       </a:lnSpc>
@@ -103,7 +110,7 @@
         <a:srgbClr val="000000"/>
       </a:buClr>
       <a:buFont typeface="Arial"/>
-      <a:defRPr b="0" i="0" sz="1400" u="none" cap="none" strike="noStrike">
+      <a:defRPr sz="1400" b="0" i="0" u="none" strike="noStrike" cap="none">
         <a:solidFill>
           <a:srgbClr val="000000"/>
         </a:solidFill>
@@ -113,7 +120,7 @@
         <a:sym typeface="Arial"/>
       </a:defRPr>
     </a:lvl3pPr>
-    <a:lvl4pPr lvl="3" marR="0" rtl="0" algn="l">
+    <a:lvl4pPr marR="0" lvl="3" algn="l" rtl="0">
       <a:lnSpc>
         <a:spcPct val="100000"/>
       </a:lnSpc>
@@ -127,7 +134,7 @@
         <a:srgbClr val="000000"/>
       </a:buClr>
       <a:buFont typeface="Arial"/>
-      <a:defRPr b="0" i="0" sz="1400" u="none" cap="none" strike="noStrike">
+      <a:defRPr sz="1400" b="0" i="0" u="none" strike="noStrike" cap="none">
         <a:solidFill>
           <a:srgbClr val="000000"/>
         </a:solidFill>
@@ -137,7 +144,7 @@
         <a:sym typeface="Arial"/>
       </a:defRPr>
     </a:lvl4pPr>
-    <a:lvl5pPr lvl="4" marR="0" rtl="0" algn="l">
+    <a:lvl5pPr marR="0" lvl="4" algn="l" rtl="0">
       <a:lnSpc>
         <a:spcPct val="100000"/>
       </a:lnSpc>
@@ -151,7 +158,7 @@
         <a:srgbClr val="000000"/>
       </a:buClr>
       <a:buFont typeface="Arial"/>
-      <a:defRPr b="0" i="0" sz="1400" u="none" cap="none" strike="noStrike">
+      <a:defRPr sz="1400" b="0" i="0" u="none" strike="noStrike" cap="none">
         <a:solidFill>
           <a:srgbClr val="000000"/>
         </a:solidFill>
@@ -161,7 +168,7 @@
         <a:sym typeface="Arial"/>
       </a:defRPr>
     </a:lvl5pPr>
-    <a:lvl6pPr lvl="5" marR="0" rtl="0" algn="l">
+    <a:lvl6pPr marR="0" lvl="5" algn="l" rtl="0">
       <a:lnSpc>
         <a:spcPct val="100000"/>
       </a:lnSpc>
@@ -175,7 +182,7 @@
         <a:srgbClr val="000000"/>
       </a:buClr>
       <a:buFont typeface="Arial"/>
-      <a:defRPr b="0" i="0" sz="1400" u="none" cap="none" strike="noStrike">
+      <a:defRPr sz="1400" b="0" i="0" u="none" strike="noStrike" cap="none">
         <a:solidFill>
           <a:srgbClr val="000000"/>
         </a:solidFill>
@@ -185,7 +192,7 @@
         <a:sym typeface="Arial"/>
       </a:defRPr>
     </a:lvl6pPr>
-    <a:lvl7pPr lvl="6" marR="0" rtl="0" algn="l">
+    <a:lvl7pPr marR="0" lvl="6" algn="l" rtl="0">
       <a:lnSpc>
         <a:spcPct val="100000"/>
       </a:lnSpc>
@@ -199,7 +206,7 @@
         <a:srgbClr val="000000"/>
       </a:buClr>
       <a:buFont typeface="Arial"/>
-      <a:defRPr b="0" i="0" sz="1400" u="none" cap="none" strike="noStrike">
+      <a:defRPr sz="1400" b="0" i="0" u="none" strike="noStrike" cap="none">
         <a:solidFill>
           <a:srgbClr val="000000"/>
         </a:solidFill>
@@ -209,7 +216,7 @@
         <a:sym typeface="Arial"/>
       </a:defRPr>
     </a:lvl7pPr>
-    <a:lvl8pPr lvl="7" marR="0" rtl="0" algn="l">
+    <a:lvl8pPr marR="0" lvl="7" algn="l" rtl="0">
       <a:lnSpc>
         <a:spcPct val="100000"/>
       </a:lnSpc>
@@ -223,7 +230,7 @@
         <a:srgbClr val="000000"/>
       </a:buClr>
       <a:buFont typeface="Arial"/>
-      <a:defRPr b="0" i="0" sz="1400" u="none" cap="none" strike="noStrike">
+      <a:defRPr sz="1400" b="0" i="0" u="none" strike="noStrike" cap="none">
         <a:solidFill>
           <a:srgbClr val="000000"/>
         </a:solidFill>
@@ -233,7 +240,7 @@
         <a:sym typeface="Arial"/>
       </a:defRPr>
     </a:lvl8pPr>
-    <a:lvl9pPr lvl="8" marR="0" rtl="0" algn="l">
+    <a:lvl9pPr marR="0" lvl="8" algn="l" rtl="0">
       <a:lnSpc>
         <a:spcPct val="100000"/>
       </a:lnSpc>
@@ -247,7 +254,7 @@
         <a:srgbClr val="000000"/>
       </a:buClr>
       <a:buFont typeface="Arial"/>
-      <a:defRPr b="0" i="0" sz="1400" u="none" cap="none" strike="noStrike">
+      <a:defRPr sz="1400" b="0" i="0" u="none" strike="noStrike" cap="none">
         <a:solidFill>
           <a:srgbClr val="000000"/>
         </a:solidFill>
@@ -260,7 +267,7 @@
   </p:defaultTextStyle>
   <p:extLst>
     <p:ext uri="{EFAFB233-063F-42B5-8137-9DF3F51BA10A}">
-      <p15:sldGuideLst>
+      <p15:sldGuideLst xmlns="" xmlns:mc="http://schemas.openxmlformats.org/markup-compatibility/2006" xmlns:mv="urn:schemas-microsoft-com:mac:vml" xmlns:c="http://schemas.openxmlformats.org/drawingml/2006/chart" xmlns:dgm="http://schemas.openxmlformats.org/drawingml/2006/diagram" xmlns:o="urn:schemas-microsoft-com:office:office" xmlns:v="urn:schemas-microsoft-com:vml" xmlns:pvml="urn:schemas-microsoft-com:office:powerpoint" xmlns:com="http://schemas.openxmlformats.org/drawingml/2006/compatibility" xmlns:p14="http://schemas.microsoft.com/office/powerpoint/2010/main" xmlns:p15="http://schemas.microsoft.com/office/powerpoint/2012/main">
         <p15:guide id="1" orient="horz" pos="1620">
           <p15:clr>
             <a:srgbClr val="A4A3A4"/>
@@ -278,11 +285,16 @@
 </file>
 
 <file path=ppt/notesMasters/notesMaster1.xml><?xml version="1.0" encoding="utf-8"?>
-<p:notesMaster xmlns:a="http://schemas.openxmlformats.org/drawingml/2006/main" xmlns:r="http://schemas.openxmlformats.org/officeDocument/2006/relationships" xmlns:mc="http://schemas.openxmlformats.org/markup-compatibility/2006" xmlns:mv="urn:schemas-microsoft-com:mac:vml" xmlns:p="http://schemas.openxmlformats.org/presentationml/2006/main" xmlns:c="http://schemas.openxmlformats.org/drawingml/2006/chart" xmlns:dgm="http://schemas.openxmlformats.org/drawingml/2006/diagram" xmlns:o="urn:schemas-microsoft-com:office:office" xmlns:v="urn:schemas-microsoft-com:vml" xmlns:pvml="urn:schemas-microsoft-com:office:powerpoint" xmlns:com="http://schemas.openxmlformats.org/drawingml/2006/compatibility" xmlns:p14="http://schemas.microsoft.com/office/powerpoint/2010/main" xmlns:p15="http://schemas.microsoft.com/office/powerpoint/2012/main">
+<p:notesMaster xmlns:a="http://schemas.openxmlformats.org/drawingml/2006/main" xmlns:r="http://schemas.openxmlformats.org/officeDocument/2006/relationships" xmlns:p="http://schemas.openxmlformats.org/presentationml/2006/main">
   <p:cSld>
+    <p:bg>
+      <p:bgRef idx="1001">
+        <a:schemeClr val="bg1"/>
+      </p:bgRef>
+    </p:bg>
     <p:spTree>
       <p:nvGrpSpPr>
-        <p:cNvPr id="2" name="Shape 2"/>
+        <p:cNvPr id="1" name="Shape 2"/>
         <p:cNvGrpSpPr/>
         <p:nvPr/>
       </p:nvGrpSpPr>
@@ -297,9 +309,11 @@
       <p:sp>
         <p:nvSpPr>
           <p:cNvPr id="3" name="Google Shape;3;n"/>
-          <p:cNvSpPr/>
+          <p:cNvSpPr>
+            <a:spLocks noGrp="1" noRot="1" noChangeAspect="1"/>
+          </p:cNvSpPr>
           <p:nvPr>
-            <p:ph idx="2" type="sldImg"/>
+            <p:ph type="sldImg" idx="2"/>
           </p:nvPr>
         </p:nvSpPr>
         <p:spPr>
@@ -308,9 +322,13 @@
             <a:ext cx="6096075" cy="3429000"/>
           </a:xfrm>
           <a:custGeom>
-            <a:rect b="b" l="l" r="r" t="t"/>
+            <a:avLst/>
+            <a:gdLst/>
+            <a:ahLst/>
+            <a:cxnLst/>
+            <a:rect l="l" t="t" r="r" b="b"/>
             <a:pathLst>
-              <a:path extrusionOk="0" h="120000" w="120000">
+              <a:path w="120000" h="120000" extrusionOk="0">
                 <a:moveTo>
                   <a:pt x="0" y="0"/>
                 </a:moveTo>
@@ -328,23 +346,25 @@
             </a:pathLst>
           </a:custGeom>
           <a:noFill/>
-          <a:ln cap="flat" cmpd="sng" w="9525">
+          <a:ln w="9525" cap="flat" cmpd="sng">
             <a:solidFill>
               <a:srgbClr val="000000"/>
             </a:solidFill>
             <a:prstDash val="solid"/>
             <a:round/>
-            <a:headEnd len="sm" w="sm" type="none"/>
-            <a:tailEnd len="sm" w="sm" type="none"/>
+            <a:headEnd type="none" w="sm" len="sm"/>
+            <a:tailEnd type="none" w="sm" len="sm"/>
           </a:ln>
         </p:spPr>
       </p:sp>
       <p:sp>
         <p:nvSpPr>
           <p:cNvPr id="4" name="Google Shape;4;n"/>
-          <p:cNvSpPr txBox="1"/>
+          <p:cNvSpPr txBox="1">
+            <a:spLocks noGrp="1"/>
+          </p:cNvSpPr>
           <p:nvPr>
-            <p:ph idx="1" type="body"/>
+            <p:ph type="body" idx="1"/>
           </p:nvPr>
         </p:nvSpPr>
         <p:spPr>
@@ -361,9 +381,9 @@
           </a:ln>
         </p:spPr>
         <p:txBody>
-          <a:bodyPr anchorCtr="0" anchor="t" bIns="91425" lIns="91425" spcFirstLastPara="1" rIns="91425" wrap="square" tIns="91425"/>
+          <a:bodyPr spcFirstLastPara="1" wrap="square" lIns="91425" tIns="91425" rIns="91425" bIns="91425" anchor="t" anchorCtr="0"/>
           <a:lstStyle>
-            <a:lvl1pPr indent="-298450" lvl="0" marL="457200">
+            <a:lvl1pPr marL="457200" lvl="0" indent="-298450">
               <a:spcBef>
                 <a:spcPts val="0"/>
               </a:spcBef>
@@ -374,7 +394,7 @@
               <a:buChar char="●"/>
               <a:defRPr sz="1100"/>
             </a:lvl1pPr>
-            <a:lvl2pPr indent="-298450" lvl="1" marL="914400">
+            <a:lvl2pPr marL="914400" lvl="1" indent="-298450">
               <a:spcBef>
                 <a:spcPts val="0"/>
               </a:spcBef>
@@ -385,7 +405,7 @@
               <a:buChar char="○"/>
               <a:defRPr sz="1100"/>
             </a:lvl2pPr>
-            <a:lvl3pPr indent="-298450" lvl="2" marL="1371600">
+            <a:lvl3pPr marL="1371600" lvl="2" indent="-298450">
               <a:spcBef>
                 <a:spcPts val="0"/>
               </a:spcBef>
@@ -396,7 +416,7 @@
               <a:buChar char="■"/>
               <a:defRPr sz="1100"/>
             </a:lvl3pPr>
-            <a:lvl4pPr indent="-298450" lvl="3" marL="1828800">
+            <a:lvl4pPr marL="1828800" lvl="3" indent="-298450">
               <a:spcBef>
                 <a:spcPts val="0"/>
               </a:spcBef>
@@ -407,7 +427,7 @@
               <a:buChar char="●"/>
               <a:defRPr sz="1100"/>
             </a:lvl4pPr>
-            <a:lvl5pPr indent="-298450" lvl="4" marL="2286000">
+            <a:lvl5pPr marL="2286000" lvl="4" indent="-298450">
               <a:spcBef>
                 <a:spcPts val="0"/>
               </a:spcBef>
@@ -418,7 +438,7 @@
               <a:buChar char="○"/>
               <a:defRPr sz="1100"/>
             </a:lvl5pPr>
-            <a:lvl6pPr indent="-298450" lvl="5" marL="2743200">
+            <a:lvl6pPr marL="2743200" lvl="5" indent="-298450">
               <a:spcBef>
                 <a:spcPts val="0"/>
               </a:spcBef>
@@ -429,7 +449,7 @@
               <a:buChar char="■"/>
               <a:defRPr sz="1100"/>
             </a:lvl6pPr>
-            <a:lvl7pPr indent="-298450" lvl="6" marL="3200400">
+            <a:lvl7pPr marL="3200400" lvl="6" indent="-298450">
               <a:spcBef>
                 <a:spcPts val="0"/>
               </a:spcBef>
@@ -440,7 +460,7 @@
               <a:buChar char="●"/>
               <a:defRPr sz="1100"/>
             </a:lvl7pPr>
-            <a:lvl8pPr indent="-298450" lvl="7" marL="3657600">
+            <a:lvl8pPr marL="3657600" lvl="7" indent="-298450">
               <a:spcBef>
                 <a:spcPts val="0"/>
               </a:spcBef>
@@ -451,7 +471,7 @@
               <a:buChar char="○"/>
               <a:defRPr sz="1100"/>
             </a:lvl8pPr>
-            <a:lvl9pPr indent="-298450" lvl="8" marL="4114800">
+            <a:lvl9pPr marL="4114800" lvl="8" indent="-298450">
               <a:spcBef>
                 <a:spcPts val="0"/>
               </a:spcBef>
@@ -463,14 +483,21 @@
               <a:defRPr sz="1100"/>
             </a:lvl9pPr>
           </a:lstStyle>
-          <a:p/>
+          <a:p>
+            <a:endParaRPr/>
+          </a:p>
         </p:txBody>
       </p:sp>
     </p:spTree>
+    <p:extLst>
+      <p:ext uri="{BB962C8B-B14F-4D97-AF65-F5344CB8AC3E}">
+        <p14:creationId xmlns:p14="http://schemas.microsoft.com/office/powerpoint/2010/main" val="3984808168"/>
+      </p:ext>
+    </p:extLst>
   </p:cSld>
-  <p:clrMap accent1="accent1" accent2="accent2" accent3="accent3" accent4="accent4" accent5="accent5" accent6="accent6" bg1="lt1" bg2="dk2" tx1="dk1" tx2="lt2" folHlink="folHlink" hlink="hlink"/>
+  <p:clrMap bg1="lt1" tx1="dk1" bg2="dk2" tx2="lt2" accent1="accent1" accent2="accent2" accent3="accent3" accent4="accent4" accent5="accent5" accent6="accent6" hlink="hlink" folHlink="folHlink"/>
   <p:notesStyle>
-    <a:defPPr lvl="0" marR="0" rtl="0" algn="l">
+    <a:defPPr marR="0" lvl="0" algn="l" rtl="0">
       <a:lnSpc>
         <a:spcPct val="100000"/>
       </a:lnSpc>
@@ -481,7 +508,7 @@
         <a:spcPts val="0"/>
       </a:spcAft>
     </a:defPPr>
-    <a:lvl1pPr lvl="0" marR="0" rtl="0" algn="l">
+    <a:lvl1pPr marR="0" lvl="0" algn="l" rtl="0">
       <a:lnSpc>
         <a:spcPct val="100000"/>
       </a:lnSpc>
@@ -495,7 +522,7 @@
         <a:srgbClr val="000000"/>
       </a:buClr>
       <a:buFont typeface="Arial"/>
-      <a:defRPr b="0" i="0" sz="1400" u="none" cap="none" strike="noStrike">
+      <a:defRPr sz="1400" b="0" i="0" u="none" strike="noStrike" cap="none">
         <a:solidFill>
           <a:srgbClr val="000000"/>
         </a:solidFill>
@@ -505,7 +532,7 @@
         <a:sym typeface="Arial"/>
       </a:defRPr>
     </a:lvl1pPr>
-    <a:lvl2pPr lvl="1" marR="0" rtl="0" algn="l">
+    <a:lvl2pPr marR="0" lvl="1" algn="l" rtl="0">
       <a:lnSpc>
         <a:spcPct val="100000"/>
       </a:lnSpc>
@@ -519,7 +546,7 @@
         <a:srgbClr val="000000"/>
       </a:buClr>
       <a:buFont typeface="Arial"/>
-      <a:defRPr b="0" i="0" sz="1400" u="none" cap="none" strike="noStrike">
+      <a:defRPr sz="1400" b="0" i="0" u="none" strike="noStrike" cap="none">
         <a:solidFill>
           <a:srgbClr val="000000"/>
         </a:solidFill>
@@ -529,7 +556,7 @@
         <a:sym typeface="Arial"/>
       </a:defRPr>
     </a:lvl2pPr>
-    <a:lvl3pPr lvl="2" marR="0" rtl="0" algn="l">
+    <a:lvl3pPr marR="0" lvl="2" algn="l" rtl="0">
       <a:lnSpc>
         <a:spcPct val="100000"/>
       </a:lnSpc>
@@ -543,7 +570,7 @@
         <a:srgbClr val="000000"/>
       </a:buClr>
       <a:buFont typeface="Arial"/>
-      <a:defRPr b="0" i="0" sz="1400" u="none" cap="none" strike="noStrike">
+      <a:defRPr sz="1400" b="0" i="0" u="none" strike="noStrike" cap="none">
         <a:solidFill>
           <a:srgbClr val="000000"/>
         </a:solidFill>
@@ -553,7 +580,7 @@
         <a:sym typeface="Arial"/>
       </a:defRPr>
     </a:lvl3pPr>
-    <a:lvl4pPr lvl="3" marR="0" rtl="0" algn="l">
+    <a:lvl4pPr marR="0" lvl="3" algn="l" rtl="0">
       <a:lnSpc>
         <a:spcPct val="100000"/>
       </a:lnSpc>
@@ -567,7 +594,7 @@
         <a:srgbClr val="000000"/>
       </a:buClr>
       <a:buFont typeface="Arial"/>
-      <a:defRPr b="0" i="0" sz="1400" u="none" cap="none" strike="noStrike">
+      <a:defRPr sz="1400" b="0" i="0" u="none" strike="noStrike" cap="none">
         <a:solidFill>
           <a:srgbClr val="000000"/>
         </a:solidFill>
@@ -577,7 +604,7 @@
         <a:sym typeface="Arial"/>
       </a:defRPr>
     </a:lvl4pPr>
-    <a:lvl5pPr lvl="4" marR="0" rtl="0" algn="l">
+    <a:lvl5pPr marR="0" lvl="4" algn="l" rtl="0">
       <a:lnSpc>
         <a:spcPct val="100000"/>
       </a:lnSpc>
@@ -591,7 +618,7 @@
         <a:srgbClr val="000000"/>
       </a:buClr>
       <a:buFont typeface="Arial"/>
-      <a:defRPr b="0" i="0" sz="1400" u="none" cap="none" strike="noStrike">
+      <a:defRPr sz="1400" b="0" i="0" u="none" strike="noStrike" cap="none">
         <a:solidFill>
           <a:srgbClr val="000000"/>
         </a:solidFill>
@@ -601,7 +628,7 @@
         <a:sym typeface="Arial"/>
       </a:defRPr>
     </a:lvl5pPr>
-    <a:lvl6pPr lvl="5" marR="0" rtl="0" algn="l">
+    <a:lvl6pPr marR="0" lvl="5" algn="l" rtl="0">
       <a:lnSpc>
         <a:spcPct val="100000"/>
       </a:lnSpc>
@@ -615,7 +642,7 @@
         <a:srgbClr val="000000"/>
       </a:buClr>
       <a:buFont typeface="Arial"/>
-      <a:defRPr b="0" i="0" sz="1400" u="none" cap="none" strike="noStrike">
+      <a:defRPr sz="1400" b="0" i="0" u="none" strike="noStrike" cap="none">
         <a:solidFill>
           <a:srgbClr val="000000"/>
         </a:solidFill>
@@ -625,7 +652,7 @@
         <a:sym typeface="Arial"/>
       </a:defRPr>
     </a:lvl6pPr>
-    <a:lvl7pPr lvl="6" marR="0" rtl="0" algn="l">
+    <a:lvl7pPr marR="0" lvl="6" algn="l" rtl="0">
       <a:lnSpc>
         <a:spcPct val="100000"/>
       </a:lnSpc>
@@ -639,7 +666,7 @@
         <a:srgbClr val="000000"/>
       </a:buClr>
       <a:buFont typeface="Arial"/>
-      <a:defRPr b="0" i="0" sz="1400" u="none" cap="none" strike="noStrike">
+      <a:defRPr sz="1400" b="0" i="0" u="none" strike="noStrike" cap="none">
         <a:solidFill>
           <a:srgbClr val="000000"/>
         </a:solidFill>
@@ -649,7 +676,7 @@
         <a:sym typeface="Arial"/>
       </a:defRPr>
     </a:lvl7pPr>
-    <a:lvl8pPr lvl="7" marR="0" rtl="0" algn="l">
+    <a:lvl8pPr marR="0" lvl="7" algn="l" rtl="0">
       <a:lnSpc>
         <a:spcPct val="100000"/>
       </a:lnSpc>
@@ -663,7 +690,7 @@
         <a:srgbClr val="000000"/>
       </a:buClr>
       <a:buFont typeface="Arial"/>
-      <a:defRPr b="0" i="0" sz="1400" u="none" cap="none" strike="noStrike">
+      <a:defRPr sz="1400" b="0" i="0" u="none" strike="noStrike" cap="none">
         <a:solidFill>
           <a:srgbClr val="000000"/>
         </a:solidFill>
@@ -673,7 +700,7 @@
         <a:sym typeface="Arial"/>
       </a:defRPr>
     </a:lvl8pPr>
-    <a:lvl9pPr lvl="8" marR="0" rtl="0" algn="l">
+    <a:lvl9pPr marR="0" lvl="8" algn="l" rtl="0">
       <a:lnSpc>
         <a:spcPct val="100000"/>
       </a:lnSpc>
@@ -687,7 +714,7 @@
         <a:srgbClr val="000000"/>
       </a:buClr>
       <a:buFont typeface="Arial"/>
-      <a:defRPr b="0" i="0" sz="1400" u="none" cap="none" strike="noStrike">
+      <a:defRPr sz="1400" b="0" i="0" u="none" strike="noStrike" cap="none">
         <a:solidFill>
           <a:srgbClr val="000000"/>
         </a:solidFill>
@@ -702,11 +729,11 @@
 </file>
 
 <file path=ppt/notesSlides/notesSlide1.xml><?xml version="1.0" encoding="utf-8"?>
-<p:notes xmlns:a="http://schemas.openxmlformats.org/drawingml/2006/main" xmlns:r="http://schemas.openxmlformats.org/officeDocument/2006/relationships" xmlns:mc="http://schemas.openxmlformats.org/markup-compatibility/2006" xmlns:mv="urn:schemas-microsoft-com:mac:vml" xmlns:p="http://schemas.openxmlformats.org/presentationml/2006/main" xmlns:c="http://schemas.openxmlformats.org/drawingml/2006/chart" xmlns:dgm="http://schemas.openxmlformats.org/drawingml/2006/diagram" xmlns:o="urn:schemas-microsoft-com:office:office" xmlns:v="urn:schemas-microsoft-com:vml" xmlns:pvml="urn:schemas-microsoft-com:office:powerpoint" xmlns:com="http://schemas.openxmlformats.org/drawingml/2006/compatibility" xmlns:p14="http://schemas.microsoft.com/office/powerpoint/2010/main" xmlns:p15="http://schemas.microsoft.com/office/powerpoint/2012/main" showMasterPhAnim="0" showMasterSp="0">
+<p:notes xmlns:a="http://schemas.openxmlformats.org/drawingml/2006/main" xmlns:r="http://schemas.openxmlformats.org/officeDocument/2006/relationships" xmlns:p="http://schemas.openxmlformats.org/presentationml/2006/main" showMasterSp="0" showMasterPhAnim="0">
   <p:cSld>
     <p:spTree>
       <p:nvGrpSpPr>
-        <p:cNvPr id="124" name="Shape 124"/>
+        <p:cNvPr id="1" name="Shape 124"/>
         <p:cNvGrpSpPr/>
         <p:nvPr/>
       </p:nvGrpSpPr>
@@ -721,20 +748,26 @@
       <p:sp>
         <p:nvSpPr>
           <p:cNvPr id="125" name="Google Shape;125;p:notes"/>
-          <p:cNvSpPr/>
+          <p:cNvSpPr>
+            <a:spLocks noGrp="1" noRot="1" noChangeAspect="1"/>
+          </p:cNvSpPr>
           <p:nvPr>
-            <p:ph idx="2" type="sldImg"/>
+            <p:ph type="sldImg" idx="2"/>
           </p:nvPr>
         </p:nvSpPr>
         <p:spPr>
           <a:xfrm>
-            <a:off x="381300" y="685800"/>
-            <a:ext cx="6096075" cy="3429000"/>
+            <a:off x="381000" y="685800"/>
+            <a:ext cx="6096000" cy="3429000"/>
           </a:xfrm>
           <a:custGeom>
-            <a:rect b="b" l="l" r="r" t="t"/>
+            <a:avLst/>
+            <a:gdLst/>
+            <a:ahLst/>
+            <a:cxnLst/>
+            <a:rect l="l" t="t" r="r" b="b"/>
             <a:pathLst>
-              <a:path extrusionOk="0" h="120000" w="120000">
+              <a:path w="120000" h="120000" extrusionOk="0">
                 <a:moveTo>
                   <a:pt x="0" y="0"/>
                 </a:moveTo>
@@ -756,9 +789,11 @@
       <p:sp>
         <p:nvSpPr>
           <p:cNvPr id="126" name="Google Shape;126;p:notes"/>
-          <p:cNvSpPr txBox="1"/>
+          <p:cNvSpPr txBox="1">
+            <a:spLocks noGrp="1"/>
+          </p:cNvSpPr>
           <p:nvPr>
-            <p:ph idx="1" type="body"/>
+            <p:ph type="body" idx="1"/>
           </p:nvPr>
         </p:nvSpPr>
         <p:spPr>
@@ -771,12 +806,12 @@
           </a:prstGeom>
         </p:spPr>
         <p:txBody>
-          <a:bodyPr anchorCtr="0" anchor="t" bIns="91425" lIns="91425" spcFirstLastPara="1" rIns="91425" wrap="square" tIns="91425">
+          <a:bodyPr spcFirstLastPara="1" wrap="square" lIns="91425" tIns="91425" rIns="91425" bIns="91425" anchor="t" anchorCtr="0">
             <a:noAutofit/>
           </a:bodyPr>
           <a:lstStyle/>
           <a:p>
-            <a:pPr indent="0" lvl="0" marL="0" rtl="0" algn="l">
+            <a:pPr marL="0" lvl="0" indent="0" algn="l" rtl="0">
               <a:spcBef>
                 <a:spcPts val="0"/>
               </a:spcBef>
@@ -785,9 +820,6 @@
               </a:spcAft>
               <a:buNone/>
             </a:pPr>
-            <a:r>
-              <a:t/>
-            </a:r>
             <a:endParaRPr/>
           </a:p>
         </p:txBody>
@@ -801,11 +833,11 @@
 </file>
 
 <file path=ppt/notesSlides/notesSlide2.xml><?xml version="1.0" encoding="utf-8"?>
-<p:notes xmlns:a="http://schemas.openxmlformats.org/drawingml/2006/main" xmlns:r="http://schemas.openxmlformats.org/officeDocument/2006/relationships" xmlns:mc="http://schemas.openxmlformats.org/markup-compatibility/2006" xmlns:mv="urn:schemas-microsoft-com:mac:vml" xmlns:p="http://schemas.openxmlformats.org/presentationml/2006/main" xmlns:c="http://schemas.openxmlformats.org/drawingml/2006/chart" xmlns:dgm="http://schemas.openxmlformats.org/drawingml/2006/diagram" xmlns:o="urn:schemas-microsoft-com:office:office" xmlns:v="urn:schemas-microsoft-com:vml" xmlns:pvml="urn:schemas-microsoft-com:office:powerpoint" xmlns:com="http://schemas.openxmlformats.org/drawingml/2006/compatibility" xmlns:p14="http://schemas.microsoft.com/office/powerpoint/2010/main" xmlns:p15="http://schemas.microsoft.com/office/powerpoint/2012/main" showMasterPhAnim="0" showMasterSp="0">
+<p:notes xmlns:a="http://schemas.openxmlformats.org/drawingml/2006/main" xmlns:r="http://schemas.openxmlformats.org/officeDocument/2006/relationships" xmlns:p="http://schemas.openxmlformats.org/presentationml/2006/main" showMasterSp="0" showMasterPhAnim="0">
   <p:cSld>
     <p:spTree>
       <p:nvGrpSpPr>
-        <p:cNvPr id="130" name="Shape 130"/>
+        <p:cNvPr id="1" name="Shape 130"/>
         <p:cNvGrpSpPr/>
         <p:nvPr/>
       </p:nvGrpSpPr>
@@ -820,9 +852,11 @@
       <p:sp>
         <p:nvSpPr>
           <p:cNvPr id="131" name="Google Shape;131;g57ba081622_0_0:notes"/>
-          <p:cNvSpPr/>
+          <p:cNvSpPr>
+            <a:spLocks noGrp="1" noRot="1" noChangeAspect="1"/>
+          </p:cNvSpPr>
           <p:nvPr>
-            <p:ph idx="2" type="sldImg"/>
+            <p:ph type="sldImg" idx="2"/>
           </p:nvPr>
         </p:nvSpPr>
         <p:spPr>
@@ -831,9 +865,13 @@
             <a:ext cx="6096000" cy="3429000"/>
           </a:xfrm>
           <a:custGeom>
-            <a:rect b="b" l="l" r="r" t="t"/>
+            <a:avLst/>
+            <a:gdLst/>
+            <a:ahLst/>
+            <a:cxnLst/>
+            <a:rect l="l" t="t" r="r" b="b"/>
             <a:pathLst>
-              <a:path extrusionOk="0" h="120000" w="120000">
+              <a:path w="120000" h="120000" extrusionOk="0">
                 <a:moveTo>
                   <a:pt x="0" y="0"/>
                 </a:moveTo>
@@ -855,9 +893,11 @@
       <p:sp>
         <p:nvSpPr>
           <p:cNvPr id="132" name="Google Shape;132;g57ba081622_0_0:notes"/>
-          <p:cNvSpPr txBox="1"/>
+          <p:cNvSpPr txBox="1">
+            <a:spLocks noGrp="1"/>
+          </p:cNvSpPr>
           <p:nvPr>
-            <p:ph idx="1" type="body"/>
+            <p:ph type="body" idx="1"/>
           </p:nvPr>
         </p:nvSpPr>
         <p:spPr>
@@ -870,12 +910,12 @@
           </a:prstGeom>
         </p:spPr>
         <p:txBody>
-          <a:bodyPr anchorCtr="0" anchor="t" bIns="91425" lIns="91425" spcFirstLastPara="1" rIns="91425" wrap="square" tIns="91425">
+          <a:bodyPr spcFirstLastPara="1" wrap="square" lIns="91425" tIns="91425" rIns="91425" bIns="91425" anchor="t" anchorCtr="0">
             <a:noAutofit/>
           </a:bodyPr>
           <a:lstStyle/>
           <a:p>
-            <a:pPr indent="0" lvl="0" marL="0" rtl="0" algn="l">
+            <a:pPr marL="0" lvl="0" indent="0" algn="l" rtl="0">
               <a:spcBef>
                 <a:spcPts val="0"/>
               </a:spcBef>
@@ -884,9 +924,6 @@
               </a:spcAft>
               <a:buNone/>
             </a:pPr>
-            <a:r>
-              <a:t/>
-            </a:r>
             <a:endParaRPr/>
           </a:p>
         </p:txBody>
@@ -900,11 +937,11 @@
 </file>
 
 <file path=ppt/notesSlides/notesSlide3.xml><?xml version="1.0" encoding="utf-8"?>
-<p:notes xmlns:a="http://schemas.openxmlformats.org/drawingml/2006/main" xmlns:r="http://schemas.openxmlformats.org/officeDocument/2006/relationships" xmlns:mc="http://schemas.openxmlformats.org/markup-compatibility/2006" xmlns:mv="urn:schemas-microsoft-com:mac:vml" xmlns:p="http://schemas.openxmlformats.org/presentationml/2006/main" xmlns:c="http://schemas.openxmlformats.org/drawingml/2006/chart" xmlns:dgm="http://schemas.openxmlformats.org/drawingml/2006/diagram" xmlns:o="urn:schemas-microsoft-com:office:office" xmlns:v="urn:schemas-microsoft-com:vml" xmlns:pvml="urn:schemas-microsoft-com:office:powerpoint" xmlns:com="http://schemas.openxmlformats.org/drawingml/2006/compatibility" xmlns:p14="http://schemas.microsoft.com/office/powerpoint/2010/main" xmlns:p15="http://schemas.microsoft.com/office/powerpoint/2012/main" showMasterPhAnim="0" showMasterSp="0">
+<p:notes xmlns:a="http://schemas.openxmlformats.org/drawingml/2006/main" xmlns:r="http://schemas.openxmlformats.org/officeDocument/2006/relationships" xmlns:p="http://schemas.openxmlformats.org/presentationml/2006/main" showMasterSp="0" showMasterPhAnim="0">
   <p:cSld>
     <p:spTree>
       <p:nvGrpSpPr>
-        <p:cNvPr id="136" name="Shape 136"/>
+        <p:cNvPr id="1" name="Shape 136"/>
         <p:cNvGrpSpPr/>
         <p:nvPr/>
       </p:nvGrpSpPr>
@@ -919,9 +956,11 @@
       <p:sp>
         <p:nvSpPr>
           <p:cNvPr id="137" name="Google Shape;137;g57ba081622_0_312:notes"/>
-          <p:cNvSpPr/>
+          <p:cNvSpPr>
+            <a:spLocks noGrp="1" noRot="1" noChangeAspect="1"/>
+          </p:cNvSpPr>
           <p:nvPr>
-            <p:ph idx="2" type="sldImg"/>
+            <p:ph type="sldImg" idx="2"/>
           </p:nvPr>
         </p:nvSpPr>
         <p:spPr>
@@ -930,9 +969,13 @@
             <a:ext cx="6096000" cy="3429000"/>
           </a:xfrm>
           <a:custGeom>
-            <a:rect b="b" l="l" r="r" t="t"/>
+            <a:avLst/>
+            <a:gdLst/>
+            <a:ahLst/>
+            <a:cxnLst/>
+            <a:rect l="l" t="t" r="r" b="b"/>
             <a:pathLst>
-              <a:path extrusionOk="0" h="120000" w="120000">
+              <a:path w="120000" h="120000" extrusionOk="0">
                 <a:moveTo>
                   <a:pt x="0" y="0"/>
                 </a:moveTo>
@@ -954,9 +997,11 @@
       <p:sp>
         <p:nvSpPr>
           <p:cNvPr id="138" name="Google Shape;138;g57ba081622_0_312:notes"/>
-          <p:cNvSpPr txBox="1"/>
+          <p:cNvSpPr txBox="1">
+            <a:spLocks noGrp="1"/>
+          </p:cNvSpPr>
           <p:nvPr>
-            <p:ph idx="1" type="body"/>
+            <p:ph type="body" idx="1"/>
           </p:nvPr>
         </p:nvSpPr>
         <p:spPr>
@@ -969,12 +1014,12 @@
           </a:prstGeom>
         </p:spPr>
         <p:txBody>
-          <a:bodyPr anchorCtr="0" anchor="t" bIns="91425" lIns="91425" spcFirstLastPara="1" rIns="91425" wrap="square" tIns="91425">
+          <a:bodyPr spcFirstLastPara="1" wrap="square" lIns="91425" tIns="91425" rIns="91425" bIns="91425" anchor="t" anchorCtr="0">
             <a:noAutofit/>
           </a:bodyPr>
           <a:lstStyle/>
           <a:p>
-            <a:pPr indent="0" lvl="0" marL="0" rtl="0" algn="l">
+            <a:pPr marL="0" lvl="0" indent="0" algn="l" rtl="0">
               <a:spcBef>
                 <a:spcPts val="0"/>
               </a:spcBef>
@@ -983,9 +1028,6 @@
               </a:spcAft>
               <a:buNone/>
             </a:pPr>
-            <a:r>
-              <a:t/>
-            </a:r>
             <a:endParaRPr/>
           </a:p>
         </p:txBody>
@@ -999,11 +1041,11 @@
 </file>
 
 <file path=ppt/notesSlides/notesSlide4.xml><?xml version="1.0" encoding="utf-8"?>
-<p:notes xmlns:a="http://schemas.openxmlformats.org/drawingml/2006/main" xmlns:r="http://schemas.openxmlformats.org/officeDocument/2006/relationships" xmlns:mc="http://schemas.openxmlformats.org/markup-compatibility/2006" xmlns:mv="urn:schemas-microsoft-com:mac:vml" xmlns:p="http://schemas.openxmlformats.org/presentationml/2006/main" xmlns:c="http://schemas.openxmlformats.org/drawingml/2006/chart" xmlns:dgm="http://schemas.openxmlformats.org/drawingml/2006/diagram" xmlns:o="urn:schemas-microsoft-com:office:office" xmlns:v="urn:schemas-microsoft-com:vml" xmlns:pvml="urn:schemas-microsoft-com:office:powerpoint" xmlns:com="http://schemas.openxmlformats.org/drawingml/2006/compatibility" xmlns:p14="http://schemas.microsoft.com/office/powerpoint/2010/main" xmlns:p15="http://schemas.microsoft.com/office/powerpoint/2012/main" showMasterPhAnim="0" showMasterSp="0">
+<p:notes xmlns:a="http://schemas.openxmlformats.org/drawingml/2006/main" xmlns:r="http://schemas.openxmlformats.org/officeDocument/2006/relationships" xmlns:p="http://schemas.openxmlformats.org/presentationml/2006/main" showMasterSp="0" showMasterPhAnim="0">
   <p:cSld>
     <p:spTree>
       <p:nvGrpSpPr>
-        <p:cNvPr id="142" name="Shape 142"/>
+        <p:cNvPr id="1" name="Shape 142"/>
         <p:cNvGrpSpPr/>
         <p:nvPr/>
       </p:nvGrpSpPr>
@@ -1018,9 +1060,11 @@
       <p:sp>
         <p:nvSpPr>
           <p:cNvPr id="143" name="Google Shape;143;g57ba081622_0_317:notes"/>
-          <p:cNvSpPr/>
+          <p:cNvSpPr>
+            <a:spLocks noGrp="1" noRot="1" noChangeAspect="1"/>
+          </p:cNvSpPr>
           <p:nvPr>
-            <p:ph idx="2" type="sldImg"/>
+            <p:ph type="sldImg" idx="2"/>
           </p:nvPr>
         </p:nvSpPr>
         <p:spPr>
@@ -1029,9 +1073,13 @@
             <a:ext cx="6096000" cy="3429000"/>
           </a:xfrm>
           <a:custGeom>
-            <a:rect b="b" l="l" r="r" t="t"/>
+            <a:avLst/>
+            <a:gdLst/>
+            <a:ahLst/>
+            <a:cxnLst/>
+            <a:rect l="l" t="t" r="r" b="b"/>
             <a:pathLst>
-              <a:path extrusionOk="0" h="120000" w="120000">
+              <a:path w="120000" h="120000" extrusionOk="0">
                 <a:moveTo>
                   <a:pt x="0" y="0"/>
                 </a:moveTo>
@@ -1053,9 +1101,11 @@
       <p:sp>
         <p:nvSpPr>
           <p:cNvPr id="144" name="Google Shape;144;g57ba081622_0_317:notes"/>
-          <p:cNvSpPr txBox="1"/>
+          <p:cNvSpPr txBox="1">
+            <a:spLocks noGrp="1"/>
+          </p:cNvSpPr>
           <p:nvPr>
-            <p:ph idx="1" type="body"/>
+            <p:ph type="body" idx="1"/>
           </p:nvPr>
         </p:nvSpPr>
         <p:spPr>
@@ -1068,12 +1118,12 @@
           </a:prstGeom>
         </p:spPr>
         <p:txBody>
-          <a:bodyPr anchorCtr="0" anchor="t" bIns="91425" lIns="91425" spcFirstLastPara="1" rIns="91425" wrap="square" tIns="91425">
+          <a:bodyPr spcFirstLastPara="1" wrap="square" lIns="91425" tIns="91425" rIns="91425" bIns="91425" anchor="t" anchorCtr="0">
             <a:noAutofit/>
           </a:bodyPr>
           <a:lstStyle/>
           <a:p>
-            <a:pPr indent="0" lvl="0" marL="0" rtl="0" algn="l">
+            <a:pPr marL="0" lvl="0" indent="0" algn="l" rtl="0">
               <a:spcBef>
                 <a:spcPts val="0"/>
               </a:spcBef>
@@ -1082,9 +1132,6 @@
               </a:spcAft>
               <a:buNone/>
             </a:pPr>
-            <a:r>
-              <a:t/>
-            </a:r>
             <a:endParaRPr/>
           </a:p>
         </p:txBody>
@@ -1098,11 +1145,11 @@
 </file>
 
 <file path=ppt/notesSlides/notesSlide5.xml><?xml version="1.0" encoding="utf-8"?>
-<p:notes xmlns:a="http://schemas.openxmlformats.org/drawingml/2006/main" xmlns:r="http://schemas.openxmlformats.org/officeDocument/2006/relationships" xmlns:mc="http://schemas.openxmlformats.org/markup-compatibility/2006" xmlns:mv="urn:schemas-microsoft-com:mac:vml" xmlns:p="http://schemas.openxmlformats.org/presentationml/2006/main" xmlns:c="http://schemas.openxmlformats.org/drawingml/2006/chart" xmlns:dgm="http://schemas.openxmlformats.org/drawingml/2006/diagram" xmlns:o="urn:schemas-microsoft-com:office:office" xmlns:v="urn:schemas-microsoft-com:vml" xmlns:pvml="urn:schemas-microsoft-com:office:powerpoint" xmlns:com="http://schemas.openxmlformats.org/drawingml/2006/compatibility" xmlns:p14="http://schemas.microsoft.com/office/powerpoint/2010/main" xmlns:p15="http://schemas.microsoft.com/office/powerpoint/2012/main" showMasterPhAnim="0" showMasterSp="0">
+<p:notes xmlns:a="http://schemas.openxmlformats.org/drawingml/2006/main" xmlns:r="http://schemas.openxmlformats.org/officeDocument/2006/relationships" xmlns:p="http://schemas.openxmlformats.org/presentationml/2006/main" showMasterSp="0" showMasterPhAnim="0">
   <p:cSld>
     <p:spTree>
       <p:nvGrpSpPr>
-        <p:cNvPr id="148" name="Shape 148"/>
+        <p:cNvPr id="1" name="Shape 148"/>
         <p:cNvGrpSpPr/>
         <p:nvPr/>
       </p:nvGrpSpPr>
@@ -1117,9 +1164,11 @@
       <p:sp>
         <p:nvSpPr>
           <p:cNvPr id="149" name="Google Shape;149;g57ba081622_0_5:notes"/>
-          <p:cNvSpPr/>
+          <p:cNvSpPr>
+            <a:spLocks noGrp="1" noRot="1" noChangeAspect="1"/>
+          </p:cNvSpPr>
           <p:nvPr>
-            <p:ph idx="2" type="sldImg"/>
+            <p:ph type="sldImg" idx="2"/>
           </p:nvPr>
         </p:nvSpPr>
         <p:spPr>
@@ -1128,9 +1177,13 @@
             <a:ext cx="6096000" cy="3429000"/>
           </a:xfrm>
           <a:custGeom>
-            <a:rect b="b" l="l" r="r" t="t"/>
+            <a:avLst/>
+            <a:gdLst/>
+            <a:ahLst/>
+            <a:cxnLst/>
+            <a:rect l="l" t="t" r="r" b="b"/>
             <a:pathLst>
-              <a:path extrusionOk="0" h="120000" w="120000">
+              <a:path w="120000" h="120000" extrusionOk="0">
                 <a:moveTo>
                   <a:pt x="0" y="0"/>
                 </a:moveTo>
@@ -1152,9 +1205,11 @@
       <p:sp>
         <p:nvSpPr>
           <p:cNvPr id="150" name="Google Shape;150;g57ba081622_0_5:notes"/>
-          <p:cNvSpPr txBox="1"/>
+          <p:cNvSpPr txBox="1">
+            <a:spLocks noGrp="1"/>
+          </p:cNvSpPr>
           <p:nvPr>
-            <p:ph idx="1" type="body"/>
+            <p:ph type="body" idx="1"/>
           </p:nvPr>
         </p:nvSpPr>
         <p:spPr>
@@ -1167,12 +1222,12 @@
           </a:prstGeom>
         </p:spPr>
         <p:txBody>
-          <a:bodyPr anchorCtr="0" anchor="t" bIns="91425" lIns="91425" spcFirstLastPara="1" rIns="91425" wrap="square" tIns="91425">
+          <a:bodyPr spcFirstLastPara="1" wrap="square" lIns="91425" tIns="91425" rIns="91425" bIns="91425" anchor="t" anchorCtr="0">
             <a:noAutofit/>
           </a:bodyPr>
           <a:lstStyle/>
           <a:p>
-            <a:pPr indent="0" lvl="0" marL="0" rtl="0" algn="l">
+            <a:pPr marL="0" lvl="0" indent="0" algn="l" rtl="0">
               <a:spcBef>
                 <a:spcPts val="0"/>
               </a:spcBef>
@@ -1181,9 +1236,6 @@
               </a:spcAft>
               <a:buNone/>
             </a:pPr>
-            <a:r>
-              <a:t/>
-            </a:r>
             <a:endParaRPr/>
           </a:p>
         </p:txBody>
@@ -1197,11 +1249,11 @@
 </file>
 
 <file path=ppt/notesSlides/notesSlide6.xml><?xml version="1.0" encoding="utf-8"?>
-<p:notes xmlns:a="http://schemas.openxmlformats.org/drawingml/2006/main" xmlns:r="http://schemas.openxmlformats.org/officeDocument/2006/relationships" xmlns:mc="http://schemas.openxmlformats.org/markup-compatibility/2006" xmlns:mv="urn:schemas-microsoft-com:mac:vml" xmlns:p="http://schemas.openxmlformats.org/presentationml/2006/main" xmlns:c="http://schemas.openxmlformats.org/drawingml/2006/chart" xmlns:dgm="http://schemas.openxmlformats.org/drawingml/2006/diagram" xmlns:o="urn:schemas-microsoft-com:office:office" xmlns:v="urn:schemas-microsoft-com:vml" xmlns:pvml="urn:schemas-microsoft-com:office:powerpoint" xmlns:com="http://schemas.openxmlformats.org/drawingml/2006/compatibility" xmlns:p14="http://schemas.microsoft.com/office/powerpoint/2010/main" xmlns:p15="http://schemas.microsoft.com/office/powerpoint/2012/main" showMasterPhAnim="0" showMasterSp="0">
+<p:notes xmlns:a="http://schemas.openxmlformats.org/drawingml/2006/main" xmlns:r="http://schemas.openxmlformats.org/officeDocument/2006/relationships" xmlns:p="http://schemas.openxmlformats.org/presentationml/2006/main" showMasterSp="0" showMasterPhAnim="0">
   <p:cSld>
     <p:spTree>
       <p:nvGrpSpPr>
-        <p:cNvPr id="155" name="Shape 155"/>
+        <p:cNvPr id="1" name="Shape 155"/>
         <p:cNvGrpSpPr/>
         <p:nvPr/>
       </p:nvGrpSpPr>
@@ -1216,9 +1268,11 @@
       <p:sp>
         <p:nvSpPr>
           <p:cNvPr id="156" name="Google Shape;156;g57ba081622_0_322:notes"/>
-          <p:cNvSpPr/>
+          <p:cNvSpPr>
+            <a:spLocks noGrp="1" noRot="1" noChangeAspect="1"/>
+          </p:cNvSpPr>
           <p:nvPr>
-            <p:ph idx="2" type="sldImg"/>
+            <p:ph type="sldImg" idx="2"/>
           </p:nvPr>
         </p:nvSpPr>
         <p:spPr>
@@ -1227,9 +1281,13 @@
             <a:ext cx="6096000" cy="3429000"/>
           </a:xfrm>
           <a:custGeom>
-            <a:rect b="b" l="l" r="r" t="t"/>
+            <a:avLst/>
+            <a:gdLst/>
+            <a:ahLst/>
+            <a:cxnLst/>
+            <a:rect l="l" t="t" r="r" b="b"/>
             <a:pathLst>
-              <a:path extrusionOk="0" h="120000" w="120000">
+              <a:path w="120000" h="120000" extrusionOk="0">
                 <a:moveTo>
                   <a:pt x="0" y="0"/>
                 </a:moveTo>
@@ -1251,9 +1309,11 @@
       <p:sp>
         <p:nvSpPr>
           <p:cNvPr id="157" name="Google Shape;157;g57ba081622_0_322:notes"/>
-          <p:cNvSpPr txBox="1"/>
+          <p:cNvSpPr txBox="1">
+            <a:spLocks noGrp="1"/>
+          </p:cNvSpPr>
           <p:nvPr>
-            <p:ph idx="1" type="body"/>
+            <p:ph type="body" idx="1"/>
           </p:nvPr>
         </p:nvSpPr>
         <p:spPr>
@@ -1266,12 +1326,12 @@
           </a:prstGeom>
         </p:spPr>
         <p:txBody>
-          <a:bodyPr anchorCtr="0" anchor="t" bIns="91425" lIns="91425" spcFirstLastPara="1" rIns="91425" wrap="square" tIns="91425">
+          <a:bodyPr spcFirstLastPara="1" wrap="square" lIns="91425" tIns="91425" rIns="91425" bIns="91425" anchor="t" anchorCtr="0">
             <a:noAutofit/>
           </a:bodyPr>
           <a:lstStyle/>
           <a:p>
-            <a:pPr indent="0" lvl="0" marL="0" rtl="0" algn="l">
+            <a:pPr marL="0" lvl="0" indent="0" algn="l" rtl="0">
               <a:spcBef>
                 <a:spcPts val="0"/>
               </a:spcBef>
@@ -1280,10 +1340,7 @@
               </a:spcAft>
               <a:buNone/>
             </a:pPr>
-            <a:r>
-              <a:t/>
-            </a:r>
-            <a:endParaRPr/>
+            <a:endParaRPr dirty="0"/>
           </a:p>
         </p:txBody>
       </p:sp>
@@ -1296,11 +1353,11 @@
 </file>
 
 <file path=ppt/notesSlides/notesSlide7.xml><?xml version="1.0" encoding="utf-8"?>
-<p:notes xmlns:a="http://schemas.openxmlformats.org/drawingml/2006/main" xmlns:r="http://schemas.openxmlformats.org/officeDocument/2006/relationships" xmlns:mc="http://schemas.openxmlformats.org/markup-compatibility/2006" xmlns:mv="urn:schemas-microsoft-com:mac:vml" xmlns:p="http://schemas.openxmlformats.org/presentationml/2006/main" xmlns:c="http://schemas.openxmlformats.org/drawingml/2006/chart" xmlns:dgm="http://schemas.openxmlformats.org/drawingml/2006/diagram" xmlns:o="urn:schemas-microsoft-com:office:office" xmlns:v="urn:schemas-microsoft-com:vml" xmlns:pvml="urn:schemas-microsoft-com:office:powerpoint" xmlns:com="http://schemas.openxmlformats.org/drawingml/2006/compatibility" xmlns:p14="http://schemas.microsoft.com/office/powerpoint/2010/main" xmlns:p15="http://schemas.microsoft.com/office/powerpoint/2012/main" showMasterPhAnim="0" showMasterSp="0">
+<p:notes xmlns:a="http://schemas.openxmlformats.org/drawingml/2006/main" xmlns:r="http://schemas.openxmlformats.org/officeDocument/2006/relationships" xmlns:p="http://schemas.openxmlformats.org/presentationml/2006/main" showMasterSp="0" showMasterPhAnim="0">
   <p:cSld>
     <p:spTree>
       <p:nvGrpSpPr>
-        <p:cNvPr id="161" name="Shape 161"/>
+        <p:cNvPr id="1" name="Shape 161"/>
         <p:cNvGrpSpPr/>
         <p:nvPr/>
       </p:nvGrpSpPr>
@@ -1315,20 +1372,26 @@
       <p:sp>
         <p:nvSpPr>
           <p:cNvPr id="162" name="Google Shape;162;g57ba081622_0_327:notes"/>
-          <p:cNvSpPr/>
+          <p:cNvSpPr>
+            <a:spLocks noGrp="1" noRot="1" noChangeAspect="1"/>
+          </p:cNvSpPr>
           <p:nvPr>
-            <p:ph idx="2" type="sldImg"/>
+            <p:ph type="sldImg" idx="2"/>
           </p:nvPr>
         </p:nvSpPr>
         <p:spPr>
           <a:xfrm>
-            <a:off x="381300" y="685800"/>
+            <a:off x="381000" y="685800"/>
             <a:ext cx="6096000" cy="3429000"/>
           </a:xfrm>
           <a:custGeom>
-            <a:rect b="b" l="l" r="r" t="t"/>
+            <a:avLst/>
+            <a:gdLst/>
+            <a:ahLst/>
+            <a:cxnLst/>
+            <a:rect l="l" t="t" r="r" b="b"/>
             <a:pathLst>
-              <a:path extrusionOk="0" h="120000" w="120000">
+              <a:path w="120000" h="120000" extrusionOk="0">
                 <a:moveTo>
                   <a:pt x="0" y="0"/>
                 </a:moveTo>
@@ -1350,9 +1413,11 @@
       <p:sp>
         <p:nvSpPr>
           <p:cNvPr id="163" name="Google Shape;163;g57ba081622_0_327:notes"/>
-          <p:cNvSpPr txBox="1"/>
+          <p:cNvSpPr txBox="1">
+            <a:spLocks noGrp="1"/>
+          </p:cNvSpPr>
           <p:nvPr>
-            <p:ph idx="1" type="body"/>
+            <p:ph type="body" idx="1"/>
           </p:nvPr>
         </p:nvSpPr>
         <p:spPr>
@@ -1365,12 +1430,12 @@
           </a:prstGeom>
         </p:spPr>
         <p:txBody>
-          <a:bodyPr anchorCtr="0" anchor="t" bIns="91425" lIns="91425" spcFirstLastPara="1" rIns="91425" wrap="square" tIns="91425">
+          <a:bodyPr spcFirstLastPara="1" wrap="square" lIns="91425" tIns="91425" rIns="91425" bIns="91425" anchor="t" anchorCtr="0">
             <a:noAutofit/>
           </a:bodyPr>
           <a:lstStyle/>
           <a:p>
-            <a:pPr indent="0" lvl="0" marL="0" rtl="0" algn="l">
+            <a:pPr marL="0" lvl="0" indent="0" algn="l" rtl="0">
               <a:spcBef>
                 <a:spcPts val="0"/>
               </a:spcBef>
@@ -1379,10 +1444,7 @@
               </a:spcAft>
               <a:buNone/>
             </a:pPr>
-            <a:r>
-              <a:t/>
-            </a:r>
-            <a:endParaRPr/>
+            <a:endParaRPr dirty="0"/>
           </a:p>
         </p:txBody>
       </p:sp>
@@ -1395,11 +1457,11 @@
 </file>
 
 <file path=ppt/notesSlides/notesSlide8.xml><?xml version="1.0" encoding="utf-8"?>
-<p:notes xmlns:a="http://schemas.openxmlformats.org/drawingml/2006/main" xmlns:r="http://schemas.openxmlformats.org/officeDocument/2006/relationships" xmlns:mc="http://schemas.openxmlformats.org/markup-compatibility/2006" xmlns:mv="urn:schemas-microsoft-com:mac:vml" xmlns:p="http://schemas.openxmlformats.org/presentationml/2006/main" xmlns:c="http://schemas.openxmlformats.org/drawingml/2006/chart" xmlns:dgm="http://schemas.openxmlformats.org/drawingml/2006/diagram" xmlns:o="urn:schemas-microsoft-com:office:office" xmlns:v="urn:schemas-microsoft-com:vml" xmlns:pvml="urn:schemas-microsoft-com:office:powerpoint" xmlns:com="http://schemas.openxmlformats.org/drawingml/2006/compatibility" xmlns:p14="http://schemas.microsoft.com/office/powerpoint/2010/main" xmlns:p15="http://schemas.microsoft.com/office/powerpoint/2012/main" showMasterPhAnim="0" showMasterSp="0">
+<p:notes xmlns:a="http://schemas.openxmlformats.org/drawingml/2006/main" xmlns:r="http://schemas.openxmlformats.org/officeDocument/2006/relationships" xmlns:p="http://schemas.openxmlformats.org/presentationml/2006/main" showMasterSp="0" showMasterPhAnim="0">
   <p:cSld>
     <p:spTree>
       <p:nvGrpSpPr>
-        <p:cNvPr id="168" name="Shape 168"/>
+        <p:cNvPr id="1" name="Shape 168"/>
         <p:cNvGrpSpPr/>
         <p:nvPr/>
       </p:nvGrpSpPr>
@@ -1414,9 +1476,11 @@
       <p:sp>
         <p:nvSpPr>
           <p:cNvPr id="169" name="Google Shape;169;g57ba081622_0_10:notes"/>
-          <p:cNvSpPr/>
+          <p:cNvSpPr>
+            <a:spLocks noGrp="1" noRot="1" noChangeAspect="1"/>
+          </p:cNvSpPr>
           <p:nvPr>
-            <p:ph idx="2" type="sldImg"/>
+            <p:ph type="sldImg" idx="2"/>
           </p:nvPr>
         </p:nvSpPr>
         <p:spPr>
@@ -1425,9 +1489,13 @@
             <a:ext cx="6096000" cy="3429000"/>
           </a:xfrm>
           <a:custGeom>
-            <a:rect b="b" l="l" r="r" t="t"/>
+            <a:avLst/>
+            <a:gdLst/>
+            <a:ahLst/>
+            <a:cxnLst/>
+            <a:rect l="l" t="t" r="r" b="b"/>
             <a:pathLst>
-              <a:path extrusionOk="0" h="120000" w="120000">
+              <a:path w="120000" h="120000" extrusionOk="0">
                 <a:moveTo>
                   <a:pt x="0" y="0"/>
                 </a:moveTo>
@@ -1449,9 +1517,11 @@
       <p:sp>
         <p:nvSpPr>
           <p:cNvPr id="170" name="Google Shape;170;g57ba081622_0_10:notes"/>
-          <p:cNvSpPr txBox="1"/>
+          <p:cNvSpPr txBox="1">
+            <a:spLocks noGrp="1"/>
+          </p:cNvSpPr>
           <p:nvPr>
-            <p:ph idx="1" type="body"/>
+            <p:ph type="body" idx="1"/>
           </p:nvPr>
         </p:nvSpPr>
         <p:spPr>
@@ -1464,12 +1534,12 @@
           </a:prstGeom>
         </p:spPr>
         <p:txBody>
-          <a:bodyPr anchorCtr="0" anchor="t" bIns="91425" lIns="91425" spcFirstLastPara="1" rIns="91425" wrap="square" tIns="91425">
+          <a:bodyPr spcFirstLastPara="1" wrap="square" lIns="91425" tIns="91425" rIns="91425" bIns="91425" anchor="t" anchorCtr="0">
             <a:noAutofit/>
           </a:bodyPr>
           <a:lstStyle/>
           <a:p>
-            <a:pPr indent="0" lvl="0" marL="0" rtl="0" algn="l">
+            <a:pPr marL="0" lvl="0" indent="0" algn="l" rtl="0">
               <a:spcBef>
                 <a:spcPts val="0"/>
               </a:spcBef>
@@ -1478,9 +1548,6 @@
               </a:spcAft>
               <a:buNone/>
             </a:pPr>
-            <a:r>
-              <a:t/>
-            </a:r>
             <a:endParaRPr/>
           </a:p>
         </p:txBody>
@@ -1494,11 +1561,11 @@
 </file>
 
 <file path=ppt/notesSlides/notesSlide9.xml><?xml version="1.0" encoding="utf-8"?>
-<p:notes xmlns:a="http://schemas.openxmlformats.org/drawingml/2006/main" xmlns:r="http://schemas.openxmlformats.org/officeDocument/2006/relationships" xmlns:mc="http://schemas.openxmlformats.org/markup-compatibility/2006" xmlns:mv="urn:schemas-microsoft-com:mac:vml" xmlns:p="http://schemas.openxmlformats.org/presentationml/2006/main" xmlns:c="http://schemas.openxmlformats.org/drawingml/2006/chart" xmlns:dgm="http://schemas.openxmlformats.org/drawingml/2006/diagram" xmlns:o="urn:schemas-microsoft-com:office:office" xmlns:v="urn:schemas-microsoft-com:vml" xmlns:pvml="urn:schemas-microsoft-com:office:powerpoint" xmlns:com="http://schemas.openxmlformats.org/drawingml/2006/compatibility" xmlns:p14="http://schemas.microsoft.com/office/powerpoint/2010/main" xmlns:p15="http://schemas.microsoft.com/office/powerpoint/2012/main" showMasterPhAnim="0" showMasterSp="0">
+<p:notes xmlns:a="http://schemas.openxmlformats.org/drawingml/2006/main" xmlns:r="http://schemas.openxmlformats.org/officeDocument/2006/relationships" xmlns:p="http://schemas.openxmlformats.org/presentationml/2006/main" showMasterSp="0" showMasterPhAnim="0">
   <p:cSld>
     <p:spTree>
       <p:nvGrpSpPr>
-        <p:cNvPr id="174" name="Shape 174"/>
+        <p:cNvPr id="1" name="Shape 174"/>
         <p:cNvGrpSpPr/>
         <p:nvPr/>
       </p:nvGrpSpPr>
@@ -1513,9 +1580,11 @@
       <p:sp>
         <p:nvSpPr>
           <p:cNvPr id="175" name="Google Shape;175;g57ba081622_1_0:notes"/>
-          <p:cNvSpPr/>
+          <p:cNvSpPr>
+            <a:spLocks noGrp="1" noRot="1" noChangeAspect="1"/>
+          </p:cNvSpPr>
           <p:nvPr>
-            <p:ph idx="2" type="sldImg"/>
+            <p:ph type="sldImg" idx="2"/>
           </p:nvPr>
         </p:nvSpPr>
         <p:spPr>
@@ -1524,9 +1593,13 @@
             <a:ext cx="6096000" cy="3429000"/>
           </a:xfrm>
           <a:custGeom>
-            <a:rect b="b" l="l" r="r" t="t"/>
+            <a:avLst/>
+            <a:gdLst/>
+            <a:ahLst/>
+            <a:cxnLst/>
+            <a:rect l="l" t="t" r="r" b="b"/>
             <a:pathLst>
-              <a:path extrusionOk="0" h="120000" w="120000">
+              <a:path w="120000" h="120000" extrusionOk="0">
                 <a:moveTo>
                   <a:pt x="0" y="0"/>
                 </a:moveTo>
@@ -1548,9 +1621,11 @@
       <p:sp>
         <p:nvSpPr>
           <p:cNvPr id="176" name="Google Shape;176;g57ba081622_1_0:notes"/>
-          <p:cNvSpPr txBox="1"/>
+          <p:cNvSpPr txBox="1">
+            <a:spLocks noGrp="1"/>
+          </p:cNvSpPr>
           <p:nvPr>
-            <p:ph idx="1" type="body"/>
+            <p:ph type="body" idx="1"/>
           </p:nvPr>
         </p:nvSpPr>
         <p:spPr>
@@ -1563,12 +1638,12 @@
           </a:prstGeom>
         </p:spPr>
         <p:txBody>
-          <a:bodyPr anchorCtr="0" anchor="t" bIns="91425" lIns="91425" spcFirstLastPara="1" rIns="91425" wrap="square" tIns="91425">
+          <a:bodyPr spcFirstLastPara="1" wrap="square" lIns="91425" tIns="91425" rIns="91425" bIns="91425" anchor="t" anchorCtr="0">
             <a:noAutofit/>
           </a:bodyPr>
           <a:lstStyle/>
           <a:p>
-            <a:pPr indent="0" lvl="0" marL="0" rtl="0" algn="l">
+            <a:pPr marL="0" lvl="0" indent="0" algn="l" rtl="0">
               <a:spcBef>
                 <a:spcPts val="0"/>
               </a:spcBef>
@@ -1577,9 +1652,6 @@
               </a:spcAft>
               <a:buNone/>
             </a:pPr>
-            <a:r>
-              <a:t/>
-            </a:r>
             <a:endParaRPr/>
           </a:p>
         </p:txBody>
@@ -1593,18 +1665,19 @@
 </file>
 
 <file path=ppt/slideLayouts/slideLayout1.xml><?xml version="1.0" encoding="utf-8"?>
-<p:sldLayout xmlns:a="http://schemas.openxmlformats.org/drawingml/2006/main" xmlns:r="http://schemas.openxmlformats.org/officeDocument/2006/relationships" xmlns:mc="http://schemas.openxmlformats.org/markup-compatibility/2006" xmlns:mv="urn:schemas-microsoft-com:mac:vml" xmlns:p="http://schemas.openxmlformats.org/presentationml/2006/main" xmlns:c="http://schemas.openxmlformats.org/drawingml/2006/chart" xmlns:dgm="http://schemas.openxmlformats.org/drawingml/2006/diagram" xmlns:o="urn:schemas-microsoft-com:office:office" xmlns:v="urn:schemas-microsoft-com:vml" xmlns:pvml="urn:schemas-microsoft-com:office:powerpoint" xmlns:com="http://schemas.openxmlformats.org/drawingml/2006/compatibility" xmlns:p14="http://schemas.microsoft.com/office/powerpoint/2010/main" xmlns:p15="http://schemas.microsoft.com/office/powerpoint/2012/main" matchingName="Title slide" type="title">
+<p:sldLayout xmlns:a="http://schemas.openxmlformats.org/drawingml/2006/main" xmlns:r="http://schemas.openxmlformats.org/officeDocument/2006/relationships" xmlns:p="http://schemas.openxmlformats.org/presentationml/2006/main" matchingName="Title slide" type="title">
   <p:cSld name="TITLE">
     <p:bg>
       <p:bgPr>
         <a:solidFill>
           <a:schemeClr val="accent6"/>
         </a:solidFill>
+        <a:effectLst/>
       </p:bgPr>
     </p:bg>
     <p:spTree>
       <p:nvGrpSpPr>
-        <p:cNvPr id="9" name="Shape 9"/>
+        <p:cNvPr id="1" name="Shape 9"/>
         <p:cNvGrpSpPr/>
         <p:nvPr/>
       </p:nvGrpSpPr>
@@ -1638,12 +1711,12 @@
           </a:ln>
         </p:spPr>
         <p:txBody>
-          <a:bodyPr anchorCtr="0" anchor="ctr" bIns="91425" lIns="91425" spcFirstLastPara="1" rIns="91425" wrap="square" tIns="91425">
+          <a:bodyPr spcFirstLastPara="1" wrap="square" lIns="91425" tIns="91425" rIns="91425" bIns="91425" anchor="ctr" anchorCtr="0">
             <a:noAutofit/>
           </a:bodyPr>
           <a:lstStyle/>
           <a:p>
-            <a:pPr indent="0" lvl="0" marL="0" rtl="0" algn="l">
+            <a:pPr marL="0" lvl="0" indent="0" algn="l" rtl="0">
               <a:spcBef>
                 <a:spcPts val="0"/>
               </a:spcBef>
@@ -1652,9 +1725,6 @@
               </a:spcAft>
               <a:buNone/>
             </a:pPr>
-            <a:r>
-              <a:t/>
-            </a:r>
             <a:endParaRPr/>
           </a:p>
         </p:txBody>
@@ -1681,12 +1751,12 @@
           </a:ln>
         </p:spPr>
         <p:txBody>
-          <a:bodyPr anchorCtr="0" anchor="ctr" bIns="91425" lIns="91425" spcFirstLastPara="1" rIns="91425" wrap="square" tIns="91425">
+          <a:bodyPr spcFirstLastPara="1" wrap="square" lIns="91425" tIns="91425" rIns="91425" bIns="91425" anchor="ctr" anchorCtr="0">
             <a:noAutofit/>
           </a:bodyPr>
           <a:lstStyle/>
           <a:p>
-            <a:pPr indent="0" lvl="0" marL="0" rtl="0" algn="l">
+            <a:pPr marL="0" lvl="0" indent="0" algn="l" rtl="0">
               <a:spcBef>
                 <a:spcPts val="0"/>
               </a:spcBef>
@@ -1695,9 +1765,6 @@
               </a:spcAft>
               <a:buNone/>
             </a:pPr>
-            <a:r>
-              <a:t/>
-            </a:r>
             <a:endParaRPr/>
           </a:p>
         </p:txBody>
@@ -1724,12 +1791,12 @@
           </a:ln>
         </p:spPr>
         <p:txBody>
-          <a:bodyPr anchorCtr="0" anchor="ctr" bIns="91425" lIns="91425" spcFirstLastPara="1" rIns="91425" wrap="square" tIns="91425">
+          <a:bodyPr spcFirstLastPara="1" wrap="square" lIns="91425" tIns="91425" rIns="91425" bIns="91425" anchor="ctr" anchorCtr="0">
             <a:noAutofit/>
           </a:bodyPr>
           <a:lstStyle/>
           <a:p>
-            <a:pPr indent="0" lvl="0" marL="0" rtl="0" algn="l">
+            <a:pPr marL="0" lvl="0" indent="0" algn="l" rtl="0">
               <a:spcBef>
                 <a:spcPts val="0"/>
               </a:spcBef>
@@ -1738,9 +1805,6 @@
               </a:spcAft>
               <a:buNone/>
             </a:pPr>
-            <a:r>
-              <a:t/>
-            </a:r>
             <a:endParaRPr/>
           </a:p>
         </p:txBody>
@@ -1766,7 +1830,7 @@
             <a:noFill/>
           </a:ln>
           <a:effectLst>
-            <a:outerShdw blurRad="228600" sx="101000" rotWithShape="0" algn="ctr" sy="101000">
+            <a:outerShdw blurRad="228600" sx="101000" sy="101000" algn="ctr" rotWithShape="0">
               <a:srgbClr val="000000">
                 <a:alpha val="40000"/>
               </a:srgbClr>
@@ -1774,12 +1838,12 @@
           </a:effectLst>
         </p:spPr>
         <p:txBody>
-          <a:bodyPr anchorCtr="0" anchor="ctr" bIns="91425" lIns="91425" spcFirstLastPara="1" rIns="91425" wrap="square" tIns="91425">
+          <a:bodyPr spcFirstLastPara="1" wrap="square" lIns="91425" tIns="91425" rIns="91425" bIns="91425" anchor="ctr" anchorCtr="0">
             <a:noAutofit/>
           </a:bodyPr>
           <a:lstStyle/>
           <a:p>
-            <a:pPr indent="0" lvl="0" marL="0" rtl="0" algn="l">
+            <a:pPr marL="0" lvl="0" indent="0" algn="l" rtl="0">
               <a:spcBef>
                 <a:spcPts val="0"/>
               </a:spcBef>
@@ -1788,9 +1852,6 @@
               </a:spcAft>
               <a:buNone/>
             </a:pPr>
-            <a:r>
-              <a:t/>
-            </a:r>
             <a:endParaRPr/>
           </a:p>
         </p:txBody>
@@ -1822,7 +1883,7 @@
             </a:xfrm>
             <a:prstGeom prst="parallelogram">
               <a:avLst>
-                <a:gd fmla="val 153193" name="adj"/>
+                <a:gd name="adj" fmla="val 153193"/>
               </a:avLst>
             </a:prstGeom>
             <a:solidFill>
@@ -1833,12 +1894,12 @@
             </a:ln>
           </p:spPr>
           <p:txBody>
-            <a:bodyPr anchorCtr="0" anchor="ctr" bIns="91425" lIns="91425" spcFirstLastPara="1" rIns="91425" wrap="square" tIns="91425">
+            <a:bodyPr spcFirstLastPara="1" wrap="square" lIns="91425" tIns="91425" rIns="91425" bIns="91425" anchor="ctr" anchorCtr="0">
               <a:noAutofit/>
             </a:bodyPr>
             <a:lstStyle/>
             <a:p>
-              <a:pPr indent="0" lvl="0" marL="0" rtl="0" algn="l">
+              <a:pPr marL="0" lvl="0" indent="0" algn="l" rtl="0">
                 <a:spcBef>
                   <a:spcPts val="0"/>
                 </a:spcBef>
@@ -1847,9 +1908,6 @@
                 </a:spcAft>
                 <a:buNone/>
               </a:pPr>
-              <a:r>
-                <a:t/>
-              </a:r>
               <a:endParaRPr/>
             </a:p>
           </p:txBody>
@@ -1867,7 +1925,7 @@
             </a:xfrm>
             <a:prstGeom prst="parallelogram">
               <a:avLst>
-                <a:gd fmla="val 153193" name="adj"/>
+                <a:gd name="adj" fmla="val 153193"/>
               </a:avLst>
             </a:prstGeom>
             <a:solidFill>
@@ -1878,12 +1936,12 @@
             </a:ln>
           </p:spPr>
           <p:txBody>
-            <a:bodyPr anchorCtr="0" anchor="ctr" bIns="91425" lIns="91425" spcFirstLastPara="1" rIns="91425" wrap="square" tIns="91425">
+            <a:bodyPr spcFirstLastPara="1" wrap="square" lIns="91425" tIns="91425" rIns="91425" bIns="91425" anchor="ctr" anchorCtr="0">
               <a:noAutofit/>
             </a:bodyPr>
             <a:lstStyle/>
             <a:p>
-              <a:pPr indent="0" lvl="0" marL="0" rtl="0" algn="l">
+              <a:pPr marL="0" lvl="0" indent="0" algn="l" rtl="0">
                 <a:spcBef>
                   <a:spcPts val="0"/>
                 </a:spcBef>
@@ -1892,9 +1950,6 @@
                 </a:spcAft>
                 <a:buNone/>
               </a:pPr>
-              <a:r>
-                <a:t/>
-              </a:r>
               <a:endParaRPr/>
             </a:p>
           </p:txBody>
@@ -1912,7 +1967,7 @@
             </a:xfrm>
             <a:prstGeom prst="parallelogram">
               <a:avLst>
-                <a:gd fmla="val 153193" name="adj"/>
+                <a:gd name="adj" fmla="val 153193"/>
               </a:avLst>
             </a:prstGeom>
             <a:solidFill>
@@ -1923,12 +1978,12 @@
             </a:ln>
           </p:spPr>
           <p:txBody>
-            <a:bodyPr anchorCtr="0" anchor="ctr" bIns="91425" lIns="91425" spcFirstLastPara="1" rIns="91425" wrap="square" tIns="91425">
+            <a:bodyPr spcFirstLastPara="1" wrap="square" lIns="91425" tIns="91425" rIns="91425" bIns="91425" anchor="ctr" anchorCtr="0">
               <a:noAutofit/>
             </a:bodyPr>
             <a:lstStyle/>
             <a:p>
-              <a:pPr indent="0" lvl="0" marL="0" rtl="0" algn="l">
+              <a:pPr marL="0" lvl="0" indent="0" algn="l" rtl="0">
                 <a:spcBef>
                   <a:spcPts val="0"/>
                 </a:spcBef>
@@ -1937,9 +1992,6 @@
                 </a:spcAft>
                 <a:buNone/>
               </a:pPr>
-              <a:r>
-                <a:t/>
-              </a:r>
               <a:endParaRPr/>
             </a:p>
           </p:txBody>
@@ -1972,7 +2024,7 @@
             </a:xfrm>
             <a:prstGeom prst="parallelogram">
               <a:avLst>
-                <a:gd fmla="val 153193" name="adj"/>
+                <a:gd name="adj" fmla="val 153193"/>
               </a:avLst>
             </a:prstGeom>
             <a:solidFill>
@@ -1983,12 +2035,12 @@
             </a:ln>
           </p:spPr>
           <p:txBody>
-            <a:bodyPr anchorCtr="0" anchor="ctr" bIns="91425" lIns="91425" spcFirstLastPara="1" rIns="91425" wrap="square" tIns="91425">
+            <a:bodyPr spcFirstLastPara="1" wrap="square" lIns="91425" tIns="91425" rIns="91425" bIns="91425" anchor="ctr" anchorCtr="0">
               <a:noAutofit/>
             </a:bodyPr>
             <a:lstStyle/>
             <a:p>
-              <a:pPr indent="0" lvl="0" marL="0" rtl="0" algn="l">
+              <a:pPr marL="0" lvl="0" indent="0" algn="l" rtl="0">
                 <a:spcBef>
                   <a:spcPts val="0"/>
                 </a:spcBef>
@@ -1997,9 +2049,6 @@
                 </a:spcAft>
                 <a:buNone/>
               </a:pPr>
-              <a:r>
-                <a:t/>
-              </a:r>
               <a:endParaRPr/>
             </a:p>
           </p:txBody>
@@ -2017,7 +2066,7 @@
             </a:xfrm>
             <a:prstGeom prst="parallelogram">
               <a:avLst>
-                <a:gd fmla="val 153193" name="adj"/>
+                <a:gd name="adj" fmla="val 153193"/>
               </a:avLst>
             </a:prstGeom>
             <a:solidFill>
@@ -2028,12 +2077,12 @@
             </a:ln>
           </p:spPr>
           <p:txBody>
-            <a:bodyPr anchorCtr="0" anchor="ctr" bIns="91425" lIns="91425" spcFirstLastPara="1" rIns="91425" wrap="square" tIns="91425">
+            <a:bodyPr spcFirstLastPara="1" wrap="square" lIns="91425" tIns="91425" rIns="91425" bIns="91425" anchor="ctr" anchorCtr="0">
               <a:noAutofit/>
             </a:bodyPr>
             <a:lstStyle/>
             <a:p>
-              <a:pPr indent="0" lvl="0" marL="0" rtl="0" algn="l">
+              <a:pPr marL="0" lvl="0" indent="0" algn="l" rtl="0">
                 <a:spcBef>
                   <a:spcPts val="0"/>
                 </a:spcBef>
@@ -2042,9 +2091,6 @@
                 </a:spcAft>
                 <a:buNone/>
               </a:pPr>
-              <a:r>
-                <a:t/>
-              </a:r>
               <a:endParaRPr/>
             </a:p>
           </p:txBody>
@@ -2062,7 +2108,7 @@
             </a:xfrm>
             <a:prstGeom prst="parallelogram">
               <a:avLst>
-                <a:gd fmla="val 153193" name="adj"/>
+                <a:gd name="adj" fmla="val 153193"/>
               </a:avLst>
             </a:prstGeom>
             <a:solidFill>
@@ -2073,12 +2119,12 @@
             </a:ln>
           </p:spPr>
           <p:txBody>
-            <a:bodyPr anchorCtr="0" anchor="ctr" bIns="91425" lIns="91425" spcFirstLastPara="1" rIns="91425" wrap="square" tIns="91425">
+            <a:bodyPr spcFirstLastPara="1" wrap="square" lIns="91425" tIns="91425" rIns="91425" bIns="91425" anchor="ctr" anchorCtr="0">
               <a:noAutofit/>
             </a:bodyPr>
             <a:lstStyle/>
             <a:p>
-              <a:pPr indent="0" lvl="0" marL="0" rtl="0" algn="l">
+              <a:pPr marL="0" lvl="0" indent="0" algn="l" rtl="0">
                 <a:spcBef>
                   <a:spcPts val="0"/>
                 </a:spcBef>
@@ -2087,9 +2133,6 @@
                 </a:spcAft>
                 <a:buNone/>
               </a:pPr>
-              <a:r>
-                <a:t/>
-              </a:r>
               <a:endParaRPr/>
             </a:p>
           </p:txBody>
@@ -2122,7 +2165,7 @@
             </a:xfrm>
             <a:prstGeom prst="parallelogram">
               <a:avLst>
-                <a:gd fmla="val 158024" name="adj"/>
+                <a:gd name="adj" fmla="val 158024"/>
               </a:avLst>
             </a:prstGeom>
             <a:solidFill>
@@ -2133,12 +2176,12 @@
             </a:ln>
           </p:spPr>
           <p:txBody>
-            <a:bodyPr anchorCtr="0" anchor="ctr" bIns="91425" lIns="91425" spcFirstLastPara="1" rIns="91425" wrap="square" tIns="91425">
+            <a:bodyPr spcFirstLastPara="1" wrap="square" lIns="91425" tIns="91425" rIns="91425" bIns="91425" anchor="ctr" anchorCtr="0">
               <a:noAutofit/>
             </a:bodyPr>
             <a:lstStyle/>
             <a:p>
-              <a:pPr indent="0" lvl="0" marL="0" rtl="0" algn="l">
+              <a:pPr marL="0" lvl="0" indent="0" algn="l" rtl="0">
                 <a:spcBef>
                   <a:spcPts val="0"/>
                 </a:spcBef>
@@ -2147,9 +2190,6 @@
                 </a:spcAft>
                 <a:buNone/>
               </a:pPr>
-              <a:r>
-                <a:t/>
-              </a:r>
               <a:endParaRPr/>
             </a:p>
           </p:txBody>
@@ -2167,7 +2207,7 @@
             </a:xfrm>
             <a:prstGeom prst="parallelogram">
               <a:avLst>
-                <a:gd fmla="val 158024" name="adj"/>
+                <a:gd name="adj" fmla="val 158024"/>
               </a:avLst>
             </a:prstGeom>
             <a:solidFill>
@@ -2178,12 +2218,12 @@
             </a:ln>
           </p:spPr>
           <p:txBody>
-            <a:bodyPr anchorCtr="0" anchor="ctr" bIns="91425" lIns="91425" spcFirstLastPara="1" rIns="91425" wrap="square" tIns="91425">
+            <a:bodyPr spcFirstLastPara="1" wrap="square" lIns="91425" tIns="91425" rIns="91425" bIns="91425" anchor="ctr" anchorCtr="0">
               <a:noAutofit/>
             </a:bodyPr>
             <a:lstStyle/>
             <a:p>
-              <a:pPr indent="0" lvl="0" marL="0" rtl="0" algn="l">
+              <a:pPr marL="0" lvl="0" indent="0" algn="l" rtl="0">
                 <a:spcBef>
                   <a:spcPts val="0"/>
                 </a:spcBef>
@@ -2192,9 +2232,6 @@
                 </a:spcAft>
                 <a:buNone/>
               </a:pPr>
-              <a:r>
-                <a:t/>
-              </a:r>
               <a:endParaRPr/>
             </a:p>
           </p:txBody>
@@ -2212,7 +2249,7 @@
             </a:xfrm>
             <a:prstGeom prst="parallelogram">
               <a:avLst>
-                <a:gd fmla="val 158024" name="adj"/>
+                <a:gd name="adj" fmla="val 158024"/>
               </a:avLst>
             </a:prstGeom>
             <a:solidFill>
@@ -2223,12 +2260,12 @@
             </a:ln>
           </p:spPr>
           <p:txBody>
-            <a:bodyPr anchorCtr="0" anchor="ctr" bIns="91425" lIns="91425" spcFirstLastPara="1" rIns="91425" wrap="square" tIns="91425">
+            <a:bodyPr spcFirstLastPara="1" wrap="square" lIns="91425" tIns="91425" rIns="91425" bIns="91425" anchor="ctr" anchorCtr="0">
               <a:noAutofit/>
             </a:bodyPr>
             <a:lstStyle/>
             <a:p>
-              <a:pPr indent="0" lvl="0" marL="0" rtl="0" algn="l">
+              <a:pPr marL="0" lvl="0" indent="0" algn="l" rtl="0">
                 <a:spcBef>
                   <a:spcPts val="0"/>
                 </a:spcBef>
@@ -2237,9 +2274,6 @@
                 </a:spcAft>
                 <a:buNone/>
               </a:pPr>
-              <a:r>
-                <a:t/>
-              </a:r>
               <a:endParaRPr/>
             </a:p>
           </p:txBody>
@@ -2272,7 +2306,7 @@
             </a:xfrm>
             <a:prstGeom prst="parallelogram">
               <a:avLst>
-                <a:gd fmla="val 158024" name="adj"/>
+                <a:gd name="adj" fmla="val 158024"/>
               </a:avLst>
             </a:prstGeom>
             <a:solidFill>
@@ -2283,12 +2317,12 @@
             </a:ln>
           </p:spPr>
           <p:txBody>
-            <a:bodyPr anchorCtr="0" anchor="ctr" bIns="91425" lIns="91425" spcFirstLastPara="1" rIns="91425" wrap="square" tIns="91425">
+            <a:bodyPr spcFirstLastPara="1" wrap="square" lIns="91425" tIns="91425" rIns="91425" bIns="91425" anchor="ctr" anchorCtr="0">
               <a:noAutofit/>
             </a:bodyPr>
             <a:lstStyle/>
             <a:p>
-              <a:pPr indent="0" lvl="0" marL="0" rtl="0" algn="l">
+              <a:pPr marL="0" lvl="0" indent="0" algn="l" rtl="0">
                 <a:spcBef>
                   <a:spcPts val="0"/>
                 </a:spcBef>
@@ -2297,9 +2331,6 @@
                 </a:spcAft>
                 <a:buNone/>
               </a:pPr>
-              <a:r>
-                <a:t/>
-              </a:r>
               <a:endParaRPr/>
             </a:p>
           </p:txBody>
@@ -2317,7 +2348,7 @@
             </a:xfrm>
             <a:prstGeom prst="parallelogram">
               <a:avLst>
-                <a:gd fmla="val 158024" name="adj"/>
+                <a:gd name="adj" fmla="val 158024"/>
               </a:avLst>
             </a:prstGeom>
             <a:solidFill>
@@ -2328,12 +2359,12 @@
             </a:ln>
           </p:spPr>
           <p:txBody>
-            <a:bodyPr anchorCtr="0" anchor="ctr" bIns="91425" lIns="91425" spcFirstLastPara="1" rIns="91425" wrap="square" tIns="91425">
+            <a:bodyPr spcFirstLastPara="1" wrap="square" lIns="91425" tIns="91425" rIns="91425" bIns="91425" anchor="ctr" anchorCtr="0">
               <a:noAutofit/>
             </a:bodyPr>
             <a:lstStyle/>
             <a:p>
-              <a:pPr indent="0" lvl="0" marL="0" rtl="0" algn="l">
+              <a:pPr marL="0" lvl="0" indent="0" algn="l" rtl="0">
                 <a:spcBef>
                   <a:spcPts val="0"/>
                 </a:spcBef>
@@ -2342,9 +2373,6 @@
                 </a:spcAft>
                 <a:buNone/>
               </a:pPr>
-              <a:r>
-                <a:t/>
-              </a:r>
               <a:endParaRPr/>
             </a:p>
           </p:txBody>
@@ -2362,7 +2390,7 @@
             </a:xfrm>
             <a:prstGeom prst="parallelogram">
               <a:avLst>
-                <a:gd fmla="val 158024" name="adj"/>
+                <a:gd name="adj" fmla="val 158024"/>
               </a:avLst>
             </a:prstGeom>
             <a:solidFill>
@@ -2373,12 +2401,12 @@
             </a:ln>
           </p:spPr>
           <p:txBody>
-            <a:bodyPr anchorCtr="0" anchor="ctr" bIns="91425" lIns="91425" spcFirstLastPara="1" rIns="91425" wrap="square" tIns="91425">
+            <a:bodyPr spcFirstLastPara="1" wrap="square" lIns="91425" tIns="91425" rIns="91425" bIns="91425" anchor="ctr" anchorCtr="0">
               <a:noAutofit/>
             </a:bodyPr>
             <a:lstStyle/>
             <a:p>
-              <a:pPr indent="0" lvl="0" marL="0" rtl="0" algn="l">
+              <a:pPr marL="0" lvl="0" indent="0" algn="l" rtl="0">
                 <a:spcBef>
                   <a:spcPts val="0"/>
                 </a:spcBef>
@@ -2387,9 +2415,6 @@
                 </a:spcAft>
                 <a:buNone/>
               </a:pPr>
-              <a:r>
-                <a:t/>
-              </a:r>
               <a:endParaRPr/>
             </a:p>
           </p:txBody>
@@ -2422,7 +2447,7 @@
             </a:xfrm>
             <a:prstGeom prst="parallelogram">
               <a:avLst>
-                <a:gd fmla="val 158024" name="adj"/>
+                <a:gd name="adj" fmla="val 158024"/>
               </a:avLst>
             </a:prstGeom>
             <a:solidFill>
@@ -2433,12 +2458,12 @@
             </a:ln>
           </p:spPr>
           <p:txBody>
-            <a:bodyPr anchorCtr="0" anchor="ctr" bIns="91425" lIns="91425" spcFirstLastPara="1" rIns="91425" wrap="square" tIns="91425">
+            <a:bodyPr spcFirstLastPara="1" wrap="square" lIns="91425" tIns="91425" rIns="91425" bIns="91425" anchor="ctr" anchorCtr="0">
               <a:noAutofit/>
             </a:bodyPr>
             <a:lstStyle/>
             <a:p>
-              <a:pPr indent="0" lvl="0" marL="0" rtl="0" algn="l">
+              <a:pPr marL="0" lvl="0" indent="0" algn="l" rtl="0">
                 <a:spcBef>
                   <a:spcPts val="0"/>
                 </a:spcBef>
@@ -2447,9 +2472,6 @@
                 </a:spcAft>
                 <a:buNone/>
               </a:pPr>
-              <a:r>
-                <a:t/>
-              </a:r>
               <a:endParaRPr/>
             </a:p>
           </p:txBody>
@@ -2467,7 +2489,7 @@
             </a:xfrm>
             <a:prstGeom prst="parallelogram">
               <a:avLst>
-                <a:gd fmla="val 158024" name="adj"/>
+                <a:gd name="adj" fmla="val 158024"/>
               </a:avLst>
             </a:prstGeom>
             <a:solidFill>
@@ -2478,12 +2500,12 @@
             </a:ln>
           </p:spPr>
           <p:txBody>
-            <a:bodyPr anchorCtr="0" anchor="ctr" bIns="91425" lIns="91425" spcFirstLastPara="1" rIns="91425" wrap="square" tIns="91425">
+            <a:bodyPr spcFirstLastPara="1" wrap="square" lIns="91425" tIns="91425" rIns="91425" bIns="91425" anchor="ctr" anchorCtr="0">
               <a:noAutofit/>
             </a:bodyPr>
             <a:lstStyle/>
             <a:p>
-              <a:pPr indent="0" lvl="0" marL="0" rtl="0" algn="l">
+              <a:pPr marL="0" lvl="0" indent="0" algn="l" rtl="0">
                 <a:spcBef>
                   <a:spcPts val="0"/>
                 </a:spcBef>
@@ -2492,9 +2514,6 @@
                 </a:spcAft>
                 <a:buNone/>
               </a:pPr>
-              <a:r>
-                <a:t/>
-              </a:r>
               <a:endParaRPr/>
             </a:p>
           </p:txBody>
@@ -2512,7 +2531,7 @@
             </a:xfrm>
             <a:prstGeom prst="parallelogram">
               <a:avLst>
-                <a:gd fmla="val 158024" name="adj"/>
+                <a:gd name="adj" fmla="val 158024"/>
               </a:avLst>
             </a:prstGeom>
             <a:solidFill>
@@ -2523,12 +2542,12 @@
             </a:ln>
           </p:spPr>
           <p:txBody>
-            <a:bodyPr anchorCtr="0" anchor="ctr" bIns="91425" lIns="91425" spcFirstLastPara="1" rIns="91425" wrap="square" tIns="91425">
+            <a:bodyPr spcFirstLastPara="1" wrap="square" lIns="91425" tIns="91425" rIns="91425" bIns="91425" anchor="ctr" anchorCtr="0">
               <a:noAutofit/>
             </a:bodyPr>
             <a:lstStyle/>
             <a:p>
-              <a:pPr indent="0" lvl="0" marL="0" rtl="0" algn="l">
+              <a:pPr marL="0" lvl="0" indent="0" algn="l" rtl="0">
                 <a:spcBef>
                   <a:spcPts val="0"/>
                 </a:spcBef>
@@ -2537,9 +2556,6 @@
                 </a:spcAft>
                 <a:buNone/>
               </a:pPr>
-              <a:r>
-                <a:t/>
-              </a:r>
               <a:endParaRPr/>
             </a:p>
           </p:txBody>
@@ -2548,7 +2564,9 @@
       <p:sp>
         <p:nvSpPr>
           <p:cNvPr id="34" name="Google Shape;34;p2"/>
-          <p:cNvSpPr txBox="1"/>
+          <p:cNvSpPr txBox="1">
+            <a:spLocks noGrp="1"/>
+          </p:cNvSpPr>
           <p:nvPr>
             <p:ph type="ctrTitle"/>
           </p:nvPr>
@@ -2563,7 +2581,7 @@
           </a:prstGeom>
         </p:spPr>
         <p:txBody>
-          <a:bodyPr anchorCtr="0" anchor="ctr" bIns="91425" lIns="91425" spcFirstLastPara="1" rIns="91425" wrap="square" tIns="91425"/>
+          <a:bodyPr spcFirstLastPara="1" wrap="square" lIns="91425" tIns="91425" rIns="91425" bIns="91425" anchor="ctr" anchorCtr="0"/>
           <a:lstStyle>
             <a:lvl1pPr lvl="0" algn="ctr">
               <a:spcBef>
@@ -2665,15 +2683,19 @@
               <a:defRPr sz="3800"/>
             </a:lvl9pPr>
           </a:lstStyle>
-          <a:p/>
+          <a:p>
+            <a:endParaRPr/>
+          </a:p>
         </p:txBody>
       </p:sp>
       <p:sp>
         <p:nvSpPr>
           <p:cNvPr id="35" name="Google Shape;35;p2"/>
-          <p:cNvSpPr txBox="1"/>
+          <p:cNvSpPr txBox="1">
+            <a:spLocks noGrp="1"/>
+          </p:cNvSpPr>
           <p:nvPr>
-            <p:ph idx="1" type="subTitle"/>
+            <p:ph type="subTitle" idx="1"/>
           </p:nvPr>
         </p:nvSpPr>
         <p:spPr>
@@ -2686,7 +2708,7 @@
           </a:prstGeom>
         </p:spPr>
         <p:txBody>
-          <a:bodyPr anchorCtr="0" anchor="t" bIns="91425" lIns="91425" spcFirstLastPara="1" rIns="91425" wrap="square" tIns="91425"/>
+          <a:bodyPr spcFirstLastPara="1" wrap="square" lIns="91425" tIns="91425" rIns="91425" bIns="91425" anchor="t" anchorCtr="0"/>
           <a:lstStyle>
             <a:lvl1pPr lvl="0" algn="ctr">
               <a:lnSpc>
@@ -2878,15 +2900,19 @@
               </a:defRPr>
             </a:lvl9pPr>
           </a:lstStyle>
-          <a:p/>
+          <a:p>
+            <a:endParaRPr/>
+          </a:p>
         </p:txBody>
       </p:sp>
       <p:sp>
         <p:nvSpPr>
           <p:cNvPr id="36" name="Google Shape;36;p2"/>
-          <p:cNvSpPr txBox="1"/>
+          <p:cNvSpPr txBox="1">
+            <a:spLocks noGrp="1"/>
+          </p:cNvSpPr>
           <p:nvPr>
-            <p:ph idx="12" type="sldNum"/>
+            <p:ph type="sldNum" idx="12"/>
           </p:nvPr>
         </p:nvSpPr>
         <p:spPr>
@@ -2899,7 +2925,7 @@
           </a:prstGeom>
         </p:spPr>
         <p:txBody>
-          <a:bodyPr anchorCtr="0" anchor="ctr" bIns="91425" lIns="91425" spcFirstLastPara="1" rIns="91425" wrap="square" tIns="91425">
+          <a:bodyPr spcFirstLastPara="1" wrap="square" lIns="91425" tIns="91425" rIns="91425" bIns="91425" anchor="ctr" anchorCtr="0">
             <a:noAutofit/>
           </a:bodyPr>
           <a:lstStyle>
@@ -2941,7 +2967,7 @@
             </a:lvl9pPr>
           </a:lstStyle>
           <a:p>
-            <a:pPr indent="0" lvl="0" marL="0" rtl="0" algn="r">
+            <a:pPr marL="0" lvl="0" indent="0" algn="r" rtl="0">
               <a:spcBef>
                 <a:spcPts val="0"/>
               </a:spcBef>
@@ -2967,18 +2993,19 @@
 </file>
 
 <file path=ppt/slideLayouts/slideLayout10.xml><?xml version="1.0" encoding="utf-8"?>
-<p:sldLayout xmlns:a="http://schemas.openxmlformats.org/drawingml/2006/main" xmlns:r="http://schemas.openxmlformats.org/officeDocument/2006/relationships" xmlns:mc="http://schemas.openxmlformats.org/markup-compatibility/2006" xmlns:mv="urn:schemas-microsoft-com:mac:vml" xmlns:p="http://schemas.openxmlformats.org/presentationml/2006/main" xmlns:c="http://schemas.openxmlformats.org/drawingml/2006/chart" xmlns:dgm="http://schemas.openxmlformats.org/drawingml/2006/diagram" xmlns:o="urn:schemas-microsoft-com:office:office" xmlns:v="urn:schemas-microsoft-com:vml" xmlns:pvml="urn:schemas-microsoft-com:office:powerpoint" xmlns:com="http://schemas.openxmlformats.org/drawingml/2006/compatibility" xmlns:p14="http://schemas.microsoft.com/office/powerpoint/2010/main" xmlns:p15="http://schemas.microsoft.com/office/powerpoint/2012/main" matchingName="Big number">
+<p:sldLayout xmlns:a="http://schemas.openxmlformats.org/drawingml/2006/main" xmlns:r="http://schemas.openxmlformats.org/officeDocument/2006/relationships" xmlns:p="http://schemas.openxmlformats.org/presentationml/2006/main" matchingName="Big number">
   <p:cSld name="BIG_NUMBER">
     <p:bg>
       <p:bgPr>
         <a:solidFill>
           <a:schemeClr val="accent3"/>
         </a:solidFill>
+        <a:effectLst/>
       </p:bgPr>
     </p:bg>
     <p:spTree>
       <p:nvGrpSpPr>
-        <p:cNvPr id="109" name="Shape 109"/>
+        <p:cNvPr id="1" name="Shape 109"/>
         <p:cNvGrpSpPr/>
         <p:nvPr/>
       </p:nvGrpSpPr>
@@ -3012,12 +3039,12 @@
           </a:ln>
         </p:spPr>
         <p:txBody>
-          <a:bodyPr anchorCtr="0" anchor="ctr" bIns="91425" lIns="91425" spcFirstLastPara="1" rIns="91425" wrap="square" tIns="91425">
+          <a:bodyPr spcFirstLastPara="1" wrap="square" lIns="91425" tIns="91425" rIns="91425" bIns="91425" anchor="ctr" anchorCtr="0">
             <a:noAutofit/>
           </a:bodyPr>
           <a:lstStyle/>
           <a:p>
-            <a:pPr indent="0" lvl="0" marL="0" rtl="0" algn="l">
+            <a:pPr marL="0" lvl="0" indent="0" algn="l" rtl="0">
               <a:spcBef>
                 <a:spcPts val="0"/>
               </a:spcBef>
@@ -3026,9 +3053,6 @@
               </a:spcAft>
               <a:buNone/>
             </a:pPr>
-            <a:r>
-              <a:t/>
-            </a:r>
             <a:endParaRPr/>
           </a:p>
         </p:txBody>
@@ -3060,7 +3084,7 @@
             </a:xfrm>
             <a:prstGeom prst="parallelogram">
               <a:avLst>
-                <a:gd fmla="val 158024" name="adj"/>
+                <a:gd name="adj" fmla="val 158024"/>
               </a:avLst>
             </a:prstGeom>
             <a:solidFill>
@@ -3071,12 +3095,12 @@
             </a:ln>
           </p:spPr>
           <p:txBody>
-            <a:bodyPr anchorCtr="0" anchor="ctr" bIns="91425" lIns="91425" spcFirstLastPara="1" rIns="91425" wrap="square" tIns="91425">
+            <a:bodyPr spcFirstLastPara="1" wrap="square" lIns="91425" tIns="91425" rIns="91425" bIns="91425" anchor="ctr" anchorCtr="0">
               <a:noAutofit/>
             </a:bodyPr>
             <a:lstStyle/>
             <a:p>
-              <a:pPr indent="0" lvl="0" marL="0" rtl="0" algn="l">
+              <a:pPr marL="0" lvl="0" indent="0" algn="l" rtl="0">
                 <a:spcBef>
                   <a:spcPts val="0"/>
                 </a:spcBef>
@@ -3085,9 +3109,6 @@
                 </a:spcAft>
                 <a:buNone/>
               </a:pPr>
-              <a:r>
-                <a:t/>
-              </a:r>
               <a:endParaRPr/>
             </a:p>
           </p:txBody>
@@ -3105,7 +3126,7 @@
             </a:xfrm>
             <a:prstGeom prst="parallelogram">
               <a:avLst>
-                <a:gd fmla="val 158024" name="adj"/>
+                <a:gd name="adj" fmla="val 158024"/>
               </a:avLst>
             </a:prstGeom>
             <a:solidFill>
@@ -3116,12 +3137,12 @@
             </a:ln>
           </p:spPr>
           <p:txBody>
-            <a:bodyPr anchorCtr="0" anchor="ctr" bIns="91425" lIns="91425" spcFirstLastPara="1" rIns="91425" wrap="square" tIns="91425">
+            <a:bodyPr spcFirstLastPara="1" wrap="square" lIns="91425" tIns="91425" rIns="91425" bIns="91425" anchor="ctr" anchorCtr="0">
               <a:noAutofit/>
             </a:bodyPr>
             <a:lstStyle/>
             <a:p>
-              <a:pPr indent="0" lvl="0" marL="0" rtl="0" algn="l">
+              <a:pPr marL="0" lvl="0" indent="0" algn="l" rtl="0">
                 <a:spcBef>
                   <a:spcPts val="0"/>
                 </a:spcBef>
@@ -3130,9 +3151,6 @@
                 </a:spcAft>
                 <a:buNone/>
               </a:pPr>
-              <a:r>
-                <a:t/>
-              </a:r>
               <a:endParaRPr/>
             </a:p>
           </p:txBody>
@@ -3150,7 +3168,7 @@
             </a:xfrm>
             <a:prstGeom prst="parallelogram">
               <a:avLst>
-                <a:gd fmla="val 158024" name="adj"/>
+                <a:gd name="adj" fmla="val 158024"/>
               </a:avLst>
             </a:prstGeom>
             <a:solidFill>
@@ -3161,12 +3179,12 @@
             </a:ln>
           </p:spPr>
           <p:txBody>
-            <a:bodyPr anchorCtr="0" anchor="ctr" bIns="91425" lIns="91425" spcFirstLastPara="1" rIns="91425" wrap="square" tIns="91425">
+            <a:bodyPr spcFirstLastPara="1" wrap="square" lIns="91425" tIns="91425" rIns="91425" bIns="91425" anchor="ctr" anchorCtr="0">
               <a:noAutofit/>
             </a:bodyPr>
             <a:lstStyle/>
             <a:p>
-              <a:pPr indent="0" lvl="0" marL="0" rtl="0" algn="l">
+              <a:pPr marL="0" lvl="0" indent="0" algn="l" rtl="0">
                 <a:spcBef>
                   <a:spcPts val="0"/>
                 </a:spcBef>
@@ -3175,9 +3193,6 @@
                 </a:spcAft>
                 <a:buNone/>
               </a:pPr>
-              <a:r>
-                <a:t/>
-              </a:r>
               <a:endParaRPr/>
             </a:p>
           </p:txBody>
@@ -3210,7 +3225,7 @@
             </a:xfrm>
             <a:prstGeom prst="parallelogram">
               <a:avLst>
-                <a:gd fmla="val 158024" name="adj"/>
+                <a:gd name="adj" fmla="val 158024"/>
               </a:avLst>
             </a:prstGeom>
             <a:solidFill>
@@ -3221,12 +3236,12 @@
             </a:ln>
           </p:spPr>
           <p:txBody>
-            <a:bodyPr anchorCtr="0" anchor="ctr" bIns="91425" lIns="91425" spcFirstLastPara="1" rIns="91425" wrap="square" tIns="91425">
+            <a:bodyPr spcFirstLastPara="1" wrap="square" lIns="91425" tIns="91425" rIns="91425" bIns="91425" anchor="ctr" anchorCtr="0">
               <a:noAutofit/>
             </a:bodyPr>
             <a:lstStyle/>
             <a:p>
-              <a:pPr indent="0" lvl="0" marL="0" rtl="0" algn="l">
+              <a:pPr marL="0" lvl="0" indent="0" algn="l" rtl="0">
                 <a:spcBef>
                   <a:spcPts val="0"/>
                 </a:spcBef>
@@ -3235,9 +3250,6 @@
                 </a:spcAft>
                 <a:buNone/>
               </a:pPr>
-              <a:r>
-                <a:t/>
-              </a:r>
               <a:endParaRPr/>
             </a:p>
           </p:txBody>
@@ -3255,7 +3267,7 @@
             </a:xfrm>
             <a:prstGeom prst="parallelogram">
               <a:avLst>
-                <a:gd fmla="val 158024" name="adj"/>
+                <a:gd name="adj" fmla="val 158024"/>
               </a:avLst>
             </a:prstGeom>
             <a:solidFill>
@@ -3266,12 +3278,12 @@
             </a:ln>
           </p:spPr>
           <p:txBody>
-            <a:bodyPr anchorCtr="0" anchor="ctr" bIns="91425" lIns="91425" spcFirstLastPara="1" rIns="91425" wrap="square" tIns="91425">
+            <a:bodyPr spcFirstLastPara="1" wrap="square" lIns="91425" tIns="91425" rIns="91425" bIns="91425" anchor="ctr" anchorCtr="0">
               <a:noAutofit/>
             </a:bodyPr>
             <a:lstStyle/>
             <a:p>
-              <a:pPr indent="0" lvl="0" marL="0" rtl="0" algn="l">
+              <a:pPr marL="0" lvl="0" indent="0" algn="l" rtl="0">
                 <a:spcBef>
                   <a:spcPts val="0"/>
                 </a:spcBef>
@@ -3280,9 +3292,6 @@
                 </a:spcAft>
                 <a:buNone/>
               </a:pPr>
-              <a:r>
-                <a:t/>
-              </a:r>
               <a:endParaRPr/>
             </a:p>
           </p:txBody>
@@ -3300,7 +3309,7 @@
             </a:xfrm>
             <a:prstGeom prst="parallelogram">
               <a:avLst>
-                <a:gd fmla="val 158024" name="adj"/>
+                <a:gd name="adj" fmla="val 158024"/>
               </a:avLst>
             </a:prstGeom>
             <a:solidFill>
@@ -3311,12 +3320,12 @@
             </a:ln>
           </p:spPr>
           <p:txBody>
-            <a:bodyPr anchorCtr="0" anchor="ctr" bIns="91425" lIns="91425" spcFirstLastPara="1" rIns="91425" wrap="square" tIns="91425">
+            <a:bodyPr spcFirstLastPara="1" wrap="square" lIns="91425" tIns="91425" rIns="91425" bIns="91425" anchor="ctr" anchorCtr="0">
               <a:noAutofit/>
             </a:bodyPr>
             <a:lstStyle/>
             <a:p>
-              <a:pPr indent="0" lvl="0" marL="0" rtl="0" algn="l">
+              <a:pPr marL="0" lvl="0" indent="0" algn="l" rtl="0">
                 <a:spcBef>
                   <a:spcPts val="0"/>
                 </a:spcBef>
@@ -3325,9 +3334,6 @@
                 </a:spcAft>
                 <a:buNone/>
               </a:pPr>
-              <a:r>
-                <a:t/>
-              </a:r>
               <a:endParaRPr/>
             </a:p>
           </p:txBody>
@@ -3336,9 +3342,11 @@
       <p:sp>
         <p:nvSpPr>
           <p:cNvPr id="119" name="Google Shape;119;p11"/>
-          <p:cNvSpPr txBox="1"/>
+          <p:cNvSpPr txBox="1">
+            <a:spLocks noGrp="1"/>
+          </p:cNvSpPr>
           <p:nvPr>
-            <p:ph hasCustomPrompt="1" type="title"/>
+            <p:ph type="title" hasCustomPrompt="1"/>
           </p:nvPr>
         </p:nvSpPr>
         <p:spPr>
@@ -3351,7 +3359,7 @@
           </a:prstGeom>
         </p:spPr>
         <p:txBody>
-          <a:bodyPr anchorCtr="0" anchor="ctr" bIns="91425" lIns="91425" spcFirstLastPara="1" rIns="91425" wrap="square" tIns="91425"/>
+          <a:bodyPr spcFirstLastPara="1" wrap="square" lIns="91425" tIns="91425" rIns="91425" bIns="91425" anchor="ctr" anchorCtr="0"/>
           <a:lstStyle>
             <a:lvl1pPr lvl="0" algn="ctr">
               <a:spcBef>
@@ -3526,9 +3534,11 @@
       <p:sp>
         <p:nvSpPr>
           <p:cNvPr id="120" name="Google Shape;120;p11"/>
-          <p:cNvSpPr txBox="1"/>
+          <p:cNvSpPr txBox="1">
+            <a:spLocks noGrp="1"/>
+          </p:cNvSpPr>
           <p:nvPr>
-            <p:ph idx="1" type="body"/>
+            <p:ph type="body" idx="1"/>
           </p:nvPr>
         </p:nvSpPr>
         <p:spPr>
@@ -3541,9 +3551,9 @@
           </a:prstGeom>
         </p:spPr>
         <p:txBody>
-          <a:bodyPr anchorCtr="0" anchor="t" bIns="91425" lIns="91425" spcFirstLastPara="1" rIns="91425" wrap="square" tIns="91425"/>
+          <a:bodyPr spcFirstLastPara="1" wrap="square" lIns="91425" tIns="91425" rIns="91425" bIns="91425" anchor="t" anchorCtr="0"/>
           <a:lstStyle>
-            <a:lvl1pPr indent="-311150" lvl="0" marL="457200" algn="ctr">
+            <a:lvl1pPr marL="457200" lvl="0" indent="-311150" algn="ctr">
               <a:spcBef>
                 <a:spcPts val="0"/>
               </a:spcBef>
@@ -3554,7 +3564,7 @@
               <a:buChar char="●"/>
               <a:defRPr/>
             </a:lvl1pPr>
-            <a:lvl2pPr indent="-298450" lvl="1" marL="914400" algn="ctr">
+            <a:lvl2pPr marL="914400" lvl="1" indent="-298450" algn="ctr">
               <a:spcBef>
                 <a:spcPts val="1600"/>
               </a:spcBef>
@@ -3565,7 +3575,7 @@
               <a:buChar char="○"/>
               <a:defRPr/>
             </a:lvl2pPr>
-            <a:lvl3pPr indent="-298450" lvl="2" marL="1371600" algn="ctr">
+            <a:lvl3pPr marL="1371600" lvl="2" indent="-298450" algn="ctr">
               <a:spcBef>
                 <a:spcPts val="1600"/>
               </a:spcBef>
@@ -3576,7 +3586,7 @@
               <a:buChar char="■"/>
               <a:defRPr/>
             </a:lvl3pPr>
-            <a:lvl4pPr indent="-298450" lvl="3" marL="1828800" algn="ctr">
+            <a:lvl4pPr marL="1828800" lvl="3" indent="-298450" algn="ctr">
               <a:spcBef>
                 <a:spcPts val="1600"/>
               </a:spcBef>
@@ -3587,7 +3597,7 @@
               <a:buChar char="●"/>
               <a:defRPr/>
             </a:lvl4pPr>
-            <a:lvl5pPr indent="-298450" lvl="4" marL="2286000" algn="ctr">
+            <a:lvl5pPr marL="2286000" lvl="4" indent="-298450" algn="ctr">
               <a:spcBef>
                 <a:spcPts val="1600"/>
               </a:spcBef>
@@ -3598,7 +3608,7 @@
               <a:buChar char="○"/>
               <a:defRPr/>
             </a:lvl5pPr>
-            <a:lvl6pPr indent="-298450" lvl="5" marL="2743200" algn="ctr">
+            <a:lvl6pPr marL="2743200" lvl="5" indent="-298450" algn="ctr">
               <a:spcBef>
                 <a:spcPts val="1600"/>
               </a:spcBef>
@@ -3609,7 +3619,7 @@
               <a:buChar char="■"/>
               <a:defRPr/>
             </a:lvl6pPr>
-            <a:lvl7pPr indent="-298450" lvl="6" marL="3200400" algn="ctr">
+            <a:lvl7pPr marL="3200400" lvl="6" indent="-298450" algn="ctr">
               <a:spcBef>
                 <a:spcPts val="1600"/>
               </a:spcBef>
@@ -3620,7 +3630,7 @@
               <a:buChar char="●"/>
               <a:defRPr/>
             </a:lvl7pPr>
-            <a:lvl8pPr indent="-298450" lvl="7" marL="3657600" algn="ctr">
+            <a:lvl8pPr marL="3657600" lvl="7" indent="-298450" algn="ctr">
               <a:spcBef>
                 <a:spcPts val="1600"/>
               </a:spcBef>
@@ -3631,7 +3641,7 @@
               <a:buChar char="○"/>
               <a:defRPr/>
             </a:lvl8pPr>
-            <a:lvl9pPr indent="-298450" lvl="8" marL="4114800" algn="ctr">
+            <a:lvl9pPr marL="4114800" lvl="8" indent="-298450" algn="ctr">
               <a:spcBef>
                 <a:spcPts val="1600"/>
               </a:spcBef>
@@ -3643,15 +3653,19 @@
               <a:defRPr/>
             </a:lvl9pPr>
           </a:lstStyle>
-          <a:p/>
+          <a:p>
+            <a:endParaRPr/>
+          </a:p>
         </p:txBody>
       </p:sp>
       <p:sp>
         <p:nvSpPr>
           <p:cNvPr id="121" name="Google Shape;121;p11"/>
-          <p:cNvSpPr txBox="1"/>
+          <p:cNvSpPr txBox="1">
+            <a:spLocks noGrp="1"/>
+          </p:cNvSpPr>
           <p:nvPr>
-            <p:ph idx="12" type="sldNum"/>
+            <p:ph type="sldNum" idx="12"/>
           </p:nvPr>
         </p:nvSpPr>
         <p:spPr>
@@ -3664,7 +3678,7 @@
           </a:prstGeom>
         </p:spPr>
         <p:txBody>
-          <a:bodyPr anchorCtr="0" anchor="ctr" bIns="91425" lIns="91425" spcFirstLastPara="1" rIns="91425" wrap="square" tIns="91425">
+          <a:bodyPr spcFirstLastPara="1" wrap="square" lIns="91425" tIns="91425" rIns="91425" bIns="91425" anchor="ctr" anchorCtr="0">
             <a:noAutofit/>
           </a:bodyPr>
           <a:lstStyle>
@@ -3706,7 +3720,7 @@
             </a:lvl9pPr>
           </a:lstStyle>
           <a:p>
-            <a:pPr indent="0" lvl="0" marL="0" rtl="0" algn="r">
+            <a:pPr marL="0" lvl="0" indent="0" algn="r" rtl="0">
               <a:spcBef>
                 <a:spcPts val="0"/>
               </a:spcBef>
@@ -3732,11 +3746,11 @@
 </file>
 
 <file path=ppt/slideLayouts/slideLayout11.xml><?xml version="1.0" encoding="utf-8"?>
-<p:sldLayout xmlns:a="http://schemas.openxmlformats.org/drawingml/2006/main" xmlns:r="http://schemas.openxmlformats.org/officeDocument/2006/relationships" xmlns:mc="http://schemas.openxmlformats.org/markup-compatibility/2006" xmlns:mv="urn:schemas-microsoft-com:mac:vml" xmlns:p="http://schemas.openxmlformats.org/presentationml/2006/main" xmlns:c="http://schemas.openxmlformats.org/drawingml/2006/chart" xmlns:dgm="http://schemas.openxmlformats.org/drawingml/2006/diagram" xmlns:o="urn:schemas-microsoft-com:office:office" xmlns:v="urn:schemas-microsoft-com:vml" xmlns:pvml="urn:schemas-microsoft-com:office:powerpoint" xmlns:com="http://schemas.openxmlformats.org/drawingml/2006/compatibility" xmlns:p14="http://schemas.microsoft.com/office/powerpoint/2010/main" xmlns:p15="http://schemas.microsoft.com/office/powerpoint/2012/main" matchingName="Blank" type="blank">
+<p:sldLayout xmlns:a="http://schemas.openxmlformats.org/drawingml/2006/main" xmlns:r="http://schemas.openxmlformats.org/officeDocument/2006/relationships" xmlns:p="http://schemas.openxmlformats.org/presentationml/2006/main" matchingName="Blank" type="blank">
   <p:cSld name="BLANK">
     <p:spTree>
       <p:nvGrpSpPr>
-        <p:cNvPr id="122" name="Shape 122"/>
+        <p:cNvPr id="1" name="Shape 122"/>
         <p:cNvGrpSpPr/>
         <p:nvPr/>
       </p:nvGrpSpPr>
@@ -3751,9 +3765,11 @@
       <p:sp>
         <p:nvSpPr>
           <p:cNvPr id="123" name="Google Shape;123;p12"/>
-          <p:cNvSpPr txBox="1"/>
+          <p:cNvSpPr txBox="1">
+            <a:spLocks noGrp="1"/>
+          </p:cNvSpPr>
           <p:nvPr>
-            <p:ph idx="12" type="sldNum"/>
+            <p:ph type="sldNum" idx="12"/>
           </p:nvPr>
         </p:nvSpPr>
         <p:spPr>
@@ -3766,7 +3782,7 @@
           </a:prstGeom>
         </p:spPr>
         <p:txBody>
-          <a:bodyPr anchorCtr="0" anchor="ctr" bIns="91425" lIns="91425" spcFirstLastPara="1" rIns="91425" wrap="square" tIns="91425">
+          <a:bodyPr spcFirstLastPara="1" wrap="square" lIns="91425" tIns="91425" rIns="91425" bIns="91425" anchor="ctr" anchorCtr="0">
             <a:noAutofit/>
           </a:bodyPr>
           <a:lstStyle>
@@ -3808,7 +3824,7 @@
             </a:lvl9pPr>
           </a:lstStyle>
           <a:p>
-            <a:pPr indent="0" lvl="0" marL="0" rtl="0" algn="r">
+            <a:pPr marL="0" lvl="0" indent="0" algn="r" rtl="0">
               <a:spcBef>
                 <a:spcPts val="0"/>
               </a:spcBef>
@@ -3834,18 +3850,19 @@
 </file>
 
 <file path=ppt/slideLayouts/slideLayout2.xml><?xml version="1.0" encoding="utf-8"?>
-<p:sldLayout xmlns:a="http://schemas.openxmlformats.org/drawingml/2006/main" xmlns:r="http://schemas.openxmlformats.org/officeDocument/2006/relationships" xmlns:mc="http://schemas.openxmlformats.org/markup-compatibility/2006" xmlns:mv="urn:schemas-microsoft-com:mac:vml" xmlns:p="http://schemas.openxmlformats.org/presentationml/2006/main" xmlns:c="http://schemas.openxmlformats.org/drawingml/2006/chart" xmlns:dgm="http://schemas.openxmlformats.org/drawingml/2006/diagram" xmlns:o="urn:schemas-microsoft-com:office:office" xmlns:v="urn:schemas-microsoft-com:vml" xmlns:pvml="urn:schemas-microsoft-com:office:powerpoint" xmlns:com="http://schemas.openxmlformats.org/drawingml/2006/compatibility" xmlns:p14="http://schemas.microsoft.com/office/powerpoint/2010/main" xmlns:p15="http://schemas.microsoft.com/office/powerpoint/2012/main" matchingName="Section header" type="secHead">
+<p:sldLayout xmlns:a="http://schemas.openxmlformats.org/drawingml/2006/main" xmlns:r="http://schemas.openxmlformats.org/officeDocument/2006/relationships" xmlns:p="http://schemas.openxmlformats.org/presentationml/2006/main" matchingName="Section header" type="secHead">
   <p:cSld name="SECTION_HEADER">
     <p:bg>
       <p:bgPr>
         <a:solidFill>
           <a:schemeClr val="accent3"/>
         </a:solidFill>
+        <a:effectLst/>
       </p:bgPr>
     </p:bg>
     <p:spTree>
       <p:nvGrpSpPr>
-        <p:cNvPr id="37" name="Shape 37"/>
+        <p:cNvPr id="1" name="Shape 37"/>
         <p:cNvGrpSpPr/>
         <p:nvPr/>
       </p:nvGrpSpPr>
@@ -3879,12 +3896,12 @@
           </a:ln>
         </p:spPr>
         <p:txBody>
-          <a:bodyPr anchorCtr="0" anchor="ctr" bIns="91425" lIns="91425" spcFirstLastPara="1" rIns="91425" wrap="square" tIns="91425">
+          <a:bodyPr spcFirstLastPara="1" wrap="square" lIns="91425" tIns="91425" rIns="91425" bIns="91425" anchor="ctr" anchorCtr="0">
             <a:noAutofit/>
           </a:bodyPr>
           <a:lstStyle/>
           <a:p>
-            <a:pPr indent="0" lvl="0" marL="0" rtl="0" algn="l">
+            <a:pPr marL="0" lvl="0" indent="0" algn="l" rtl="0">
               <a:spcBef>
                 <a:spcPts val="0"/>
               </a:spcBef>
@@ -3893,9 +3910,6 @@
               </a:spcAft>
               <a:buNone/>
             </a:pPr>
-            <a:r>
-              <a:t/>
-            </a:r>
             <a:endParaRPr/>
           </a:p>
         </p:txBody>
@@ -3927,7 +3941,7 @@
             </a:xfrm>
             <a:prstGeom prst="parallelogram">
               <a:avLst>
-                <a:gd fmla="val 158024" name="adj"/>
+                <a:gd name="adj" fmla="val 158024"/>
               </a:avLst>
             </a:prstGeom>
             <a:solidFill>
@@ -3938,12 +3952,12 @@
             </a:ln>
           </p:spPr>
           <p:txBody>
-            <a:bodyPr anchorCtr="0" anchor="ctr" bIns="91425" lIns="91425" spcFirstLastPara="1" rIns="91425" wrap="square" tIns="91425">
+            <a:bodyPr spcFirstLastPara="1" wrap="square" lIns="91425" tIns="91425" rIns="91425" bIns="91425" anchor="ctr" anchorCtr="0">
               <a:noAutofit/>
             </a:bodyPr>
             <a:lstStyle/>
             <a:p>
-              <a:pPr indent="0" lvl="0" marL="0" rtl="0" algn="l">
+              <a:pPr marL="0" lvl="0" indent="0" algn="l" rtl="0">
                 <a:spcBef>
                   <a:spcPts val="0"/>
                 </a:spcBef>
@@ -3952,9 +3966,6 @@
                 </a:spcAft>
                 <a:buNone/>
               </a:pPr>
-              <a:r>
-                <a:t/>
-              </a:r>
               <a:endParaRPr/>
             </a:p>
           </p:txBody>
@@ -3972,7 +3983,7 @@
             </a:xfrm>
             <a:prstGeom prst="parallelogram">
               <a:avLst>
-                <a:gd fmla="val 158024" name="adj"/>
+                <a:gd name="adj" fmla="val 158024"/>
               </a:avLst>
             </a:prstGeom>
             <a:solidFill>
@@ -3983,12 +3994,12 @@
             </a:ln>
           </p:spPr>
           <p:txBody>
-            <a:bodyPr anchorCtr="0" anchor="ctr" bIns="91425" lIns="91425" spcFirstLastPara="1" rIns="91425" wrap="square" tIns="91425">
+            <a:bodyPr spcFirstLastPara="1" wrap="square" lIns="91425" tIns="91425" rIns="91425" bIns="91425" anchor="ctr" anchorCtr="0">
               <a:noAutofit/>
             </a:bodyPr>
             <a:lstStyle/>
             <a:p>
-              <a:pPr indent="0" lvl="0" marL="0" rtl="0" algn="l">
+              <a:pPr marL="0" lvl="0" indent="0" algn="l" rtl="0">
                 <a:spcBef>
                   <a:spcPts val="0"/>
                 </a:spcBef>
@@ -3997,9 +4008,6 @@
                 </a:spcAft>
                 <a:buNone/>
               </a:pPr>
-              <a:r>
-                <a:t/>
-              </a:r>
               <a:endParaRPr/>
             </a:p>
           </p:txBody>
@@ -4017,7 +4025,7 @@
             </a:xfrm>
             <a:prstGeom prst="parallelogram">
               <a:avLst>
-                <a:gd fmla="val 158024" name="adj"/>
+                <a:gd name="adj" fmla="val 158024"/>
               </a:avLst>
             </a:prstGeom>
             <a:solidFill>
@@ -4028,12 +4036,12 @@
             </a:ln>
           </p:spPr>
           <p:txBody>
-            <a:bodyPr anchorCtr="0" anchor="ctr" bIns="91425" lIns="91425" spcFirstLastPara="1" rIns="91425" wrap="square" tIns="91425">
+            <a:bodyPr spcFirstLastPara="1" wrap="square" lIns="91425" tIns="91425" rIns="91425" bIns="91425" anchor="ctr" anchorCtr="0">
               <a:noAutofit/>
             </a:bodyPr>
             <a:lstStyle/>
             <a:p>
-              <a:pPr indent="0" lvl="0" marL="0" rtl="0" algn="l">
+              <a:pPr marL="0" lvl="0" indent="0" algn="l" rtl="0">
                 <a:spcBef>
                   <a:spcPts val="0"/>
                 </a:spcBef>
@@ -4042,9 +4050,6 @@
                 </a:spcAft>
                 <a:buNone/>
               </a:pPr>
-              <a:r>
-                <a:t/>
-              </a:r>
               <a:endParaRPr/>
             </a:p>
           </p:txBody>
@@ -4077,7 +4082,7 @@
             </a:xfrm>
             <a:prstGeom prst="parallelogram">
               <a:avLst>
-                <a:gd fmla="val 158024" name="adj"/>
+                <a:gd name="adj" fmla="val 158024"/>
               </a:avLst>
             </a:prstGeom>
             <a:solidFill>
@@ -4088,12 +4093,12 @@
             </a:ln>
           </p:spPr>
           <p:txBody>
-            <a:bodyPr anchorCtr="0" anchor="ctr" bIns="91425" lIns="91425" spcFirstLastPara="1" rIns="91425" wrap="square" tIns="91425">
+            <a:bodyPr spcFirstLastPara="1" wrap="square" lIns="91425" tIns="91425" rIns="91425" bIns="91425" anchor="ctr" anchorCtr="0">
               <a:noAutofit/>
             </a:bodyPr>
             <a:lstStyle/>
             <a:p>
-              <a:pPr indent="0" lvl="0" marL="0" rtl="0" algn="l">
+              <a:pPr marL="0" lvl="0" indent="0" algn="l" rtl="0">
                 <a:spcBef>
                   <a:spcPts val="0"/>
                 </a:spcBef>
@@ -4102,9 +4107,6 @@
                 </a:spcAft>
                 <a:buNone/>
               </a:pPr>
-              <a:r>
-                <a:t/>
-              </a:r>
               <a:endParaRPr/>
             </a:p>
           </p:txBody>
@@ -4122,7 +4124,7 @@
             </a:xfrm>
             <a:prstGeom prst="parallelogram">
               <a:avLst>
-                <a:gd fmla="val 158024" name="adj"/>
+                <a:gd name="adj" fmla="val 158024"/>
               </a:avLst>
             </a:prstGeom>
             <a:solidFill>
@@ -4133,12 +4135,12 @@
             </a:ln>
           </p:spPr>
           <p:txBody>
-            <a:bodyPr anchorCtr="0" anchor="ctr" bIns="91425" lIns="91425" spcFirstLastPara="1" rIns="91425" wrap="square" tIns="91425">
+            <a:bodyPr spcFirstLastPara="1" wrap="square" lIns="91425" tIns="91425" rIns="91425" bIns="91425" anchor="ctr" anchorCtr="0">
               <a:noAutofit/>
             </a:bodyPr>
             <a:lstStyle/>
             <a:p>
-              <a:pPr indent="0" lvl="0" marL="0" rtl="0" algn="l">
+              <a:pPr marL="0" lvl="0" indent="0" algn="l" rtl="0">
                 <a:spcBef>
                   <a:spcPts val="0"/>
                 </a:spcBef>
@@ -4147,9 +4149,6 @@
                 </a:spcAft>
                 <a:buNone/>
               </a:pPr>
-              <a:r>
-                <a:t/>
-              </a:r>
               <a:endParaRPr/>
             </a:p>
           </p:txBody>
@@ -4167,7 +4166,7 @@
             </a:xfrm>
             <a:prstGeom prst="parallelogram">
               <a:avLst>
-                <a:gd fmla="val 158024" name="adj"/>
+                <a:gd name="adj" fmla="val 158024"/>
               </a:avLst>
             </a:prstGeom>
             <a:solidFill>
@@ -4178,12 +4177,12 @@
             </a:ln>
           </p:spPr>
           <p:txBody>
-            <a:bodyPr anchorCtr="0" anchor="ctr" bIns="91425" lIns="91425" spcFirstLastPara="1" rIns="91425" wrap="square" tIns="91425">
+            <a:bodyPr spcFirstLastPara="1" wrap="square" lIns="91425" tIns="91425" rIns="91425" bIns="91425" anchor="ctr" anchorCtr="0">
               <a:noAutofit/>
             </a:bodyPr>
             <a:lstStyle/>
             <a:p>
-              <a:pPr indent="0" lvl="0" marL="0" rtl="0" algn="l">
+              <a:pPr marL="0" lvl="0" indent="0" algn="l" rtl="0">
                 <a:spcBef>
                   <a:spcPts val="0"/>
                 </a:spcBef>
@@ -4192,9 +4191,6 @@
                 </a:spcAft>
                 <a:buNone/>
               </a:pPr>
-              <a:r>
-                <a:t/>
-              </a:r>
               <a:endParaRPr/>
             </a:p>
           </p:txBody>
@@ -4203,7 +4199,9 @@
       <p:sp>
         <p:nvSpPr>
           <p:cNvPr id="47" name="Google Shape;47;p3"/>
-          <p:cNvSpPr txBox="1"/>
+          <p:cNvSpPr txBox="1">
+            <a:spLocks noGrp="1"/>
+          </p:cNvSpPr>
           <p:nvPr>
             <p:ph type="title"/>
           </p:nvPr>
@@ -4218,7 +4216,7 @@
           </a:prstGeom>
         </p:spPr>
         <p:txBody>
-          <a:bodyPr anchorCtr="0" anchor="ctr" bIns="91425" lIns="91425" spcFirstLastPara="1" rIns="91425" wrap="square" tIns="91425"/>
+          <a:bodyPr spcFirstLastPara="1" wrap="square" lIns="91425" tIns="91425" rIns="91425" bIns="91425" anchor="ctr" anchorCtr="0"/>
           <a:lstStyle>
             <a:lvl1pPr lvl="0" algn="ctr">
               <a:spcBef>
@@ -4383,15 +4381,19 @@
               </a:defRPr>
             </a:lvl9pPr>
           </a:lstStyle>
-          <a:p/>
+          <a:p>
+            <a:endParaRPr/>
+          </a:p>
         </p:txBody>
       </p:sp>
       <p:sp>
         <p:nvSpPr>
           <p:cNvPr id="48" name="Google Shape;48;p3"/>
-          <p:cNvSpPr txBox="1"/>
+          <p:cNvSpPr txBox="1">
+            <a:spLocks noGrp="1"/>
+          </p:cNvSpPr>
           <p:nvPr>
-            <p:ph idx="12" type="sldNum"/>
+            <p:ph type="sldNum" idx="12"/>
           </p:nvPr>
         </p:nvSpPr>
         <p:spPr>
@@ -4404,7 +4406,7 @@
           </a:prstGeom>
         </p:spPr>
         <p:txBody>
-          <a:bodyPr anchorCtr="0" anchor="ctr" bIns="91425" lIns="91425" spcFirstLastPara="1" rIns="91425" wrap="square" tIns="91425">
+          <a:bodyPr spcFirstLastPara="1" wrap="square" lIns="91425" tIns="91425" rIns="91425" bIns="91425" anchor="ctr" anchorCtr="0">
             <a:noAutofit/>
           </a:bodyPr>
           <a:lstStyle>
@@ -4446,7 +4448,7 @@
             </a:lvl9pPr>
           </a:lstStyle>
           <a:p>
-            <a:pPr indent="0" lvl="0" marL="0" rtl="0" algn="r">
+            <a:pPr marL="0" lvl="0" indent="0" algn="r" rtl="0">
               <a:spcBef>
                 <a:spcPts val="0"/>
               </a:spcBef>
@@ -4472,18 +4474,19 @@
 </file>
 
 <file path=ppt/slideLayouts/slideLayout3.xml><?xml version="1.0" encoding="utf-8"?>
-<p:sldLayout xmlns:a="http://schemas.openxmlformats.org/drawingml/2006/main" xmlns:r="http://schemas.openxmlformats.org/officeDocument/2006/relationships" xmlns:mc="http://schemas.openxmlformats.org/markup-compatibility/2006" xmlns:mv="urn:schemas-microsoft-com:mac:vml" xmlns:p="http://schemas.openxmlformats.org/presentationml/2006/main" xmlns:c="http://schemas.openxmlformats.org/drawingml/2006/chart" xmlns:dgm="http://schemas.openxmlformats.org/drawingml/2006/diagram" xmlns:o="urn:schemas-microsoft-com:office:office" xmlns:v="urn:schemas-microsoft-com:vml" xmlns:pvml="urn:schemas-microsoft-com:office:powerpoint" xmlns:com="http://schemas.openxmlformats.org/drawingml/2006/compatibility" xmlns:p14="http://schemas.microsoft.com/office/powerpoint/2010/main" xmlns:p15="http://schemas.microsoft.com/office/powerpoint/2012/main" matchingName="Title and body" type="tx">
+<p:sldLayout xmlns:a="http://schemas.openxmlformats.org/drawingml/2006/main" xmlns:r="http://schemas.openxmlformats.org/officeDocument/2006/relationships" xmlns:p="http://schemas.openxmlformats.org/presentationml/2006/main" matchingName="Title and body" type="tx">
   <p:cSld name="TITLE_AND_BODY">
     <p:bg>
       <p:bgPr>
         <a:solidFill>
           <a:schemeClr val="dk2"/>
         </a:solidFill>
+        <a:effectLst/>
       </p:bgPr>
     </p:bg>
     <p:spTree>
       <p:nvGrpSpPr>
-        <p:cNvPr id="49" name="Shape 49"/>
+        <p:cNvPr id="1" name="Shape 49"/>
         <p:cNvGrpSpPr/>
         <p:nvPr/>
       </p:nvGrpSpPr>
@@ -4517,12 +4520,12 @@
           </a:ln>
         </p:spPr>
         <p:txBody>
-          <a:bodyPr anchorCtr="0" anchor="ctr" bIns="91425" lIns="91425" spcFirstLastPara="1" rIns="91425" wrap="square" tIns="91425">
+          <a:bodyPr spcFirstLastPara="1" wrap="square" lIns="91425" tIns="91425" rIns="91425" bIns="91425" anchor="ctr" anchorCtr="0">
             <a:noAutofit/>
           </a:bodyPr>
           <a:lstStyle/>
           <a:p>
-            <a:pPr indent="0" lvl="0" marL="0" rtl="0" algn="l">
+            <a:pPr marL="0" lvl="0" indent="0" algn="l" rtl="0">
               <a:spcBef>
                 <a:spcPts val="0"/>
               </a:spcBef>
@@ -4531,9 +4534,6 @@
               </a:spcAft>
               <a:buNone/>
             </a:pPr>
-            <a:r>
-              <a:t/>
-            </a:r>
             <a:endParaRPr/>
           </a:p>
         </p:txBody>
@@ -4560,12 +4560,12 @@
           </a:ln>
         </p:spPr>
         <p:txBody>
-          <a:bodyPr anchorCtr="0" anchor="ctr" bIns="91425" lIns="91425" spcFirstLastPara="1" rIns="91425" wrap="square" tIns="91425">
+          <a:bodyPr spcFirstLastPara="1" wrap="square" lIns="91425" tIns="91425" rIns="91425" bIns="91425" anchor="ctr" anchorCtr="0">
             <a:noAutofit/>
           </a:bodyPr>
           <a:lstStyle/>
           <a:p>
-            <a:pPr indent="0" lvl="0" marL="0" rtl="0" algn="l">
+            <a:pPr marL="0" lvl="0" indent="0" algn="l" rtl="0">
               <a:spcBef>
                 <a:spcPts val="0"/>
               </a:spcBef>
@@ -4574,9 +4574,6 @@
               </a:spcAft>
               <a:buNone/>
             </a:pPr>
-            <a:r>
-              <a:t/>
-            </a:r>
             <a:endParaRPr/>
           </a:p>
         </p:txBody>
@@ -4602,7 +4599,7 @@
             <a:noFill/>
           </a:ln>
           <a:effectLst>
-            <a:outerShdw blurRad="228600" sx="101000" rotWithShape="0" algn="ctr" sy="101000">
+            <a:outerShdw blurRad="228600" sx="101000" sy="101000" algn="ctr" rotWithShape="0">
               <a:srgbClr val="000000">
                 <a:alpha val="40000"/>
               </a:srgbClr>
@@ -4610,12 +4607,12 @@
           </a:effectLst>
         </p:spPr>
         <p:txBody>
-          <a:bodyPr anchorCtr="0" anchor="ctr" bIns="91425" lIns="91425" spcFirstLastPara="1" rIns="91425" wrap="square" tIns="91425">
+          <a:bodyPr spcFirstLastPara="1" wrap="square" lIns="91425" tIns="91425" rIns="91425" bIns="91425" anchor="ctr" anchorCtr="0">
             <a:noAutofit/>
           </a:bodyPr>
           <a:lstStyle/>
           <a:p>
-            <a:pPr indent="0" lvl="0" marL="0" rtl="0" algn="l">
+            <a:pPr marL="0" lvl="0" indent="0" algn="l" rtl="0">
               <a:spcBef>
                 <a:spcPts val="0"/>
               </a:spcBef>
@@ -4624,9 +4621,6 @@
               </a:spcAft>
               <a:buNone/>
             </a:pPr>
-            <a:r>
-              <a:t/>
-            </a:r>
             <a:endParaRPr/>
           </a:p>
         </p:txBody>
@@ -4634,7 +4628,9 @@
       <p:sp>
         <p:nvSpPr>
           <p:cNvPr id="53" name="Google Shape;53;p4"/>
-          <p:cNvSpPr txBox="1"/>
+          <p:cNvSpPr txBox="1">
+            <a:spLocks noGrp="1"/>
+          </p:cNvSpPr>
           <p:nvPr>
             <p:ph type="title"/>
           </p:nvPr>
@@ -4649,7 +4645,7 @@
           </a:prstGeom>
         </p:spPr>
         <p:txBody>
-          <a:bodyPr anchorCtr="0" anchor="t" bIns="91425" lIns="91425" spcFirstLastPara="1" rIns="91425" wrap="square" tIns="91425"/>
+          <a:bodyPr spcFirstLastPara="1" wrap="square" lIns="91425" tIns="91425" rIns="91425" bIns="91425" anchor="t" anchorCtr="0"/>
           <a:lstStyle>
             <a:lvl1pPr lvl="0">
               <a:spcBef>
@@ -4751,15 +4747,19 @@
               <a:defRPr sz="3000"/>
             </a:lvl9pPr>
           </a:lstStyle>
-          <a:p/>
+          <a:p>
+            <a:endParaRPr/>
+          </a:p>
         </p:txBody>
       </p:sp>
       <p:sp>
         <p:nvSpPr>
           <p:cNvPr id="54" name="Google Shape;54;p4"/>
-          <p:cNvSpPr txBox="1"/>
+          <p:cNvSpPr txBox="1">
+            <a:spLocks noGrp="1"/>
+          </p:cNvSpPr>
           <p:nvPr>
-            <p:ph idx="1" type="body"/>
+            <p:ph type="body" idx="1"/>
           </p:nvPr>
         </p:nvSpPr>
         <p:spPr>
@@ -4772,9 +4772,9 @@
           </a:prstGeom>
         </p:spPr>
         <p:txBody>
-          <a:bodyPr anchorCtr="0" anchor="t" bIns="91425" lIns="91425" spcFirstLastPara="1" rIns="91425" wrap="square" tIns="91425"/>
+          <a:bodyPr spcFirstLastPara="1" wrap="square" lIns="91425" tIns="91425" rIns="91425" bIns="91425" anchor="t" anchorCtr="0"/>
           <a:lstStyle>
-            <a:lvl1pPr indent="-311150" lvl="0" marL="457200">
+            <a:lvl1pPr marL="457200" lvl="0" indent="-311150">
               <a:spcBef>
                 <a:spcPts val="0"/>
               </a:spcBef>
@@ -4785,7 +4785,7 @@
               <a:buChar char="●"/>
               <a:defRPr/>
             </a:lvl1pPr>
-            <a:lvl2pPr indent="-298450" lvl="1" marL="914400">
+            <a:lvl2pPr marL="914400" lvl="1" indent="-298450">
               <a:spcBef>
                 <a:spcPts val="1600"/>
               </a:spcBef>
@@ -4796,7 +4796,7 @@
               <a:buChar char="○"/>
               <a:defRPr/>
             </a:lvl2pPr>
-            <a:lvl3pPr indent="-298450" lvl="2" marL="1371600">
+            <a:lvl3pPr marL="1371600" lvl="2" indent="-298450">
               <a:spcBef>
                 <a:spcPts val="1600"/>
               </a:spcBef>
@@ -4807,7 +4807,7 @@
               <a:buChar char="■"/>
               <a:defRPr/>
             </a:lvl3pPr>
-            <a:lvl4pPr indent="-298450" lvl="3" marL="1828800">
+            <a:lvl4pPr marL="1828800" lvl="3" indent="-298450">
               <a:spcBef>
                 <a:spcPts val="1600"/>
               </a:spcBef>
@@ -4818,7 +4818,7 @@
               <a:buChar char="●"/>
               <a:defRPr/>
             </a:lvl4pPr>
-            <a:lvl5pPr indent="-298450" lvl="4" marL="2286000">
+            <a:lvl5pPr marL="2286000" lvl="4" indent="-298450">
               <a:spcBef>
                 <a:spcPts val="1600"/>
               </a:spcBef>
@@ -4829,7 +4829,7 @@
               <a:buChar char="○"/>
               <a:defRPr/>
             </a:lvl5pPr>
-            <a:lvl6pPr indent="-298450" lvl="5" marL="2743200">
+            <a:lvl6pPr marL="2743200" lvl="5" indent="-298450">
               <a:spcBef>
                 <a:spcPts val="1600"/>
               </a:spcBef>
@@ -4840,7 +4840,7 @@
               <a:buChar char="■"/>
               <a:defRPr/>
             </a:lvl6pPr>
-            <a:lvl7pPr indent="-298450" lvl="6" marL="3200400">
+            <a:lvl7pPr marL="3200400" lvl="6" indent="-298450">
               <a:spcBef>
                 <a:spcPts val="1600"/>
               </a:spcBef>
@@ -4851,7 +4851,7 @@
               <a:buChar char="●"/>
               <a:defRPr/>
             </a:lvl7pPr>
-            <a:lvl8pPr indent="-298450" lvl="7" marL="3657600">
+            <a:lvl8pPr marL="3657600" lvl="7" indent="-298450">
               <a:spcBef>
                 <a:spcPts val="1600"/>
               </a:spcBef>
@@ -4862,7 +4862,7 @@
               <a:buChar char="○"/>
               <a:defRPr/>
             </a:lvl8pPr>
-            <a:lvl9pPr indent="-298450" lvl="8" marL="4114800">
+            <a:lvl9pPr marL="4114800" lvl="8" indent="-298450">
               <a:spcBef>
                 <a:spcPts val="1600"/>
               </a:spcBef>
@@ -4874,15 +4874,19 @@
               <a:defRPr/>
             </a:lvl9pPr>
           </a:lstStyle>
-          <a:p/>
+          <a:p>
+            <a:endParaRPr/>
+          </a:p>
         </p:txBody>
       </p:sp>
       <p:sp>
         <p:nvSpPr>
           <p:cNvPr id="55" name="Google Shape;55;p4"/>
-          <p:cNvSpPr txBox="1"/>
+          <p:cNvSpPr txBox="1">
+            <a:spLocks noGrp="1"/>
+          </p:cNvSpPr>
           <p:nvPr>
-            <p:ph idx="12" type="sldNum"/>
+            <p:ph type="sldNum" idx="12"/>
           </p:nvPr>
         </p:nvSpPr>
         <p:spPr>
@@ -4895,7 +4899,7 @@
           </a:prstGeom>
         </p:spPr>
         <p:txBody>
-          <a:bodyPr anchorCtr="0" anchor="ctr" bIns="91425" lIns="91425" spcFirstLastPara="1" rIns="91425" wrap="square" tIns="91425">
+          <a:bodyPr spcFirstLastPara="1" wrap="square" lIns="91425" tIns="91425" rIns="91425" bIns="91425" anchor="ctr" anchorCtr="0">
             <a:noAutofit/>
           </a:bodyPr>
           <a:lstStyle>
@@ -4937,7 +4941,7 @@
             </a:lvl9pPr>
           </a:lstStyle>
           <a:p>
-            <a:pPr indent="0" lvl="0" marL="0" rtl="0" algn="r">
+            <a:pPr marL="0" lvl="0" indent="0" algn="r" rtl="0">
               <a:spcBef>
                 <a:spcPts val="0"/>
               </a:spcBef>
@@ -4963,18 +4967,19 @@
 </file>
 
 <file path=ppt/slideLayouts/slideLayout4.xml><?xml version="1.0" encoding="utf-8"?>
-<p:sldLayout xmlns:a="http://schemas.openxmlformats.org/drawingml/2006/main" xmlns:r="http://schemas.openxmlformats.org/officeDocument/2006/relationships" xmlns:mc="http://schemas.openxmlformats.org/markup-compatibility/2006" xmlns:mv="urn:schemas-microsoft-com:mac:vml" xmlns:p="http://schemas.openxmlformats.org/presentationml/2006/main" xmlns:c="http://schemas.openxmlformats.org/drawingml/2006/chart" xmlns:dgm="http://schemas.openxmlformats.org/drawingml/2006/diagram" xmlns:o="urn:schemas-microsoft-com:office:office" xmlns:v="urn:schemas-microsoft-com:vml" xmlns:pvml="urn:schemas-microsoft-com:office:powerpoint" xmlns:com="http://schemas.openxmlformats.org/drawingml/2006/compatibility" xmlns:p14="http://schemas.microsoft.com/office/powerpoint/2010/main" xmlns:p15="http://schemas.microsoft.com/office/powerpoint/2012/main" matchingName="Title and two columns" type="twoColTx">
+<p:sldLayout xmlns:a="http://schemas.openxmlformats.org/drawingml/2006/main" xmlns:r="http://schemas.openxmlformats.org/officeDocument/2006/relationships" xmlns:p="http://schemas.openxmlformats.org/presentationml/2006/main" matchingName="Title and two columns" type="twoColTx">
   <p:cSld name="TITLE_AND_TWO_COLUMNS">
     <p:bg>
       <p:bgPr>
         <a:solidFill>
           <a:schemeClr val="dk2"/>
         </a:solidFill>
+        <a:effectLst/>
       </p:bgPr>
     </p:bg>
     <p:spTree>
       <p:nvGrpSpPr>
-        <p:cNvPr id="56" name="Shape 56"/>
+        <p:cNvPr id="1" name="Shape 56"/>
         <p:cNvGrpSpPr/>
         <p:nvPr/>
       </p:nvGrpSpPr>
@@ -5008,12 +5013,12 @@
           </a:ln>
         </p:spPr>
         <p:txBody>
-          <a:bodyPr anchorCtr="0" anchor="ctr" bIns="91425" lIns="91425" spcFirstLastPara="1" rIns="91425" wrap="square" tIns="91425">
+          <a:bodyPr spcFirstLastPara="1" wrap="square" lIns="91425" tIns="91425" rIns="91425" bIns="91425" anchor="ctr" anchorCtr="0">
             <a:noAutofit/>
           </a:bodyPr>
           <a:lstStyle/>
           <a:p>
-            <a:pPr indent="0" lvl="0" marL="0" rtl="0" algn="l">
+            <a:pPr marL="0" lvl="0" indent="0" algn="l" rtl="0">
               <a:spcBef>
                 <a:spcPts val="0"/>
               </a:spcBef>
@@ -5022,9 +5027,6 @@
               </a:spcAft>
               <a:buNone/>
             </a:pPr>
-            <a:r>
-              <a:t/>
-            </a:r>
             <a:endParaRPr/>
           </a:p>
         </p:txBody>
@@ -5051,12 +5053,12 @@
           </a:ln>
         </p:spPr>
         <p:txBody>
-          <a:bodyPr anchorCtr="0" anchor="ctr" bIns="91425" lIns="91425" spcFirstLastPara="1" rIns="91425" wrap="square" tIns="91425">
+          <a:bodyPr spcFirstLastPara="1" wrap="square" lIns="91425" tIns="91425" rIns="91425" bIns="91425" anchor="ctr" anchorCtr="0">
             <a:noAutofit/>
           </a:bodyPr>
           <a:lstStyle/>
           <a:p>
-            <a:pPr indent="0" lvl="0" marL="0" rtl="0" algn="l">
+            <a:pPr marL="0" lvl="0" indent="0" algn="l" rtl="0">
               <a:spcBef>
                 <a:spcPts val="0"/>
               </a:spcBef>
@@ -5065,9 +5067,6 @@
               </a:spcAft>
               <a:buNone/>
             </a:pPr>
-            <a:r>
-              <a:t/>
-            </a:r>
             <a:endParaRPr/>
           </a:p>
         </p:txBody>
@@ -5093,7 +5092,7 @@
             <a:noFill/>
           </a:ln>
           <a:effectLst>
-            <a:outerShdw blurRad="228600" sx="101000" rotWithShape="0" algn="ctr" sy="101000">
+            <a:outerShdw blurRad="228600" sx="101000" sy="101000" algn="ctr" rotWithShape="0">
               <a:srgbClr val="000000">
                 <a:alpha val="40000"/>
               </a:srgbClr>
@@ -5101,12 +5100,12 @@
           </a:effectLst>
         </p:spPr>
         <p:txBody>
-          <a:bodyPr anchorCtr="0" anchor="ctr" bIns="91425" lIns="91425" spcFirstLastPara="1" rIns="91425" wrap="square" tIns="91425">
+          <a:bodyPr spcFirstLastPara="1" wrap="square" lIns="91425" tIns="91425" rIns="91425" bIns="91425" anchor="ctr" anchorCtr="0">
             <a:noAutofit/>
           </a:bodyPr>
           <a:lstStyle/>
           <a:p>
-            <a:pPr indent="0" lvl="0" marL="0" rtl="0" algn="l">
+            <a:pPr marL="0" lvl="0" indent="0" algn="l" rtl="0">
               <a:spcBef>
                 <a:spcPts val="0"/>
               </a:spcBef>
@@ -5115,9 +5114,6 @@
               </a:spcAft>
               <a:buNone/>
             </a:pPr>
-            <a:r>
-              <a:t/>
-            </a:r>
             <a:endParaRPr/>
           </a:p>
         </p:txBody>
@@ -5125,7 +5121,9 @@
       <p:sp>
         <p:nvSpPr>
           <p:cNvPr id="60" name="Google Shape;60;p5"/>
-          <p:cNvSpPr txBox="1"/>
+          <p:cNvSpPr txBox="1">
+            <a:spLocks noGrp="1"/>
+          </p:cNvSpPr>
           <p:nvPr>
             <p:ph type="title"/>
           </p:nvPr>
@@ -5140,7 +5138,7 @@
           </a:prstGeom>
         </p:spPr>
         <p:txBody>
-          <a:bodyPr anchorCtr="0" anchor="t" bIns="91425" lIns="91425" spcFirstLastPara="1" rIns="91425" wrap="square" tIns="91425"/>
+          <a:bodyPr spcFirstLastPara="1" wrap="square" lIns="91425" tIns="91425" rIns="91425" bIns="91425" anchor="t" anchorCtr="0"/>
           <a:lstStyle>
             <a:lvl1pPr lvl="0">
               <a:spcBef>
@@ -5242,15 +5240,19 @@
               <a:defRPr sz="3000"/>
             </a:lvl9pPr>
           </a:lstStyle>
-          <a:p/>
+          <a:p>
+            <a:endParaRPr/>
+          </a:p>
         </p:txBody>
       </p:sp>
       <p:sp>
         <p:nvSpPr>
           <p:cNvPr id="61" name="Google Shape;61;p5"/>
-          <p:cNvSpPr txBox="1"/>
+          <p:cNvSpPr txBox="1">
+            <a:spLocks noGrp="1"/>
+          </p:cNvSpPr>
           <p:nvPr>
-            <p:ph idx="1" type="body"/>
+            <p:ph type="body" idx="1"/>
           </p:nvPr>
         </p:nvSpPr>
         <p:spPr>
@@ -5263,9 +5265,9 @@
           </a:prstGeom>
         </p:spPr>
         <p:txBody>
-          <a:bodyPr anchorCtr="0" anchor="t" bIns="91425" lIns="91425" spcFirstLastPara="1" rIns="91425" wrap="square" tIns="91425"/>
+          <a:bodyPr spcFirstLastPara="1" wrap="square" lIns="91425" tIns="91425" rIns="91425" bIns="91425" anchor="t" anchorCtr="0"/>
           <a:lstStyle>
-            <a:lvl1pPr indent="-311150" lvl="0" marL="457200">
+            <a:lvl1pPr marL="457200" lvl="0" indent="-311150">
               <a:spcBef>
                 <a:spcPts val="0"/>
               </a:spcBef>
@@ -5276,7 +5278,7 @@
               <a:buChar char="●"/>
               <a:defRPr/>
             </a:lvl1pPr>
-            <a:lvl2pPr indent="-298450" lvl="1" marL="914400">
+            <a:lvl2pPr marL="914400" lvl="1" indent="-298450">
               <a:spcBef>
                 <a:spcPts val="1600"/>
               </a:spcBef>
@@ -5287,7 +5289,7 @@
               <a:buChar char="○"/>
               <a:defRPr/>
             </a:lvl2pPr>
-            <a:lvl3pPr indent="-298450" lvl="2" marL="1371600">
+            <a:lvl3pPr marL="1371600" lvl="2" indent="-298450">
               <a:spcBef>
                 <a:spcPts val="1600"/>
               </a:spcBef>
@@ -5298,7 +5300,7 @@
               <a:buChar char="■"/>
               <a:defRPr/>
             </a:lvl3pPr>
-            <a:lvl4pPr indent="-298450" lvl="3" marL="1828800">
+            <a:lvl4pPr marL="1828800" lvl="3" indent="-298450">
               <a:spcBef>
                 <a:spcPts val="1600"/>
               </a:spcBef>
@@ -5309,7 +5311,7 @@
               <a:buChar char="●"/>
               <a:defRPr/>
             </a:lvl4pPr>
-            <a:lvl5pPr indent="-298450" lvl="4" marL="2286000">
+            <a:lvl5pPr marL="2286000" lvl="4" indent="-298450">
               <a:spcBef>
                 <a:spcPts val="1600"/>
               </a:spcBef>
@@ -5320,7 +5322,7 @@
               <a:buChar char="○"/>
               <a:defRPr/>
             </a:lvl5pPr>
-            <a:lvl6pPr indent="-298450" lvl="5" marL="2743200">
+            <a:lvl6pPr marL="2743200" lvl="5" indent="-298450">
               <a:spcBef>
                 <a:spcPts val="1600"/>
               </a:spcBef>
@@ -5331,7 +5333,7 @@
               <a:buChar char="■"/>
               <a:defRPr/>
             </a:lvl6pPr>
-            <a:lvl7pPr indent="-298450" lvl="6" marL="3200400">
+            <a:lvl7pPr marL="3200400" lvl="6" indent="-298450">
               <a:spcBef>
                 <a:spcPts val="1600"/>
               </a:spcBef>
@@ -5342,7 +5344,7 @@
               <a:buChar char="●"/>
               <a:defRPr/>
             </a:lvl7pPr>
-            <a:lvl8pPr indent="-298450" lvl="7" marL="3657600">
+            <a:lvl8pPr marL="3657600" lvl="7" indent="-298450">
               <a:spcBef>
                 <a:spcPts val="1600"/>
               </a:spcBef>
@@ -5353,7 +5355,7 @@
               <a:buChar char="○"/>
               <a:defRPr/>
             </a:lvl8pPr>
-            <a:lvl9pPr indent="-298450" lvl="8" marL="4114800">
+            <a:lvl9pPr marL="4114800" lvl="8" indent="-298450">
               <a:spcBef>
                 <a:spcPts val="1600"/>
               </a:spcBef>
@@ -5365,15 +5367,19 @@
               <a:defRPr/>
             </a:lvl9pPr>
           </a:lstStyle>
-          <a:p/>
+          <a:p>
+            <a:endParaRPr/>
+          </a:p>
         </p:txBody>
       </p:sp>
       <p:sp>
         <p:nvSpPr>
           <p:cNvPr id="62" name="Google Shape;62;p5"/>
-          <p:cNvSpPr txBox="1"/>
+          <p:cNvSpPr txBox="1">
+            <a:spLocks noGrp="1"/>
+          </p:cNvSpPr>
           <p:nvPr>
-            <p:ph idx="2" type="body"/>
+            <p:ph type="body" idx="2"/>
           </p:nvPr>
         </p:nvSpPr>
         <p:spPr>
@@ -5386,9 +5392,9 @@
           </a:prstGeom>
         </p:spPr>
         <p:txBody>
-          <a:bodyPr anchorCtr="0" anchor="t" bIns="91425" lIns="91425" spcFirstLastPara="1" rIns="91425" wrap="square" tIns="91425"/>
+          <a:bodyPr spcFirstLastPara="1" wrap="square" lIns="91425" tIns="91425" rIns="91425" bIns="91425" anchor="t" anchorCtr="0"/>
           <a:lstStyle>
-            <a:lvl1pPr indent="-311150" lvl="0" marL="457200">
+            <a:lvl1pPr marL="457200" lvl="0" indent="-311150">
               <a:spcBef>
                 <a:spcPts val="0"/>
               </a:spcBef>
@@ -5399,7 +5405,7 @@
               <a:buChar char="●"/>
               <a:defRPr/>
             </a:lvl1pPr>
-            <a:lvl2pPr indent="-298450" lvl="1" marL="914400">
+            <a:lvl2pPr marL="914400" lvl="1" indent="-298450">
               <a:spcBef>
                 <a:spcPts val="1600"/>
               </a:spcBef>
@@ -5410,7 +5416,7 @@
               <a:buChar char="○"/>
               <a:defRPr/>
             </a:lvl2pPr>
-            <a:lvl3pPr indent="-298450" lvl="2" marL="1371600">
+            <a:lvl3pPr marL="1371600" lvl="2" indent="-298450">
               <a:spcBef>
                 <a:spcPts val="1600"/>
               </a:spcBef>
@@ -5421,7 +5427,7 @@
               <a:buChar char="■"/>
               <a:defRPr/>
             </a:lvl3pPr>
-            <a:lvl4pPr indent="-298450" lvl="3" marL="1828800">
+            <a:lvl4pPr marL="1828800" lvl="3" indent="-298450">
               <a:spcBef>
                 <a:spcPts val="1600"/>
               </a:spcBef>
@@ -5432,7 +5438,7 @@
               <a:buChar char="●"/>
               <a:defRPr/>
             </a:lvl4pPr>
-            <a:lvl5pPr indent="-298450" lvl="4" marL="2286000">
+            <a:lvl5pPr marL="2286000" lvl="4" indent="-298450">
               <a:spcBef>
                 <a:spcPts val="1600"/>
               </a:spcBef>
@@ -5443,7 +5449,7 @@
               <a:buChar char="○"/>
               <a:defRPr/>
             </a:lvl5pPr>
-            <a:lvl6pPr indent="-298450" lvl="5" marL="2743200">
+            <a:lvl6pPr marL="2743200" lvl="5" indent="-298450">
               <a:spcBef>
                 <a:spcPts val="1600"/>
               </a:spcBef>
@@ -5454,7 +5460,7 @@
               <a:buChar char="■"/>
               <a:defRPr/>
             </a:lvl6pPr>
-            <a:lvl7pPr indent="-298450" lvl="6" marL="3200400">
+            <a:lvl7pPr marL="3200400" lvl="6" indent="-298450">
               <a:spcBef>
                 <a:spcPts val="1600"/>
               </a:spcBef>
@@ -5465,7 +5471,7 @@
               <a:buChar char="●"/>
               <a:defRPr/>
             </a:lvl7pPr>
-            <a:lvl8pPr indent="-298450" lvl="7" marL="3657600">
+            <a:lvl8pPr marL="3657600" lvl="7" indent="-298450">
               <a:spcBef>
                 <a:spcPts val="1600"/>
               </a:spcBef>
@@ -5476,7 +5482,7 @@
               <a:buChar char="○"/>
               <a:defRPr/>
             </a:lvl8pPr>
-            <a:lvl9pPr indent="-298450" lvl="8" marL="4114800">
+            <a:lvl9pPr marL="4114800" lvl="8" indent="-298450">
               <a:spcBef>
                 <a:spcPts val="1600"/>
               </a:spcBef>
@@ -5488,15 +5494,19 @@
               <a:defRPr/>
             </a:lvl9pPr>
           </a:lstStyle>
-          <a:p/>
+          <a:p>
+            <a:endParaRPr/>
+          </a:p>
         </p:txBody>
       </p:sp>
       <p:sp>
         <p:nvSpPr>
           <p:cNvPr id="63" name="Google Shape;63;p5"/>
-          <p:cNvSpPr txBox="1"/>
+          <p:cNvSpPr txBox="1">
+            <a:spLocks noGrp="1"/>
+          </p:cNvSpPr>
           <p:nvPr>
-            <p:ph idx="12" type="sldNum"/>
+            <p:ph type="sldNum" idx="12"/>
           </p:nvPr>
         </p:nvSpPr>
         <p:spPr>
@@ -5509,7 +5519,7 @@
           </a:prstGeom>
         </p:spPr>
         <p:txBody>
-          <a:bodyPr anchorCtr="0" anchor="ctr" bIns="91425" lIns="91425" spcFirstLastPara="1" rIns="91425" wrap="square" tIns="91425">
+          <a:bodyPr spcFirstLastPara="1" wrap="square" lIns="91425" tIns="91425" rIns="91425" bIns="91425" anchor="ctr" anchorCtr="0">
             <a:noAutofit/>
           </a:bodyPr>
           <a:lstStyle>
@@ -5551,7 +5561,7 @@
             </a:lvl9pPr>
           </a:lstStyle>
           <a:p>
-            <a:pPr indent="0" lvl="0" marL="0" rtl="0" algn="r">
+            <a:pPr marL="0" lvl="0" indent="0" algn="r" rtl="0">
               <a:spcBef>
                 <a:spcPts val="0"/>
               </a:spcBef>
@@ -5577,18 +5587,19 @@
 </file>
 
 <file path=ppt/slideLayouts/slideLayout5.xml><?xml version="1.0" encoding="utf-8"?>
-<p:sldLayout xmlns:a="http://schemas.openxmlformats.org/drawingml/2006/main" xmlns:r="http://schemas.openxmlformats.org/officeDocument/2006/relationships" xmlns:mc="http://schemas.openxmlformats.org/markup-compatibility/2006" xmlns:mv="urn:schemas-microsoft-com:mac:vml" xmlns:p="http://schemas.openxmlformats.org/presentationml/2006/main" xmlns:c="http://schemas.openxmlformats.org/drawingml/2006/chart" xmlns:dgm="http://schemas.openxmlformats.org/drawingml/2006/diagram" xmlns:o="urn:schemas-microsoft-com:office:office" xmlns:v="urn:schemas-microsoft-com:vml" xmlns:pvml="urn:schemas-microsoft-com:office:powerpoint" xmlns:com="http://schemas.openxmlformats.org/drawingml/2006/compatibility" xmlns:p14="http://schemas.microsoft.com/office/powerpoint/2010/main" xmlns:p15="http://schemas.microsoft.com/office/powerpoint/2012/main" matchingName="Title only" type="titleOnly">
+<p:sldLayout xmlns:a="http://schemas.openxmlformats.org/drawingml/2006/main" xmlns:r="http://schemas.openxmlformats.org/officeDocument/2006/relationships" xmlns:p="http://schemas.openxmlformats.org/presentationml/2006/main" matchingName="Title only" type="titleOnly">
   <p:cSld name="TITLE_ONLY">
     <p:bg>
       <p:bgPr>
         <a:solidFill>
           <a:schemeClr val="dk2"/>
         </a:solidFill>
+        <a:effectLst/>
       </p:bgPr>
     </p:bg>
     <p:spTree>
       <p:nvGrpSpPr>
-        <p:cNvPr id="64" name="Shape 64"/>
+        <p:cNvPr id="1" name="Shape 64"/>
         <p:cNvGrpSpPr/>
         <p:nvPr/>
       </p:nvGrpSpPr>
@@ -5622,12 +5633,12 @@
           </a:ln>
         </p:spPr>
         <p:txBody>
-          <a:bodyPr anchorCtr="0" anchor="ctr" bIns="91425" lIns="91425" spcFirstLastPara="1" rIns="91425" wrap="square" tIns="91425">
+          <a:bodyPr spcFirstLastPara="1" wrap="square" lIns="91425" tIns="91425" rIns="91425" bIns="91425" anchor="ctr" anchorCtr="0">
             <a:noAutofit/>
           </a:bodyPr>
           <a:lstStyle/>
           <a:p>
-            <a:pPr indent="0" lvl="0" marL="0" rtl="0" algn="l">
+            <a:pPr marL="0" lvl="0" indent="0" algn="l" rtl="0">
               <a:spcBef>
                 <a:spcPts val="0"/>
               </a:spcBef>
@@ -5636,9 +5647,6 @@
               </a:spcAft>
               <a:buNone/>
             </a:pPr>
-            <a:r>
-              <a:t/>
-            </a:r>
             <a:endParaRPr/>
           </a:p>
         </p:txBody>
@@ -5665,12 +5673,12 @@
           </a:ln>
         </p:spPr>
         <p:txBody>
-          <a:bodyPr anchorCtr="0" anchor="ctr" bIns="91425" lIns="91425" spcFirstLastPara="1" rIns="91425" wrap="square" tIns="91425">
+          <a:bodyPr spcFirstLastPara="1" wrap="square" lIns="91425" tIns="91425" rIns="91425" bIns="91425" anchor="ctr" anchorCtr="0">
             <a:noAutofit/>
           </a:bodyPr>
           <a:lstStyle/>
           <a:p>
-            <a:pPr indent="0" lvl="0" marL="0" rtl="0" algn="l">
+            <a:pPr marL="0" lvl="0" indent="0" algn="l" rtl="0">
               <a:spcBef>
                 <a:spcPts val="0"/>
               </a:spcBef>
@@ -5679,9 +5687,6 @@
               </a:spcAft>
               <a:buNone/>
             </a:pPr>
-            <a:r>
-              <a:t/>
-            </a:r>
             <a:endParaRPr/>
           </a:p>
         </p:txBody>
@@ -5707,7 +5712,7 @@
             <a:noFill/>
           </a:ln>
           <a:effectLst>
-            <a:outerShdw blurRad="228600" sx="101000" rotWithShape="0" algn="ctr" sy="101000">
+            <a:outerShdw blurRad="228600" sx="101000" sy="101000" algn="ctr" rotWithShape="0">
               <a:srgbClr val="000000">
                 <a:alpha val="40000"/>
               </a:srgbClr>
@@ -5715,12 +5720,12 @@
           </a:effectLst>
         </p:spPr>
         <p:txBody>
-          <a:bodyPr anchorCtr="0" anchor="ctr" bIns="91425" lIns="91425" spcFirstLastPara="1" rIns="91425" wrap="square" tIns="91425">
+          <a:bodyPr spcFirstLastPara="1" wrap="square" lIns="91425" tIns="91425" rIns="91425" bIns="91425" anchor="ctr" anchorCtr="0">
             <a:noAutofit/>
           </a:bodyPr>
           <a:lstStyle/>
           <a:p>
-            <a:pPr indent="0" lvl="0" marL="0" rtl="0" algn="l">
+            <a:pPr marL="0" lvl="0" indent="0" algn="l" rtl="0">
               <a:spcBef>
                 <a:spcPts val="0"/>
               </a:spcBef>
@@ -5729,9 +5734,6 @@
               </a:spcAft>
               <a:buNone/>
             </a:pPr>
-            <a:r>
-              <a:t/>
-            </a:r>
             <a:endParaRPr/>
           </a:p>
         </p:txBody>
@@ -5739,7 +5741,9 @@
       <p:sp>
         <p:nvSpPr>
           <p:cNvPr id="68" name="Google Shape;68;p6"/>
-          <p:cNvSpPr txBox="1"/>
+          <p:cNvSpPr txBox="1">
+            <a:spLocks noGrp="1"/>
+          </p:cNvSpPr>
           <p:nvPr>
             <p:ph type="title"/>
           </p:nvPr>
@@ -5754,7 +5758,7 @@
           </a:prstGeom>
         </p:spPr>
         <p:txBody>
-          <a:bodyPr anchorCtr="0" anchor="t" bIns="91425" lIns="91425" spcFirstLastPara="1" rIns="91425" wrap="square" tIns="91425"/>
+          <a:bodyPr spcFirstLastPara="1" wrap="square" lIns="91425" tIns="91425" rIns="91425" bIns="91425" anchor="t" anchorCtr="0"/>
           <a:lstStyle>
             <a:lvl1pPr lvl="0">
               <a:spcBef>
@@ -5856,15 +5860,19 @@
               <a:defRPr sz="3000"/>
             </a:lvl9pPr>
           </a:lstStyle>
-          <a:p/>
+          <a:p>
+            <a:endParaRPr/>
+          </a:p>
         </p:txBody>
       </p:sp>
       <p:sp>
         <p:nvSpPr>
           <p:cNvPr id="69" name="Google Shape;69;p6"/>
-          <p:cNvSpPr txBox="1"/>
+          <p:cNvSpPr txBox="1">
+            <a:spLocks noGrp="1"/>
+          </p:cNvSpPr>
           <p:nvPr>
-            <p:ph idx="12" type="sldNum"/>
+            <p:ph type="sldNum" idx="12"/>
           </p:nvPr>
         </p:nvSpPr>
         <p:spPr>
@@ -5877,7 +5885,7 @@
           </a:prstGeom>
         </p:spPr>
         <p:txBody>
-          <a:bodyPr anchorCtr="0" anchor="ctr" bIns="91425" lIns="91425" spcFirstLastPara="1" rIns="91425" wrap="square" tIns="91425">
+          <a:bodyPr spcFirstLastPara="1" wrap="square" lIns="91425" tIns="91425" rIns="91425" bIns="91425" anchor="ctr" anchorCtr="0">
             <a:noAutofit/>
           </a:bodyPr>
           <a:lstStyle>
@@ -5919,7 +5927,7 @@
             </a:lvl9pPr>
           </a:lstStyle>
           <a:p>
-            <a:pPr indent="0" lvl="0" marL="0" rtl="0" algn="r">
+            <a:pPr marL="0" lvl="0" indent="0" algn="r" rtl="0">
               <a:spcBef>
                 <a:spcPts val="0"/>
               </a:spcBef>
@@ -5945,18 +5953,19 @@
 </file>
 
 <file path=ppt/slideLayouts/slideLayout6.xml><?xml version="1.0" encoding="utf-8"?>
-<p:sldLayout xmlns:a="http://schemas.openxmlformats.org/drawingml/2006/main" xmlns:r="http://schemas.openxmlformats.org/officeDocument/2006/relationships" xmlns:mc="http://schemas.openxmlformats.org/markup-compatibility/2006" xmlns:mv="urn:schemas-microsoft-com:mac:vml" xmlns:p="http://schemas.openxmlformats.org/presentationml/2006/main" xmlns:c="http://schemas.openxmlformats.org/drawingml/2006/chart" xmlns:dgm="http://schemas.openxmlformats.org/drawingml/2006/diagram" xmlns:o="urn:schemas-microsoft-com:office:office" xmlns:v="urn:schemas-microsoft-com:vml" xmlns:pvml="urn:schemas-microsoft-com:office:powerpoint" xmlns:com="http://schemas.openxmlformats.org/drawingml/2006/compatibility" xmlns:p14="http://schemas.microsoft.com/office/powerpoint/2010/main" xmlns:p15="http://schemas.microsoft.com/office/powerpoint/2012/main" matchingName="One column text">
+<p:sldLayout xmlns:a="http://schemas.openxmlformats.org/drawingml/2006/main" xmlns:r="http://schemas.openxmlformats.org/officeDocument/2006/relationships" xmlns:p="http://schemas.openxmlformats.org/presentationml/2006/main" matchingName="One column text">
   <p:cSld name="ONE_COLUMN_TEXT">
     <p:bg>
       <p:bgPr>
         <a:solidFill>
           <a:schemeClr val="accent3"/>
         </a:solidFill>
+        <a:effectLst/>
       </p:bgPr>
     </p:bg>
     <p:spTree>
       <p:nvGrpSpPr>
-        <p:cNvPr id="70" name="Shape 70"/>
+        <p:cNvPr id="1" name="Shape 70"/>
         <p:cNvGrpSpPr/>
         <p:nvPr/>
       </p:nvGrpSpPr>
@@ -5990,12 +5999,12 @@
           </a:ln>
         </p:spPr>
         <p:txBody>
-          <a:bodyPr anchorCtr="0" anchor="ctr" bIns="91425" lIns="91425" spcFirstLastPara="1" rIns="91425" wrap="square" tIns="91425">
+          <a:bodyPr spcFirstLastPara="1" wrap="square" lIns="91425" tIns="91425" rIns="91425" bIns="91425" anchor="ctr" anchorCtr="0">
             <a:noAutofit/>
           </a:bodyPr>
           <a:lstStyle/>
           <a:p>
-            <a:pPr indent="0" lvl="0" marL="0" rtl="0" algn="l">
+            <a:pPr marL="0" lvl="0" indent="0" algn="l" rtl="0">
               <a:spcBef>
                 <a:spcPts val="0"/>
               </a:spcBef>
@@ -6004,9 +6013,6 @@
               </a:spcAft>
               <a:buNone/>
             </a:pPr>
-            <a:r>
-              <a:t/>
-            </a:r>
             <a:endParaRPr/>
           </a:p>
         </p:txBody>
@@ -6033,12 +6039,12 @@
           </a:ln>
         </p:spPr>
         <p:txBody>
-          <a:bodyPr anchorCtr="0" anchor="ctr" bIns="91425" lIns="91425" spcFirstLastPara="1" rIns="91425" wrap="square" tIns="91425">
+          <a:bodyPr spcFirstLastPara="1" wrap="square" lIns="91425" tIns="91425" rIns="91425" bIns="91425" anchor="ctr" anchorCtr="0">
             <a:noAutofit/>
           </a:bodyPr>
           <a:lstStyle/>
           <a:p>
-            <a:pPr indent="0" lvl="0" marL="0" rtl="0" algn="l">
+            <a:pPr marL="0" lvl="0" indent="0" algn="l" rtl="0">
               <a:spcBef>
                 <a:spcPts val="0"/>
               </a:spcBef>
@@ -6047,9 +6053,6 @@
               </a:spcAft>
               <a:buNone/>
             </a:pPr>
-            <a:r>
-              <a:t/>
-            </a:r>
             <a:endParaRPr/>
           </a:p>
         </p:txBody>
@@ -6075,7 +6078,7 @@
             <a:noFill/>
           </a:ln>
           <a:effectLst>
-            <a:outerShdw blurRad="228600" sx="101000" rotWithShape="0" algn="ctr" sy="101000">
+            <a:outerShdw blurRad="228600" sx="101000" sy="101000" algn="ctr" rotWithShape="0">
               <a:srgbClr val="000000">
                 <a:alpha val="40000"/>
               </a:srgbClr>
@@ -6083,12 +6086,12 @@
           </a:effectLst>
         </p:spPr>
         <p:txBody>
-          <a:bodyPr anchorCtr="0" anchor="ctr" bIns="91425" lIns="91425" spcFirstLastPara="1" rIns="91425" wrap="square" tIns="91425">
+          <a:bodyPr spcFirstLastPara="1" wrap="square" lIns="91425" tIns="91425" rIns="91425" bIns="91425" anchor="ctr" anchorCtr="0">
             <a:noAutofit/>
           </a:bodyPr>
           <a:lstStyle/>
           <a:p>
-            <a:pPr indent="0" lvl="0" marL="0" rtl="0" algn="l">
+            <a:pPr marL="0" lvl="0" indent="0" algn="l" rtl="0">
               <a:spcBef>
                 <a:spcPts val="0"/>
               </a:spcBef>
@@ -6097,9 +6100,6 @@
               </a:spcAft>
               <a:buNone/>
             </a:pPr>
-            <a:r>
-              <a:t/>
-            </a:r>
             <a:endParaRPr/>
           </a:p>
         </p:txBody>
@@ -6107,7 +6107,9 @@
       <p:sp>
         <p:nvSpPr>
           <p:cNvPr id="74" name="Google Shape;74;p7"/>
-          <p:cNvSpPr txBox="1"/>
+          <p:cNvSpPr txBox="1">
+            <a:spLocks noGrp="1"/>
+          </p:cNvSpPr>
           <p:nvPr>
             <p:ph type="title"/>
           </p:nvPr>
@@ -6122,7 +6124,7 @@
           </a:prstGeom>
         </p:spPr>
         <p:txBody>
-          <a:bodyPr anchorCtr="0" anchor="t" bIns="91425" lIns="91425" spcFirstLastPara="1" rIns="91425" wrap="square" tIns="91425"/>
+          <a:bodyPr spcFirstLastPara="1" wrap="square" lIns="91425" tIns="91425" rIns="91425" bIns="91425" anchor="t" anchorCtr="0"/>
           <a:lstStyle>
             <a:lvl1pPr lvl="0">
               <a:spcBef>
@@ -6224,15 +6226,19 @@
               <a:defRPr sz="3000"/>
             </a:lvl9pPr>
           </a:lstStyle>
-          <a:p/>
+          <a:p>
+            <a:endParaRPr/>
+          </a:p>
         </p:txBody>
       </p:sp>
       <p:sp>
         <p:nvSpPr>
           <p:cNvPr id="75" name="Google Shape;75;p7"/>
-          <p:cNvSpPr txBox="1"/>
+          <p:cNvSpPr txBox="1">
+            <a:spLocks noGrp="1"/>
+          </p:cNvSpPr>
           <p:nvPr>
-            <p:ph idx="1" type="body"/>
+            <p:ph type="body" idx="1"/>
           </p:nvPr>
         </p:nvSpPr>
         <p:spPr>
@@ -6245,9 +6251,9 @@
           </a:prstGeom>
         </p:spPr>
         <p:txBody>
-          <a:bodyPr anchorCtr="0" anchor="t" bIns="91425" lIns="91425" spcFirstLastPara="1" rIns="91425" wrap="square" tIns="91425"/>
+          <a:bodyPr spcFirstLastPara="1" wrap="square" lIns="91425" tIns="91425" rIns="91425" bIns="91425" anchor="t" anchorCtr="0"/>
           <a:lstStyle>
-            <a:lvl1pPr indent="-311150" lvl="0" marL="457200">
+            <a:lvl1pPr marL="457200" lvl="0" indent="-311150">
               <a:spcBef>
                 <a:spcPts val="0"/>
               </a:spcBef>
@@ -6258,7 +6264,7 @@
               <a:buChar char="●"/>
               <a:defRPr/>
             </a:lvl1pPr>
-            <a:lvl2pPr indent="-298450" lvl="1" marL="914400">
+            <a:lvl2pPr marL="914400" lvl="1" indent="-298450">
               <a:spcBef>
                 <a:spcPts val="1600"/>
               </a:spcBef>
@@ -6269,7 +6275,7 @@
               <a:buChar char="○"/>
               <a:defRPr/>
             </a:lvl2pPr>
-            <a:lvl3pPr indent="-298450" lvl="2" marL="1371600">
+            <a:lvl3pPr marL="1371600" lvl="2" indent="-298450">
               <a:spcBef>
                 <a:spcPts val="1600"/>
               </a:spcBef>
@@ -6280,7 +6286,7 @@
               <a:buChar char="■"/>
               <a:defRPr/>
             </a:lvl3pPr>
-            <a:lvl4pPr indent="-298450" lvl="3" marL="1828800">
+            <a:lvl4pPr marL="1828800" lvl="3" indent="-298450">
               <a:spcBef>
                 <a:spcPts val="1600"/>
               </a:spcBef>
@@ -6291,7 +6297,7 @@
               <a:buChar char="●"/>
               <a:defRPr/>
             </a:lvl4pPr>
-            <a:lvl5pPr indent="-298450" lvl="4" marL="2286000">
+            <a:lvl5pPr marL="2286000" lvl="4" indent="-298450">
               <a:spcBef>
                 <a:spcPts val="1600"/>
               </a:spcBef>
@@ -6302,7 +6308,7 @@
               <a:buChar char="○"/>
               <a:defRPr/>
             </a:lvl5pPr>
-            <a:lvl6pPr indent="-298450" lvl="5" marL="2743200">
+            <a:lvl6pPr marL="2743200" lvl="5" indent="-298450">
               <a:spcBef>
                 <a:spcPts val="1600"/>
               </a:spcBef>
@@ -6313,7 +6319,7 @@
               <a:buChar char="■"/>
               <a:defRPr/>
             </a:lvl6pPr>
-            <a:lvl7pPr indent="-298450" lvl="6" marL="3200400">
+            <a:lvl7pPr marL="3200400" lvl="6" indent="-298450">
               <a:spcBef>
                 <a:spcPts val="1600"/>
               </a:spcBef>
@@ -6324,7 +6330,7 @@
               <a:buChar char="●"/>
               <a:defRPr/>
             </a:lvl7pPr>
-            <a:lvl8pPr indent="-298450" lvl="7" marL="3657600">
+            <a:lvl8pPr marL="3657600" lvl="7" indent="-298450">
               <a:spcBef>
                 <a:spcPts val="1600"/>
               </a:spcBef>
@@ -6335,7 +6341,7 @@
               <a:buChar char="○"/>
               <a:defRPr/>
             </a:lvl8pPr>
-            <a:lvl9pPr indent="-298450" lvl="8" marL="4114800">
+            <a:lvl9pPr marL="4114800" lvl="8" indent="-298450">
               <a:spcBef>
                 <a:spcPts val="1600"/>
               </a:spcBef>
@@ -6347,15 +6353,19 @@
               <a:defRPr/>
             </a:lvl9pPr>
           </a:lstStyle>
-          <a:p/>
+          <a:p>
+            <a:endParaRPr/>
+          </a:p>
         </p:txBody>
       </p:sp>
       <p:sp>
         <p:nvSpPr>
           <p:cNvPr id="76" name="Google Shape;76;p7"/>
-          <p:cNvSpPr txBox="1"/>
+          <p:cNvSpPr txBox="1">
+            <a:spLocks noGrp="1"/>
+          </p:cNvSpPr>
           <p:nvPr>
-            <p:ph idx="12" type="sldNum"/>
+            <p:ph type="sldNum" idx="12"/>
           </p:nvPr>
         </p:nvSpPr>
         <p:spPr>
@@ -6368,7 +6378,7 @@
           </a:prstGeom>
         </p:spPr>
         <p:txBody>
-          <a:bodyPr anchorCtr="0" anchor="ctr" bIns="91425" lIns="91425" spcFirstLastPara="1" rIns="91425" wrap="square" tIns="91425">
+          <a:bodyPr spcFirstLastPara="1" wrap="square" lIns="91425" tIns="91425" rIns="91425" bIns="91425" anchor="ctr" anchorCtr="0">
             <a:noAutofit/>
           </a:bodyPr>
           <a:lstStyle>
@@ -6410,7 +6420,7 @@
             </a:lvl9pPr>
           </a:lstStyle>
           <a:p>
-            <a:pPr indent="0" lvl="0" marL="0" rtl="0" algn="r">
+            <a:pPr marL="0" lvl="0" indent="0" algn="r" rtl="0">
               <a:spcBef>
                 <a:spcPts val="0"/>
               </a:spcBef>
@@ -6436,18 +6446,19 @@
 </file>
 
 <file path=ppt/slideLayouts/slideLayout7.xml><?xml version="1.0" encoding="utf-8"?>
-<p:sldLayout xmlns:a="http://schemas.openxmlformats.org/drawingml/2006/main" xmlns:r="http://schemas.openxmlformats.org/officeDocument/2006/relationships" xmlns:mc="http://schemas.openxmlformats.org/markup-compatibility/2006" xmlns:mv="urn:schemas-microsoft-com:mac:vml" xmlns:p="http://schemas.openxmlformats.org/presentationml/2006/main" xmlns:c="http://schemas.openxmlformats.org/drawingml/2006/chart" xmlns:dgm="http://schemas.openxmlformats.org/drawingml/2006/diagram" xmlns:o="urn:schemas-microsoft-com:office:office" xmlns:v="urn:schemas-microsoft-com:vml" xmlns:pvml="urn:schemas-microsoft-com:office:powerpoint" xmlns:com="http://schemas.openxmlformats.org/drawingml/2006/compatibility" xmlns:p14="http://schemas.microsoft.com/office/powerpoint/2010/main" xmlns:p15="http://schemas.microsoft.com/office/powerpoint/2012/main" matchingName="Main point">
+<p:sldLayout xmlns:a="http://schemas.openxmlformats.org/drawingml/2006/main" xmlns:r="http://schemas.openxmlformats.org/officeDocument/2006/relationships" xmlns:p="http://schemas.openxmlformats.org/presentationml/2006/main" matchingName="Main point">
   <p:cSld name="MAIN_POINT">
     <p:bg>
       <p:bgPr>
         <a:solidFill>
           <a:schemeClr val="accent1"/>
         </a:solidFill>
+        <a:effectLst/>
       </p:bgPr>
     </p:bg>
     <p:spTree>
       <p:nvGrpSpPr>
-        <p:cNvPr id="77" name="Shape 77"/>
+        <p:cNvPr id="1" name="Shape 77"/>
         <p:cNvGrpSpPr/>
         <p:nvPr/>
       </p:nvGrpSpPr>
@@ -6481,12 +6492,12 @@
           </a:ln>
         </p:spPr>
         <p:txBody>
-          <a:bodyPr anchorCtr="0" anchor="ctr" bIns="91425" lIns="91425" spcFirstLastPara="1" rIns="91425" wrap="square" tIns="91425">
+          <a:bodyPr spcFirstLastPara="1" wrap="square" lIns="91425" tIns="91425" rIns="91425" bIns="91425" anchor="ctr" anchorCtr="0">
             <a:noAutofit/>
           </a:bodyPr>
           <a:lstStyle/>
           <a:p>
-            <a:pPr indent="0" lvl="0" marL="0" rtl="0" algn="l">
+            <a:pPr marL="0" lvl="0" indent="0" algn="l" rtl="0">
               <a:spcBef>
                 <a:spcPts val="0"/>
               </a:spcBef>
@@ -6495,9 +6506,6 @@
               </a:spcAft>
               <a:buNone/>
             </a:pPr>
-            <a:r>
-              <a:t/>
-            </a:r>
             <a:endParaRPr/>
           </a:p>
         </p:txBody>
@@ -6524,12 +6532,12 @@
           </a:ln>
         </p:spPr>
         <p:txBody>
-          <a:bodyPr anchorCtr="0" anchor="ctr" bIns="91425" lIns="91425" spcFirstLastPara="1" rIns="91425" wrap="square" tIns="91425">
+          <a:bodyPr spcFirstLastPara="1" wrap="square" lIns="91425" tIns="91425" rIns="91425" bIns="91425" anchor="ctr" anchorCtr="0">
             <a:noAutofit/>
           </a:bodyPr>
           <a:lstStyle/>
           <a:p>
-            <a:pPr indent="0" lvl="0" marL="0" rtl="0" algn="l">
+            <a:pPr marL="0" lvl="0" indent="0" algn="l" rtl="0">
               <a:spcBef>
                 <a:spcPts val="0"/>
               </a:spcBef>
@@ -6538,9 +6546,6 @@
               </a:spcAft>
               <a:buNone/>
             </a:pPr>
-            <a:r>
-              <a:t/>
-            </a:r>
             <a:endParaRPr/>
           </a:p>
         </p:txBody>
@@ -6572,7 +6577,7 @@
             </a:xfrm>
             <a:prstGeom prst="parallelogram">
               <a:avLst>
-                <a:gd fmla="val 153193" name="adj"/>
+                <a:gd name="adj" fmla="val 153193"/>
               </a:avLst>
             </a:prstGeom>
             <a:solidFill>
@@ -6583,12 +6588,12 @@
             </a:ln>
           </p:spPr>
           <p:txBody>
-            <a:bodyPr anchorCtr="0" anchor="ctr" bIns="91425" lIns="91425" spcFirstLastPara="1" rIns="91425" wrap="square" tIns="91425">
+            <a:bodyPr spcFirstLastPara="1" wrap="square" lIns="91425" tIns="91425" rIns="91425" bIns="91425" anchor="ctr" anchorCtr="0">
               <a:noAutofit/>
             </a:bodyPr>
             <a:lstStyle/>
             <a:p>
-              <a:pPr indent="0" lvl="0" marL="0" rtl="0" algn="l">
+              <a:pPr marL="0" lvl="0" indent="0" algn="l" rtl="0">
                 <a:spcBef>
                   <a:spcPts val="0"/>
                 </a:spcBef>
@@ -6597,9 +6602,6 @@
                 </a:spcAft>
                 <a:buNone/>
               </a:pPr>
-              <a:r>
-                <a:t/>
-              </a:r>
               <a:endParaRPr/>
             </a:p>
           </p:txBody>
@@ -6617,7 +6619,7 @@
             </a:xfrm>
             <a:prstGeom prst="parallelogram">
               <a:avLst>
-                <a:gd fmla="val 153193" name="adj"/>
+                <a:gd name="adj" fmla="val 153193"/>
               </a:avLst>
             </a:prstGeom>
             <a:solidFill>
@@ -6628,12 +6630,12 @@
             </a:ln>
           </p:spPr>
           <p:txBody>
-            <a:bodyPr anchorCtr="0" anchor="ctr" bIns="91425" lIns="91425" spcFirstLastPara="1" rIns="91425" wrap="square" tIns="91425">
+            <a:bodyPr spcFirstLastPara="1" wrap="square" lIns="91425" tIns="91425" rIns="91425" bIns="91425" anchor="ctr" anchorCtr="0">
               <a:noAutofit/>
             </a:bodyPr>
             <a:lstStyle/>
             <a:p>
-              <a:pPr indent="0" lvl="0" marL="0" rtl="0" algn="l">
+              <a:pPr marL="0" lvl="0" indent="0" algn="l" rtl="0">
                 <a:spcBef>
                   <a:spcPts val="0"/>
                 </a:spcBef>
@@ -6642,9 +6644,6 @@
                 </a:spcAft>
                 <a:buNone/>
               </a:pPr>
-              <a:r>
-                <a:t/>
-              </a:r>
               <a:endParaRPr/>
             </a:p>
           </p:txBody>
@@ -6662,7 +6661,7 @@
             </a:xfrm>
             <a:prstGeom prst="parallelogram">
               <a:avLst>
-                <a:gd fmla="val 153193" name="adj"/>
+                <a:gd name="adj" fmla="val 153193"/>
               </a:avLst>
             </a:prstGeom>
             <a:solidFill>
@@ -6673,12 +6672,12 @@
             </a:ln>
           </p:spPr>
           <p:txBody>
-            <a:bodyPr anchorCtr="0" anchor="ctr" bIns="91425" lIns="91425" spcFirstLastPara="1" rIns="91425" wrap="square" tIns="91425">
+            <a:bodyPr spcFirstLastPara="1" wrap="square" lIns="91425" tIns="91425" rIns="91425" bIns="91425" anchor="ctr" anchorCtr="0">
               <a:noAutofit/>
             </a:bodyPr>
             <a:lstStyle/>
             <a:p>
-              <a:pPr indent="0" lvl="0" marL="0" rtl="0" algn="l">
+              <a:pPr marL="0" lvl="0" indent="0" algn="l" rtl="0">
                 <a:spcBef>
                   <a:spcPts val="0"/>
                 </a:spcBef>
@@ -6687,9 +6686,6 @@
                 </a:spcAft>
                 <a:buNone/>
               </a:pPr>
-              <a:r>
-                <a:t/>
-              </a:r>
               <a:endParaRPr/>
             </a:p>
           </p:txBody>
@@ -6716,7 +6712,7 @@
             <a:noFill/>
           </a:ln>
           <a:effectLst>
-            <a:outerShdw blurRad="228600" sx="101000" rotWithShape="0" algn="ctr" sy="101000">
+            <a:outerShdw blurRad="228600" sx="101000" sy="101000" algn="ctr" rotWithShape="0">
               <a:srgbClr val="000000">
                 <a:alpha val="40000"/>
               </a:srgbClr>
@@ -6724,12 +6720,12 @@
           </a:effectLst>
         </p:spPr>
         <p:txBody>
-          <a:bodyPr anchorCtr="0" anchor="ctr" bIns="91425" lIns="91425" spcFirstLastPara="1" rIns="91425" wrap="square" tIns="91425">
+          <a:bodyPr spcFirstLastPara="1" wrap="square" lIns="91425" tIns="91425" rIns="91425" bIns="91425" anchor="ctr" anchorCtr="0">
             <a:noAutofit/>
           </a:bodyPr>
           <a:lstStyle/>
           <a:p>
-            <a:pPr indent="0" lvl="0" marL="0" rtl="0" algn="l">
+            <a:pPr marL="0" lvl="0" indent="0" algn="l" rtl="0">
               <a:spcBef>
                 <a:spcPts val="0"/>
               </a:spcBef>
@@ -6738,9 +6734,6 @@
               </a:spcAft>
               <a:buNone/>
             </a:pPr>
-            <a:r>
-              <a:t/>
-            </a:r>
             <a:endParaRPr/>
           </a:p>
         </p:txBody>
@@ -6772,7 +6765,7 @@
             </a:xfrm>
             <a:prstGeom prst="parallelogram">
               <a:avLst>
-                <a:gd fmla="val 158024" name="adj"/>
+                <a:gd name="adj" fmla="val 158024"/>
               </a:avLst>
             </a:prstGeom>
             <a:solidFill>
@@ -6783,12 +6776,12 @@
             </a:ln>
           </p:spPr>
           <p:txBody>
-            <a:bodyPr anchorCtr="0" anchor="ctr" bIns="91425" lIns="91425" spcFirstLastPara="1" rIns="91425" wrap="square" tIns="91425">
+            <a:bodyPr spcFirstLastPara="1" wrap="square" lIns="91425" tIns="91425" rIns="91425" bIns="91425" anchor="ctr" anchorCtr="0">
               <a:noAutofit/>
             </a:bodyPr>
             <a:lstStyle/>
             <a:p>
-              <a:pPr indent="0" lvl="0" marL="0" rtl="0" algn="l">
+              <a:pPr marL="0" lvl="0" indent="0" algn="l" rtl="0">
                 <a:spcBef>
                   <a:spcPts val="0"/>
                 </a:spcBef>
@@ -6797,9 +6790,6 @@
                 </a:spcAft>
                 <a:buNone/>
               </a:pPr>
-              <a:r>
-                <a:t/>
-              </a:r>
               <a:endParaRPr/>
             </a:p>
           </p:txBody>
@@ -6817,7 +6807,7 @@
             </a:xfrm>
             <a:prstGeom prst="parallelogram">
               <a:avLst>
-                <a:gd fmla="val 158024" name="adj"/>
+                <a:gd name="adj" fmla="val 158024"/>
               </a:avLst>
             </a:prstGeom>
             <a:solidFill>
@@ -6828,12 +6818,12 @@
             </a:ln>
           </p:spPr>
           <p:txBody>
-            <a:bodyPr anchorCtr="0" anchor="ctr" bIns="91425" lIns="91425" spcFirstLastPara="1" rIns="91425" wrap="square" tIns="91425">
+            <a:bodyPr spcFirstLastPara="1" wrap="square" lIns="91425" tIns="91425" rIns="91425" bIns="91425" anchor="ctr" anchorCtr="0">
               <a:noAutofit/>
             </a:bodyPr>
             <a:lstStyle/>
             <a:p>
-              <a:pPr indent="0" lvl="0" marL="0" rtl="0" algn="l">
+              <a:pPr marL="0" lvl="0" indent="0" algn="l" rtl="0">
                 <a:spcBef>
                   <a:spcPts val="0"/>
                 </a:spcBef>
@@ -6842,9 +6832,6 @@
                 </a:spcAft>
                 <a:buNone/>
               </a:pPr>
-              <a:r>
-                <a:t/>
-              </a:r>
               <a:endParaRPr/>
             </a:p>
           </p:txBody>
@@ -6862,7 +6849,7 @@
             </a:xfrm>
             <a:prstGeom prst="parallelogram">
               <a:avLst>
-                <a:gd fmla="val 158024" name="adj"/>
+                <a:gd name="adj" fmla="val 158024"/>
               </a:avLst>
             </a:prstGeom>
             <a:solidFill>
@@ -6873,12 +6860,12 @@
             </a:ln>
           </p:spPr>
           <p:txBody>
-            <a:bodyPr anchorCtr="0" anchor="ctr" bIns="91425" lIns="91425" spcFirstLastPara="1" rIns="91425" wrap="square" tIns="91425">
+            <a:bodyPr spcFirstLastPara="1" wrap="square" lIns="91425" tIns="91425" rIns="91425" bIns="91425" anchor="ctr" anchorCtr="0">
               <a:noAutofit/>
             </a:bodyPr>
             <a:lstStyle/>
             <a:p>
-              <a:pPr indent="0" lvl="0" marL="0" rtl="0" algn="l">
+              <a:pPr marL="0" lvl="0" indent="0" algn="l" rtl="0">
                 <a:spcBef>
                   <a:spcPts val="0"/>
                 </a:spcBef>
@@ -6887,9 +6874,6 @@
                 </a:spcAft>
                 <a:buNone/>
               </a:pPr>
-              <a:r>
-                <a:t/>
-              </a:r>
               <a:endParaRPr/>
             </a:p>
           </p:txBody>
@@ -6922,7 +6906,7 @@
             </a:xfrm>
             <a:prstGeom prst="parallelogram">
               <a:avLst>
-                <a:gd fmla="val 158024" name="adj"/>
+                <a:gd name="adj" fmla="val 158024"/>
               </a:avLst>
             </a:prstGeom>
             <a:solidFill>
@@ -6933,12 +6917,12 @@
             </a:ln>
           </p:spPr>
           <p:txBody>
-            <a:bodyPr anchorCtr="0" anchor="ctr" bIns="91425" lIns="91425" spcFirstLastPara="1" rIns="91425" wrap="square" tIns="91425">
+            <a:bodyPr spcFirstLastPara="1" wrap="square" lIns="91425" tIns="91425" rIns="91425" bIns="91425" anchor="ctr" anchorCtr="0">
               <a:noAutofit/>
             </a:bodyPr>
             <a:lstStyle/>
             <a:p>
-              <a:pPr indent="0" lvl="0" marL="0" rtl="0" algn="l">
+              <a:pPr marL="0" lvl="0" indent="0" algn="l" rtl="0">
                 <a:spcBef>
                   <a:spcPts val="0"/>
                 </a:spcBef>
@@ -6947,9 +6931,6 @@
                 </a:spcAft>
                 <a:buNone/>
               </a:pPr>
-              <a:r>
-                <a:t/>
-              </a:r>
               <a:endParaRPr/>
             </a:p>
           </p:txBody>
@@ -6967,7 +6948,7 @@
             </a:xfrm>
             <a:prstGeom prst="parallelogram">
               <a:avLst>
-                <a:gd fmla="val 158024" name="adj"/>
+                <a:gd name="adj" fmla="val 158024"/>
               </a:avLst>
             </a:prstGeom>
             <a:solidFill>
@@ -6978,12 +6959,12 @@
             </a:ln>
           </p:spPr>
           <p:txBody>
-            <a:bodyPr anchorCtr="0" anchor="ctr" bIns="91425" lIns="91425" spcFirstLastPara="1" rIns="91425" wrap="square" tIns="91425">
+            <a:bodyPr spcFirstLastPara="1" wrap="square" lIns="91425" tIns="91425" rIns="91425" bIns="91425" anchor="ctr" anchorCtr="0">
               <a:noAutofit/>
             </a:bodyPr>
             <a:lstStyle/>
             <a:p>
-              <a:pPr indent="0" lvl="0" marL="0" rtl="0" algn="l">
+              <a:pPr marL="0" lvl="0" indent="0" algn="l" rtl="0">
                 <a:spcBef>
                   <a:spcPts val="0"/>
                 </a:spcBef>
@@ -6992,9 +6973,6 @@
                 </a:spcAft>
                 <a:buNone/>
               </a:pPr>
-              <a:r>
-                <a:t/>
-              </a:r>
               <a:endParaRPr/>
             </a:p>
           </p:txBody>
@@ -7012,7 +6990,7 @@
             </a:xfrm>
             <a:prstGeom prst="parallelogram">
               <a:avLst>
-                <a:gd fmla="val 158024" name="adj"/>
+                <a:gd name="adj" fmla="val 158024"/>
               </a:avLst>
             </a:prstGeom>
             <a:solidFill>
@@ -7023,12 +7001,12 @@
             </a:ln>
           </p:spPr>
           <p:txBody>
-            <a:bodyPr anchorCtr="0" anchor="ctr" bIns="91425" lIns="91425" spcFirstLastPara="1" rIns="91425" wrap="square" tIns="91425">
+            <a:bodyPr spcFirstLastPara="1" wrap="square" lIns="91425" tIns="91425" rIns="91425" bIns="91425" anchor="ctr" anchorCtr="0">
               <a:noAutofit/>
             </a:bodyPr>
             <a:lstStyle/>
             <a:p>
-              <a:pPr indent="0" lvl="0" marL="0" rtl="0" algn="l">
+              <a:pPr marL="0" lvl="0" indent="0" algn="l" rtl="0">
                 <a:spcBef>
                   <a:spcPts val="0"/>
                 </a:spcBef>
@@ -7037,9 +7015,6 @@
                 </a:spcAft>
                 <a:buNone/>
               </a:pPr>
-              <a:r>
-                <a:t/>
-              </a:r>
               <a:endParaRPr/>
             </a:p>
           </p:txBody>
@@ -7048,7 +7023,9 @@
       <p:sp>
         <p:nvSpPr>
           <p:cNvPr id="93" name="Google Shape;93;p8"/>
-          <p:cNvSpPr txBox="1"/>
+          <p:cNvSpPr txBox="1">
+            <a:spLocks noGrp="1"/>
+          </p:cNvSpPr>
           <p:nvPr>
             <p:ph type="title"/>
           </p:nvPr>
@@ -7063,7 +7040,7 @@
           </a:prstGeom>
         </p:spPr>
         <p:txBody>
-          <a:bodyPr anchorCtr="0" anchor="ctr" bIns="91425" lIns="91425" spcFirstLastPara="1" rIns="91425" wrap="square" tIns="91425"/>
+          <a:bodyPr spcFirstLastPara="1" wrap="square" lIns="91425" tIns="91425" rIns="91425" bIns="91425" anchor="ctr" anchorCtr="0"/>
           <a:lstStyle>
             <a:lvl1pPr lvl="0" algn="ctr">
               <a:spcBef>
@@ -7165,15 +7142,19 @@
               <a:defRPr sz="3200"/>
             </a:lvl9pPr>
           </a:lstStyle>
-          <a:p/>
+          <a:p>
+            <a:endParaRPr/>
+          </a:p>
         </p:txBody>
       </p:sp>
       <p:sp>
         <p:nvSpPr>
           <p:cNvPr id="94" name="Google Shape;94;p8"/>
-          <p:cNvSpPr txBox="1"/>
+          <p:cNvSpPr txBox="1">
+            <a:spLocks noGrp="1"/>
+          </p:cNvSpPr>
           <p:nvPr>
-            <p:ph idx="12" type="sldNum"/>
+            <p:ph type="sldNum" idx="12"/>
           </p:nvPr>
         </p:nvSpPr>
         <p:spPr>
@@ -7186,7 +7167,7 @@
           </a:prstGeom>
         </p:spPr>
         <p:txBody>
-          <a:bodyPr anchorCtr="0" anchor="ctr" bIns="91425" lIns="91425" spcFirstLastPara="1" rIns="91425" wrap="square" tIns="91425">
+          <a:bodyPr spcFirstLastPara="1" wrap="square" lIns="91425" tIns="91425" rIns="91425" bIns="91425" anchor="ctr" anchorCtr="0">
             <a:noAutofit/>
           </a:bodyPr>
           <a:lstStyle>
@@ -7228,7 +7209,7 @@
             </a:lvl9pPr>
           </a:lstStyle>
           <a:p>
-            <a:pPr indent="0" lvl="0" marL="0" rtl="0" algn="r">
+            <a:pPr marL="0" lvl="0" indent="0" algn="r" rtl="0">
               <a:spcBef>
                 <a:spcPts val="0"/>
               </a:spcBef>
@@ -7254,18 +7235,19 @@
 </file>
 
 <file path=ppt/slideLayouts/slideLayout8.xml><?xml version="1.0" encoding="utf-8"?>
-<p:sldLayout xmlns:a="http://schemas.openxmlformats.org/drawingml/2006/main" xmlns:r="http://schemas.openxmlformats.org/officeDocument/2006/relationships" xmlns:mc="http://schemas.openxmlformats.org/markup-compatibility/2006" xmlns:mv="urn:schemas-microsoft-com:mac:vml" xmlns:p="http://schemas.openxmlformats.org/presentationml/2006/main" xmlns:c="http://schemas.openxmlformats.org/drawingml/2006/chart" xmlns:dgm="http://schemas.openxmlformats.org/drawingml/2006/diagram" xmlns:o="urn:schemas-microsoft-com:office:office" xmlns:v="urn:schemas-microsoft-com:vml" xmlns:pvml="urn:schemas-microsoft-com:office:powerpoint" xmlns:com="http://schemas.openxmlformats.org/drawingml/2006/compatibility" xmlns:p14="http://schemas.microsoft.com/office/powerpoint/2010/main" xmlns:p15="http://schemas.microsoft.com/office/powerpoint/2012/main" matchingName="Section title and description">
+<p:sldLayout xmlns:a="http://schemas.openxmlformats.org/drawingml/2006/main" xmlns:r="http://schemas.openxmlformats.org/officeDocument/2006/relationships" xmlns:p="http://schemas.openxmlformats.org/presentationml/2006/main" matchingName="Section title and description">
   <p:cSld name="SECTION_TITLE_AND_DESCRIPTION">
     <p:bg>
       <p:bgPr>
         <a:solidFill>
           <a:schemeClr val="dk2"/>
         </a:solidFill>
+        <a:effectLst/>
       </p:bgPr>
     </p:bg>
     <p:spTree>
       <p:nvGrpSpPr>
-        <p:cNvPr id="95" name="Shape 95"/>
+        <p:cNvPr id="1" name="Shape 95"/>
         <p:cNvGrpSpPr/>
         <p:nvPr/>
       </p:nvGrpSpPr>
@@ -7299,12 +7281,12 @@
           </a:ln>
         </p:spPr>
         <p:txBody>
-          <a:bodyPr anchorCtr="0" anchor="ctr" bIns="91425" lIns="91425" spcFirstLastPara="1" rIns="91425" wrap="square" tIns="91425">
+          <a:bodyPr spcFirstLastPara="1" wrap="square" lIns="91425" tIns="91425" rIns="91425" bIns="91425" anchor="ctr" anchorCtr="0">
             <a:noAutofit/>
           </a:bodyPr>
           <a:lstStyle/>
           <a:p>
-            <a:pPr indent="0" lvl="0" marL="0" rtl="0" algn="l">
+            <a:pPr marL="0" lvl="0" indent="0" algn="l" rtl="0">
               <a:spcBef>
                 <a:spcPts val="0"/>
               </a:spcBef>
@@ -7313,9 +7295,6 @@
               </a:spcAft>
               <a:buNone/>
             </a:pPr>
-            <a:r>
-              <a:t/>
-            </a:r>
             <a:endParaRPr/>
           </a:p>
         </p:txBody>
@@ -7342,12 +7321,12 @@
           </a:ln>
         </p:spPr>
         <p:txBody>
-          <a:bodyPr anchorCtr="0" anchor="ctr" bIns="91425" lIns="91425" spcFirstLastPara="1" rIns="91425" wrap="square" tIns="91425">
+          <a:bodyPr spcFirstLastPara="1" wrap="square" lIns="91425" tIns="91425" rIns="91425" bIns="91425" anchor="ctr" anchorCtr="0">
             <a:noAutofit/>
           </a:bodyPr>
           <a:lstStyle/>
           <a:p>
-            <a:pPr indent="0" lvl="0" marL="0" rtl="0" algn="l">
+            <a:pPr marL="0" lvl="0" indent="0" algn="l" rtl="0">
               <a:spcBef>
                 <a:spcPts val="0"/>
               </a:spcBef>
@@ -7356,9 +7335,6 @@
               </a:spcAft>
               <a:buNone/>
             </a:pPr>
-            <a:r>
-              <a:t/>
-            </a:r>
             <a:endParaRPr/>
           </a:p>
         </p:txBody>
@@ -7384,7 +7360,7 @@
             <a:noFill/>
           </a:ln>
           <a:effectLst>
-            <a:outerShdw blurRad="228600" sx="101000" rotWithShape="0" algn="ctr" sy="101000">
+            <a:outerShdw blurRad="228600" sx="101000" sy="101000" algn="ctr" rotWithShape="0">
               <a:srgbClr val="000000">
                 <a:alpha val="40000"/>
               </a:srgbClr>
@@ -7392,12 +7368,12 @@
           </a:effectLst>
         </p:spPr>
         <p:txBody>
-          <a:bodyPr anchorCtr="0" anchor="ctr" bIns="91425" lIns="91425" spcFirstLastPara="1" rIns="91425" wrap="square" tIns="91425">
+          <a:bodyPr spcFirstLastPara="1" wrap="square" lIns="91425" tIns="91425" rIns="91425" bIns="91425" anchor="ctr" anchorCtr="0">
             <a:noAutofit/>
           </a:bodyPr>
           <a:lstStyle/>
           <a:p>
-            <a:pPr indent="0" lvl="0" marL="0" rtl="0" algn="l">
+            <a:pPr marL="0" lvl="0" indent="0" algn="l" rtl="0">
               <a:spcBef>
                 <a:spcPts val="0"/>
               </a:spcBef>
@@ -7406,9 +7382,6 @@
               </a:spcAft>
               <a:buNone/>
             </a:pPr>
-            <a:r>
-              <a:t/>
-            </a:r>
             <a:endParaRPr/>
           </a:p>
         </p:txBody>
@@ -7416,7 +7389,9 @@
       <p:sp>
         <p:nvSpPr>
           <p:cNvPr id="99" name="Google Shape;99;p9"/>
-          <p:cNvSpPr txBox="1"/>
+          <p:cNvSpPr txBox="1">
+            <a:spLocks noGrp="1"/>
+          </p:cNvSpPr>
           <p:nvPr>
             <p:ph type="title"/>
           </p:nvPr>
@@ -7431,7 +7406,7 @@
           </a:prstGeom>
         </p:spPr>
         <p:txBody>
-          <a:bodyPr anchorCtr="0" anchor="t" bIns="91425" lIns="91425" spcFirstLastPara="1" rIns="91425" wrap="square" tIns="91425"/>
+          <a:bodyPr spcFirstLastPara="1" wrap="square" lIns="91425" tIns="91425" rIns="91425" bIns="91425" anchor="t" anchorCtr="0"/>
           <a:lstStyle>
             <a:lvl1pPr lvl="0">
               <a:spcBef>
@@ -7533,15 +7508,19 @@
               <a:defRPr sz="3000"/>
             </a:lvl9pPr>
           </a:lstStyle>
-          <a:p/>
+          <a:p>
+            <a:endParaRPr/>
+          </a:p>
         </p:txBody>
       </p:sp>
       <p:sp>
         <p:nvSpPr>
           <p:cNvPr id="100" name="Google Shape;100;p9"/>
-          <p:cNvSpPr txBox="1"/>
+          <p:cNvSpPr txBox="1">
+            <a:spLocks noGrp="1"/>
+          </p:cNvSpPr>
           <p:nvPr>
-            <p:ph idx="1" type="subTitle"/>
+            <p:ph type="subTitle" idx="1"/>
           </p:nvPr>
         </p:nvSpPr>
         <p:spPr>
@@ -7554,7 +7533,7 @@
           </a:prstGeom>
         </p:spPr>
         <p:txBody>
-          <a:bodyPr anchorCtr="0" anchor="t" bIns="91425" lIns="91425" spcFirstLastPara="1" rIns="91425" wrap="square" tIns="91425"/>
+          <a:bodyPr spcFirstLastPara="1" wrap="square" lIns="91425" tIns="91425" rIns="91425" bIns="91425" anchor="t" anchorCtr="0"/>
           <a:lstStyle>
             <a:lvl1pPr lvl="0">
               <a:lnSpc>
@@ -7746,15 +7725,19 @@
               </a:defRPr>
             </a:lvl9pPr>
           </a:lstStyle>
-          <a:p/>
+          <a:p>
+            <a:endParaRPr/>
+          </a:p>
         </p:txBody>
       </p:sp>
       <p:sp>
         <p:nvSpPr>
           <p:cNvPr id="101" name="Google Shape;101;p9"/>
-          <p:cNvSpPr txBox="1"/>
+          <p:cNvSpPr txBox="1">
+            <a:spLocks noGrp="1"/>
+          </p:cNvSpPr>
           <p:nvPr>
-            <p:ph idx="2" type="body"/>
+            <p:ph type="body" idx="2"/>
           </p:nvPr>
         </p:nvSpPr>
         <p:spPr>
@@ -7767,9 +7750,9 @@
           </a:prstGeom>
         </p:spPr>
         <p:txBody>
-          <a:bodyPr anchorCtr="0" anchor="t" bIns="91425" lIns="91425" spcFirstLastPara="1" rIns="91425" wrap="square" tIns="91425"/>
+          <a:bodyPr spcFirstLastPara="1" wrap="square" lIns="91425" tIns="91425" rIns="91425" bIns="91425" anchor="t" anchorCtr="0"/>
           <a:lstStyle>
-            <a:lvl1pPr indent="-311150" lvl="0" marL="457200">
+            <a:lvl1pPr marL="457200" lvl="0" indent="-311150">
               <a:spcBef>
                 <a:spcPts val="0"/>
               </a:spcBef>
@@ -7780,7 +7763,7 @@
               <a:buChar char="●"/>
               <a:defRPr/>
             </a:lvl1pPr>
-            <a:lvl2pPr indent="-298450" lvl="1" marL="914400">
+            <a:lvl2pPr marL="914400" lvl="1" indent="-298450">
               <a:spcBef>
                 <a:spcPts val="1600"/>
               </a:spcBef>
@@ -7791,7 +7774,7 @@
               <a:buChar char="○"/>
               <a:defRPr/>
             </a:lvl2pPr>
-            <a:lvl3pPr indent="-298450" lvl="2" marL="1371600">
+            <a:lvl3pPr marL="1371600" lvl="2" indent="-298450">
               <a:spcBef>
                 <a:spcPts val="1600"/>
               </a:spcBef>
@@ -7802,7 +7785,7 @@
               <a:buChar char="■"/>
               <a:defRPr/>
             </a:lvl3pPr>
-            <a:lvl4pPr indent="-298450" lvl="3" marL="1828800">
+            <a:lvl4pPr marL="1828800" lvl="3" indent="-298450">
               <a:spcBef>
                 <a:spcPts val="1600"/>
               </a:spcBef>
@@ -7813,7 +7796,7 @@
               <a:buChar char="●"/>
               <a:defRPr/>
             </a:lvl4pPr>
-            <a:lvl5pPr indent="-298450" lvl="4" marL="2286000">
+            <a:lvl5pPr marL="2286000" lvl="4" indent="-298450">
               <a:spcBef>
                 <a:spcPts val="1600"/>
               </a:spcBef>
@@ -7824,7 +7807,7 @@
               <a:buChar char="○"/>
               <a:defRPr/>
             </a:lvl5pPr>
-            <a:lvl6pPr indent="-298450" lvl="5" marL="2743200">
+            <a:lvl6pPr marL="2743200" lvl="5" indent="-298450">
               <a:spcBef>
                 <a:spcPts val="1600"/>
               </a:spcBef>
@@ -7835,7 +7818,7 @@
               <a:buChar char="■"/>
               <a:defRPr/>
             </a:lvl6pPr>
-            <a:lvl7pPr indent="-298450" lvl="6" marL="3200400">
+            <a:lvl7pPr marL="3200400" lvl="6" indent="-298450">
               <a:spcBef>
                 <a:spcPts val="1600"/>
               </a:spcBef>
@@ -7846,7 +7829,7 @@
               <a:buChar char="●"/>
               <a:defRPr/>
             </a:lvl7pPr>
-            <a:lvl8pPr indent="-298450" lvl="7" marL="3657600">
+            <a:lvl8pPr marL="3657600" lvl="7" indent="-298450">
               <a:spcBef>
                 <a:spcPts val="1600"/>
               </a:spcBef>
@@ -7857,7 +7840,7 @@
               <a:buChar char="○"/>
               <a:defRPr/>
             </a:lvl8pPr>
-            <a:lvl9pPr indent="-298450" lvl="8" marL="4114800">
+            <a:lvl9pPr marL="4114800" lvl="8" indent="-298450">
               <a:spcBef>
                 <a:spcPts val="1600"/>
               </a:spcBef>
@@ -7869,15 +7852,19 @@
               <a:defRPr/>
             </a:lvl9pPr>
           </a:lstStyle>
-          <a:p/>
+          <a:p>
+            <a:endParaRPr/>
+          </a:p>
         </p:txBody>
       </p:sp>
       <p:sp>
         <p:nvSpPr>
           <p:cNvPr id="102" name="Google Shape;102;p9"/>
-          <p:cNvSpPr txBox="1"/>
+          <p:cNvSpPr txBox="1">
+            <a:spLocks noGrp="1"/>
+          </p:cNvSpPr>
           <p:nvPr>
-            <p:ph idx="12" type="sldNum"/>
+            <p:ph type="sldNum" idx="12"/>
           </p:nvPr>
         </p:nvSpPr>
         <p:spPr>
@@ -7890,7 +7877,7 @@
           </a:prstGeom>
         </p:spPr>
         <p:txBody>
-          <a:bodyPr anchorCtr="0" anchor="ctr" bIns="91425" lIns="91425" spcFirstLastPara="1" rIns="91425" wrap="square" tIns="91425">
+          <a:bodyPr spcFirstLastPara="1" wrap="square" lIns="91425" tIns="91425" rIns="91425" bIns="91425" anchor="ctr" anchorCtr="0">
             <a:noAutofit/>
           </a:bodyPr>
           <a:lstStyle>
@@ -7932,7 +7919,7 @@
             </a:lvl9pPr>
           </a:lstStyle>
           <a:p>
-            <a:pPr indent="0" lvl="0" marL="0" rtl="0" algn="r">
+            <a:pPr marL="0" lvl="0" indent="0" algn="r" rtl="0">
               <a:spcBef>
                 <a:spcPts val="0"/>
               </a:spcBef>
@@ -7958,18 +7945,19 @@
 </file>
 
 <file path=ppt/slideLayouts/slideLayout9.xml><?xml version="1.0" encoding="utf-8"?>
-<p:sldLayout xmlns:a="http://schemas.openxmlformats.org/drawingml/2006/main" xmlns:r="http://schemas.openxmlformats.org/officeDocument/2006/relationships" xmlns:mc="http://schemas.openxmlformats.org/markup-compatibility/2006" xmlns:mv="urn:schemas-microsoft-com:mac:vml" xmlns:p="http://schemas.openxmlformats.org/presentationml/2006/main" xmlns:c="http://schemas.openxmlformats.org/drawingml/2006/chart" xmlns:dgm="http://schemas.openxmlformats.org/drawingml/2006/diagram" xmlns:o="urn:schemas-microsoft-com:office:office" xmlns:v="urn:schemas-microsoft-com:vml" xmlns:pvml="urn:schemas-microsoft-com:office:powerpoint" xmlns:com="http://schemas.openxmlformats.org/drawingml/2006/compatibility" xmlns:p14="http://schemas.microsoft.com/office/powerpoint/2010/main" xmlns:p15="http://schemas.microsoft.com/office/powerpoint/2012/main" matchingName="Caption">
+<p:sldLayout xmlns:a="http://schemas.openxmlformats.org/drawingml/2006/main" xmlns:r="http://schemas.openxmlformats.org/officeDocument/2006/relationships" xmlns:p="http://schemas.openxmlformats.org/presentationml/2006/main" matchingName="Caption">
   <p:cSld name="CAPTION_ONLY">
     <p:bg>
       <p:bgPr>
         <a:solidFill>
           <a:schemeClr val="accent1"/>
         </a:solidFill>
+        <a:effectLst/>
       </p:bgPr>
     </p:bg>
     <p:spTree>
       <p:nvGrpSpPr>
-        <p:cNvPr id="103" name="Shape 103"/>
+        <p:cNvPr id="1" name="Shape 103"/>
         <p:cNvGrpSpPr/>
         <p:nvPr/>
       </p:nvGrpSpPr>
@@ -8003,12 +7991,12 @@
           </a:ln>
         </p:spPr>
         <p:txBody>
-          <a:bodyPr anchorCtr="0" anchor="ctr" bIns="91425" lIns="91425" spcFirstLastPara="1" rIns="91425" wrap="square" tIns="91425">
+          <a:bodyPr spcFirstLastPara="1" wrap="square" lIns="91425" tIns="91425" rIns="91425" bIns="91425" anchor="ctr" anchorCtr="0">
             <a:noAutofit/>
           </a:bodyPr>
           <a:lstStyle/>
           <a:p>
-            <a:pPr indent="0" lvl="0" marL="0" rtl="0" algn="l">
+            <a:pPr marL="0" lvl="0" indent="0" algn="l" rtl="0">
               <a:spcBef>
                 <a:spcPts val="0"/>
               </a:spcBef>
@@ -8017,9 +8005,6 @@
               </a:spcAft>
               <a:buNone/>
             </a:pPr>
-            <a:r>
-              <a:t/>
-            </a:r>
             <a:endParaRPr/>
           </a:p>
         </p:txBody>
@@ -8046,12 +8031,12 @@
           </a:ln>
         </p:spPr>
         <p:txBody>
-          <a:bodyPr anchorCtr="0" anchor="ctr" bIns="91425" lIns="91425" spcFirstLastPara="1" rIns="91425" wrap="square" tIns="91425">
+          <a:bodyPr spcFirstLastPara="1" wrap="square" lIns="91425" tIns="91425" rIns="91425" bIns="91425" anchor="ctr" anchorCtr="0">
             <a:noAutofit/>
           </a:bodyPr>
           <a:lstStyle/>
           <a:p>
-            <a:pPr indent="0" lvl="0" marL="0" rtl="0" algn="l">
+            <a:pPr marL="0" lvl="0" indent="0" algn="l" rtl="0">
               <a:spcBef>
                 <a:spcPts val="0"/>
               </a:spcBef>
@@ -8060,9 +8045,6 @@
               </a:spcAft>
               <a:buNone/>
             </a:pPr>
-            <a:r>
-              <a:t/>
-            </a:r>
             <a:endParaRPr/>
           </a:p>
         </p:txBody>
@@ -8088,7 +8070,7 @@
             <a:noFill/>
           </a:ln>
           <a:effectLst>
-            <a:outerShdw blurRad="228600" sx="101000" rotWithShape="0" algn="ctr" sy="101000">
+            <a:outerShdw blurRad="228600" sx="101000" sy="101000" algn="ctr" rotWithShape="0">
               <a:srgbClr val="000000">
                 <a:alpha val="40000"/>
               </a:srgbClr>
@@ -8096,12 +8078,12 @@
           </a:effectLst>
         </p:spPr>
         <p:txBody>
-          <a:bodyPr anchorCtr="0" anchor="ctr" bIns="91425" lIns="91425" spcFirstLastPara="1" rIns="91425" wrap="square" tIns="91425">
+          <a:bodyPr spcFirstLastPara="1" wrap="square" lIns="91425" tIns="91425" rIns="91425" bIns="91425" anchor="ctr" anchorCtr="0">
             <a:noAutofit/>
           </a:bodyPr>
           <a:lstStyle/>
           <a:p>
-            <a:pPr indent="0" lvl="0" marL="0" rtl="0" algn="l">
+            <a:pPr marL="0" lvl="0" indent="0" algn="l" rtl="0">
               <a:spcBef>
                 <a:spcPts val="0"/>
               </a:spcBef>
@@ -8110,9 +8092,6 @@
               </a:spcAft>
               <a:buNone/>
             </a:pPr>
-            <a:r>
-              <a:t/>
-            </a:r>
             <a:endParaRPr/>
           </a:p>
         </p:txBody>
@@ -8120,9 +8099,11 @@
       <p:sp>
         <p:nvSpPr>
           <p:cNvPr id="107" name="Google Shape;107;p10"/>
-          <p:cNvSpPr txBox="1"/>
+          <p:cNvSpPr txBox="1">
+            <a:spLocks noGrp="1"/>
+          </p:cNvSpPr>
           <p:nvPr>
-            <p:ph idx="1" type="body"/>
+            <p:ph type="body" idx="1"/>
           </p:nvPr>
         </p:nvSpPr>
         <p:spPr>
@@ -8135,9 +8116,9 @@
           </a:prstGeom>
         </p:spPr>
         <p:txBody>
-          <a:bodyPr anchorCtr="0" anchor="b" bIns="91425" lIns="91425" spcFirstLastPara="1" rIns="91425" wrap="square" tIns="91425"/>
+          <a:bodyPr spcFirstLastPara="1" wrap="square" lIns="91425" tIns="91425" rIns="91425" bIns="91425" anchor="b" anchorCtr="0"/>
           <a:lstStyle>
-            <a:lvl1pPr indent="-228600" lvl="0" marL="457200">
+            <a:lvl1pPr marL="457200" lvl="0" indent="-228600">
               <a:lnSpc>
                 <a:spcPct val="100000"/>
               </a:lnSpc>
@@ -8152,15 +8133,19 @@
               <a:defRPr/>
             </a:lvl1pPr>
           </a:lstStyle>
-          <a:p/>
+          <a:p>
+            <a:endParaRPr/>
+          </a:p>
         </p:txBody>
       </p:sp>
       <p:sp>
         <p:nvSpPr>
           <p:cNvPr id="108" name="Google Shape;108;p10"/>
-          <p:cNvSpPr txBox="1"/>
+          <p:cNvSpPr txBox="1">
+            <a:spLocks noGrp="1"/>
+          </p:cNvSpPr>
           <p:nvPr>
-            <p:ph idx="12" type="sldNum"/>
+            <p:ph type="sldNum" idx="12"/>
           </p:nvPr>
         </p:nvSpPr>
         <p:spPr>
@@ -8173,7 +8158,7 @@
           </a:prstGeom>
         </p:spPr>
         <p:txBody>
-          <a:bodyPr anchorCtr="0" anchor="ctr" bIns="91425" lIns="91425" spcFirstLastPara="1" rIns="91425" wrap="square" tIns="91425">
+          <a:bodyPr spcFirstLastPara="1" wrap="square" lIns="91425" tIns="91425" rIns="91425" bIns="91425" anchor="ctr" anchorCtr="0">
             <a:noAutofit/>
           </a:bodyPr>
           <a:lstStyle>
@@ -8215,7 +8200,7 @@
             </a:lvl9pPr>
           </a:lstStyle>
           <a:p>
-            <a:pPr indent="0" lvl="0" marL="0" rtl="0" algn="r">
+            <a:pPr marL="0" lvl="0" indent="0" algn="r" rtl="0">
               <a:spcBef>
                 <a:spcPts val="0"/>
               </a:spcBef>
@@ -8241,18 +8226,19 @@
 </file>
 
 <file path=ppt/slideMasters/slideMaster1.xml><?xml version="1.0" encoding="utf-8"?>
-<p:sldMaster xmlns:a="http://schemas.openxmlformats.org/drawingml/2006/main" xmlns:r="http://schemas.openxmlformats.org/officeDocument/2006/relationships" xmlns:mc="http://schemas.openxmlformats.org/markup-compatibility/2006" xmlns:mv="urn:schemas-microsoft-com:mac:vml" xmlns:p="http://schemas.openxmlformats.org/presentationml/2006/main" xmlns:c="http://schemas.openxmlformats.org/drawingml/2006/chart" xmlns:dgm="http://schemas.openxmlformats.org/drawingml/2006/diagram" xmlns:o="urn:schemas-microsoft-com:office:office" xmlns:v="urn:schemas-microsoft-com:vml" xmlns:pvml="urn:schemas-microsoft-com:office:powerpoint" xmlns:com="http://schemas.openxmlformats.org/drawingml/2006/compatibility" xmlns:p14="http://schemas.microsoft.com/office/powerpoint/2010/main" xmlns:p15="http://schemas.microsoft.com/office/powerpoint/2012/main">
+<p:sldMaster xmlns:a="http://schemas.openxmlformats.org/drawingml/2006/main" xmlns:r="http://schemas.openxmlformats.org/officeDocument/2006/relationships" xmlns:p="http://schemas.openxmlformats.org/presentationml/2006/main">
   <p:cSld name="shift">
     <p:bg>
       <p:bgPr>
         <a:solidFill>
           <a:schemeClr val="dk1"/>
         </a:solidFill>
+        <a:effectLst/>
       </p:bgPr>
     </p:bg>
     <p:spTree>
       <p:nvGrpSpPr>
-        <p:cNvPr id="5" name="Shape 5"/>
+        <p:cNvPr id="1" name="Shape 5"/>
         <p:cNvGrpSpPr/>
         <p:nvPr/>
       </p:nvGrpSpPr>
@@ -8267,7 +8253,9 @@
       <p:sp>
         <p:nvSpPr>
           <p:cNvPr id="6" name="Google Shape;6;p1"/>
-          <p:cNvSpPr txBox="1"/>
+          <p:cNvSpPr txBox="1">
+            <a:spLocks noGrp="1"/>
+          </p:cNvSpPr>
           <p:nvPr>
             <p:ph type="title"/>
           </p:nvPr>
@@ -8286,7 +8274,7 @@
           </a:ln>
         </p:spPr>
         <p:txBody>
-          <a:bodyPr anchorCtr="0" anchor="t" bIns="91425" lIns="91425" spcFirstLastPara="1" rIns="91425" wrap="square" tIns="91425"/>
+          <a:bodyPr spcFirstLastPara="1" wrap="square" lIns="91425" tIns="91425" rIns="91425" bIns="91425" anchor="t" anchorCtr="0"/>
           <a:lstStyle>
             <a:lvl1pPr lvl="0">
               <a:spcBef>
@@ -8496,15 +8484,19 @@
               </a:defRPr>
             </a:lvl9pPr>
           </a:lstStyle>
-          <a:p/>
+          <a:p>
+            <a:endParaRPr/>
+          </a:p>
         </p:txBody>
       </p:sp>
       <p:sp>
         <p:nvSpPr>
           <p:cNvPr id="7" name="Google Shape;7;p1"/>
-          <p:cNvSpPr txBox="1"/>
+          <p:cNvSpPr txBox="1">
+            <a:spLocks noGrp="1"/>
+          </p:cNvSpPr>
           <p:nvPr>
-            <p:ph idx="1" type="body"/>
+            <p:ph type="body" idx="1"/>
           </p:nvPr>
         </p:nvSpPr>
         <p:spPr>
@@ -8521,9 +8513,9 @@
           </a:ln>
         </p:spPr>
         <p:txBody>
-          <a:bodyPr anchorCtr="0" anchor="t" bIns="91425" lIns="91425" spcFirstLastPara="1" rIns="91425" wrap="square" tIns="91425"/>
+          <a:bodyPr spcFirstLastPara="1" wrap="square" lIns="91425" tIns="91425" rIns="91425" bIns="91425" anchor="t" anchorCtr="0"/>
           <a:lstStyle>
-            <a:lvl1pPr indent="-311150" lvl="0" marL="457200">
+            <a:lvl1pPr marL="457200" lvl="0" indent="-311150">
               <a:lnSpc>
                 <a:spcPct val="115000"/>
               </a:lnSpc>
@@ -8549,7 +8541,7 @@
                 <a:sym typeface="Calibri"/>
               </a:defRPr>
             </a:lvl1pPr>
-            <a:lvl2pPr indent="-298450" lvl="1" marL="914400">
+            <a:lvl2pPr marL="914400" lvl="1" indent="-298450">
               <a:lnSpc>
                 <a:spcPct val="115000"/>
               </a:lnSpc>
@@ -8575,7 +8567,7 @@
                 <a:sym typeface="Calibri"/>
               </a:defRPr>
             </a:lvl2pPr>
-            <a:lvl3pPr indent="-298450" lvl="2" marL="1371600">
+            <a:lvl3pPr marL="1371600" lvl="2" indent="-298450">
               <a:lnSpc>
                 <a:spcPct val="115000"/>
               </a:lnSpc>
@@ -8601,7 +8593,7 @@
                 <a:sym typeface="Calibri"/>
               </a:defRPr>
             </a:lvl3pPr>
-            <a:lvl4pPr indent="-298450" lvl="3" marL="1828800">
+            <a:lvl4pPr marL="1828800" lvl="3" indent="-298450">
               <a:lnSpc>
                 <a:spcPct val="115000"/>
               </a:lnSpc>
@@ -8627,7 +8619,7 @@
                 <a:sym typeface="Calibri"/>
               </a:defRPr>
             </a:lvl4pPr>
-            <a:lvl5pPr indent="-298450" lvl="4" marL="2286000">
+            <a:lvl5pPr marL="2286000" lvl="4" indent="-298450">
               <a:lnSpc>
                 <a:spcPct val="115000"/>
               </a:lnSpc>
@@ -8653,7 +8645,7 @@
                 <a:sym typeface="Calibri"/>
               </a:defRPr>
             </a:lvl5pPr>
-            <a:lvl6pPr indent="-298450" lvl="5" marL="2743200">
+            <a:lvl6pPr marL="2743200" lvl="5" indent="-298450">
               <a:lnSpc>
                 <a:spcPct val="115000"/>
               </a:lnSpc>
@@ -8679,7 +8671,7 @@
                 <a:sym typeface="Calibri"/>
               </a:defRPr>
             </a:lvl6pPr>
-            <a:lvl7pPr indent="-298450" lvl="6" marL="3200400">
+            <a:lvl7pPr marL="3200400" lvl="6" indent="-298450">
               <a:lnSpc>
                 <a:spcPct val="115000"/>
               </a:lnSpc>
@@ -8705,7 +8697,7 @@
                 <a:sym typeface="Calibri"/>
               </a:defRPr>
             </a:lvl7pPr>
-            <a:lvl8pPr indent="-298450" lvl="7" marL="3657600">
+            <a:lvl8pPr marL="3657600" lvl="7" indent="-298450">
               <a:lnSpc>
                 <a:spcPct val="115000"/>
               </a:lnSpc>
@@ -8731,7 +8723,7 @@
                 <a:sym typeface="Calibri"/>
               </a:defRPr>
             </a:lvl8pPr>
-            <a:lvl9pPr indent="-298450" lvl="8" marL="4114800">
+            <a:lvl9pPr marL="4114800" lvl="8" indent="-298450">
               <a:lnSpc>
                 <a:spcPct val="115000"/>
               </a:lnSpc>
@@ -8758,15 +8750,19 @@
               </a:defRPr>
             </a:lvl9pPr>
           </a:lstStyle>
-          <a:p/>
+          <a:p>
+            <a:endParaRPr/>
+          </a:p>
         </p:txBody>
       </p:sp>
       <p:sp>
         <p:nvSpPr>
           <p:cNvPr id="8" name="Google Shape;8;p1"/>
-          <p:cNvSpPr txBox="1"/>
+          <p:cNvSpPr txBox="1">
+            <a:spLocks noGrp="1"/>
+          </p:cNvSpPr>
           <p:nvPr>
-            <p:ph idx="12" type="sldNum"/>
+            <p:ph type="sldNum" idx="12"/>
           </p:nvPr>
         </p:nvSpPr>
         <p:spPr>
@@ -8783,7 +8779,7 @@
           </a:ln>
         </p:spPr>
         <p:txBody>
-          <a:bodyPr anchorCtr="0" anchor="ctr" bIns="91425" lIns="91425" spcFirstLastPara="1" rIns="91425" wrap="square" tIns="91425">
+          <a:bodyPr spcFirstLastPara="1" wrap="square" lIns="91425" tIns="91425" rIns="91425" bIns="91425" anchor="ctr" anchorCtr="0">
             <a:noAutofit/>
           </a:bodyPr>
           <a:lstStyle>
@@ -8897,7 +8893,7 @@
             </a:lvl9pPr>
           </a:lstStyle>
           <a:p>
-            <a:pPr indent="0" lvl="0" marL="0" rtl="0" algn="r">
+            <a:pPr marL="0" lvl="0" indent="0" algn="r" rtl="0">
               <a:spcBef>
                 <a:spcPts val="0"/>
               </a:spcBef>
@@ -8916,7 +8912,7 @@
       </p:sp>
     </p:spTree>
   </p:cSld>
-  <p:clrMap accent1="accent1" accent2="accent2" accent3="accent3" accent4="accent4" accent5="accent5" accent6="accent6" bg1="lt1" bg2="dk2" tx1="dk1" tx2="lt2" folHlink="folHlink" hlink="hlink"/>
+  <p:clrMap bg1="lt1" tx1="dk1" bg2="dk2" tx2="lt2" accent1="accent1" accent2="accent2" accent3="accent3" accent4="accent4" accent5="accent5" accent6="accent6" hlink="hlink" folHlink="folHlink"/>
   <p:sldLayoutIdLst>
     <p:sldLayoutId id="2147483648" r:id="rId1"/>
     <p:sldLayoutId id="2147483649" r:id="rId2"/>
@@ -8930,10 +8926,10 @@
     <p:sldLayoutId id="2147483657" r:id="rId10"/>
     <p:sldLayoutId id="2147483658" r:id="rId11"/>
   </p:sldLayoutIdLst>
-  <p:hf dt="0" ftr="0" hdr="0" sldNum="0"/>
+  <p:hf sldNum="0" hdr="0" ftr="0" dt="0"/>
   <p:txStyles>
     <p:titleStyle>
-      <a:defPPr lvl="0" marR="0" rtl="0" algn="l">
+      <a:defPPr marR="0" lvl="0" algn="l" rtl="0">
         <a:lnSpc>
           <a:spcPct val="100000"/>
         </a:lnSpc>
@@ -8944,7 +8940,7 @@
           <a:spcPts val="0"/>
         </a:spcAft>
       </a:defPPr>
-      <a:lvl1pPr lvl="0" marR="0" rtl="0" algn="l">
+      <a:lvl1pPr marR="0" lvl="0" algn="l" rtl="0">
         <a:lnSpc>
           <a:spcPct val="100000"/>
         </a:lnSpc>
@@ -8958,7 +8954,7 @@
           <a:srgbClr val="000000"/>
         </a:buClr>
         <a:buFont typeface="Arial"/>
-        <a:defRPr b="0" i="0" sz="1400" u="none" cap="none" strike="noStrike">
+        <a:defRPr sz="1400" b="0" i="0" u="none" strike="noStrike" cap="none">
           <a:solidFill>
             <a:srgbClr val="000000"/>
           </a:solidFill>
@@ -8968,7 +8964,7 @@
           <a:sym typeface="Arial"/>
         </a:defRPr>
       </a:lvl1pPr>
-      <a:lvl2pPr lvl="1" marR="0" rtl="0" algn="l">
+      <a:lvl2pPr marR="0" lvl="1" algn="l" rtl="0">
         <a:lnSpc>
           <a:spcPct val="100000"/>
         </a:lnSpc>
@@ -8982,7 +8978,7 @@
           <a:srgbClr val="000000"/>
         </a:buClr>
         <a:buFont typeface="Arial"/>
-        <a:defRPr b="0" i="0" sz="1400" u="none" cap="none" strike="noStrike">
+        <a:defRPr sz="1400" b="0" i="0" u="none" strike="noStrike" cap="none">
           <a:solidFill>
             <a:srgbClr val="000000"/>
           </a:solidFill>
@@ -8992,7 +8988,7 @@
           <a:sym typeface="Arial"/>
         </a:defRPr>
       </a:lvl2pPr>
-      <a:lvl3pPr lvl="2" marR="0" rtl="0" algn="l">
+      <a:lvl3pPr marR="0" lvl="2" algn="l" rtl="0">
         <a:lnSpc>
           <a:spcPct val="100000"/>
         </a:lnSpc>
@@ -9006,7 +9002,7 @@
           <a:srgbClr val="000000"/>
         </a:buClr>
         <a:buFont typeface="Arial"/>
-        <a:defRPr b="0" i="0" sz="1400" u="none" cap="none" strike="noStrike">
+        <a:defRPr sz="1400" b="0" i="0" u="none" strike="noStrike" cap="none">
           <a:solidFill>
             <a:srgbClr val="000000"/>
           </a:solidFill>
@@ -9016,7 +9012,7 @@
           <a:sym typeface="Arial"/>
         </a:defRPr>
       </a:lvl3pPr>
-      <a:lvl4pPr lvl="3" marR="0" rtl="0" algn="l">
+      <a:lvl4pPr marR="0" lvl="3" algn="l" rtl="0">
         <a:lnSpc>
           <a:spcPct val="100000"/>
         </a:lnSpc>
@@ -9030,7 +9026,7 @@
           <a:srgbClr val="000000"/>
         </a:buClr>
         <a:buFont typeface="Arial"/>
-        <a:defRPr b="0" i="0" sz="1400" u="none" cap="none" strike="noStrike">
+        <a:defRPr sz="1400" b="0" i="0" u="none" strike="noStrike" cap="none">
           <a:solidFill>
             <a:srgbClr val="000000"/>
           </a:solidFill>
@@ -9040,7 +9036,7 @@
           <a:sym typeface="Arial"/>
         </a:defRPr>
       </a:lvl4pPr>
-      <a:lvl5pPr lvl="4" marR="0" rtl="0" algn="l">
+      <a:lvl5pPr marR="0" lvl="4" algn="l" rtl="0">
         <a:lnSpc>
           <a:spcPct val="100000"/>
         </a:lnSpc>
@@ -9054,7 +9050,7 @@
           <a:srgbClr val="000000"/>
         </a:buClr>
         <a:buFont typeface="Arial"/>
-        <a:defRPr b="0" i="0" sz="1400" u="none" cap="none" strike="noStrike">
+        <a:defRPr sz="1400" b="0" i="0" u="none" strike="noStrike" cap="none">
           <a:solidFill>
             <a:srgbClr val="000000"/>
           </a:solidFill>
@@ -9064,7 +9060,7 @@
           <a:sym typeface="Arial"/>
         </a:defRPr>
       </a:lvl5pPr>
-      <a:lvl6pPr lvl="5" marR="0" rtl="0" algn="l">
+      <a:lvl6pPr marR="0" lvl="5" algn="l" rtl="0">
         <a:lnSpc>
           <a:spcPct val="100000"/>
         </a:lnSpc>
@@ -9078,7 +9074,7 @@
           <a:srgbClr val="000000"/>
         </a:buClr>
         <a:buFont typeface="Arial"/>
-        <a:defRPr b="0" i="0" sz="1400" u="none" cap="none" strike="noStrike">
+        <a:defRPr sz="1400" b="0" i="0" u="none" strike="noStrike" cap="none">
           <a:solidFill>
             <a:srgbClr val="000000"/>
           </a:solidFill>
@@ -9088,7 +9084,7 @@
           <a:sym typeface="Arial"/>
         </a:defRPr>
       </a:lvl6pPr>
-      <a:lvl7pPr lvl="6" marR="0" rtl="0" algn="l">
+      <a:lvl7pPr marR="0" lvl="6" algn="l" rtl="0">
         <a:lnSpc>
           <a:spcPct val="100000"/>
         </a:lnSpc>
@@ -9102,7 +9098,7 @@
           <a:srgbClr val="000000"/>
         </a:buClr>
         <a:buFont typeface="Arial"/>
-        <a:defRPr b="0" i="0" sz="1400" u="none" cap="none" strike="noStrike">
+        <a:defRPr sz="1400" b="0" i="0" u="none" strike="noStrike" cap="none">
           <a:solidFill>
             <a:srgbClr val="000000"/>
           </a:solidFill>
@@ -9112,7 +9108,7 @@
           <a:sym typeface="Arial"/>
         </a:defRPr>
       </a:lvl7pPr>
-      <a:lvl8pPr lvl="7" marR="0" rtl="0" algn="l">
+      <a:lvl8pPr marR="0" lvl="7" algn="l" rtl="0">
         <a:lnSpc>
           <a:spcPct val="100000"/>
         </a:lnSpc>
@@ -9126,7 +9122,7 @@
           <a:srgbClr val="000000"/>
         </a:buClr>
         <a:buFont typeface="Arial"/>
-        <a:defRPr b="0" i="0" sz="1400" u="none" cap="none" strike="noStrike">
+        <a:defRPr sz="1400" b="0" i="0" u="none" strike="noStrike" cap="none">
           <a:solidFill>
             <a:srgbClr val="000000"/>
           </a:solidFill>
@@ -9136,7 +9132,7 @@
           <a:sym typeface="Arial"/>
         </a:defRPr>
       </a:lvl8pPr>
-      <a:lvl9pPr lvl="8" marR="0" rtl="0" algn="l">
+      <a:lvl9pPr marR="0" lvl="8" algn="l" rtl="0">
         <a:lnSpc>
           <a:spcPct val="100000"/>
         </a:lnSpc>
@@ -9150,7 +9146,7 @@
           <a:srgbClr val="000000"/>
         </a:buClr>
         <a:buFont typeface="Arial"/>
-        <a:defRPr b="0" i="0" sz="1400" u="none" cap="none" strike="noStrike">
+        <a:defRPr sz="1400" b="0" i="0" u="none" strike="noStrike" cap="none">
           <a:solidFill>
             <a:srgbClr val="000000"/>
           </a:solidFill>
@@ -9162,7 +9158,7 @@
       </a:lvl9pPr>
     </p:titleStyle>
     <p:bodyStyle>
-      <a:defPPr lvl="0" marR="0" rtl="0" algn="l">
+      <a:defPPr marR="0" lvl="0" algn="l" rtl="0">
         <a:lnSpc>
           <a:spcPct val="100000"/>
         </a:lnSpc>
@@ -9173,7 +9169,7 @@
           <a:spcPts val="0"/>
         </a:spcAft>
       </a:defPPr>
-      <a:lvl1pPr lvl="0" marR="0" rtl="0" algn="l">
+      <a:lvl1pPr marR="0" lvl="0" algn="l" rtl="0">
         <a:lnSpc>
           <a:spcPct val="100000"/>
         </a:lnSpc>
@@ -9187,7 +9183,7 @@
           <a:srgbClr val="000000"/>
         </a:buClr>
         <a:buFont typeface="Arial"/>
-        <a:defRPr b="0" i="0" sz="1400" u="none" cap="none" strike="noStrike">
+        <a:defRPr sz="1400" b="0" i="0" u="none" strike="noStrike" cap="none">
           <a:solidFill>
             <a:srgbClr val="000000"/>
           </a:solidFill>
@@ -9197,7 +9193,7 @@
           <a:sym typeface="Arial"/>
         </a:defRPr>
       </a:lvl1pPr>
-      <a:lvl2pPr lvl="1" marR="0" rtl="0" algn="l">
+      <a:lvl2pPr marR="0" lvl="1" algn="l" rtl="0">
         <a:lnSpc>
           <a:spcPct val="100000"/>
         </a:lnSpc>
@@ -9211,7 +9207,7 @@
           <a:srgbClr val="000000"/>
         </a:buClr>
         <a:buFont typeface="Arial"/>
-        <a:defRPr b="0" i="0" sz="1400" u="none" cap="none" strike="noStrike">
+        <a:defRPr sz="1400" b="0" i="0" u="none" strike="noStrike" cap="none">
           <a:solidFill>
             <a:srgbClr val="000000"/>
           </a:solidFill>
@@ -9221,7 +9217,7 @@
           <a:sym typeface="Arial"/>
         </a:defRPr>
       </a:lvl2pPr>
-      <a:lvl3pPr lvl="2" marR="0" rtl="0" algn="l">
+      <a:lvl3pPr marR="0" lvl="2" algn="l" rtl="0">
         <a:lnSpc>
           <a:spcPct val="100000"/>
         </a:lnSpc>
@@ -9235,7 +9231,7 @@
           <a:srgbClr val="000000"/>
         </a:buClr>
         <a:buFont typeface="Arial"/>
-        <a:defRPr b="0" i="0" sz="1400" u="none" cap="none" strike="noStrike">
+        <a:defRPr sz="1400" b="0" i="0" u="none" strike="noStrike" cap="none">
           <a:solidFill>
             <a:srgbClr val="000000"/>
           </a:solidFill>
@@ -9245,7 +9241,7 @@
           <a:sym typeface="Arial"/>
         </a:defRPr>
       </a:lvl3pPr>
-      <a:lvl4pPr lvl="3" marR="0" rtl="0" algn="l">
+      <a:lvl4pPr marR="0" lvl="3" algn="l" rtl="0">
         <a:lnSpc>
           <a:spcPct val="100000"/>
         </a:lnSpc>
@@ -9259,7 +9255,7 @@
           <a:srgbClr val="000000"/>
         </a:buClr>
         <a:buFont typeface="Arial"/>
-        <a:defRPr b="0" i="0" sz="1400" u="none" cap="none" strike="noStrike">
+        <a:defRPr sz="1400" b="0" i="0" u="none" strike="noStrike" cap="none">
           <a:solidFill>
             <a:srgbClr val="000000"/>
           </a:solidFill>
@@ -9269,7 +9265,7 @@
           <a:sym typeface="Arial"/>
         </a:defRPr>
       </a:lvl4pPr>
-      <a:lvl5pPr lvl="4" marR="0" rtl="0" algn="l">
+      <a:lvl5pPr marR="0" lvl="4" algn="l" rtl="0">
         <a:lnSpc>
           <a:spcPct val="100000"/>
         </a:lnSpc>
@@ -9283,7 +9279,7 @@
           <a:srgbClr val="000000"/>
         </a:buClr>
         <a:buFont typeface="Arial"/>
-        <a:defRPr b="0" i="0" sz="1400" u="none" cap="none" strike="noStrike">
+        <a:defRPr sz="1400" b="0" i="0" u="none" strike="noStrike" cap="none">
           <a:solidFill>
             <a:srgbClr val="000000"/>
           </a:solidFill>
@@ -9293,7 +9289,7 @@
           <a:sym typeface="Arial"/>
         </a:defRPr>
       </a:lvl5pPr>
-      <a:lvl6pPr lvl="5" marR="0" rtl="0" algn="l">
+      <a:lvl6pPr marR="0" lvl="5" algn="l" rtl="0">
         <a:lnSpc>
           <a:spcPct val="100000"/>
         </a:lnSpc>
@@ -9307,7 +9303,7 @@
           <a:srgbClr val="000000"/>
         </a:buClr>
         <a:buFont typeface="Arial"/>
-        <a:defRPr b="0" i="0" sz="1400" u="none" cap="none" strike="noStrike">
+        <a:defRPr sz="1400" b="0" i="0" u="none" strike="noStrike" cap="none">
           <a:solidFill>
             <a:srgbClr val="000000"/>
           </a:solidFill>
@@ -9317,7 +9313,7 @@
           <a:sym typeface="Arial"/>
         </a:defRPr>
       </a:lvl6pPr>
-      <a:lvl7pPr lvl="6" marR="0" rtl="0" algn="l">
+      <a:lvl7pPr marR="0" lvl="6" algn="l" rtl="0">
         <a:lnSpc>
           <a:spcPct val="100000"/>
         </a:lnSpc>
@@ -9331,7 +9327,7 @@
           <a:srgbClr val="000000"/>
         </a:buClr>
         <a:buFont typeface="Arial"/>
-        <a:defRPr b="0" i="0" sz="1400" u="none" cap="none" strike="noStrike">
+        <a:defRPr sz="1400" b="0" i="0" u="none" strike="noStrike" cap="none">
           <a:solidFill>
             <a:srgbClr val="000000"/>
           </a:solidFill>
@@ -9341,7 +9337,7 @@
           <a:sym typeface="Arial"/>
         </a:defRPr>
       </a:lvl7pPr>
-      <a:lvl8pPr lvl="7" marR="0" rtl="0" algn="l">
+      <a:lvl8pPr marR="0" lvl="7" algn="l" rtl="0">
         <a:lnSpc>
           <a:spcPct val="100000"/>
         </a:lnSpc>
@@ -9355,7 +9351,7 @@
           <a:srgbClr val="000000"/>
         </a:buClr>
         <a:buFont typeface="Arial"/>
-        <a:defRPr b="0" i="0" sz="1400" u="none" cap="none" strike="noStrike">
+        <a:defRPr sz="1400" b="0" i="0" u="none" strike="noStrike" cap="none">
           <a:solidFill>
             <a:srgbClr val="000000"/>
           </a:solidFill>
@@ -9365,7 +9361,7 @@
           <a:sym typeface="Arial"/>
         </a:defRPr>
       </a:lvl8pPr>
-      <a:lvl9pPr lvl="8" marR="0" rtl="0" algn="l">
+      <a:lvl9pPr marR="0" lvl="8" algn="l" rtl="0">
         <a:lnSpc>
           <a:spcPct val="100000"/>
         </a:lnSpc>
@@ -9379,7 +9375,7 @@
           <a:srgbClr val="000000"/>
         </a:buClr>
         <a:buFont typeface="Arial"/>
-        <a:defRPr b="0" i="0" sz="1400" u="none" cap="none" strike="noStrike">
+        <a:defRPr sz="1400" b="0" i="0" u="none" strike="noStrike" cap="none">
           <a:solidFill>
             <a:srgbClr val="000000"/>
           </a:solidFill>
@@ -9391,7 +9387,7 @@
       </a:lvl9pPr>
     </p:bodyStyle>
     <p:otherStyle>
-      <a:defPPr lvl="0" marR="0" rtl="0" algn="l">
+      <a:defPPr marR="0" lvl="0" algn="l" rtl="0">
         <a:lnSpc>
           <a:spcPct val="100000"/>
         </a:lnSpc>
@@ -9402,7 +9398,7 @@
           <a:spcPts val="0"/>
         </a:spcAft>
       </a:defPPr>
-      <a:lvl1pPr lvl="0" marR="0" rtl="0" algn="l">
+      <a:lvl1pPr marR="0" lvl="0" algn="l" rtl="0">
         <a:lnSpc>
           <a:spcPct val="100000"/>
         </a:lnSpc>
@@ -9416,7 +9412,7 @@
           <a:srgbClr val="000000"/>
         </a:buClr>
         <a:buFont typeface="Arial"/>
-        <a:defRPr b="0" i="0" sz="1400" u="none" cap="none" strike="noStrike">
+        <a:defRPr sz="1400" b="0" i="0" u="none" strike="noStrike" cap="none">
           <a:solidFill>
             <a:srgbClr val="000000"/>
           </a:solidFill>
@@ -9426,7 +9422,7 @@
           <a:sym typeface="Arial"/>
         </a:defRPr>
       </a:lvl1pPr>
-      <a:lvl2pPr lvl="1" marR="0" rtl="0" algn="l">
+      <a:lvl2pPr marR="0" lvl="1" algn="l" rtl="0">
         <a:lnSpc>
           <a:spcPct val="100000"/>
         </a:lnSpc>
@@ -9440,7 +9436,7 @@
           <a:srgbClr val="000000"/>
         </a:buClr>
         <a:buFont typeface="Arial"/>
-        <a:defRPr b="0" i="0" sz="1400" u="none" cap="none" strike="noStrike">
+        <a:defRPr sz="1400" b="0" i="0" u="none" strike="noStrike" cap="none">
           <a:solidFill>
             <a:srgbClr val="000000"/>
           </a:solidFill>
@@ -9450,7 +9446,7 @@
           <a:sym typeface="Arial"/>
         </a:defRPr>
       </a:lvl2pPr>
-      <a:lvl3pPr lvl="2" marR="0" rtl="0" algn="l">
+      <a:lvl3pPr marR="0" lvl="2" algn="l" rtl="0">
         <a:lnSpc>
           <a:spcPct val="100000"/>
         </a:lnSpc>
@@ -9464,7 +9460,7 @@
           <a:srgbClr val="000000"/>
         </a:buClr>
         <a:buFont typeface="Arial"/>
-        <a:defRPr b="0" i="0" sz="1400" u="none" cap="none" strike="noStrike">
+        <a:defRPr sz="1400" b="0" i="0" u="none" strike="noStrike" cap="none">
           <a:solidFill>
             <a:srgbClr val="000000"/>
           </a:solidFill>
@@ -9474,7 +9470,7 @@
           <a:sym typeface="Arial"/>
         </a:defRPr>
       </a:lvl3pPr>
-      <a:lvl4pPr lvl="3" marR="0" rtl="0" algn="l">
+      <a:lvl4pPr marR="0" lvl="3" algn="l" rtl="0">
         <a:lnSpc>
           <a:spcPct val="100000"/>
         </a:lnSpc>
@@ -9488,7 +9484,7 @@
           <a:srgbClr val="000000"/>
         </a:buClr>
         <a:buFont typeface="Arial"/>
-        <a:defRPr b="0" i="0" sz="1400" u="none" cap="none" strike="noStrike">
+        <a:defRPr sz="1400" b="0" i="0" u="none" strike="noStrike" cap="none">
           <a:solidFill>
             <a:srgbClr val="000000"/>
           </a:solidFill>
@@ -9498,7 +9494,7 @@
           <a:sym typeface="Arial"/>
         </a:defRPr>
       </a:lvl4pPr>
-      <a:lvl5pPr lvl="4" marR="0" rtl="0" algn="l">
+      <a:lvl5pPr marR="0" lvl="4" algn="l" rtl="0">
         <a:lnSpc>
           <a:spcPct val="100000"/>
         </a:lnSpc>
@@ -9512,7 +9508,7 @@
           <a:srgbClr val="000000"/>
         </a:buClr>
         <a:buFont typeface="Arial"/>
-        <a:defRPr b="0" i="0" sz="1400" u="none" cap="none" strike="noStrike">
+        <a:defRPr sz="1400" b="0" i="0" u="none" strike="noStrike" cap="none">
           <a:solidFill>
             <a:srgbClr val="000000"/>
           </a:solidFill>
@@ -9522,7 +9518,7 @@
           <a:sym typeface="Arial"/>
         </a:defRPr>
       </a:lvl5pPr>
-      <a:lvl6pPr lvl="5" marR="0" rtl="0" algn="l">
+      <a:lvl6pPr marR="0" lvl="5" algn="l" rtl="0">
         <a:lnSpc>
           <a:spcPct val="100000"/>
         </a:lnSpc>
@@ -9536,7 +9532,7 @@
           <a:srgbClr val="000000"/>
         </a:buClr>
         <a:buFont typeface="Arial"/>
-        <a:defRPr b="0" i="0" sz="1400" u="none" cap="none" strike="noStrike">
+        <a:defRPr sz="1400" b="0" i="0" u="none" strike="noStrike" cap="none">
           <a:solidFill>
             <a:srgbClr val="000000"/>
           </a:solidFill>
@@ -9546,7 +9542,7 @@
           <a:sym typeface="Arial"/>
         </a:defRPr>
       </a:lvl6pPr>
-      <a:lvl7pPr lvl="6" marR="0" rtl="0" algn="l">
+      <a:lvl7pPr marR="0" lvl="6" algn="l" rtl="0">
         <a:lnSpc>
           <a:spcPct val="100000"/>
         </a:lnSpc>
@@ -9560,7 +9556,7 @@
           <a:srgbClr val="000000"/>
         </a:buClr>
         <a:buFont typeface="Arial"/>
-        <a:defRPr b="0" i="0" sz="1400" u="none" cap="none" strike="noStrike">
+        <a:defRPr sz="1400" b="0" i="0" u="none" strike="noStrike" cap="none">
           <a:solidFill>
             <a:srgbClr val="000000"/>
           </a:solidFill>
@@ -9570,7 +9566,7 @@
           <a:sym typeface="Arial"/>
         </a:defRPr>
       </a:lvl7pPr>
-      <a:lvl8pPr lvl="7" marR="0" rtl="0" algn="l">
+      <a:lvl8pPr marR="0" lvl="7" algn="l" rtl="0">
         <a:lnSpc>
           <a:spcPct val="100000"/>
         </a:lnSpc>
@@ -9584,7 +9580,7 @@
           <a:srgbClr val="000000"/>
         </a:buClr>
         <a:buFont typeface="Arial"/>
-        <a:defRPr b="0" i="0" sz="1400" u="none" cap="none" strike="noStrike">
+        <a:defRPr sz="1400" b="0" i="0" u="none" strike="noStrike" cap="none">
           <a:solidFill>
             <a:srgbClr val="000000"/>
           </a:solidFill>
@@ -9594,7 +9590,7 @@
           <a:sym typeface="Arial"/>
         </a:defRPr>
       </a:lvl8pPr>
-      <a:lvl9pPr lvl="8" marR="0" rtl="0" algn="l">
+      <a:lvl9pPr marR="0" lvl="8" algn="l" rtl="0">
         <a:lnSpc>
           <a:spcPct val="100000"/>
         </a:lnSpc>
@@ -9608,7 +9604,7 @@
           <a:srgbClr val="000000"/>
         </a:buClr>
         <a:buFont typeface="Arial"/>
-        <a:defRPr b="0" i="0" sz="1400" u="none" cap="none" strike="noStrike">
+        <a:defRPr sz="1400" b="0" i="0" u="none" strike="noStrike" cap="none">
           <a:solidFill>
             <a:srgbClr val="000000"/>
           </a:solidFill>
@@ -9624,11 +9620,11 @@
 </file>
 
 <file path=ppt/slides/slide1.xml><?xml version="1.0" encoding="utf-8"?>
-<p:sld xmlns:a="http://schemas.openxmlformats.org/drawingml/2006/main" xmlns:r="http://schemas.openxmlformats.org/officeDocument/2006/relationships" xmlns:mc="http://schemas.openxmlformats.org/markup-compatibility/2006" xmlns:mv="urn:schemas-microsoft-com:mac:vml" xmlns:p="http://schemas.openxmlformats.org/presentationml/2006/main" xmlns:c="http://schemas.openxmlformats.org/drawingml/2006/chart" xmlns:dgm="http://schemas.openxmlformats.org/drawingml/2006/diagram" xmlns:o="urn:schemas-microsoft-com:office:office" xmlns:v="urn:schemas-microsoft-com:vml" xmlns:pvml="urn:schemas-microsoft-com:office:powerpoint" xmlns:com="http://schemas.openxmlformats.org/drawingml/2006/compatibility" xmlns:p14="http://schemas.microsoft.com/office/powerpoint/2010/main" xmlns:p15="http://schemas.microsoft.com/office/powerpoint/2012/main">
+<p:sld xmlns:a="http://schemas.openxmlformats.org/drawingml/2006/main" xmlns:r="http://schemas.openxmlformats.org/officeDocument/2006/relationships" xmlns:p="http://schemas.openxmlformats.org/presentationml/2006/main">
   <p:cSld>
     <p:spTree>
       <p:nvGrpSpPr>
-        <p:cNvPr id="127" name="Shape 127"/>
+        <p:cNvPr id="1" name="Shape 127"/>
         <p:cNvGrpSpPr/>
         <p:nvPr/>
       </p:nvGrpSpPr>
@@ -9643,7 +9639,9 @@
       <p:sp>
         <p:nvSpPr>
           <p:cNvPr id="128" name="Google Shape;128;p13"/>
-          <p:cNvSpPr txBox="1"/>
+          <p:cNvSpPr txBox="1">
+            <a:spLocks noGrp="1"/>
+          </p:cNvSpPr>
           <p:nvPr>
             <p:ph type="ctrTitle"/>
           </p:nvPr>
@@ -9658,12 +9656,12 @@
           </a:prstGeom>
         </p:spPr>
         <p:txBody>
-          <a:bodyPr anchorCtr="0" anchor="ctr" bIns="91425" lIns="91425" spcFirstLastPara="1" rIns="91425" wrap="square" tIns="91425">
+          <a:bodyPr spcFirstLastPara="1" wrap="square" lIns="91425" tIns="91425" rIns="91425" bIns="91425" anchor="ctr" anchorCtr="0">
             <a:noAutofit/>
           </a:bodyPr>
           <a:lstStyle/>
           <a:p>
-            <a:pPr indent="0" lvl="0" marL="0" rtl="0" algn="ctr">
+            <a:pPr marL="0" lvl="0" indent="0" algn="ctr" rtl="0">
               <a:spcBef>
                 <a:spcPts val="0"/>
               </a:spcBef>
@@ -9679,25 +9677,7 @@
                 <a:cs typeface="Times New Roman"/>
                 <a:sym typeface="Times New Roman"/>
               </a:rPr>
-              <a:t>FONTYS UNIVERSITY OF APPLIED SCIENCE DEPARTMENT OF ICT </a:t>
-            </a:r>
-            <a:r>
-              <a:rPr lang="en" sz="3000">
-                <a:latin typeface="Times New Roman"/>
-                <a:ea typeface="Times New Roman"/>
-                <a:cs typeface="Times New Roman"/>
-                <a:sym typeface="Times New Roman"/>
-              </a:rPr>
-              <a:t>&amp; SOFTWARE</a:t>
-            </a:r>
-            <a:r>
-              <a:rPr lang="en" sz="3000">
-                <a:latin typeface="Times New Roman"/>
-                <a:ea typeface="Times New Roman"/>
-                <a:cs typeface="Times New Roman"/>
-                <a:sym typeface="Times New Roman"/>
-              </a:rPr>
-              <a:t> </a:t>
+              <a:t>FONTYS UNIVERSITY OF APPLIED SCIENCE DEPARTMENT OF ICT &amp; SOFTWARE </a:t>
             </a:r>
             <a:endParaRPr sz="3000">
               <a:latin typeface="Times New Roman"/>
@@ -9711,9 +9691,11 @@
       <p:sp>
         <p:nvSpPr>
           <p:cNvPr id="129" name="Google Shape;129;p13"/>
-          <p:cNvSpPr txBox="1"/>
+          <p:cNvSpPr txBox="1">
+            <a:spLocks noGrp="1"/>
+          </p:cNvSpPr>
           <p:nvPr>
-            <p:ph idx="1" type="subTitle"/>
+            <p:ph type="subTitle" idx="1"/>
           </p:nvPr>
         </p:nvSpPr>
         <p:spPr>
@@ -9726,12 +9708,12 @@
           </a:prstGeom>
         </p:spPr>
         <p:txBody>
-          <a:bodyPr anchorCtr="0" anchor="t" bIns="91425" lIns="91425" spcFirstLastPara="1" rIns="91425" wrap="square" tIns="91425">
+          <a:bodyPr spcFirstLastPara="1" wrap="square" lIns="91425" tIns="91425" rIns="91425" bIns="91425" anchor="t" anchorCtr="0">
             <a:noAutofit/>
           </a:bodyPr>
           <a:lstStyle/>
           <a:p>
-            <a:pPr indent="0" lvl="0" marL="0" rtl="0" algn="ctr">
+            <a:pPr marL="0" lvl="0" indent="0" algn="ctr" rtl="0">
               <a:spcBef>
                 <a:spcPts val="0"/>
               </a:spcBef>
@@ -9741,13 +9723,13 @@
               <a:buNone/>
             </a:pPr>
             <a:r>
-              <a:rPr lang="en"/>
+              <a:rPr lang="en" dirty="0"/>
               <a:t>CAR TRAFFIC SIMULATION APPLICATION</a:t>
             </a:r>
-            <a:endParaRPr/>
-          </a:p>
-          <a:p>
-            <a:pPr indent="0" lvl="0" marL="0" rtl="0" algn="l">
+            <a:endParaRPr dirty="0"/>
+          </a:p>
+          <a:p>
+            <a:pPr marL="0" lvl="0" indent="0" algn="l" rtl="0">
               <a:spcBef>
                 <a:spcPts val="0"/>
               </a:spcBef>
@@ -9757,13 +9739,13 @@
               <a:buNone/>
             </a:pPr>
             <a:r>
-              <a:rPr b="1" lang="en" u="sng"/>
+              <a:rPr lang="en" b="1" u="sng" dirty="0"/>
               <a:t>Group members</a:t>
             </a:r>
-            <a:endParaRPr b="1" u="sng"/>
-          </a:p>
-          <a:p>
-            <a:pPr indent="-298450" lvl="0" marL="457200" marR="228600" rtl="0" algn="l">
+            <a:endParaRPr b="1" u="sng" dirty="0"/>
+          </a:p>
+          <a:p>
+            <a:pPr marL="457200" marR="228600" lvl="0" indent="-298450" algn="l" rtl="0">
               <a:spcBef>
                 <a:spcPts val="0"/>
               </a:spcBef>
@@ -9778,7 +9760,7 @@
               <a:buChar char="●"/>
             </a:pPr>
             <a:r>
-              <a:rPr lang="en" sz="1100">
+              <a:rPr lang="en" sz="1100" dirty="0">
                 <a:solidFill>
                   <a:srgbClr val="0070C0"/>
                 </a:solidFill>
@@ -9786,7 +9768,7 @@
               <a:t>Aktar, Dohlon                         </a:t>
             </a:r>
             <a:r>
-              <a:rPr b="1" lang="en" sz="1100">
+              <a:rPr lang="en" sz="1100" b="1" dirty="0">
                 <a:solidFill>
                   <a:srgbClr val="0070C0"/>
                 </a:solidFill>
@@ -9794,21 +9776,37 @@
               <a:t> </a:t>
             </a:r>
             <a:r>
-              <a:rPr lang="en" sz="1100">
+              <a:rPr lang="en" sz="1100" dirty="0">
                 <a:solidFill>
                   <a:srgbClr val="0070C0"/>
                 </a:solidFill>
               </a:rPr>
-              <a:t>        3047040                                   </a:t>
+              <a:t>      </a:t>
             </a:r>
-            <a:endParaRPr sz="1100">
+            <a:r>
+              <a:rPr lang="en" sz="1100" dirty="0" smtClean="0">
+                <a:solidFill>
+                  <a:srgbClr val="0070C0"/>
+                </a:solidFill>
+              </a:rPr>
+              <a:t>               </a:t>
+            </a:r>
+            <a:r>
+              <a:rPr lang="en" sz="1100" dirty="0">
+                <a:solidFill>
+                  <a:srgbClr val="0070C0"/>
+                </a:solidFill>
+              </a:rPr>
+              <a:t>3047040                                   </a:t>
+            </a:r>
+            <a:endParaRPr sz="1100" dirty="0">
               <a:solidFill>
                 <a:srgbClr val="0070C0"/>
               </a:solidFill>
             </a:endParaRPr>
           </a:p>
           <a:p>
-            <a:pPr indent="-298450" lvl="0" marL="457200" marR="228600" rtl="0" algn="l">
+            <a:pPr marL="457200" marR="228600" lvl="0" indent="-298450" algn="l" rtl="0">
               <a:spcBef>
                 <a:spcPts val="0"/>
               </a:spcBef>
@@ -9823,21 +9821,21 @@
               <a:buChar char="●"/>
             </a:pPr>
             <a:r>
-              <a:rPr lang="en" sz="1100">
+              <a:rPr lang="en" sz="1100" dirty="0">
                 <a:solidFill>
                   <a:srgbClr val="0070C0"/>
                 </a:solidFill>
               </a:rPr>
               <a:t>Alex Kersjes                       	3361616                                                               </a:t>
             </a:r>
-            <a:endParaRPr sz="1100">
+            <a:endParaRPr sz="1100" dirty="0">
               <a:solidFill>
                 <a:srgbClr val="0070C0"/>
               </a:solidFill>
             </a:endParaRPr>
           </a:p>
           <a:p>
-            <a:pPr indent="-298450" lvl="0" marL="457200" marR="228600" rtl="0" algn="l">
+            <a:pPr marL="457200" marR="228600" lvl="0" indent="-298450" algn="l" rtl="0">
               <a:spcBef>
                 <a:spcPts val="0"/>
               </a:spcBef>
@@ -9852,29 +9850,21 @@
               <a:buChar char="●"/>
             </a:pPr>
             <a:r>
-              <a:rPr lang="en" sz="1100">
+              <a:rPr lang="en" sz="1100" dirty="0">
                 <a:solidFill>
                   <a:srgbClr val="0070C0"/>
                 </a:solidFill>
               </a:rPr>
-              <a:t>Gang Ferdinand Dinga</a:t>
+              <a:t>Gang Ferdinand Dinga     	3216861   </a:t>
             </a:r>
-            <a:r>
-              <a:rPr lang="en" sz="1100">
-                <a:solidFill>
-                  <a:srgbClr val="0070C0"/>
-                </a:solidFill>
-              </a:rPr>
-              <a:t>     	3216861   </a:t>
-            </a:r>
-            <a:endParaRPr sz="1100">
+            <a:endParaRPr sz="1100" dirty="0">
               <a:solidFill>
                 <a:srgbClr val="0070C0"/>
               </a:solidFill>
             </a:endParaRPr>
           </a:p>
           <a:p>
-            <a:pPr indent="-298450" lvl="0" marL="457200" marR="228600" rtl="0" algn="l">
+            <a:pPr marL="457200" marR="228600" lvl="0" indent="-298450" algn="l" rtl="0">
               <a:spcBef>
                 <a:spcPts val="0"/>
               </a:spcBef>
@@ -9889,21 +9879,37 @@
               <a:buChar char="●"/>
             </a:pPr>
             <a:r>
-              <a:rPr lang="en" sz="1100">
+              <a:rPr lang="en" sz="1100" dirty="0">
                 <a:solidFill>
                   <a:srgbClr val="0070C0"/>
                 </a:solidFill>
               </a:rPr>
-              <a:t>Fahim                                               2936968</a:t>
+              <a:t>Fahim                                            </a:t>
             </a:r>
-            <a:endParaRPr sz="1100">
+            <a:r>
+              <a:rPr lang="en" sz="1100" dirty="0" smtClean="0">
+                <a:solidFill>
+                  <a:srgbClr val="0070C0"/>
+                </a:solidFill>
+              </a:rPr>
+              <a:t>                 </a:t>
+            </a:r>
+            <a:r>
+              <a:rPr lang="en" sz="1100" dirty="0">
+                <a:solidFill>
+                  <a:srgbClr val="0070C0"/>
+                </a:solidFill>
+              </a:rPr>
+              <a:t>2936968</a:t>
+            </a:r>
+            <a:endParaRPr sz="1100" dirty="0">
               <a:solidFill>
                 <a:srgbClr val="0070C0"/>
               </a:solidFill>
             </a:endParaRPr>
           </a:p>
           <a:p>
-            <a:pPr indent="-298450" lvl="0" marL="457200" marR="228600" rtl="0" algn="l">
+            <a:pPr marL="457200" marR="228600" lvl="0" indent="-298450" algn="l" rtl="0">
               <a:spcBef>
                 <a:spcPts val="0"/>
               </a:spcBef>
@@ -9918,17 +9924,41 @@
               <a:buChar char="●"/>
             </a:pPr>
             <a:r>
+              <a:rPr lang="en" sz="1100" dirty="0">
+                <a:solidFill>
+                  <a:srgbClr val="0070C0"/>
+                </a:solidFill>
+              </a:rPr>
+              <a:t>Alessandro </a:t>
+            </a:r>
+            <a:r>
               <a:rPr lang="en" sz="1100">
                 <a:solidFill>
                   <a:srgbClr val="0070C0"/>
                 </a:solidFill>
               </a:rPr>
-              <a:t>Alessandro Sandor                        2879964      </a:t>
+              <a:t>Sandor                   </a:t>
             </a:r>
-            <a:endParaRPr/>
-          </a:p>
-          <a:p>
-            <a:pPr indent="0" lvl="0" marL="0" rtl="0" algn="l">
+            <a:r>
+              <a:rPr lang="en" sz="1100" smtClean="0">
+                <a:solidFill>
+                  <a:srgbClr val="0070C0"/>
+                </a:solidFill>
+              </a:rPr>
+              <a:t>                   </a:t>
+            </a:r>
+            <a:r>
+              <a:rPr lang="en" sz="1100" dirty="0">
+                <a:solidFill>
+                  <a:srgbClr val="0070C0"/>
+                </a:solidFill>
+              </a:rPr>
+              <a:t>2879964      </a:t>
+            </a:r>
+            <a:endParaRPr dirty="0"/>
+          </a:p>
+          <a:p>
+            <a:pPr marL="0" lvl="0" indent="0" algn="l" rtl="0">
               <a:spcBef>
                 <a:spcPts val="0"/>
               </a:spcBef>
@@ -9937,10 +9967,7 @@
               </a:spcAft>
               <a:buNone/>
             </a:pPr>
-            <a:r>
-              <a:t/>
-            </a:r>
-            <a:endParaRPr/>
+            <a:endParaRPr dirty="0"/>
           </a:p>
         </p:txBody>
       </p:sp>
@@ -9953,11 +9980,11 @@
 </file>
 
 <file path=ppt/slides/slide2.xml><?xml version="1.0" encoding="utf-8"?>
-<p:sld xmlns:a="http://schemas.openxmlformats.org/drawingml/2006/main" xmlns:r="http://schemas.openxmlformats.org/officeDocument/2006/relationships" xmlns:mc="http://schemas.openxmlformats.org/markup-compatibility/2006" xmlns:mv="urn:schemas-microsoft-com:mac:vml" xmlns:p="http://schemas.openxmlformats.org/presentationml/2006/main" xmlns:c="http://schemas.openxmlformats.org/drawingml/2006/chart" xmlns:dgm="http://schemas.openxmlformats.org/drawingml/2006/diagram" xmlns:o="urn:schemas-microsoft-com:office:office" xmlns:v="urn:schemas-microsoft-com:vml" xmlns:pvml="urn:schemas-microsoft-com:office:powerpoint" xmlns:com="http://schemas.openxmlformats.org/drawingml/2006/compatibility" xmlns:p14="http://schemas.microsoft.com/office/powerpoint/2010/main" xmlns:p15="http://schemas.microsoft.com/office/powerpoint/2012/main">
+<p:sld xmlns:a="http://schemas.openxmlformats.org/drawingml/2006/main" xmlns:r="http://schemas.openxmlformats.org/officeDocument/2006/relationships" xmlns:p="http://schemas.openxmlformats.org/presentationml/2006/main">
   <p:cSld>
     <p:spTree>
       <p:nvGrpSpPr>
-        <p:cNvPr id="133" name="Shape 133"/>
+        <p:cNvPr id="1" name="Shape 133"/>
         <p:cNvGrpSpPr/>
         <p:nvPr/>
       </p:nvGrpSpPr>
@@ -9972,7 +9999,9 @@
       <p:sp>
         <p:nvSpPr>
           <p:cNvPr id="134" name="Google Shape;134;p14"/>
-          <p:cNvSpPr txBox="1"/>
+          <p:cNvSpPr txBox="1">
+            <a:spLocks noGrp="1"/>
+          </p:cNvSpPr>
           <p:nvPr>
             <p:ph type="title"/>
           </p:nvPr>
@@ -9987,12 +10016,12 @@
           </a:prstGeom>
         </p:spPr>
         <p:txBody>
-          <a:bodyPr anchorCtr="0" anchor="t" bIns="91425" lIns="91425" spcFirstLastPara="1" rIns="91425" wrap="square" tIns="91425">
+          <a:bodyPr spcFirstLastPara="1" wrap="square" lIns="91425" tIns="91425" rIns="91425" bIns="91425" anchor="t" anchorCtr="0">
             <a:noAutofit/>
           </a:bodyPr>
           <a:lstStyle/>
           <a:p>
-            <a:pPr indent="0" lvl="0" marL="0" rtl="0" algn="ctr">
+            <a:pPr marL="0" lvl="0" indent="0" algn="ctr" rtl="0">
               <a:spcBef>
                 <a:spcPts val="0"/>
               </a:spcBef>
@@ -10003,11 +10032,7 @@
             </a:pPr>
             <a:r>
               <a:rPr lang="en"/>
-              <a:t>Our </a:t>
-            </a:r>
-            <a:r>
-              <a:rPr lang="en"/>
-              <a:t>proof of concept </a:t>
+              <a:t>Our proof of concept </a:t>
             </a:r>
             <a:endParaRPr/>
           </a:p>
@@ -10016,9 +10041,11 @@
       <p:sp>
         <p:nvSpPr>
           <p:cNvPr id="135" name="Google Shape;135;p14"/>
-          <p:cNvSpPr txBox="1"/>
+          <p:cNvSpPr txBox="1">
+            <a:spLocks noGrp="1"/>
+          </p:cNvSpPr>
           <p:nvPr>
-            <p:ph idx="1" type="body"/>
+            <p:ph type="body" idx="1"/>
           </p:nvPr>
         </p:nvSpPr>
         <p:spPr>
@@ -10031,12 +10058,12 @@
           </a:prstGeom>
         </p:spPr>
         <p:txBody>
-          <a:bodyPr anchorCtr="0" anchor="t" bIns="91425" lIns="91425" spcFirstLastPara="1" rIns="91425" wrap="square" tIns="91425">
+          <a:bodyPr spcFirstLastPara="1" wrap="square" lIns="91425" tIns="91425" rIns="91425" bIns="91425" anchor="t" anchorCtr="0">
             <a:noAutofit/>
           </a:bodyPr>
           <a:lstStyle/>
           <a:p>
-            <a:pPr indent="0" lvl="0" marL="0" rtl="0" algn="l">
+            <a:pPr marL="0" lvl="0" indent="0" algn="l" rtl="0">
               <a:spcBef>
                 <a:spcPts val="0"/>
               </a:spcBef>
@@ -10047,20 +10074,16 @@
             </a:pPr>
             <a:r>
               <a:rPr lang="en"/>
-              <a:t>I</a:t>
+              <a:t>Introduction:</a:t>
             </a:r>
-            <a:r>
-              <a:rPr lang="en"/>
-              <a:t>ntroduction:</a:t>
-            </a:r>
-            <a:endParaRPr b="1" sz="1600">
+            <a:endParaRPr sz="1600" b="1">
               <a:solidFill>
                 <a:srgbClr val="1F4E79"/>
               </a:solidFill>
             </a:endParaRPr>
           </a:p>
           <a:p>
-            <a:pPr indent="0" lvl="0" marL="0" rtl="0" algn="l">
+            <a:pPr marL="0" lvl="0" indent="0" algn="l" rtl="0">
               <a:spcBef>
                 <a:spcPts val="1600"/>
               </a:spcBef>
@@ -10084,7 +10107,7 @@
             </a:endParaRPr>
           </a:p>
           <a:p>
-            <a:pPr indent="0" lvl="0" marL="0" rtl="0" algn="l">
+            <a:pPr marL="0" lvl="0" indent="0" algn="l" rtl="0">
               <a:lnSpc>
                 <a:spcPct val="115000"/>
               </a:lnSpc>
@@ -10102,23 +10125,7 @@
                   <a:srgbClr val="000000"/>
                 </a:solidFill>
               </a:rPr>
-              <a:t>The  company director and his team asked us to </a:t>
-            </a:r>
-            <a:r>
-              <a:rPr lang="en" sz="1100">
-                <a:solidFill>
-                  <a:srgbClr val="000000"/>
-                </a:solidFill>
-              </a:rPr>
-              <a:t>develop</a:t>
-            </a:r>
-            <a:r>
-              <a:rPr lang="en" sz="1100">
-                <a:solidFill>
-                  <a:srgbClr val="000000"/>
-                </a:solidFill>
-              </a:rPr>
-              <a:t>  a city traffic simulation applications.</a:t>
+              <a:t>The  company director and his team asked us to develop  a city traffic simulation applications.</a:t>
             </a:r>
             <a:endParaRPr sz="1100">
               <a:solidFill>
@@ -10127,7 +10134,7 @@
             </a:endParaRPr>
           </a:p>
           <a:p>
-            <a:pPr indent="0" lvl="0" marL="0" rtl="0" algn="l">
+            <a:pPr marL="0" lvl="0" indent="0" algn="l" rtl="0">
               <a:spcBef>
                 <a:spcPts val="1000"/>
               </a:spcBef>
@@ -10136,13 +10143,10 @@
               </a:spcAft>
               <a:buNone/>
             </a:pPr>
-            <a:r>
-              <a:t/>
-            </a:r>
             <a:endParaRPr/>
           </a:p>
           <a:p>
-            <a:pPr indent="0" lvl="0" marL="0" rtl="0" algn="l">
+            <a:pPr marL="0" lvl="0" indent="0" algn="l" rtl="0">
               <a:spcBef>
                 <a:spcPts val="1600"/>
               </a:spcBef>
@@ -10151,13 +10155,10 @@
               </a:spcAft>
               <a:buNone/>
             </a:pPr>
-            <a:r>
-              <a:t/>
-            </a:r>
             <a:endParaRPr/>
           </a:p>
           <a:p>
-            <a:pPr indent="0" lvl="0" marL="0" rtl="0" algn="l">
+            <a:pPr marL="0" lvl="0" indent="0" algn="l" rtl="0">
               <a:spcBef>
                 <a:spcPts val="1600"/>
               </a:spcBef>
@@ -10166,13 +10167,10 @@
               </a:spcAft>
               <a:buNone/>
             </a:pPr>
-            <a:r>
-              <a:t/>
-            </a:r>
             <a:endParaRPr/>
           </a:p>
           <a:p>
-            <a:pPr indent="0" lvl="0" marL="0" rtl="0" algn="l">
+            <a:pPr marL="0" lvl="0" indent="0" algn="l" rtl="0">
               <a:spcBef>
                 <a:spcPts val="1600"/>
               </a:spcBef>
@@ -10181,13 +10179,10 @@
               </a:spcAft>
               <a:buNone/>
             </a:pPr>
-            <a:r>
-              <a:t/>
-            </a:r>
             <a:endParaRPr/>
           </a:p>
           <a:p>
-            <a:pPr indent="0" lvl="0" marL="0" rtl="0" algn="l">
+            <a:pPr marL="0" lvl="0" indent="0" algn="l" rtl="0">
               <a:spcBef>
                 <a:spcPts val="1600"/>
               </a:spcBef>
@@ -10196,13 +10191,10 @@
               </a:spcAft>
               <a:buNone/>
             </a:pPr>
-            <a:r>
-              <a:t/>
-            </a:r>
             <a:endParaRPr/>
           </a:p>
           <a:p>
-            <a:pPr indent="0" lvl="0" marL="0" rtl="0" algn="l">
+            <a:pPr marL="0" lvl="0" indent="0" algn="l" rtl="0">
               <a:spcBef>
                 <a:spcPts val="1600"/>
               </a:spcBef>
@@ -10211,13 +10203,10 @@
               </a:spcAft>
               <a:buNone/>
             </a:pPr>
-            <a:r>
-              <a:t/>
-            </a:r>
             <a:endParaRPr/>
           </a:p>
           <a:p>
-            <a:pPr indent="0" lvl="0" marL="0" rtl="0" algn="l">
+            <a:pPr marL="0" lvl="0" indent="0" algn="l" rtl="0">
               <a:spcBef>
                 <a:spcPts val="1600"/>
               </a:spcBef>
@@ -10226,13 +10215,10 @@
               </a:spcAft>
               <a:buNone/>
             </a:pPr>
-            <a:r>
-              <a:t/>
-            </a:r>
             <a:endParaRPr/>
           </a:p>
           <a:p>
-            <a:pPr indent="0" lvl="0" marL="0" rtl="0" algn="l">
+            <a:pPr marL="0" lvl="0" indent="0" algn="l" rtl="0">
               <a:spcBef>
                 <a:spcPts val="1600"/>
               </a:spcBef>
@@ -10241,13 +10227,10 @@
               </a:spcAft>
               <a:buNone/>
             </a:pPr>
-            <a:r>
-              <a:t/>
-            </a:r>
             <a:endParaRPr/>
           </a:p>
           <a:p>
-            <a:pPr indent="0" lvl="0" marL="0" rtl="0" algn="l">
+            <a:pPr marL="0" lvl="0" indent="0" algn="l" rtl="0">
               <a:spcBef>
                 <a:spcPts val="1600"/>
               </a:spcBef>
@@ -10256,13 +10239,10 @@
               </a:spcAft>
               <a:buNone/>
             </a:pPr>
-            <a:r>
-              <a:t/>
-            </a:r>
             <a:endParaRPr/>
           </a:p>
           <a:p>
-            <a:pPr indent="0" lvl="0" marL="0" rtl="0" algn="l">
+            <a:pPr marL="0" lvl="0" indent="0" algn="l" rtl="0">
               <a:spcBef>
                 <a:spcPts val="1600"/>
               </a:spcBef>
@@ -10271,13 +10251,10 @@
               </a:spcAft>
               <a:buNone/>
             </a:pPr>
-            <a:r>
-              <a:t/>
-            </a:r>
             <a:endParaRPr/>
           </a:p>
           <a:p>
-            <a:pPr indent="0" lvl="0" marL="0" rtl="0" algn="l">
+            <a:pPr marL="0" lvl="0" indent="0" algn="l" rtl="0">
               <a:spcBef>
                 <a:spcPts val="1600"/>
               </a:spcBef>
@@ -10286,13 +10263,10 @@
               </a:spcAft>
               <a:buNone/>
             </a:pPr>
-            <a:r>
-              <a:t/>
-            </a:r>
             <a:endParaRPr/>
           </a:p>
           <a:p>
-            <a:pPr indent="0" lvl="0" marL="0" rtl="0" algn="l">
+            <a:pPr marL="0" lvl="0" indent="0" algn="l" rtl="0">
               <a:spcBef>
                 <a:spcPts val="1600"/>
               </a:spcBef>
@@ -10301,13 +10275,10 @@
               </a:spcAft>
               <a:buNone/>
             </a:pPr>
-            <a:r>
-              <a:t/>
-            </a:r>
             <a:endParaRPr/>
           </a:p>
           <a:p>
-            <a:pPr indent="0" lvl="0" marL="0" rtl="0" algn="l">
+            <a:pPr marL="0" lvl="0" indent="0" algn="l" rtl="0">
               <a:spcBef>
                 <a:spcPts val="1600"/>
               </a:spcBef>
@@ -10316,13 +10287,10 @@
               </a:spcAft>
               <a:buNone/>
             </a:pPr>
-            <a:r>
-              <a:t/>
-            </a:r>
             <a:endParaRPr/>
           </a:p>
           <a:p>
-            <a:pPr indent="0" lvl="0" marL="0" rtl="0" algn="l">
+            <a:pPr marL="0" lvl="0" indent="0" algn="l" rtl="0">
               <a:spcBef>
                 <a:spcPts val="1600"/>
               </a:spcBef>
@@ -10331,13 +10299,10 @@
               </a:spcAft>
               <a:buNone/>
             </a:pPr>
-            <a:r>
-              <a:t/>
-            </a:r>
             <a:endParaRPr/>
           </a:p>
           <a:p>
-            <a:pPr indent="0" lvl="0" marL="0" rtl="0" algn="l">
+            <a:pPr marL="0" lvl="0" indent="0" algn="l" rtl="0">
               <a:spcBef>
                 <a:spcPts val="1600"/>
               </a:spcBef>
@@ -10346,13 +10311,10 @@
               </a:spcAft>
               <a:buNone/>
             </a:pPr>
-            <a:r>
-              <a:t/>
-            </a:r>
             <a:endParaRPr/>
           </a:p>
           <a:p>
-            <a:pPr indent="0" lvl="0" marL="0" rtl="0" algn="l">
+            <a:pPr marL="0" lvl="0" indent="0" algn="l" rtl="0">
               <a:spcBef>
                 <a:spcPts val="1600"/>
               </a:spcBef>
@@ -10361,13 +10323,10 @@
               </a:spcAft>
               <a:buNone/>
             </a:pPr>
-            <a:r>
-              <a:t/>
-            </a:r>
             <a:endParaRPr/>
           </a:p>
           <a:p>
-            <a:pPr indent="0" lvl="0" marL="0" rtl="0" algn="l">
+            <a:pPr marL="0" lvl="0" indent="0" algn="l" rtl="0">
               <a:spcBef>
                 <a:spcPts val="1600"/>
               </a:spcBef>
@@ -10383,7 +10342,7 @@
             <a:endParaRPr/>
           </a:p>
           <a:p>
-            <a:pPr indent="0" lvl="0" marL="0" rtl="0" algn="l">
+            <a:pPr marL="0" lvl="0" indent="0" algn="l" rtl="0">
               <a:spcBef>
                 <a:spcPts val="1600"/>
               </a:spcBef>
@@ -10392,13 +10351,10 @@
               </a:spcAft>
               <a:buNone/>
             </a:pPr>
-            <a:r>
-              <a:t/>
-            </a:r>
             <a:endParaRPr/>
           </a:p>
           <a:p>
-            <a:pPr indent="0" lvl="0" marL="0" rtl="0" algn="l">
+            <a:pPr marL="0" lvl="0" indent="0" algn="l" rtl="0">
               <a:spcBef>
                 <a:spcPts val="1600"/>
               </a:spcBef>
@@ -10407,13 +10363,10 @@
               </a:spcAft>
               <a:buNone/>
             </a:pPr>
-            <a:r>
-              <a:t/>
-            </a:r>
             <a:endParaRPr/>
           </a:p>
           <a:p>
-            <a:pPr indent="0" lvl="0" marL="0" rtl="0" algn="l">
+            <a:pPr marL="0" lvl="0" indent="0" algn="l" rtl="0">
               <a:spcBef>
                 <a:spcPts val="1600"/>
               </a:spcBef>
@@ -10422,9 +10375,6 @@
               </a:spcAft>
               <a:buNone/>
             </a:pPr>
-            <a:r>
-              <a:t/>
-            </a:r>
             <a:endParaRPr/>
           </a:p>
         </p:txBody>
@@ -10438,11 +10388,11 @@
 </file>
 
 <file path=ppt/slides/slide3.xml><?xml version="1.0" encoding="utf-8"?>
-<p:sld xmlns:a="http://schemas.openxmlformats.org/drawingml/2006/main" xmlns:r="http://schemas.openxmlformats.org/officeDocument/2006/relationships" xmlns:mc="http://schemas.openxmlformats.org/markup-compatibility/2006" xmlns:mv="urn:schemas-microsoft-com:mac:vml" xmlns:p="http://schemas.openxmlformats.org/presentationml/2006/main" xmlns:c="http://schemas.openxmlformats.org/drawingml/2006/chart" xmlns:dgm="http://schemas.openxmlformats.org/drawingml/2006/diagram" xmlns:o="urn:schemas-microsoft-com:office:office" xmlns:v="urn:schemas-microsoft-com:vml" xmlns:pvml="urn:schemas-microsoft-com:office:powerpoint" xmlns:com="http://schemas.openxmlformats.org/drawingml/2006/compatibility" xmlns:p14="http://schemas.microsoft.com/office/powerpoint/2010/main" xmlns:p15="http://schemas.microsoft.com/office/powerpoint/2012/main">
+<p:sld xmlns:a="http://schemas.openxmlformats.org/drawingml/2006/main" xmlns:r="http://schemas.openxmlformats.org/officeDocument/2006/relationships" xmlns:p="http://schemas.openxmlformats.org/presentationml/2006/main">
   <p:cSld>
     <p:spTree>
       <p:nvGrpSpPr>
-        <p:cNvPr id="139" name="Shape 139"/>
+        <p:cNvPr id="1" name="Shape 139"/>
         <p:cNvGrpSpPr/>
         <p:nvPr/>
       </p:nvGrpSpPr>
@@ -10457,7 +10407,9 @@
       <p:sp>
         <p:nvSpPr>
           <p:cNvPr id="140" name="Google Shape;140;p15"/>
-          <p:cNvSpPr txBox="1"/>
+          <p:cNvSpPr txBox="1">
+            <a:spLocks noGrp="1"/>
+          </p:cNvSpPr>
           <p:nvPr>
             <p:ph type="title"/>
           </p:nvPr>
@@ -10472,12 +10424,12 @@
           </a:prstGeom>
         </p:spPr>
         <p:txBody>
-          <a:bodyPr anchorCtr="0" anchor="t" bIns="91425" lIns="91425" spcFirstLastPara="1" rIns="91425" wrap="square" tIns="91425">
+          <a:bodyPr spcFirstLastPara="1" wrap="square" lIns="91425" tIns="91425" rIns="91425" bIns="91425" anchor="t" anchorCtr="0">
             <a:noAutofit/>
           </a:bodyPr>
           <a:lstStyle/>
           <a:p>
-            <a:pPr indent="0" lvl="0" marL="0" rtl="0" algn="ctr">
+            <a:pPr marL="0" lvl="0" indent="0" algn="ctr" rtl="0">
               <a:lnSpc>
                 <a:spcPct val="115000"/>
               </a:lnSpc>
@@ -10490,7 +10442,7 @@
               <a:buNone/>
             </a:pPr>
             <a:r>
-              <a:rPr b="1" lang="en" sz="1800">
+              <a:rPr lang="en" sz="1800" b="1">
                 <a:solidFill>
                   <a:srgbClr val="000000"/>
                 </a:solidFill>
@@ -10501,16 +10453,18 @@
               </a:rPr>
               <a:t>Our goal </a:t>
             </a:r>
-            <a:endParaRPr b="1" sz="1800"/>
+            <a:endParaRPr sz="1800" b="1"/>
           </a:p>
         </p:txBody>
       </p:sp>
       <p:sp>
         <p:nvSpPr>
           <p:cNvPr id="141" name="Google Shape;141;p15"/>
-          <p:cNvSpPr txBox="1"/>
+          <p:cNvSpPr txBox="1">
+            <a:spLocks noGrp="1"/>
+          </p:cNvSpPr>
           <p:nvPr>
-            <p:ph idx="1" type="body"/>
+            <p:ph type="body" idx="1"/>
           </p:nvPr>
         </p:nvSpPr>
         <p:spPr>
@@ -10523,12 +10477,12 @@
           </a:prstGeom>
         </p:spPr>
         <p:txBody>
-          <a:bodyPr anchorCtr="0" anchor="t" bIns="91425" lIns="91425" spcFirstLastPara="1" rIns="91425" wrap="square" tIns="91425">
+          <a:bodyPr spcFirstLastPara="1" wrap="square" lIns="91425" tIns="91425" rIns="91425" bIns="91425" anchor="t" anchorCtr="0">
             <a:noAutofit/>
           </a:bodyPr>
           <a:lstStyle/>
           <a:p>
-            <a:pPr indent="0" lvl="0" marL="0" rtl="0" algn="l">
+            <a:pPr marL="0" lvl="0" indent="0" algn="l" rtl="0">
               <a:lnSpc>
                 <a:spcPct val="115000"/>
               </a:lnSpc>
@@ -10555,7 +10509,7 @@
             </a:endParaRPr>
           </a:p>
           <a:p>
-            <a:pPr indent="-298450" lvl="0" marL="457200" rtl="0" algn="l">
+            <a:pPr marL="457200" lvl="0" indent="-298450" algn="l" rtl="0">
               <a:lnSpc>
                 <a:spcPct val="115000"/>
               </a:lnSpc>
@@ -10586,7 +10540,7 @@
             </a:endParaRPr>
           </a:p>
           <a:p>
-            <a:pPr indent="-298450" lvl="0" marL="457200" rtl="0" algn="l">
+            <a:pPr marL="457200" lvl="0" indent="-298450" algn="l" rtl="0">
               <a:lnSpc>
                 <a:spcPct val="115000"/>
               </a:lnSpc>
@@ -10617,7 +10571,7 @@
             </a:endParaRPr>
           </a:p>
           <a:p>
-            <a:pPr indent="-298450" lvl="0" marL="457200" rtl="0" algn="l">
+            <a:pPr marL="457200" lvl="0" indent="-298450" algn="l" rtl="0">
               <a:lnSpc>
                 <a:spcPct val="115000"/>
               </a:lnSpc>
@@ -10648,7 +10602,7 @@
             </a:endParaRPr>
           </a:p>
           <a:p>
-            <a:pPr indent="0" lvl="0" marL="0" rtl="0" algn="l">
+            <a:pPr marL="0" lvl="0" indent="0" algn="l" rtl="0">
               <a:spcBef>
                 <a:spcPts val="1000"/>
               </a:spcBef>
@@ -10657,9 +10611,6 @@
               </a:spcAft>
               <a:buNone/>
             </a:pPr>
-            <a:r>
-              <a:t/>
-            </a:r>
             <a:endParaRPr/>
           </a:p>
         </p:txBody>
@@ -10673,11 +10624,11 @@
 </file>
 
 <file path=ppt/slides/slide4.xml><?xml version="1.0" encoding="utf-8"?>
-<p:sld xmlns:a="http://schemas.openxmlformats.org/drawingml/2006/main" xmlns:r="http://schemas.openxmlformats.org/officeDocument/2006/relationships" xmlns:mc="http://schemas.openxmlformats.org/markup-compatibility/2006" xmlns:mv="urn:schemas-microsoft-com:mac:vml" xmlns:p="http://schemas.openxmlformats.org/presentationml/2006/main" xmlns:c="http://schemas.openxmlformats.org/drawingml/2006/chart" xmlns:dgm="http://schemas.openxmlformats.org/drawingml/2006/diagram" xmlns:o="urn:schemas-microsoft-com:office:office" xmlns:v="urn:schemas-microsoft-com:vml" xmlns:pvml="urn:schemas-microsoft-com:office:powerpoint" xmlns:com="http://schemas.openxmlformats.org/drawingml/2006/compatibility" xmlns:p14="http://schemas.microsoft.com/office/powerpoint/2010/main" xmlns:p15="http://schemas.microsoft.com/office/powerpoint/2012/main">
+<p:sld xmlns:a="http://schemas.openxmlformats.org/drawingml/2006/main" xmlns:r="http://schemas.openxmlformats.org/officeDocument/2006/relationships" xmlns:p="http://schemas.openxmlformats.org/presentationml/2006/main">
   <p:cSld>
     <p:spTree>
       <p:nvGrpSpPr>
-        <p:cNvPr id="145" name="Shape 145"/>
+        <p:cNvPr id="1" name="Shape 145"/>
         <p:cNvGrpSpPr/>
         <p:nvPr/>
       </p:nvGrpSpPr>
@@ -10692,7 +10643,9 @@
       <p:sp>
         <p:nvSpPr>
           <p:cNvPr id="146" name="Google Shape;146;p16"/>
-          <p:cNvSpPr txBox="1"/>
+          <p:cNvSpPr txBox="1">
+            <a:spLocks noGrp="1"/>
+          </p:cNvSpPr>
           <p:nvPr>
             <p:ph type="title"/>
           </p:nvPr>
@@ -10707,12 +10660,12 @@
           </a:prstGeom>
         </p:spPr>
         <p:txBody>
-          <a:bodyPr anchorCtr="0" anchor="t" bIns="91425" lIns="91425" spcFirstLastPara="1" rIns="91425" wrap="square" tIns="91425">
+          <a:bodyPr spcFirstLastPara="1" wrap="square" lIns="91425" tIns="91425" rIns="91425" bIns="91425" anchor="t" anchorCtr="0">
             <a:noAutofit/>
           </a:bodyPr>
           <a:lstStyle/>
           <a:p>
-            <a:pPr indent="0" lvl="0" marL="0" rtl="0" algn="ctr">
+            <a:pPr marL="0" lvl="0" indent="0" algn="ctr" rtl="0">
               <a:lnSpc>
                 <a:spcPct val="115000"/>
               </a:lnSpc>
@@ -10725,7 +10678,7 @@
               <a:buNone/>
             </a:pPr>
             <a:r>
-              <a:rPr b="1" lang="en" sz="2400">
+              <a:rPr lang="en" sz="2400" b="1">
                 <a:solidFill>
                   <a:srgbClr val="5B9BD5"/>
                 </a:solidFill>
@@ -10736,16 +10689,18 @@
               </a:rPr>
               <a:t> Deliverables </a:t>
             </a:r>
-            <a:endParaRPr b="1" sz="2400"/>
+            <a:endParaRPr sz="2400" b="1"/>
           </a:p>
         </p:txBody>
       </p:sp>
       <p:sp>
         <p:nvSpPr>
           <p:cNvPr id="147" name="Google Shape;147;p16"/>
-          <p:cNvSpPr txBox="1"/>
+          <p:cNvSpPr txBox="1">
+            <a:spLocks noGrp="1"/>
+          </p:cNvSpPr>
           <p:nvPr>
-            <p:ph idx="1" type="body"/>
+            <p:ph type="body" idx="1"/>
           </p:nvPr>
         </p:nvSpPr>
         <p:spPr>
@@ -10758,12 +10713,12 @@
           </a:prstGeom>
         </p:spPr>
         <p:txBody>
-          <a:bodyPr anchorCtr="0" anchor="t" bIns="91425" lIns="91425" spcFirstLastPara="1" rIns="91425" wrap="square" tIns="91425">
+          <a:bodyPr spcFirstLastPara="1" wrap="square" lIns="91425" tIns="91425" rIns="91425" bIns="91425" anchor="t" anchorCtr="0">
             <a:noAutofit/>
           </a:bodyPr>
           <a:lstStyle/>
           <a:p>
-            <a:pPr indent="0" lvl="0" marL="0" rtl="0" algn="ctr">
+            <a:pPr marL="0" lvl="0" indent="0" algn="ctr" rtl="0">
               <a:lnSpc>
                 <a:spcPct val="115000"/>
               </a:lnSpc>
@@ -10790,7 +10745,7 @@
             </a:endParaRPr>
           </a:p>
           <a:p>
-            <a:pPr indent="-298450" lvl="0" marL="228600" rtl="0" algn="l">
+            <a:pPr marL="228600" lvl="0" indent="-298450" algn="l" rtl="0">
               <a:lnSpc>
                 <a:spcPct val="115000"/>
               </a:lnSpc>
@@ -10822,7 +10777,7 @@
             </a:endParaRPr>
           </a:p>
           <a:p>
-            <a:pPr indent="-298450" lvl="0" marL="228600" rtl="0" algn="l">
+            <a:pPr marL="228600" lvl="0" indent="-298450" algn="l" rtl="0">
               <a:lnSpc>
                 <a:spcPct val="115000"/>
               </a:lnSpc>
@@ -10860,11 +10815,11 @@
 </file>
 
 <file path=ppt/slides/slide5.xml><?xml version="1.0" encoding="utf-8"?>
-<p:sld xmlns:a="http://schemas.openxmlformats.org/drawingml/2006/main" xmlns:r="http://schemas.openxmlformats.org/officeDocument/2006/relationships" xmlns:mc="http://schemas.openxmlformats.org/markup-compatibility/2006" xmlns:mv="urn:schemas-microsoft-com:mac:vml" xmlns:p="http://schemas.openxmlformats.org/presentationml/2006/main" xmlns:c="http://schemas.openxmlformats.org/drawingml/2006/chart" xmlns:dgm="http://schemas.openxmlformats.org/drawingml/2006/diagram" xmlns:o="urn:schemas-microsoft-com:office:office" xmlns:v="urn:schemas-microsoft-com:vml" xmlns:pvml="urn:schemas-microsoft-com:office:powerpoint" xmlns:com="http://schemas.openxmlformats.org/drawingml/2006/compatibility" xmlns:p14="http://schemas.microsoft.com/office/powerpoint/2010/main" xmlns:p15="http://schemas.microsoft.com/office/powerpoint/2012/main">
+<p:sld xmlns:a="http://schemas.openxmlformats.org/drawingml/2006/main" xmlns:r="http://schemas.openxmlformats.org/officeDocument/2006/relationships" xmlns:p="http://schemas.openxmlformats.org/presentationml/2006/main">
   <p:cSld>
     <p:spTree>
       <p:nvGrpSpPr>
-        <p:cNvPr id="151" name="Shape 151"/>
+        <p:cNvPr id="1" name="Shape 151"/>
         <p:cNvGrpSpPr/>
         <p:nvPr/>
       </p:nvGrpSpPr>
@@ -10879,7 +10834,9 @@
       <p:sp>
         <p:nvSpPr>
           <p:cNvPr id="152" name="Google Shape;152;p17"/>
-          <p:cNvSpPr txBox="1"/>
+          <p:cNvSpPr txBox="1">
+            <a:spLocks noGrp="1"/>
+          </p:cNvSpPr>
           <p:nvPr>
             <p:ph type="title"/>
           </p:nvPr>
@@ -10894,12 +10851,12 @@
           </a:prstGeom>
         </p:spPr>
         <p:txBody>
-          <a:bodyPr anchorCtr="0" anchor="t" bIns="91425" lIns="91425" spcFirstLastPara="1" rIns="91425" wrap="square" tIns="91425">
+          <a:bodyPr spcFirstLastPara="1" wrap="square" lIns="91425" tIns="91425" rIns="91425" bIns="91425" anchor="t" anchorCtr="0">
             <a:noAutofit/>
           </a:bodyPr>
           <a:lstStyle/>
           <a:p>
-            <a:pPr indent="0" lvl="0" marL="0" rtl="0" algn="ctr">
+            <a:pPr marL="0" lvl="0" indent="0" algn="ctr" rtl="0">
               <a:spcBef>
                 <a:spcPts val="0"/>
               </a:spcBef>
@@ -10915,16 +10872,12 @@
             </a:pPr>
             <a:r>
               <a:rPr lang="en"/>
-              <a:t>Our</a:t>
-            </a:r>
-            <a:r>
-              <a:rPr lang="en"/>
-              <a:t> process so far </a:t>
+              <a:t>Our process so far </a:t>
             </a:r>
             <a:endParaRPr/>
           </a:p>
           <a:p>
-            <a:pPr indent="0" lvl="0" marL="0" rtl="0" algn="l">
+            <a:pPr marL="0" lvl="0" indent="0" algn="l" rtl="0">
               <a:spcBef>
                 <a:spcPts val="0"/>
               </a:spcBef>
@@ -10933,9 +10886,6 @@
               </a:spcAft>
               <a:buNone/>
             </a:pPr>
-            <a:r>
-              <a:t/>
-            </a:r>
             <a:endParaRPr/>
           </a:p>
         </p:txBody>
@@ -10943,9 +10893,11 @@
       <p:sp>
         <p:nvSpPr>
           <p:cNvPr id="153" name="Google Shape;153;p17"/>
-          <p:cNvSpPr txBox="1"/>
+          <p:cNvSpPr txBox="1">
+            <a:spLocks noGrp="1"/>
+          </p:cNvSpPr>
           <p:nvPr>
-            <p:ph idx="1" type="body"/>
+            <p:ph type="body" idx="1"/>
           </p:nvPr>
         </p:nvSpPr>
         <p:spPr>
@@ -10958,12 +10910,12 @@
           </a:prstGeom>
         </p:spPr>
         <p:txBody>
-          <a:bodyPr anchorCtr="0" anchor="t" bIns="91425" lIns="91425" spcFirstLastPara="1" rIns="91425" wrap="square" tIns="91425">
+          <a:bodyPr spcFirstLastPara="1" wrap="square" lIns="91425" tIns="91425" rIns="91425" bIns="91425" anchor="t" anchorCtr="0">
             <a:noAutofit/>
           </a:bodyPr>
           <a:lstStyle/>
           <a:p>
-            <a:pPr indent="0" lvl="0" marL="0" rtl="0" algn="l">
+            <a:pPr marL="0" lvl="0" indent="0" algn="l" rtl="0">
               <a:spcBef>
                 <a:spcPts val="0"/>
               </a:spcBef>
@@ -10979,7 +10931,7 @@
             <a:endParaRPr/>
           </a:p>
           <a:p>
-            <a:pPr indent="0" lvl="0" marL="0" rtl="0" algn="l">
+            <a:pPr marL="0" lvl="0" indent="0" algn="l" rtl="0">
               <a:spcBef>
                 <a:spcPts val="1600"/>
               </a:spcBef>
@@ -10988,13 +10940,10 @@
               </a:spcAft>
               <a:buNone/>
             </a:pPr>
-            <a:r>
-              <a:t/>
-            </a:r>
             <a:endParaRPr/>
           </a:p>
           <a:p>
-            <a:pPr indent="0" lvl="0" marL="0" rtl="0" algn="l">
+            <a:pPr marL="0" lvl="0" indent="0" algn="l" rtl="0">
               <a:spcBef>
                 <a:spcPts val="1600"/>
               </a:spcBef>
@@ -11003,9 +10952,6 @@
               </a:spcAft>
               <a:buNone/>
             </a:pPr>
-            <a:r>
-              <a:t/>
-            </a:r>
             <a:endParaRPr/>
           </a:p>
         </p:txBody>
@@ -11047,11 +10993,11 @@
 </file>
 
 <file path=ppt/slides/slide6.xml><?xml version="1.0" encoding="utf-8"?>
-<p:sld xmlns:a="http://schemas.openxmlformats.org/drawingml/2006/main" xmlns:r="http://schemas.openxmlformats.org/officeDocument/2006/relationships" xmlns:mc="http://schemas.openxmlformats.org/markup-compatibility/2006" xmlns:mv="urn:schemas-microsoft-com:mac:vml" xmlns:p="http://schemas.openxmlformats.org/presentationml/2006/main" xmlns:c="http://schemas.openxmlformats.org/drawingml/2006/chart" xmlns:dgm="http://schemas.openxmlformats.org/drawingml/2006/diagram" xmlns:o="urn:schemas-microsoft-com:office:office" xmlns:v="urn:schemas-microsoft-com:vml" xmlns:pvml="urn:schemas-microsoft-com:office:powerpoint" xmlns:com="http://schemas.openxmlformats.org/drawingml/2006/compatibility" xmlns:p14="http://schemas.microsoft.com/office/powerpoint/2010/main" xmlns:p15="http://schemas.microsoft.com/office/powerpoint/2012/main">
+<p:sld xmlns:a="http://schemas.openxmlformats.org/drawingml/2006/main" xmlns:r="http://schemas.openxmlformats.org/officeDocument/2006/relationships" xmlns:p="http://schemas.openxmlformats.org/presentationml/2006/main">
   <p:cSld>
     <p:spTree>
       <p:nvGrpSpPr>
-        <p:cNvPr id="158" name="Shape 158"/>
+        <p:cNvPr id="1" name="Shape 158"/>
         <p:cNvGrpSpPr/>
         <p:nvPr/>
       </p:nvGrpSpPr>
@@ -11066,7 +11012,9 @@
       <p:sp>
         <p:nvSpPr>
           <p:cNvPr id="159" name="Google Shape;159;p18"/>
-          <p:cNvSpPr txBox="1"/>
+          <p:cNvSpPr txBox="1">
+            <a:spLocks noGrp="1"/>
+          </p:cNvSpPr>
           <p:nvPr>
             <p:ph type="title"/>
           </p:nvPr>
@@ -11081,12 +11029,12 @@
           </a:prstGeom>
         </p:spPr>
         <p:txBody>
-          <a:bodyPr anchorCtr="0" anchor="t" bIns="91425" lIns="91425" spcFirstLastPara="1" rIns="91425" wrap="square" tIns="91425">
+          <a:bodyPr spcFirstLastPara="1" wrap="square" lIns="91425" tIns="91425" rIns="91425" bIns="91425" anchor="t" anchorCtr="0">
             <a:noAutofit/>
           </a:bodyPr>
           <a:lstStyle/>
           <a:p>
-            <a:pPr indent="0" lvl="0" marL="0" rtl="0" algn="l">
+            <a:pPr marL="0" lvl="0" indent="0" algn="l" rtl="0">
               <a:spcBef>
                 <a:spcPts val="0"/>
               </a:spcBef>
@@ -11106,9 +11054,11 @@
       <p:sp>
         <p:nvSpPr>
           <p:cNvPr id="160" name="Google Shape;160;p18"/>
-          <p:cNvSpPr txBox="1"/>
+          <p:cNvSpPr txBox="1">
+            <a:spLocks noGrp="1"/>
+          </p:cNvSpPr>
           <p:nvPr>
-            <p:ph idx="1" type="body"/>
+            <p:ph type="body" idx="1"/>
           </p:nvPr>
         </p:nvSpPr>
         <p:spPr>
@@ -11121,12 +11071,12 @@
           </a:prstGeom>
         </p:spPr>
         <p:txBody>
-          <a:bodyPr anchorCtr="0" anchor="t" bIns="91425" lIns="91425" spcFirstLastPara="1" rIns="91425" wrap="square" tIns="91425">
+          <a:bodyPr spcFirstLastPara="1" wrap="square" lIns="91425" tIns="91425" rIns="91425" bIns="91425" anchor="t" anchorCtr="0">
             <a:noAutofit/>
           </a:bodyPr>
           <a:lstStyle/>
           <a:p>
-            <a:pPr indent="0" lvl="0" marL="0" rtl="0" algn="l">
+            <a:pPr marL="0" lvl="0" indent="0" algn="l" rtl="0">
               <a:spcBef>
                 <a:spcPts val="0"/>
               </a:spcBef>
@@ -11142,7 +11092,7 @@
             <a:endParaRPr/>
           </a:p>
           <a:p>
-            <a:pPr indent="0" lvl="0" marL="0" rtl="0" algn="l">
+            <a:pPr marL="0" lvl="0" indent="0" algn="l" rtl="0">
               <a:spcBef>
                 <a:spcPts val="1600"/>
               </a:spcBef>
@@ -11151,13 +11101,10 @@
               </a:spcAft>
               <a:buNone/>
             </a:pPr>
-            <a:r>
-              <a:t/>
-            </a:r>
             <a:endParaRPr/>
           </a:p>
           <a:p>
-            <a:pPr indent="0" lvl="0" marL="0" rtl="0" algn="l">
+            <a:pPr marL="0" lvl="0" indent="0" algn="l" rtl="0">
               <a:spcBef>
                 <a:spcPts val="1600"/>
               </a:spcBef>
@@ -11166,9 +11113,6 @@
               </a:spcAft>
               <a:buNone/>
             </a:pPr>
-            <a:r>
-              <a:t/>
-            </a:r>
             <a:endParaRPr/>
           </a:p>
         </p:txBody>
@@ -11182,11 +11126,11 @@
 </file>
 
 <file path=ppt/slides/slide7.xml><?xml version="1.0" encoding="utf-8"?>
-<p:sld xmlns:a="http://schemas.openxmlformats.org/drawingml/2006/main" xmlns:r="http://schemas.openxmlformats.org/officeDocument/2006/relationships" xmlns:mc="http://schemas.openxmlformats.org/markup-compatibility/2006" xmlns:mv="urn:schemas-microsoft-com:mac:vml" xmlns:p="http://schemas.openxmlformats.org/presentationml/2006/main" xmlns:c="http://schemas.openxmlformats.org/drawingml/2006/chart" xmlns:dgm="http://schemas.openxmlformats.org/drawingml/2006/diagram" xmlns:o="urn:schemas-microsoft-com:office:office" xmlns:v="urn:schemas-microsoft-com:vml" xmlns:pvml="urn:schemas-microsoft-com:office:powerpoint" xmlns:com="http://schemas.openxmlformats.org/drawingml/2006/compatibility" xmlns:p14="http://schemas.microsoft.com/office/powerpoint/2010/main" xmlns:p15="http://schemas.microsoft.com/office/powerpoint/2012/main">
+<p:sld xmlns:a="http://schemas.openxmlformats.org/drawingml/2006/main" xmlns:r="http://schemas.openxmlformats.org/officeDocument/2006/relationships" xmlns:p="http://schemas.openxmlformats.org/presentationml/2006/main">
   <p:cSld>
     <p:spTree>
       <p:nvGrpSpPr>
-        <p:cNvPr id="164" name="Shape 164"/>
+        <p:cNvPr id="1" name="Shape 164"/>
         <p:cNvGrpSpPr/>
         <p:nvPr/>
       </p:nvGrpSpPr>
@@ -11201,7 +11145,176 @@
       <p:sp>
         <p:nvSpPr>
           <p:cNvPr id="165" name="Google Shape;165;p19"/>
-          <p:cNvSpPr txBox="1"/>
+          <p:cNvSpPr txBox="1">
+            <a:spLocks noGrp="1"/>
+          </p:cNvSpPr>
+          <p:nvPr>
+            <p:ph type="title"/>
+          </p:nvPr>
+        </p:nvSpPr>
+        <p:spPr>
+          <a:xfrm>
+            <a:off x="314554" y="355482"/>
+            <a:ext cx="8288121" cy="478451"/>
+          </a:xfrm>
+          <a:prstGeom prst="rect">
+            <a:avLst/>
+          </a:prstGeom>
+        </p:spPr>
+        <p:txBody>
+          <a:bodyPr spcFirstLastPara="1" wrap="square" lIns="91425" tIns="91425" rIns="91425" bIns="91425" anchor="t" anchorCtr="0">
+            <a:noAutofit/>
+          </a:bodyPr>
+          <a:lstStyle/>
+          <a:p>
+            <a:pPr marL="0" lvl="0" indent="0" algn="l" rtl="0">
+              <a:spcBef>
+                <a:spcPts val="0"/>
+              </a:spcBef>
+              <a:spcAft>
+                <a:spcPts val="0"/>
+              </a:spcAft>
+              <a:buNone/>
+            </a:pPr>
+            <a:r>
+              <a:rPr lang="en" dirty="0"/>
+              <a:t>First prototype</a:t>
+            </a:r>
+            <a:endParaRPr dirty="0"/>
+          </a:p>
+        </p:txBody>
+      </p:sp>
+      <p:sp>
+        <p:nvSpPr>
+          <p:cNvPr id="166" name="Google Shape;166;p19"/>
+          <p:cNvSpPr txBox="1">
+            <a:spLocks noGrp="1"/>
+          </p:cNvSpPr>
+          <p:nvPr>
+            <p:ph type="body" idx="1"/>
+          </p:nvPr>
+        </p:nvSpPr>
+        <p:spPr>
+          <a:xfrm>
+            <a:off x="329183" y="1053389"/>
+            <a:ext cx="8295437" cy="3811219"/>
+          </a:xfrm>
+          <a:prstGeom prst="rect">
+            <a:avLst/>
+          </a:prstGeom>
+        </p:spPr>
+        <p:txBody>
+          <a:bodyPr spcFirstLastPara="1" wrap="square" lIns="91425" tIns="91425" rIns="91425" bIns="91425" anchor="t" anchorCtr="0">
+            <a:noAutofit/>
+          </a:bodyPr>
+          <a:lstStyle/>
+          <a:p>
+            <a:pPr marL="0" lvl="0" indent="0" algn="l" rtl="0">
+              <a:spcBef>
+                <a:spcPts val="0"/>
+              </a:spcBef>
+              <a:spcAft>
+                <a:spcPts val="1600"/>
+              </a:spcAft>
+              <a:buNone/>
+            </a:pPr>
+            <a:endParaRPr dirty="0"/>
+          </a:p>
+        </p:txBody>
+      </p:sp>
+      <p:pic>
+        <p:nvPicPr>
+          <p:cNvPr id="1027" name="Picture 3"/>
+          <p:cNvPicPr>
+            <a:picLocks noChangeAspect="1" noChangeArrowheads="1"/>
+          </p:cNvPicPr>
+          <p:nvPr/>
+        </p:nvPicPr>
+        <p:blipFill rotWithShape="1">
+          <a:blip r:embed="rId3">
+            <a:extLst>
+              <a:ext uri="{28A0092B-C50C-407E-A947-70E740481C1C}">
+                <a14:useLocalDpi xmlns:a14="http://schemas.microsoft.com/office/drawing/2010/main" val="0"/>
+              </a:ext>
+            </a:extLst>
+          </a:blip>
+          <a:srcRect l="2718" t="4963" r="11578" b="18031"/>
+          <a:stretch/>
+        </p:blipFill>
+        <p:spPr bwMode="auto">
+          <a:xfrm>
+            <a:off x="314554" y="899771"/>
+            <a:ext cx="8288121" cy="3935576"/>
+          </a:xfrm>
+          <a:prstGeom prst="rect">
+            <a:avLst/>
+          </a:prstGeom>
+          <a:noFill/>
+          <a:ln>
+            <a:noFill/>
+          </a:ln>
+          <a:effectLst/>
+          <a:extLst>
+            <a:ext uri="{909E8E84-426E-40DD-AFC4-6F175D3DCCD1}">
+              <a14:hiddenFill xmlns:a14="http://schemas.microsoft.com/office/drawing/2010/main">
+                <a:solidFill>
+                  <a:schemeClr val="accent1"/>
+                </a:solidFill>
+              </a14:hiddenFill>
+            </a:ext>
+            <a:ext uri="{91240B29-F687-4F45-9708-019B960494DF}">
+              <a14:hiddenLine xmlns:a14="http://schemas.microsoft.com/office/drawing/2010/main" w="9525">
+                <a:solidFill>
+                  <a:schemeClr val="tx1"/>
+                </a:solidFill>
+                <a:miter lim="800000"/>
+                <a:headEnd/>
+                <a:tailEnd/>
+              </a14:hiddenLine>
+            </a:ext>
+            <a:ext uri="{AF507438-7753-43E0-B8FC-AC1667EBCBE1}">
+              <a14:hiddenEffects xmlns:a14="http://schemas.microsoft.com/office/drawing/2010/main">
+                <a:effectLst>
+                  <a:outerShdw dist="35921" dir="2700000" algn="ctr" rotWithShape="0">
+                    <a:schemeClr val="bg2"/>
+                  </a:outerShdw>
+                </a:effectLst>
+              </a14:hiddenEffects>
+            </a:ext>
+          </a:extLst>
+        </p:spPr>
+      </p:pic>
+    </p:spTree>
+  </p:cSld>
+  <p:clrMapOvr>
+    <a:masterClrMapping/>
+  </p:clrMapOvr>
+</p:sld>
+</file>
+
+<file path=ppt/slides/slide8.xml><?xml version="1.0" encoding="utf-8"?>
+<p:sld xmlns:a="http://schemas.openxmlformats.org/drawingml/2006/main" xmlns:r="http://schemas.openxmlformats.org/officeDocument/2006/relationships" xmlns:p="http://schemas.openxmlformats.org/presentationml/2006/main">
+  <p:cSld>
+    <p:spTree>
+      <p:nvGrpSpPr>
+        <p:cNvPr id="1" name="Shape 171"/>
+        <p:cNvGrpSpPr/>
+        <p:nvPr/>
+      </p:nvGrpSpPr>
+      <p:grpSpPr>
+        <a:xfrm>
+          <a:off x="0" y="0"/>
+          <a:ext cx="0" cy="0"/>
+          <a:chOff x="0" y="0"/>
+          <a:chExt cx="0" cy="0"/>
+        </a:xfrm>
+      </p:grpSpPr>
+      <p:sp>
+        <p:nvSpPr>
+          <p:cNvPr id="172" name="Google Shape;172;p20"/>
+          <p:cNvSpPr txBox="1">
+            <a:spLocks noGrp="1"/>
+          </p:cNvSpPr>
           <p:nvPr>
             <p:ph type="title"/>
           </p:nvPr>
@@ -11216,12 +11329,12 @@
           </a:prstGeom>
         </p:spPr>
         <p:txBody>
-          <a:bodyPr anchorCtr="0" anchor="t" bIns="91425" lIns="91425" spcFirstLastPara="1" rIns="91425" wrap="square" tIns="91425">
+          <a:bodyPr spcFirstLastPara="1" wrap="square" lIns="91425" tIns="91425" rIns="91425" bIns="91425" anchor="t" anchorCtr="0">
             <a:noAutofit/>
           </a:bodyPr>
           <a:lstStyle/>
           <a:p>
-            <a:pPr indent="0" lvl="0" marL="0" rtl="0" algn="l">
+            <a:pPr marL="0" lvl="0" indent="0" algn="ctr" rtl="0">
               <a:spcBef>
                 <a:spcPts val="0"/>
               </a:spcBef>
@@ -11232,143 +11345,7 @@
             </a:pPr>
             <a:r>
               <a:rPr lang="en"/>
-              <a:t>First prototype</a:t>
-            </a:r>
-            <a:endParaRPr/>
-          </a:p>
-        </p:txBody>
-      </p:sp>
-      <p:sp>
-        <p:nvSpPr>
-          <p:cNvPr id="166" name="Google Shape;166;p19"/>
-          <p:cNvSpPr txBox="1"/>
-          <p:nvPr>
-            <p:ph idx="1" type="body"/>
-          </p:nvPr>
-        </p:nvSpPr>
-        <p:spPr>
-          <a:xfrm>
-            <a:off x="819150" y="1509700"/>
-            <a:ext cx="7505700" cy="2928900"/>
-          </a:xfrm>
-          <a:prstGeom prst="rect">
-            <a:avLst/>
-          </a:prstGeom>
-        </p:spPr>
-        <p:txBody>
-          <a:bodyPr anchorCtr="0" anchor="t" bIns="91425" lIns="91425" spcFirstLastPara="1" rIns="91425" wrap="square" tIns="91425">
-            <a:noAutofit/>
-          </a:bodyPr>
-          <a:lstStyle/>
-          <a:p>
-            <a:pPr indent="0" lvl="0" marL="0" rtl="0" algn="l">
-              <a:spcBef>
-                <a:spcPts val="0"/>
-              </a:spcBef>
-              <a:spcAft>
-                <a:spcPts val="1600"/>
-              </a:spcAft>
-              <a:buNone/>
-            </a:pPr>
-            <a:r>
-              <a:t/>
-            </a:r>
-            <a:endParaRPr/>
-          </a:p>
-        </p:txBody>
-      </p:sp>
-      <p:pic>
-        <p:nvPicPr>
-          <p:cNvPr id="167" name="Google Shape;167;p19"/>
-          <p:cNvPicPr preferRelativeResize="0"/>
-          <p:nvPr/>
-        </p:nvPicPr>
-        <p:blipFill>
-          <a:blip r:embed="rId3">
-            <a:alphaModFix/>
-          </a:blip>
-          <a:stretch>
-            <a:fillRect/>
-          </a:stretch>
-        </p:blipFill>
-        <p:spPr>
-          <a:xfrm>
-            <a:off x="867100" y="1519852"/>
-            <a:ext cx="7243125" cy="3290097"/>
-          </a:xfrm>
-          <a:prstGeom prst="rect">
-            <a:avLst/>
-          </a:prstGeom>
-          <a:noFill/>
-          <a:ln>
-            <a:noFill/>
-          </a:ln>
-        </p:spPr>
-      </p:pic>
-    </p:spTree>
-  </p:cSld>
-  <p:clrMapOvr>
-    <a:masterClrMapping/>
-  </p:clrMapOvr>
-</p:sld>
-</file>
-
-<file path=ppt/slides/slide8.xml><?xml version="1.0" encoding="utf-8"?>
-<p:sld xmlns:a="http://schemas.openxmlformats.org/drawingml/2006/main" xmlns:r="http://schemas.openxmlformats.org/officeDocument/2006/relationships" xmlns:mc="http://schemas.openxmlformats.org/markup-compatibility/2006" xmlns:mv="urn:schemas-microsoft-com:mac:vml" xmlns:p="http://schemas.openxmlformats.org/presentationml/2006/main" xmlns:c="http://schemas.openxmlformats.org/drawingml/2006/chart" xmlns:dgm="http://schemas.openxmlformats.org/drawingml/2006/diagram" xmlns:o="urn:schemas-microsoft-com:office:office" xmlns:v="urn:schemas-microsoft-com:vml" xmlns:pvml="urn:schemas-microsoft-com:office:powerpoint" xmlns:com="http://schemas.openxmlformats.org/drawingml/2006/compatibility" xmlns:p14="http://schemas.microsoft.com/office/powerpoint/2010/main" xmlns:p15="http://schemas.microsoft.com/office/powerpoint/2012/main">
-  <p:cSld>
-    <p:spTree>
-      <p:nvGrpSpPr>
-        <p:cNvPr id="171" name="Shape 171"/>
-        <p:cNvGrpSpPr/>
-        <p:nvPr/>
-      </p:nvGrpSpPr>
-      <p:grpSpPr>
-        <a:xfrm>
-          <a:off x="0" y="0"/>
-          <a:ext cx="0" cy="0"/>
-          <a:chOff x="0" y="0"/>
-          <a:chExt cx="0" cy="0"/>
-        </a:xfrm>
-      </p:grpSpPr>
-      <p:sp>
-        <p:nvSpPr>
-          <p:cNvPr id="172" name="Google Shape;172;p20"/>
-          <p:cNvSpPr txBox="1"/>
-          <p:nvPr>
-            <p:ph type="title"/>
-          </p:nvPr>
-        </p:nvSpPr>
-        <p:spPr>
-          <a:xfrm>
-            <a:off x="819150" y="845600"/>
-            <a:ext cx="7505700" cy="954600"/>
-          </a:xfrm>
-          <a:prstGeom prst="rect">
-            <a:avLst/>
-          </a:prstGeom>
-        </p:spPr>
-        <p:txBody>
-          <a:bodyPr anchorCtr="0" anchor="t" bIns="91425" lIns="91425" spcFirstLastPara="1" rIns="91425" wrap="square" tIns="91425">
-            <a:noAutofit/>
-          </a:bodyPr>
-          <a:lstStyle/>
-          <a:p>
-            <a:pPr indent="0" lvl="0" marL="0" rtl="0" algn="ctr">
-              <a:spcBef>
-                <a:spcPts val="0"/>
-              </a:spcBef>
-              <a:spcAft>
-                <a:spcPts val="0"/>
-              </a:spcAft>
-              <a:buNone/>
-            </a:pPr>
-            <a:r>
-              <a:rPr lang="en"/>
-              <a:t>Our</a:t>
-            </a:r>
-            <a:r>
-              <a:rPr lang="en"/>
-              <a:t> plans for the remaining weeks</a:t>
+              <a:t>Our plans for the remaining weeks</a:t>
             </a:r>
             <a:endParaRPr/>
           </a:p>
@@ -11377,9 +11354,11 @@
       <p:sp>
         <p:nvSpPr>
           <p:cNvPr id="173" name="Google Shape;173;p20"/>
-          <p:cNvSpPr txBox="1"/>
+          <p:cNvSpPr txBox="1">
+            <a:spLocks noGrp="1"/>
+          </p:cNvSpPr>
           <p:nvPr>
-            <p:ph idx="1" type="body"/>
+            <p:ph type="body" idx="1"/>
           </p:nvPr>
         </p:nvSpPr>
         <p:spPr>
@@ -11392,12 +11371,12 @@
           </a:prstGeom>
         </p:spPr>
         <p:txBody>
-          <a:bodyPr anchorCtr="0" anchor="t" bIns="91425" lIns="91425" spcFirstLastPara="1" rIns="91425" wrap="square" tIns="91425">
+          <a:bodyPr spcFirstLastPara="1" wrap="square" lIns="91425" tIns="91425" rIns="91425" bIns="91425" anchor="t" anchorCtr="0">
             <a:noAutofit/>
           </a:bodyPr>
           <a:lstStyle/>
           <a:p>
-            <a:pPr indent="0" lvl="0" marL="0" rtl="0" algn="l">
+            <a:pPr marL="0" lvl="0" indent="0" algn="l" rtl="0">
               <a:spcBef>
                 <a:spcPts val="0"/>
               </a:spcBef>
@@ -11413,7 +11392,7 @@
             <a:endParaRPr/>
           </a:p>
           <a:p>
-            <a:pPr indent="0" lvl="0" marL="0" rtl="0" algn="l">
+            <a:pPr marL="0" lvl="0" indent="0" algn="l" rtl="0">
               <a:spcBef>
                 <a:spcPts val="1600"/>
               </a:spcBef>
@@ -11424,15 +11403,7 @@
             </a:pPr>
             <a:r>
               <a:rPr lang="en"/>
-              <a:t>-What is remaining so far for the </a:t>
-            </a:r>
-            <a:r>
-              <a:rPr lang="en"/>
-              <a:t>application</a:t>
-            </a:r>
-            <a:r>
-              <a:rPr lang="en"/>
-              <a:t> to be complete.</a:t>
+              <a:t>-What is remaining so far for the application to be complete.</a:t>
             </a:r>
             <a:endParaRPr/>
           </a:p>
@@ -11447,11 +11418,11 @@
 </file>
 
 <file path=ppt/slides/slide9.xml><?xml version="1.0" encoding="utf-8"?>
-<p:sld xmlns:a="http://schemas.openxmlformats.org/drawingml/2006/main" xmlns:r="http://schemas.openxmlformats.org/officeDocument/2006/relationships" xmlns:mc="http://schemas.openxmlformats.org/markup-compatibility/2006" xmlns:mv="urn:schemas-microsoft-com:mac:vml" xmlns:p="http://schemas.openxmlformats.org/presentationml/2006/main" xmlns:c="http://schemas.openxmlformats.org/drawingml/2006/chart" xmlns:dgm="http://schemas.openxmlformats.org/drawingml/2006/diagram" xmlns:o="urn:schemas-microsoft-com:office:office" xmlns:v="urn:schemas-microsoft-com:vml" xmlns:pvml="urn:schemas-microsoft-com:office:powerpoint" xmlns:com="http://schemas.openxmlformats.org/drawingml/2006/compatibility" xmlns:p14="http://schemas.microsoft.com/office/powerpoint/2010/main" xmlns:p15="http://schemas.microsoft.com/office/powerpoint/2012/main">
+<p:sld xmlns:a="http://schemas.openxmlformats.org/drawingml/2006/main" xmlns:r="http://schemas.openxmlformats.org/officeDocument/2006/relationships" xmlns:p="http://schemas.openxmlformats.org/presentationml/2006/main">
   <p:cSld>
     <p:spTree>
       <p:nvGrpSpPr>
-        <p:cNvPr id="177" name="Shape 177"/>
+        <p:cNvPr id="1" name="Shape 177"/>
         <p:cNvGrpSpPr/>
         <p:nvPr/>
       </p:nvGrpSpPr>
@@ -11466,7 +11437,9 @@
       <p:sp>
         <p:nvSpPr>
           <p:cNvPr id="178" name="Google Shape;178;p21"/>
-          <p:cNvSpPr txBox="1"/>
+          <p:cNvSpPr txBox="1">
+            <a:spLocks noGrp="1"/>
+          </p:cNvSpPr>
           <p:nvPr>
             <p:ph type="title"/>
           </p:nvPr>
@@ -11481,12 +11454,12 @@
           </a:prstGeom>
         </p:spPr>
         <p:txBody>
-          <a:bodyPr anchorCtr="0" anchor="t" bIns="91425" lIns="91425" spcFirstLastPara="1" rIns="91425" wrap="square" tIns="91425">
+          <a:bodyPr spcFirstLastPara="1" wrap="square" lIns="91425" tIns="91425" rIns="91425" bIns="91425" anchor="t" anchorCtr="0">
             <a:noAutofit/>
           </a:bodyPr>
           <a:lstStyle/>
           <a:p>
-            <a:pPr indent="0" lvl="0" marL="0" rtl="0" algn="ctr">
+            <a:pPr marL="0" lvl="0" indent="0" algn="ctr" rtl="0">
               <a:lnSpc>
                 <a:spcPct val="115000"/>
               </a:lnSpc>
@@ -11517,9 +11490,11 @@
       <p:sp>
         <p:nvSpPr>
           <p:cNvPr id="179" name="Google Shape;179;p21"/>
-          <p:cNvSpPr txBox="1"/>
+          <p:cNvSpPr txBox="1">
+            <a:spLocks noGrp="1"/>
+          </p:cNvSpPr>
           <p:nvPr>
-            <p:ph idx="1" type="body"/>
+            <p:ph type="body" idx="1"/>
           </p:nvPr>
         </p:nvSpPr>
         <p:spPr>
@@ -11532,12 +11507,12 @@
           </a:prstGeom>
         </p:spPr>
         <p:txBody>
-          <a:bodyPr anchorCtr="0" anchor="t" bIns="91425" lIns="91425" spcFirstLastPara="1" rIns="91425" wrap="square" tIns="91425">
+          <a:bodyPr spcFirstLastPara="1" wrap="square" lIns="91425" tIns="91425" rIns="91425" bIns="91425" anchor="t" anchorCtr="0">
             <a:noAutofit/>
           </a:bodyPr>
           <a:lstStyle/>
           <a:p>
-            <a:pPr indent="0" lvl="0" marL="0" rtl="0" algn="l">
+            <a:pPr marL="0" lvl="0" indent="0" algn="l" rtl="0">
               <a:spcBef>
                 <a:spcPts val="0"/>
               </a:spcBef>
@@ -11563,7 +11538,288 @@
 </file>
 
 <file path=ppt/theme/theme1.xml><?xml version="1.0" encoding="utf-8"?>
-<a:theme xmlns:a="http://schemas.openxmlformats.org/drawingml/2006/main" xmlns:r="http://schemas.openxmlformats.org/officeDocument/2006/relationships">
+<a:theme xmlns:a="http://schemas.openxmlformats.org/drawingml/2006/main" name="Shift">
+  <a:themeElements>
+    <a:clrScheme name="Shift">
+      <a:dk1>
+        <a:srgbClr val="FFFFFF"/>
+      </a:dk1>
+      <a:lt1>
+        <a:srgbClr val="AF7B51"/>
+      </a:lt1>
+      <a:dk2>
+        <a:srgbClr val="233A44"/>
+      </a:dk2>
+      <a:lt2>
+        <a:srgbClr val="D9D9D9"/>
+      </a:lt2>
+      <a:accent1>
+        <a:srgbClr val="00796B"/>
+      </a:accent1>
+      <a:accent2>
+        <a:srgbClr val="D9563F"/>
+      </a:accent2>
+      <a:accent3>
+        <a:srgbClr val="C4A15A"/>
+      </a:accent3>
+      <a:accent4>
+        <a:srgbClr val="14F597"/>
+      </a:accent4>
+      <a:accent5>
+        <a:srgbClr val="3D4594"/>
+      </a:accent5>
+      <a:accent6>
+        <a:srgbClr val="163EF5"/>
+      </a:accent6>
+      <a:hlink>
+        <a:srgbClr val="3D4594"/>
+      </a:hlink>
+      <a:folHlink>
+        <a:srgbClr val="3D4594"/>
+      </a:folHlink>
+    </a:clrScheme>
+    <a:fontScheme name="Office">
+      <a:majorFont>
+        <a:latin typeface="Arial"/>
+        <a:ea typeface=""/>
+        <a:cs typeface=""/>
+        <a:font script="Jpan" typeface="ＭＳ Ｐゴシック"/>
+        <a:font script="Hang" typeface="맑은 고딕"/>
+        <a:font script="Hans" typeface="宋体"/>
+        <a:font script="Hant" typeface="新細明體"/>
+        <a:font script="Arab" typeface="Times New Roman"/>
+        <a:font script="Hebr" typeface="Times New Roman"/>
+        <a:font script="Thai" typeface="Angsana New"/>
+        <a:font script="Ethi" typeface="Nyala"/>
+        <a:font script="Beng" typeface="Vrinda"/>
+        <a:font script="Gujr" typeface="Shruti"/>
+        <a:font script="Khmr" typeface="MoolBoran"/>
+        <a:font script="Knda" typeface="Tunga"/>
+        <a:font script="Guru" typeface="Raavi"/>
+        <a:font script="Cans" typeface="Euphemia"/>
+        <a:font script="Cher" typeface="Plantagenet Cherokee"/>
+        <a:font script="Yiii" typeface="Microsoft Yi Baiti"/>
+        <a:font script="Tibt" typeface="Microsoft Himalaya"/>
+        <a:font script="Thaa" typeface="MV Boli"/>
+        <a:font script="Deva" typeface="Mangal"/>
+        <a:font script="Telu" typeface="Gautami"/>
+        <a:font script="Taml" typeface="Latha"/>
+        <a:font script="Syrc" typeface="Estrangelo Edessa"/>
+        <a:font script="Orya" typeface="Kalinga"/>
+        <a:font script="Mlym" typeface="Kartika"/>
+        <a:font script="Laoo" typeface="DokChampa"/>
+        <a:font script="Sinh" typeface="Iskoola Pota"/>
+        <a:font script="Mong" typeface="Mongolian Baiti"/>
+        <a:font script="Viet" typeface="Times New Roman"/>
+        <a:font script="Uigh" typeface="Microsoft Uighur"/>
+        <a:font script="Geor" typeface="Sylfaen"/>
+      </a:majorFont>
+      <a:minorFont>
+        <a:latin typeface="Arial"/>
+        <a:ea typeface=""/>
+        <a:cs typeface=""/>
+        <a:font script="Jpan" typeface="ＭＳ Ｐゴシック"/>
+        <a:font script="Hang" typeface="맑은 고딕"/>
+        <a:font script="Hans" typeface="宋体"/>
+        <a:font script="Hant" typeface="新細明體"/>
+        <a:font script="Arab" typeface="Arial"/>
+        <a:font script="Hebr" typeface="Arial"/>
+        <a:font script="Thai" typeface="Cordia New"/>
+        <a:font script="Ethi" typeface="Nyala"/>
+        <a:font script="Beng" typeface="Vrinda"/>
+        <a:font script="Gujr" typeface="Shruti"/>
+        <a:font script="Khmr" typeface="DaunPenh"/>
+        <a:font script="Knda" typeface="Tunga"/>
+        <a:font script="Guru" typeface="Raavi"/>
+        <a:font script="Cans" typeface="Euphemia"/>
+        <a:font script="Cher" typeface="Plantagenet Cherokee"/>
+        <a:font script="Yiii" typeface="Microsoft Yi Baiti"/>
+        <a:font script="Tibt" typeface="Microsoft Himalaya"/>
+        <a:font script="Thaa" typeface="MV Boli"/>
+        <a:font script="Deva" typeface="Mangal"/>
+        <a:font script="Telu" typeface="Gautami"/>
+        <a:font script="Taml" typeface="Latha"/>
+        <a:font script="Syrc" typeface="Estrangelo Edessa"/>
+        <a:font script="Orya" typeface="Kalinga"/>
+        <a:font script="Mlym" typeface="Kartika"/>
+        <a:font script="Laoo" typeface="DokChampa"/>
+        <a:font script="Sinh" typeface="Iskoola Pota"/>
+        <a:font script="Mong" typeface="Mongolian Baiti"/>
+        <a:font script="Viet" typeface="Arial"/>
+        <a:font script="Uigh" typeface="Microsoft Uighur"/>
+        <a:font script="Geor" typeface="Sylfaen"/>
+      </a:minorFont>
+    </a:fontScheme>
+    <a:fmtScheme name="Office">
+      <a:fillStyleLst>
+        <a:solidFill>
+          <a:schemeClr val="phClr"/>
+        </a:solidFill>
+        <a:gradFill rotWithShape="1">
+          <a:gsLst>
+            <a:gs pos="0">
+              <a:schemeClr val="phClr">
+                <a:tint val="50000"/>
+                <a:satMod val="300000"/>
+              </a:schemeClr>
+            </a:gs>
+            <a:gs pos="35000">
+              <a:schemeClr val="phClr">
+                <a:tint val="37000"/>
+                <a:satMod val="300000"/>
+              </a:schemeClr>
+            </a:gs>
+            <a:gs pos="100000">
+              <a:schemeClr val="phClr">
+                <a:tint val="15000"/>
+                <a:satMod val="350000"/>
+              </a:schemeClr>
+            </a:gs>
+          </a:gsLst>
+          <a:lin ang="16200000" scaled="1"/>
+        </a:gradFill>
+        <a:gradFill rotWithShape="1">
+          <a:gsLst>
+            <a:gs pos="0">
+              <a:schemeClr val="phClr">
+                <a:tint val="100000"/>
+                <a:shade val="100000"/>
+                <a:satMod val="130000"/>
+              </a:schemeClr>
+            </a:gs>
+            <a:gs pos="100000">
+              <a:schemeClr val="phClr">
+                <a:tint val="50000"/>
+                <a:shade val="100000"/>
+                <a:satMod val="350000"/>
+              </a:schemeClr>
+            </a:gs>
+          </a:gsLst>
+          <a:lin ang="16200000" scaled="0"/>
+        </a:gradFill>
+      </a:fillStyleLst>
+      <a:lnStyleLst>
+        <a:ln w="9525" cap="flat" cmpd="sng" algn="ctr">
+          <a:solidFill>
+            <a:schemeClr val="phClr">
+              <a:shade val="95000"/>
+              <a:satMod val="105000"/>
+            </a:schemeClr>
+          </a:solidFill>
+          <a:prstDash val="solid"/>
+        </a:ln>
+        <a:ln w="25400" cap="flat" cmpd="sng" algn="ctr">
+          <a:solidFill>
+            <a:schemeClr val="phClr"/>
+          </a:solidFill>
+          <a:prstDash val="solid"/>
+        </a:ln>
+        <a:ln w="38100" cap="flat" cmpd="sng" algn="ctr">
+          <a:solidFill>
+            <a:schemeClr val="phClr"/>
+          </a:solidFill>
+          <a:prstDash val="solid"/>
+        </a:ln>
+      </a:lnStyleLst>
+      <a:effectStyleLst>
+        <a:effectStyle>
+          <a:effectLst>
+            <a:outerShdw blurRad="40000" dist="20000" dir="5400000" rotWithShape="0">
+              <a:srgbClr val="000000">
+                <a:alpha val="38000"/>
+              </a:srgbClr>
+            </a:outerShdw>
+          </a:effectLst>
+        </a:effectStyle>
+        <a:effectStyle>
+          <a:effectLst>
+            <a:outerShdw blurRad="40000" dist="23000" dir="5400000" rotWithShape="0">
+              <a:srgbClr val="000000">
+                <a:alpha val="35000"/>
+              </a:srgbClr>
+            </a:outerShdw>
+          </a:effectLst>
+        </a:effectStyle>
+        <a:effectStyle>
+          <a:effectLst>
+            <a:outerShdw blurRad="40000" dist="23000" dir="5400000" rotWithShape="0">
+              <a:srgbClr val="000000">
+                <a:alpha val="35000"/>
+              </a:srgbClr>
+            </a:outerShdw>
+          </a:effectLst>
+          <a:scene3d>
+            <a:camera prst="orthographicFront">
+              <a:rot lat="0" lon="0" rev="0"/>
+            </a:camera>
+            <a:lightRig rig="threePt" dir="t">
+              <a:rot lat="0" lon="0" rev="1200000"/>
+            </a:lightRig>
+          </a:scene3d>
+          <a:sp3d>
+            <a:bevelT w="63500" h="25400"/>
+          </a:sp3d>
+        </a:effectStyle>
+      </a:effectStyleLst>
+      <a:bgFillStyleLst>
+        <a:solidFill>
+          <a:schemeClr val="phClr"/>
+        </a:solidFill>
+        <a:gradFill rotWithShape="1">
+          <a:gsLst>
+            <a:gs pos="0">
+              <a:schemeClr val="phClr">
+                <a:tint val="40000"/>
+                <a:satMod val="350000"/>
+              </a:schemeClr>
+            </a:gs>
+            <a:gs pos="40000">
+              <a:schemeClr val="phClr">
+                <a:tint val="45000"/>
+                <a:shade val="99000"/>
+                <a:satMod val="350000"/>
+              </a:schemeClr>
+            </a:gs>
+            <a:gs pos="100000">
+              <a:schemeClr val="phClr">
+                <a:shade val="20000"/>
+                <a:satMod val="255000"/>
+              </a:schemeClr>
+            </a:gs>
+          </a:gsLst>
+          <a:path path="circle">
+            <a:fillToRect l="50000" t="-80000" r="50000" b="180000"/>
+          </a:path>
+        </a:gradFill>
+        <a:gradFill rotWithShape="1">
+          <a:gsLst>
+            <a:gs pos="0">
+              <a:schemeClr val="phClr">
+                <a:tint val="80000"/>
+                <a:satMod val="300000"/>
+              </a:schemeClr>
+            </a:gs>
+            <a:gs pos="100000">
+              <a:schemeClr val="phClr">
+                <a:shade val="30000"/>
+                <a:satMod val="200000"/>
+              </a:schemeClr>
+            </a:gs>
+          </a:gsLst>
+          <a:path path="circle">
+            <a:fillToRect l="50000" t="50000" r="50000" b="50000"/>
+          </a:path>
+        </a:gradFill>
+      </a:bgFillStyleLst>
+    </a:fmtScheme>
+  </a:themeElements>
+  <a:objectDefaults/>
+  <a:extraClrSchemeLst/>
+</a:theme>
+</file>
+
+<file path=ppt/theme/theme2.xml><?xml version="1.0" encoding="utf-8"?>
+<a:theme xmlns:a="http://schemas.openxmlformats.org/drawingml/2006/main">
   <a:themeElements>
     <a:clrScheme name="Default">
       <a:dk1>
@@ -11838,284 +12094,7 @@
       </a:bgFillStyleLst>
     </a:fmtScheme>
   </a:themeElements>
-</a:theme>
-</file>
-
-<file path=ppt/theme/theme2.xml><?xml version="1.0" encoding="utf-8"?>
-<a:theme xmlns:a="http://schemas.openxmlformats.org/drawingml/2006/main" xmlns:r="http://schemas.openxmlformats.org/officeDocument/2006/relationships" name="Shift">
-  <a:themeElements>
-    <a:clrScheme name="Shift">
-      <a:dk1>
-        <a:srgbClr val="FFFFFF"/>
-      </a:dk1>
-      <a:lt1>
-        <a:srgbClr val="AF7B51"/>
-      </a:lt1>
-      <a:dk2>
-        <a:srgbClr val="233A44"/>
-      </a:dk2>
-      <a:lt2>
-        <a:srgbClr val="D9D9D9"/>
-      </a:lt2>
-      <a:accent1>
-        <a:srgbClr val="00796B"/>
-      </a:accent1>
-      <a:accent2>
-        <a:srgbClr val="D9563F"/>
-      </a:accent2>
-      <a:accent3>
-        <a:srgbClr val="C4A15A"/>
-      </a:accent3>
-      <a:accent4>
-        <a:srgbClr val="14F597"/>
-      </a:accent4>
-      <a:accent5>
-        <a:srgbClr val="3D4594"/>
-      </a:accent5>
-      <a:accent6>
-        <a:srgbClr val="163EF5"/>
-      </a:accent6>
-      <a:hlink>
-        <a:srgbClr val="3D4594"/>
-      </a:hlink>
-      <a:folHlink>
-        <a:srgbClr val="3D4594"/>
-      </a:folHlink>
-    </a:clrScheme>
-    <a:fontScheme name="Office">
-      <a:majorFont>
-        <a:latin typeface="Arial"/>
-        <a:ea typeface=""/>
-        <a:cs typeface=""/>
-        <a:font script="Jpan" typeface="ＭＳ Ｐゴシック"/>
-        <a:font script="Hang" typeface="맑은 고딕"/>
-        <a:font script="Hans" typeface="宋体"/>
-        <a:font script="Hant" typeface="新細明體"/>
-        <a:font script="Arab" typeface="Times New Roman"/>
-        <a:font script="Hebr" typeface="Times New Roman"/>
-        <a:font script="Thai" typeface="Angsana New"/>
-        <a:font script="Ethi" typeface="Nyala"/>
-        <a:font script="Beng" typeface="Vrinda"/>
-        <a:font script="Gujr" typeface="Shruti"/>
-        <a:font script="Khmr" typeface="MoolBoran"/>
-        <a:font script="Knda" typeface="Tunga"/>
-        <a:font script="Guru" typeface="Raavi"/>
-        <a:font script="Cans" typeface="Euphemia"/>
-        <a:font script="Cher" typeface="Plantagenet Cherokee"/>
-        <a:font script="Yiii" typeface="Microsoft Yi Baiti"/>
-        <a:font script="Tibt" typeface="Microsoft Himalaya"/>
-        <a:font script="Thaa" typeface="MV Boli"/>
-        <a:font script="Deva" typeface="Mangal"/>
-        <a:font script="Telu" typeface="Gautami"/>
-        <a:font script="Taml" typeface="Latha"/>
-        <a:font script="Syrc" typeface="Estrangelo Edessa"/>
-        <a:font script="Orya" typeface="Kalinga"/>
-        <a:font script="Mlym" typeface="Kartika"/>
-        <a:font script="Laoo" typeface="DokChampa"/>
-        <a:font script="Sinh" typeface="Iskoola Pota"/>
-        <a:font script="Mong" typeface="Mongolian Baiti"/>
-        <a:font script="Viet" typeface="Times New Roman"/>
-        <a:font script="Uigh" typeface="Microsoft Uighur"/>
-        <a:font script="Geor" typeface="Sylfaen"/>
-      </a:majorFont>
-      <a:minorFont>
-        <a:latin typeface="Arial"/>
-        <a:ea typeface=""/>
-        <a:cs typeface=""/>
-        <a:font script="Jpan" typeface="ＭＳ Ｐゴシック"/>
-        <a:font script="Hang" typeface="맑은 고딕"/>
-        <a:font script="Hans" typeface="宋体"/>
-        <a:font script="Hant" typeface="新細明體"/>
-        <a:font script="Arab" typeface="Arial"/>
-        <a:font script="Hebr" typeface="Arial"/>
-        <a:font script="Thai" typeface="Cordia New"/>
-        <a:font script="Ethi" typeface="Nyala"/>
-        <a:font script="Beng" typeface="Vrinda"/>
-        <a:font script="Gujr" typeface="Shruti"/>
-        <a:font script="Khmr" typeface="DaunPenh"/>
-        <a:font script="Knda" typeface="Tunga"/>
-        <a:font script="Guru" typeface="Raavi"/>
-        <a:font script="Cans" typeface="Euphemia"/>
-        <a:font script="Cher" typeface="Plantagenet Cherokee"/>
-        <a:font script="Yiii" typeface="Microsoft Yi Baiti"/>
-        <a:font script="Tibt" typeface="Microsoft Himalaya"/>
-        <a:font script="Thaa" typeface="MV Boli"/>
-        <a:font script="Deva" typeface="Mangal"/>
-        <a:font script="Telu" typeface="Gautami"/>
-        <a:font script="Taml" typeface="Latha"/>
-        <a:font script="Syrc" typeface="Estrangelo Edessa"/>
-        <a:font script="Orya" typeface="Kalinga"/>
-        <a:font script="Mlym" typeface="Kartika"/>
-        <a:font script="Laoo" typeface="DokChampa"/>
-        <a:font script="Sinh" typeface="Iskoola Pota"/>
-        <a:font script="Mong" typeface="Mongolian Baiti"/>
-        <a:font script="Viet" typeface="Arial"/>
-        <a:font script="Uigh" typeface="Microsoft Uighur"/>
-        <a:font script="Geor" typeface="Sylfaen"/>
-      </a:minorFont>
-    </a:fontScheme>
-    <a:fmtScheme name="Office">
-      <a:fillStyleLst>
-        <a:solidFill>
-          <a:schemeClr val="phClr"/>
-        </a:solidFill>
-        <a:gradFill rotWithShape="1">
-          <a:gsLst>
-            <a:gs pos="0">
-              <a:schemeClr val="phClr">
-                <a:tint val="50000"/>
-                <a:satMod val="300000"/>
-              </a:schemeClr>
-            </a:gs>
-            <a:gs pos="35000">
-              <a:schemeClr val="phClr">
-                <a:tint val="37000"/>
-                <a:satMod val="300000"/>
-              </a:schemeClr>
-            </a:gs>
-            <a:gs pos="100000">
-              <a:schemeClr val="phClr">
-                <a:tint val="15000"/>
-                <a:satMod val="350000"/>
-              </a:schemeClr>
-            </a:gs>
-          </a:gsLst>
-          <a:lin ang="16200000" scaled="1"/>
-        </a:gradFill>
-        <a:gradFill rotWithShape="1">
-          <a:gsLst>
-            <a:gs pos="0">
-              <a:schemeClr val="phClr">
-                <a:tint val="100000"/>
-                <a:shade val="100000"/>
-                <a:satMod val="130000"/>
-              </a:schemeClr>
-            </a:gs>
-            <a:gs pos="100000">
-              <a:schemeClr val="phClr">
-                <a:tint val="50000"/>
-                <a:shade val="100000"/>
-                <a:satMod val="350000"/>
-              </a:schemeClr>
-            </a:gs>
-          </a:gsLst>
-          <a:lin ang="16200000" scaled="0"/>
-        </a:gradFill>
-      </a:fillStyleLst>
-      <a:lnStyleLst>
-        <a:ln w="9525" cap="flat" cmpd="sng" algn="ctr">
-          <a:solidFill>
-            <a:schemeClr val="phClr">
-              <a:shade val="95000"/>
-              <a:satMod val="105000"/>
-            </a:schemeClr>
-          </a:solidFill>
-          <a:prstDash val="solid"/>
-        </a:ln>
-        <a:ln w="25400" cap="flat" cmpd="sng" algn="ctr">
-          <a:solidFill>
-            <a:schemeClr val="phClr"/>
-          </a:solidFill>
-          <a:prstDash val="solid"/>
-        </a:ln>
-        <a:ln w="38100" cap="flat" cmpd="sng" algn="ctr">
-          <a:solidFill>
-            <a:schemeClr val="phClr"/>
-          </a:solidFill>
-          <a:prstDash val="solid"/>
-        </a:ln>
-      </a:lnStyleLst>
-      <a:effectStyleLst>
-        <a:effectStyle>
-          <a:effectLst>
-            <a:outerShdw blurRad="40000" dist="20000" dir="5400000" rotWithShape="0">
-              <a:srgbClr val="000000">
-                <a:alpha val="38000"/>
-              </a:srgbClr>
-            </a:outerShdw>
-          </a:effectLst>
-        </a:effectStyle>
-        <a:effectStyle>
-          <a:effectLst>
-            <a:outerShdw blurRad="40000" dist="23000" dir="5400000" rotWithShape="0">
-              <a:srgbClr val="000000">
-                <a:alpha val="35000"/>
-              </a:srgbClr>
-            </a:outerShdw>
-          </a:effectLst>
-        </a:effectStyle>
-        <a:effectStyle>
-          <a:effectLst>
-            <a:outerShdw blurRad="40000" dist="23000" dir="5400000" rotWithShape="0">
-              <a:srgbClr val="000000">
-                <a:alpha val="35000"/>
-              </a:srgbClr>
-            </a:outerShdw>
-          </a:effectLst>
-          <a:scene3d>
-            <a:camera prst="orthographicFront">
-              <a:rot lat="0" lon="0" rev="0"/>
-            </a:camera>
-            <a:lightRig rig="threePt" dir="t">
-              <a:rot lat="0" lon="0" rev="1200000"/>
-            </a:lightRig>
-          </a:scene3d>
-          <a:sp3d>
-            <a:bevelT w="63500" h="25400"/>
-          </a:sp3d>
-        </a:effectStyle>
-      </a:effectStyleLst>
-      <a:bgFillStyleLst>
-        <a:solidFill>
-          <a:schemeClr val="phClr"/>
-        </a:solidFill>
-        <a:gradFill rotWithShape="1">
-          <a:gsLst>
-            <a:gs pos="0">
-              <a:schemeClr val="phClr">
-                <a:tint val="40000"/>
-                <a:satMod val="350000"/>
-              </a:schemeClr>
-            </a:gs>
-            <a:gs pos="40000">
-              <a:schemeClr val="phClr">
-                <a:tint val="45000"/>
-                <a:shade val="99000"/>
-                <a:satMod val="350000"/>
-              </a:schemeClr>
-            </a:gs>
-            <a:gs pos="100000">
-              <a:schemeClr val="phClr">
-                <a:shade val="20000"/>
-                <a:satMod val="255000"/>
-              </a:schemeClr>
-            </a:gs>
-          </a:gsLst>
-          <a:path path="circle">
-            <a:fillToRect l="50000" t="-80000" r="50000" b="180000"/>
-          </a:path>
-        </a:gradFill>
-        <a:gradFill rotWithShape="1">
-          <a:gsLst>
-            <a:gs pos="0">
-              <a:schemeClr val="phClr">
-                <a:tint val="80000"/>
-                <a:satMod val="300000"/>
-              </a:schemeClr>
-            </a:gs>
-            <a:gs pos="100000">
-              <a:schemeClr val="phClr">
-                <a:shade val="30000"/>
-                <a:satMod val="200000"/>
-              </a:schemeClr>
-            </a:gs>
-          </a:gsLst>
-          <a:path path="circle">
-            <a:fillToRect l="50000" t="50000" r="50000" b="50000"/>
-          </a:path>
-        </a:gradFill>
-      </a:bgFillStyleLst>
-    </a:fmtScheme>
-  </a:themeElements>
+  <a:objectDefaults/>
+  <a:extraClrSchemeLst/>
 </a:theme>
 </file>
--- a/First_version_of_the_presentation.pptx
+++ b/First_version_of_the_presentation.pptx
@@ -9,11 +9,11 @@
   </p:notesMasterIdLst>
   <p:sldIdLst>
     <p:sldId id="256" r:id="rId2"/>
-    <p:sldId id="257" r:id="rId3"/>
-    <p:sldId id="258" r:id="rId4"/>
-    <p:sldId id="259" r:id="rId5"/>
-    <p:sldId id="260" r:id="rId6"/>
-    <p:sldId id="261" r:id="rId7"/>
+    <p:sldId id="266" r:id="rId3"/>
+    <p:sldId id="257" r:id="rId4"/>
+    <p:sldId id="265" r:id="rId5"/>
+    <p:sldId id="258" r:id="rId6"/>
+    <p:sldId id="260" r:id="rId7"/>
     <p:sldId id="262" r:id="rId8"/>
     <p:sldId id="263" r:id="rId9"/>
     <p:sldId id="264" r:id="rId10"/>
@@ -22,14 +22,14 @@
   <p:notesSz cx="6858000" cy="9144000"/>
   <p:embeddedFontLst>
     <p:embeddedFont>
-      <p:font typeface="Nunito" charset="0"/>
+      <p:font typeface="Calibri" pitchFamily="34" charset="0"/>
       <p:regular r:id="rId12"/>
       <p:bold r:id="rId13"/>
       <p:italic r:id="rId14"/>
       <p:boldItalic r:id="rId15"/>
     </p:embeddedFont>
     <p:embeddedFont>
-      <p:font typeface="Calibri" pitchFamily="34" charset="0"/>
+      <p:font typeface="Nunito" charset="0"/>
       <p:regular r:id="rId16"/>
       <p:bold r:id="rId17"/>
       <p:italic r:id="rId18"/>
@@ -820,7 +820,7 @@
               </a:spcAft>
               <a:buNone/>
             </a:pPr>
-            <a:endParaRPr/>
+            <a:endParaRPr dirty="0"/>
           </a:p>
         </p:txBody>
       </p:sp>
@@ -833,6 +833,72 @@
 </file>
 
 <file path=ppt/notesSlides/notesSlide2.xml><?xml version="1.0" encoding="utf-8"?>
+<p:notes xmlns:a="http://schemas.openxmlformats.org/drawingml/2006/main" xmlns:r="http://schemas.openxmlformats.org/officeDocument/2006/relationships" xmlns:p="http://schemas.openxmlformats.org/presentationml/2006/main">
+  <p:cSld>
+    <p:spTree>
+      <p:nvGrpSpPr>
+        <p:cNvPr id="1" name=""/>
+        <p:cNvGrpSpPr/>
+        <p:nvPr/>
+      </p:nvGrpSpPr>
+      <p:grpSpPr>
+        <a:xfrm>
+          <a:off x="0" y="0"/>
+          <a:ext cx="0" cy="0"/>
+          <a:chOff x="0" y="0"/>
+          <a:chExt cx="0" cy="0"/>
+        </a:xfrm>
+      </p:grpSpPr>
+      <p:sp>
+        <p:nvSpPr>
+          <p:cNvPr id="2" name="Slide Image Placeholder 1"/>
+          <p:cNvSpPr>
+            <a:spLocks noGrp="1" noRot="1" noChangeAspect="1"/>
+          </p:cNvSpPr>
+          <p:nvPr>
+            <p:ph type="sldImg"/>
+          </p:nvPr>
+        </p:nvSpPr>
+        <p:spPr>
+          <a:xfrm>
+            <a:off x="381000" y="685800"/>
+            <a:ext cx="6096000" cy="3429000"/>
+          </a:xfrm>
+        </p:spPr>
+      </p:sp>
+      <p:sp>
+        <p:nvSpPr>
+          <p:cNvPr id="3" name="Notes Placeholder 2"/>
+          <p:cNvSpPr>
+            <a:spLocks noGrp="1"/>
+          </p:cNvSpPr>
+          <p:nvPr>
+            <p:ph type="body" idx="1"/>
+          </p:nvPr>
+        </p:nvSpPr>
+        <p:spPr/>
+        <p:txBody>
+          <a:bodyPr/>
+          <a:lstStyle/>
+          <a:p>
+            <a:endParaRPr lang="en-US" dirty="0"/>
+          </a:p>
+        </p:txBody>
+      </p:sp>
+    </p:spTree>
+    <p:extLst>
+      <p:ext uri="{BB962C8B-B14F-4D97-AF65-F5344CB8AC3E}">
+        <p14:creationId xmlns:p14="http://schemas.microsoft.com/office/powerpoint/2010/main" val="447964843"/>
+      </p:ext>
+    </p:extLst>
+  </p:cSld>
+  <p:clrMapOvr>
+    <a:masterClrMapping/>
+  </p:clrMapOvr>
+</p:notes>
+</file>
+
+<file path=ppt/notesSlides/notesSlide3.xml><?xml version="1.0" encoding="utf-8"?>
 <p:notes xmlns:a="http://schemas.openxmlformats.org/drawingml/2006/main" xmlns:r="http://schemas.openxmlformats.org/officeDocument/2006/relationships" xmlns:p="http://schemas.openxmlformats.org/presentationml/2006/main" showMasterSp="0" showMasterPhAnim="0">
   <p:cSld>
     <p:spTree>
@@ -861,7 +927,7 @@
         </p:nvSpPr>
         <p:spPr>
           <a:xfrm>
-            <a:off x="381300" y="685800"/>
+            <a:off x="381000" y="685800"/>
             <a:ext cx="6096000" cy="3429000"/>
           </a:xfrm>
           <a:custGeom>
@@ -936,7 +1002,7 @@
 </p:notes>
 </file>
 
-<file path=ppt/notesSlides/notesSlide3.xml><?xml version="1.0" encoding="utf-8"?>
+<file path=ppt/notesSlides/notesSlide4.xml><?xml version="1.0" encoding="utf-8"?>
 <p:notes xmlns:a="http://schemas.openxmlformats.org/drawingml/2006/main" xmlns:r="http://schemas.openxmlformats.org/officeDocument/2006/relationships" xmlns:p="http://schemas.openxmlformats.org/presentationml/2006/main" showMasterSp="0" showMasterPhAnim="0">
   <p:cSld>
     <p:spTree>
@@ -965,7 +1031,7 @@
         </p:nvSpPr>
         <p:spPr>
           <a:xfrm>
-            <a:off x="381300" y="685800"/>
+            <a:off x="381000" y="685800"/>
             <a:ext cx="6096000" cy="3429000"/>
           </a:xfrm>
           <a:custGeom>
@@ -1028,111 +1094,7 @@
               </a:spcAft>
               <a:buNone/>
             </a:pPr>
-            <a:endParaRPr/>
-          </a:p>
-        </p:txBody>
-      </p:sp>
-    </p:spTree>
-  </p:cSld>
-  <p:clrMapOvr>
-    <a:masterClrMapping/>
-  </p:clrMapOvr>
-</p:notes>
-</file>
-
-<file path=ppt/notesSlides/notesSlide4.xml><?xml version="1.0" encoding="utf-8"?>
-<p:notes xmlns:a="http://schemas.openxmlformats.org/drawingml/2006/main" xmlns:r="http://schemas.openxmlformats.org/officeDocument/2006/relationships" xmlns:p="http://schemas.openxmlformats.org/presentationml/2006/main" showMasterSp="0" showMasterPhAnim="0">
-  <p:cSld>
-    <p:spTree>
-      <p:nvGrpSpPr>
-        <p:cNvPr id="1" name="Shape 142"/>
-        <p:cNvGrpSpPr/>
-        <p:nvPr/>
-      </p:nvGrpSpPr>
-      <p:grpSpPr>
-        <a:xfrm>
-          <a:off x="0" y="0"/>
-          <a:ext cx="0" cy="0"/>
-          <a:chOff x="0" y="0"/>
-          <a:chExt cx="0" cy="0"/>
-        </a:xfrm>
-      </p:grpSpPr>
-      <p:sp>
-        <p:nvSpPr>
-          <p:cNvPr id="143" name="Google Shape;143;g57ba081622_0_317:notes"/>
-          <p:cNvSpPr>
-            <a:spLocks noGrp="1" noRot="1" noChangeAspect="1"/>
-          </p:cNvSpPr>
-          <p:nvPr>
-            <p:ph type="sldImg" idx="2"/>
-          </p:nvPr>
-        </p:nvSpPr>
-        <p:spPr>
-          <a:xfrm>
-            <a:off x="381300" y="685800"/>
-            <a:ext cx="6096000" cy="3429000"/>
-          </a:xfrm>
-          <a:custGeom>
-            <a:avLst/>
-            <a:gdLst/>
-            <a:ahLst/>
-            <a:cxnLst/>
-            <a:rect l="l" t="t" r="r" b="b"/>
-            <a:pathLst>
-              <a:path w="120000" h="120000" extrusionOk="0">
-                <a:moveTo>
-                  <a:pt x="0" y="0"/>
-                </a:moveTo>
-                <a:lnTo>
-                  <a:pt x="120000" y="0"/>
-                </a:lnTo>
-                <a:lnTo>
-                  <a:pt x="120000" y="120000"/>
-                </a:lnTo>
-                <a:lnTo>
-                  <a:pt x="0" y="120000"/>
-                </a:lnTo>
-                <a:close/>
-              </a:path>
-            </a:pathLst>
-          </a:custGeom>
-        </p:spPr>
-      </p:sp>
-      <p:sp>
-        <p:nvSpPr>
-          <p:cNvPr id="144" name="Google Shape;144;g57ba081622_0_317:notes"/>
-          <p:cNvSpPr txBox="1">
-            <a:spLocks noGrp="1"/>
-          </p:cNvSpPr>
-          <p:nvPr>
-            <p:ph type="body" idx="1"/>
-          </p:nvPr>
-        </p:nvSpPr>
-        <p:spPr>
-          <a:xfrm>
-            <a:off x="685800" y="4343400"/>
-            <a:ext cx="5486400" cy="4114800"/>
-          </a:xfrm>
-          <a:prstGeom prst="rect">
-            <a:avLst/>
-          </a:prstGeom>
-        </p:spPr>
-        <p:txBody>
-          <a:bodyPr spcFirstLastPara="1" wrap="square" lIns="91425" tIns="91425" rIns="91425" bIns="91425" anchor="t" anchorCtr="0">
-            <a:noAutofit/>
-          </a:bodyPr>
-          <a:lstStyle/>
-          <a:p>
-            <a:pPr marL="0" lvl="0" indent="0" algn="l" rtl="0">
-              <a:spcBef>
-                <a:spcPts val="0"/>
-              </a:spcBef>
-              <a:spcAft>
-                <a:spcPts val="0"/>
-              </a:spcAft>
-              <a:buNone/>
-            </a:pPr>
-            <a:endParaRPr/>
+            <a:endParaRPr dirty="0"/>
           </a:p>
         </p:txBody>
       </p:sp>
@@ -1253,110 +1215,6 @@
   <p:cSld>
     <p:spTree>
       <p:nvGrpSpPr>
-        <p:cNvPr id="1" name="Shape 155"/>
-        <p:cNvGrpSpPr/>
-        <p:nvPr/>
-      </p:nvGrpSpPr>
-      <p:grpSpPr>
-        <a:xfrm>
-          <a:off x="0" y="0"/>
-          <a:ext cx="0" cy="0"/>
-          <a:chOff x="0" y="0"/>
-          <a:chExt cx="0" cy="0"/>
-        </a:xfrm>
-      </p:grpSpPr>
-      <p:sp>
-        <p:nvSpPr>
-          <p:cNvPr id="156" name="Google Shape;156;g57ba081622_0_322:notes"/>
-          <p:cNvSpPr>
-            <a:spLocks noGrp="1" noRot="1" noChangeAspect="1"/>
-          </p:cNvSpPr>
-          <p:nvPr>
-            <p:ph type="sldImg" idx="2"/>
-          </p:nvPr>
-        </p:nvSpPr>
-        <p:spPr>
-          <a:xfrm>
-            <a:off x="381300" y="685800"/>
-            <a:ext cx="6096000" cy="3429000"/>
-          </a:xfrm>
-          <a:custGeom>
-            <a:avLst/>
-            <a:gdLst/>
-            <a:ahLst/>
-            <a:cxnLst/>
-            <a:rect l="l" t="t" r="r" b="b"/>
-            <a:pathLst>
-              <a:path w="120000" h="120000" extrusionOk="0">
-                <a:moveTo>
-                  <a:pt x="0" y="0"/>
-                </a:moveTo>
-                <a:lnTo>
-                  <a:pt x="120000" y="0"/>
-                </a:lnTo>
-                <a:lnTo>
-                  <a:pt x="120000" y="120000"/>
-                </a:lnTo>
-                <a:lnTo>
-                  <a:pt x="0" y="120000"/>
-                </a:lnTo>
-                <a:close/>
-              </a:path>
-            </a:pathLst>
-          </a:custGeom>
-        </p:spPr>
-      </p:sp>
-      <p:sp>
-        <p:nvSpPr>
-          <p:cNvPr id="157" name="Google Shape;157;g57ba081622_0_322:notes"/>
-          <p:cNvSpPr txBox="1">
-            <a:spLocks noGrp="1"/>
-          </p:cNvSpPr>
-          <p:nvPr>
-            <p:ph type="body" idx="1"/>
-          </p:nvPr>
-        </p:nvSpPr>
-        <p:spPr>
-          <a:xfrm>
-            <a:off x="685800" y="4343400"/>
-            <a:ext cx="5486400" cy="4114800"/>
-          </a:xfrm>
-          <a:prstGeom prst="rect">
-            <a:avLst/>
-          </a:prstGeom>
-        </p:spPr>
-        <p:txBody>
-          <a:bodyPr spcFirstLastPara="1" wrap="square" lIns="91425" tIns="91425" rIns="91425" bIns="91425" anchor="t" anchorCtr="0">
-            <a:noAutofit/>
-          </a:bodyPr>
-          <a:lstStyle/>
-          <a:p>
-            <a:pPr marL="0" lvl="0" indent="0" algn="l" rtl="0">
-              <a:spcBef>
-                <a:spcPts val="0"/>
-              </a:spcBef>
-              <a:spcAft>
-                <a:spcPts val="0"/>
-              </a:spcAft>
-              <a:buNone/>
-            </a:pPr>
-            <a:endParaRPr dirty="0"/>
-          </a:p>
-        </p:txBody>
-      </p:sp>
-    </p:spTree>
-  </p:cSld>
-  <p:clrMapOvr>
-    <a:masterClrMapping/>
-  </p:clrMapOvr>
-</p:notes>
-</file>
-
-<file path=ppt/notesSlides/notesSlide7.xml><?xml version="1.0" encoding="utf-8"?>
-<p:notes xmlns:a="http://schemas.openxmlformats.org/drawingml/2006/main" xmlns:r="http://schemas.openxmlformats.org/officeDocument/2006/relationships" xmlns:p="http://schemas.openxmlformats.org/presentationml/2006/main" showMasterSp="0" showMasterPhAnim="0">
-  <p:cSld>
-    <p:spTree>
-      <p:nvGrpSpPr>
         <p:cNvPr id="1" name="Shape 161"/>
         <p:cNvGrpSpPr/>
         <p:nvPr/>
@@ -1456,7 +1314,7 @@
 </p:notes>
 </file>
 
-<file path=ppt/notesSlides/notesSlide8.xml><?xml version="1.0" encoding="utf-8"?>
+<file path=ppt/notesSlides/notesSlide7.xml><?xml version="1.0" encoding="utf-8"?>
 <p:notes xmlns:a="http://schemas.openxmlformats.org/drawingml/2006/main" xmlns:r="http://schemas.openxmlformats.org/officeDocument/2006/relationships" xmlns:p="http://schemas.openxmlformats.org/presentationml/2006/main" showMasterSp="0" showMasterPhAnim="0">
   <p:cSld>
     <p:spTree>
@@ -1560,7 +1418,7 @@
 </p:notes>
 </file>
 
-<file path=ppt/notesSlides/notesSlide9.xml><?xml version="1.0" encoding="utf-8"?>
+<file path=ppt/notesSlides/notesSlide8.xml><?xml version="1.0" encoding="utf-8"?>
 <p:notes xmlns:a="http://schemas.openxmlformats.org/drawingml/2006/main" xmlns:r="http://schemas.openxmlformats.org/officeDocument/2006/relationships" xmlns:p="http://schemas.openxmlformats.org/presentationml/2006/main" showMasterSp="0" showMasterPhAnim="0">
   <p:cSld>
     <p:spTree>
@@ -1589,7 +1447,7 @@
         </p:nvSpPr>
         <p:spPr>
           <a:xfrm>
-            <a:off x="381300" y="685800"/>
+            <a:off x="381000" y="685800"/>
             <a:ext cx="6096000" cy="3429000"/>
           </a:xfrm>
           <a:custGeom>
@@ -9984,6 +9842,159 @@
   <p:cSld>
     <p:spTree>
       <p:nvGrpSpPr>
+        <p:cNvPr id="1" name=""/>
+        <p:cNvGrpSpPr/>
+        <p:nvPr/>
+      </p:nvGrpSpPr>
+      <p:grpSpPr>
+        <a:xfrm>
+          <a:off x="0" y="0"/>
+          <a:ext cx="0" cy="0"/>
+          <a:chOff x="0" y="0"/>
+          <a:chExt cx="0" cy="0"/>
+        </a:xfrm>
+      </p:grpSpPr>
+      <p:sp>
+        <p:nvSpPr>
+          <p:cNvPr id="2" name="Title 1"/>
+          <p:cNvSpPr>
+            <a:spLocks noGrp="1"/>
+          </p:cNvSpPr>
+          <p:nvPr>
+            <p:ph type="ctrTitle"/>
+          </p:nvPr>
+        </p:nvSpPr>
+        <p:spPr>
+          <a:xfrm>
+            <a:off x="1880648" y="952325"/>
+            <a:ext cx="5361300" cy="781378"/>
+          </a:xfrm>
+        </p:spPr>
+        <p:txBody>
+          <a:bodyPr/>
+          <a:lstStyle/>
+          <a:p>
+            <a:r>
+              <a:rPr lang="en-US" dirty="0" smtClean="0"/>
+              <a:t>Overview</a:t>
+            </a:r>
+            <a:endParaRPr lang="en-US" dirty="0"/>
+          </a:p>
+        </p:txBody>
+      </p:sp>
+      <p:sp>
+        <p:nvSpPr>
+          <p:cNvPr id="3" name="Subtitle 2"/>
+          <p:cNvSpPr>
+            <a:spLocks noGrp="1"/>
+          </p:cNvSpPr>
+          <p:nvPr>
+            <p:ph type="subTitle" idx="1"/>
+          </p:nvPr>
+        </p:nvSpPr>
+        <p:spPr>
+          <a:xfrm>
+            <a:off x="1163117" y="1960474"/>
+            <a:ext cx="7439558" cy="1975284"/>
+          </a:xfrm>
+        </p:spPr>
+        <p:txBody>
+          <a:bodyPr/>
+          <a:lstStyle/>
+          <a:p>
+            <a:pPr marL="488950" indent="-342900" algn="just">
+              <a:buFont typeface="+mj-lt"/>
+              <a:buAutoNum type="alphaLcPeriod"/>
+            </a:pPr>
+            <a:r>
+              <a:rPr lang="en" dirty="0" smtClean="0"/>
+              <a:t>Problem statement</a:t>
+            </a:r>
+          </a:p>
+          <a:p>
+            <a:pPr marL="488950" indent="-342900" algn="just">
+              <a:buFont typeface="+mj-lt"/>
+              <a:buAutoNum type="alphaLcPeriod"/>
+            </a:pPr>
+            <a:r>
+              <a:rPr lang="en-US" dirty="0" smtClean="0"/>
+              <a:t>Project goal</a:t>
+            </a:r>
+          </a:p>
+          <a:p>
+            <a:pPr marL="488950" indent="-342900" algn="just">
+              <a:buFont typeface="+mj-lt"/>
+              <a:buAutoNum type="alphaLcPeriod"/>
+            </a:pPr>
+            <a:r>
+              <a:rPr lang="en-US" dirty="0" smtClean="0"/>
+              <a:t>Project </a:t>
+            </a:r>
+            <a:r>
+              <a:rPr lang="en-US" dirty="0" smtClean="0"/>
+              <a:t>deliverables</a:t>
+            </a:r>
+          </a:p>
+          <a:p>
+            <a:pPr marL="488950" indent="-342900" algn="just">
+              <a:buFont typeface="+mj-lt"/>
+              <a:buAutoNum type="alphaLcPeriod"/>
+            </a:pPr>
+            <a:r>
+              <a:rPr lang="en-US" dirty="0"/>
+              <a:t>Our processes so </a:t>
+            </a:r>
+            <a:r>
+              <a:rPr lang="en-US" dirty="0" smtClean="0"/>
+              <a:t>far</a:t>
+            </a:r>
+            <a:endParaRPr lang="en-US" dirty="0" smtClean="0"/>
+          </a:p>
+          <a:p>
+            <a:pPr marL="488950" indent="-342900" algn="just">
+              <a:buFont typeface="+mj-lt"/>
+              <a:buAutoNum type="alphaLcPeriod"/>
+            </a:pPr>
+            <a:r>
+              <a:rPr lang="en-US" dirty="0" smtClean="0"/>
+              <a:t>Proof of concepts</a:t>
+            </a:r>
+          </a:p>
+          <a:p>
+            <a:pPr marL="488950" indent="-342900" algn="just">
+              <a:buFont typeface="+mj-lt"/>
+              <a:buAutoNum type="alphaLcPeriod"/>
+            </a:pPr>
+            <a:r>
+              <a:rPr lang="en-US" dirty="0" smtClean="0"/>
+              <a:t>Our </a:t>
+            </a:r>
+            <a:r>
+              <a:rPr lang="en-US" dirty="0" smtClean="0"/>
+              <a:t>plans for the remaining weeks</a:t>
+            </a:r>
+            <a:endParaRPr lang="en-US" dirty="0"/>
+          </a:p>
+        </p:txBody>
+      </p:sp>
+    </p:spTree>
+    <p:extLst>
+      <p:ext uri="{BB962C8B-B14F-4D97-AF65-F5344CB8AC3E}">
+        <p14:creationId xmlns:p14="http://schemas.microsoft.com/office/powerpoint/2010/main" val="3683450624"/>
+      </p:ext>
+    </p:extLst>
+  </p:cSld>
+  <p:clrMapOvr>
+    <a:masterClrMapping/>
+  </p:clrMapOvr>
+</p:sld>
+</file>
+
+<file path=ppt/slides/slide3.xml><?xml version="1.0" encoding="utf-8"?>
+<p:sld xmlns:a="http://schemas.openxmlformats.org/drawingml/2006/main" xmlns:r="http://schemas.openxmlformats.org/officeDocument/2006/relationships" xmlns:p="http://schemas.openxmlformats.org/presentationml/2006/main">
+  <p:cSld>
+    <p:spTree>
+      <p:nvGrpSpPr>
         <p:cNvPr id="1" name="Shape 133"/>
         <p:cNvGrpSpPr/>
         <p:nvPr/>
@@ -10021,20 +10032,11 @@
           </a:bodyPr>
           <a:lstStyle/>
           <a:p>
-            <a:pPr marL="0" lvl="0" indent="0" algn="ctr" rtl="0">
-              <a:spcBef>
-                <a:spcPts val="0"/>
-              </a:spcBef>
-              <a:spcAft>
-                <a:spcPts val="0"/>
-              </a:spcAft>
-              <a:buNone/>
-            </a:pPr>
+            <a:pPr marL="488950" indent="-342900"/>
             <a:r>
-              <a:rPr lang="en"/>
-              <a:t>Our proof of concept </a:t>
+              <a:rPr lang="en" dirty="0"/>
+              <a:t>Problem statement</a:t>
             </a:r>
-            <a:endParaRPr/>
           </a:p>
         </p:txBody>
       </p:sp>
@@ -10065,7 +10067,7 @@
           <a:p>
             <a:pPr marL="0" lvl="0" indent="0" algn="l" rtl="0">
               <a:spcBef>
-                <a:spcPts val="0"/>
+                <a:spcPts val="1600"/>
               </a:spcBef>
               <a:spcAft>
                 <a:spcPts val="0"/>
@@ -10073,34 +10075,22 @@
               <a:buNone/>
             </a:pPr>
             <a:r>
-              <a:rPr lang="en"/>
-              <a:t>Introduction:</a:t>
-            </a:r>
-            <a:endParaRPr sz="1600" b="1">
-              <a:solidFill>
-                <a:srgbClr val="1F4E79"/>
-              </a:solidFill>
-            </a:endParaRPr>
-          </a:p>
-          <a:p>
-            <a:pPr marL="0" lvl="0" indent="0" algn="l" rtl="0">
-              <a:spcBef>
-                <a:spcPts val="1600"/>
-              </a:spcBef>
-              <a:spcAft>
-                <a:spcPts val="0"/>
-              </a:spcAft>
-              <a:buNone/>
-            </a:pPr>
-            <a:r>
-              <a:rPr lang="en" sz="1100">
+              <a:rPr lang="en" sz="1100" dirty="0" smtClean="0">
                 <a:solidFill>
                   <a:srgbClr val="000000"/>
                 </a:solidFill>
               </a:rPr>
-              <a:t>SIM Software Inc is one of the leading software companies in the Netherland with it headquarters In Eindhoven.</a:t>
+              <a:t>SIM </a:t>
             </a:r>
-            <a:endParaRPr sz="1100">
+            <a:r>
+              <a:rPr lang="en" sz="1100" dirty="0">
+                <a:solidFill>
+                  <a:srgbClr val="000000"/>
+                </a:solidFill>
+              </a:rPr>
+              <a:t>Software Inc is one of the leading software companies in the Netherland with it headquarters In Eindhoven.</a:t>
+            </a:r>
+            <a:endParaRPr sz="1100" dirty="0">
               <a:solidFill>
                 <a:srgbClr val="000000"/>
               </a:solidFill>
@@ -10120,14 +10110,14 @@
               <a:buNone/>
             </a:pPr>
             <a:r>
-              <a:rPr lang="en" sz="1100">
+              <a:rPr lang="en" sz="1100" dirty="0">
                 <a:solidFill>
                   <a:srgbClr val="000000"/>
                 </a:solidFill>
               </a:rPr>
               <a:t>The  company director and his team asked us to develop  a city traffic simulation applications.</a:t>
             </a:r>
-            <a:endParaRPr sz="1100">
+            <a:endParaRPr sz="1100" dirty="0">
               <a:solidFill>
                 <a:srgbClr val="000000"/>
               </a:solidFill>
@@ -10143,7 +10133,7 @@
               </a:spcAft>
               <a:buNone/>
             </a:pPr>
-            <a:endParaRPr/>
+            <a:endParaRPr dirty="0"/>
           </a:p>
           <a:p>
             <a:pPr marL="0" lvl="0" indent="0" algn="l" rtl="0">
@@ -10155,7 +10145,7 @@
               </a:spcAft>
               <a:buNone/>
             </a:pPr>
-            <a:endParaRPr/>
+            <a:endParaRPr dirty="0"/>
           </a:p>
           <a:p>
             <a:pPr marL="0" lvl="0" indent="0" algn="l" rtl="0">
@@ -10167,7 +10157,7 @@
               </a:spcAft>
               <a:buNone/>
             </a:pPr>
-            <a:endParaRPr/>
+            <a:endParaRPr dirty="0" smtClean="0"/>
           </a:p>
           <a:p>
             <a:pPr marL="0" lvl="0" indent="0" algn="l" rtl="0">
@@ -10179,7 +10169,7 @@
               </a:spcAft>
               <a:buNone/>
             </a:pPr>
-            <a:endParaRPr/>
+            <a:endParaRPr dirty="0"/>
           </a:p>
           <a:p>
             <a:pPr marL="0" lvl="0" indent="0" algn="l" rtl="0">
@@ -10191,7 +10181,7 @@
               </a:spcAft>
               <a:buNone/>
             </a:pPr>
-            <a:endParaRPr/>
+            <a:endParaRPr dirty="0"/>
           </a:p>
           <a:p>
             <a:pPr marL="0" lvl="0" indent="0" algn="l" rtl="0">
@@ -10199,183 +10189,11 @@
                 <a:spcPts val="1600"/>
               </a:spcBef>
               <a:spcAft>
-                <a:spcPts val="0"/>
+                <a:spcPts val="1600"/>
               </a:spcAft>
               <a:buNone/>
             </a:pPr>
-            <a:endParaRPr/>
-          </a:p>
-          <a:p>
-            <a:pPr marL="0" lvl="0" indent="0" algn="l" rtl="0">
-              <a:spcBef>
-                <a:spcPts val="1600"/>
-              </a:spcBef>
-              <a:spcAft>
-                <a:spcPts val="0"/>
-              </a:spcAft>
-              <a:buNone/>
-            </a:pPr>
-            <a:endParaRPr/>
-          </a:p>
-          <a:p>
-            <a:pPr marL="0" lvl="0" indent="0" algn="l" rtl="0">
-              <a:spcBef>
-                <a:spcPts val="1600"/>
-              </a:spcBef>
-              <a:spcAft>
-                <a:spcPts val="0"/>
-              </a:spcAft>
-              <a:buNone/>
-            </a:pPr>
-            <a:endParaRPr/>
-          </a:p>
-          <a:p>
-            <a:pPr marL="0" lvl="0" indent="0" algn="l" rtl="0">
-              <a:spcBef>
-                <a:spcPts val="1600"/>
-              </a:spcBef>
-              <a:spcAft>
-                <a:spcPts val="0"/>
-              </a:spcAft>
-              <a:buNone/>
-            </a:pPr>
-            <a:endParaRPr/>
-          </a:p>
-          <a:p>
-            <a:pPr marL="0" lvl="0" indent="0" algn="l" rtl="0">
-              <a:spcBef>
-                <a:spcPts val="1600"/>
-              </a:spcBef>
-              <a:spcAft>
-                <a:spcPts val="0"/>
-              </a:spcAft>
-              <a:buNone/>
-            </a:pPr>
-            <a:endParaRPr/>
-          </a:p>
-          <a:p>
-            <a:pPr marL="0" lvl="0" indent="0" algn="l" rtl="0">
-              <a:spcBef>
-                <a:spcPts val="1600"/>
-              </a:spcBef>
-              <a:spcAft>
-                <a:spcPts val="0"/>
-              </a:spcAft>
-              <a:buNone/>
-            </a:pPr>
-            <a:endParaRPr/>
-          </a:p>
-          <a:p>
-            <a:pPr marL="0" lvl="0" indent="0" algn="l" rtl="0">
-              <a:spcBef>
-                <a:spcPts val="1600"/>
-              </a:spcBef>
-              <a:spcAft>
-                <a:spcPts val="0"/>
-              </a:spcAft>
-              <a:buNone/>
-            </a:pPr>
-            <a:endParaRPr/>
-          </a:p>
-          <a:p>
-            <a:pPr marL="0" lvl="0" indent="0" algn="l" rtl="0">
-              <a:spcBef>
-                <a:spcPts val="1600"/>
-              </a:spcBef>
-              <a:spcAft>
-                <a:spcPts val="0"/>
-              </a:spcAft>
-              <a:buNone/>
-            </a:pPr>
-            <a:endParaRPr/>
-          </a:p>
-          <a:p>
-            <a:pPr marL="0" lvl="0" indent="0" algn="l" rtl="0">
-              <a:spcBef>
-                <a:spcPts val="1600"/>
-              </a:spcBef>
-              <a:spcAft>
-                <a:spcPts val="0"/>
-              </a:spcAft>
-              <a:buNone/>
-            </a:pPr>
-            <a:endParaRPr/>
-          </a:p>
-          <a:p>
-            <a:pPr marL="0" lvl="0" indent="0" algn="l" rtl="0">
-              <a:spcBef>
-                <a:spcPts val="1600"/>
-              </a:spcBef>
-              <a:spcAft>
-                <a:spcPts val="0"/>
-              </a:spcAft>
-              <a:buNone/>
-            </a:pPr>
-            <a:endParaRPr/>
-          </a:p>
-          <a:p>
-            <a:pPr marL="0" lvl="0" indent="0" algn="l" rtl="0">
-              <a:spcBef>
-                <a:spcPts val="1600"/>
-              </a:spcBef>
-              <a:spcAft>
-                <a:spcPts val="0"/>
-              </a:spcAft>
-              <a:buNone/>
-            </a:pPr>
-            <a:endParaRPr/>
-          </a:p>
-          <a:p>
-            <a:pPr marL="0" lvl="0" indent="0" algn="l" rtl="0">
-              <a:spcBef>
-                <a:spcPts val="1600"/>
-              </a:spcBef>
-              <a:spcAft>
-                <a:spcPts val="0"/>
-              </a:spcAft>
-              <a:buNone/>
-            </a:pPr>
-            <a:r>
-              <a:rPr lang="en"/>
-              <a:t>Project goal </a:t>
-            </a:r>
-            <a:endParaRPr/>
-          </a:p>
-          <a:p>
-            <a:pPr marL="0" lvl="0" indent="0" algn="l" rtl="0">
-              <a:spcBef>
-                <a:spcPts val="1600"/>
-              </a:spcBef>
-              <a:spcAft>
-                <a:spcPts val="0"/>
-              </a:spcAft>
-              <a:buNone/>
-            </a:pPr>
-            <a:endParaRPr/>
-          </a:p>
-          <a:p>
-            <a:pPr marL="0" lvl="0" indent="0" algn="l" rtl="0">
-              <a:spcBef>
-                <a:spcPts val="1600"/>
-              </a:spcBef>
-              <a:spcAft>
-                <a:spcPts val="0"/>
-              </a:spcAft>
-              <a:buNone/>
-            </a:pPr>
-            <a:endParaRPr/>
-          </a:p>
-          <a:p>
-            <a:pPr marL="0" lvl="0" indent="0" algn="l" rtl="0">
-              <a:spcBef>
-                <a:spcPts val="1600"/>
-              </a:spcBef>
-              <a:spcAft>
-                <a:spcPts val="1600"/>
-              </a:spcAft>
-              <a:buNone/>
-            </a:pPr>
-            <a:endParaRPr/>
+            <a:endParaRPr dirty="0"/>
           </a:p>
         </p:txBody>
       </p:sp>
@@ -10387,7 +10205,184 @@
 </p:sld>
 </file>
 
-<file path=ppt/slides/slide3.xml><?xml version="1.0" encoding="utf-8"?>
+<file path=ppt/slides/slide4.xml><?xml version="1.0" encoding="utf-8"?>
+<p:sld xmlns:a="http://schemas.openxmlformats.org/drawingml/2006/main" xmlns:r="http://schemas.openxmlformats.org/officeDocument/2006/relationships" xmlns:p="http://schemas.openxmlformats.org/presentationml/2006/main">
+  <p:cSld>
+    <p:spTree>
+      <p:nvGrpSpPr>
+        <p:cNvPr id="1" name=""/>
+        <p:cNvGrpSpPr/>
+        <p:nvPr/>
+      </p:nvGrpSpPr>
+      <p:grpSpPr>
+        <a:xfrm>
+          <a:off x="0" y="0"/>
+          <a:ext cx="0" cy="0"/>
+          <a:chOff x="0" y="0"/>
+          <a:chExt cx="0" cy="0"/>
+        </a:xfrm>
+      </p:grpSpPr>
+      <p:sp>
+        <p:nvSpPr>
+          <p:cNvPr id="2" name="Title 1"/>
+          <p:cNvSpPr>
+            <a:spLocks noGrp="1"/>
+          </p:cNvSpPr>
+          <p:nvPr>
+            <p:ph type="ctrTitle"/>
+          </p:nvPr>
+        </p:nvSpPr>
+        <p:spPr>
+          <a:xfrm>
+            <a:off x="1873334" y="1062053"/>
+            <a:ext cx="5361300" cy="730171"/>
+          </a:xfrm>
+        </p:spPr>
+        <p:txBody>
+          <a:bodyPr/>
+          <a:lstStyle/>
+          <a:p>
+            <a:r>
+              <a:rPr lang="en-US" sz="4000" dirty="0"/>
+              <a:t>Project goal</a:t>
+            </a:r>
+            <a:endParaRPr lang="en-US" dirty="0"/>
+          </a:p>
+        </p:txBody>
+      </p:sp>
+      <p:sp>
+        <p:nvSpPr>
+          <p:cNvPr id="3" name="Subtitle 2"/>
+          <p:cNvSpPr>
+            <a:spLocks noGrp="1"/>
+          </p:cNvSpPr>
+          <p:nvPr>
+            <p:ph type="subTitle" idx="1"/>
+          </p:nvPr>
+        </p:nvSpPr>
+        <p:spPr>
+          <a:xfrm>
+            <a:off x="811987" y="1894637"/>
+            <a:ext cx="7615123" cy="2421331"/>
+          </a:xfrm>
+        </p:spPr>
+        <p:txBody>
+          <a:bodyPr/>
+          <a:lstStyle/>
+          <a:p>
+            <a:pPr marL="0" lvl="0" indent="0" algn="l">
+              <a:lnSpc>
+                <a:spcPct val="115000"/>
+              </a:lnSpc>
+            </a:pPr>
+            <a:r>
+              <a:rPr lang="en-US" dirty="0">
+                <a:solidFill>
+                  <a:srgbClr val="000000"/>
+                </a:solidFill>
+              </a:rPr>
+              <a:t>Our goal is to develop / create a software solution for SIM Software Inc. This software package should be able to</a:t>
+            </a:r>
+          </a:p>
+          <a:p>
+            <a:pPr lvl="0" indent="-298450" algn="l">
+              <a:lnSpc>
+                <a:spcPct val="115000"/>
+              </a:lnSpc>
+              <a:spcBef>
+                <a:spcPts val="1000"/>
+              </a:spcBef>
+              <a:buClr>
+                <a:srgbClr val="000000"/>
+              </a:buClr>
+              <a:buSzPts val="1100"/>
+              <a:buAutoNum type="arabicPeriod"/>
+            </a:pPr>
+            <a:r>
+              <a:rPr lang="en-US" dirty="0">
+                <a:solidFill>
+                  <a:srgbClr val="000000"/>
+                </a:solidFill>
+              </a:rPr>
+              <a:t>Configure the roads and crossings in a city to simulate traffic and pedestrian flow.</a:t>
+            </a:r>
+          </a:p>
+          <a:p>
+            <a:pPr lvl="0" indent="-298450" algn="l">
+              <a:lnSpc>
+                <a:spcPct val="115000"/>
+              </a:lnSpc>
+              <a:spcBef>
+                <a:spcPts val="1000"/>
+              </a:spcBef>
+              <a:buClr>
+                <a:srgbClr val="000000"/>
+              </a:buClr>
+              <a:buSzPts val="1100"/>
+              <a:buAutoNum type="arabicPeriod"/>
+            </a:pPr>
+            <a:r>
+              <a:rPr lang="en-US" dirty="0">
+                <a:solidFill>
+                  <a:srgbClr val="000000"/>
+                </a:solidFill>
+              </a:rPr>
+              <a:t>The simulation provides the means to optimize the configuration of roads, crossings and traffic lights via statistics related to how the traffic resolves.  </a:t>
+            </a:r>
+          </a:p>
+          <a:p>
+            <a:pPr lvl="0" indent="-298450" algn="l">
+              <a:lnSpc>
+                <a:spcPct val="115000"/>
+              </a:lnSpc>
+              <a:spcBef>
+                <a:spcPts val="1000"/>
+              </a:spcBef>
+              <a:buClr>
+                <a:srgbClr val="000000"/>
+              </a:buClr>
+              <a:buSzPts val="1100"/>
+              <a:buAutoNum type="arabicPeriod"/>
+            </a:pPr>
+            <a:r>
+              <a:rPr lang="en-US" dirty="0">
+                <a:solidFill>
+                  <a:srgbClr val="000000"/>
+                </a:solidFill>
+              </a:rPr>
+              <a:t>It should be possible to store simulation models and results in a file or database, and -load previously stored models and results from that file or database.</a:t>
+            </a:r>
+          </a:p>
+          <a:p>
+            <a:pPr marL="0" lvl="0" indent="0" algn="l">
+              <a:spcBef>
+                <a:spcPts val="1000"/>
+              </a:spcBef>
+              <a:spcAft>
+                <a:spcPts val="1600"/>
+              </a:spcAft>
+            </a:pPr>
+            <a:endParaRPr lang="en-US" dirty="0"/>
+          </a:p>
+          <a:p>
+            <a:endParaRPr lang="en-US" dirty="0"/>
+          </a:p>
+        </p:txBody>
+      </p:sp>
+    </p:spTree>
+    <p:extLst>
+      <p:ext uri="{BB962C8B-B14F-4D97-AF65-F5344CB8AC3E}">
+        <p14:creationId xmlns:p14="http://schemas.microsoft.com/office/powerpoint/2010/main" val="1215713857"/>
+      </p:ext>
+    </p:extLst>
+  </p:cSld>
+  <p:clrMapOvr>
+    <a:masterClrMapping/>
+  </p:clrMapOvr>
+</p:sld>
+</file>
+
+<file path=ppt/slides/slide5.xml><?xml version="1.0" encoding="utf-8"?>
 <p:sld xmlns:a="http://schemas.openxmlformats.org/drawingml/2006/main" xmlns:r="http://schemas.openxmlformats.org/officeDocument/2006/relationships" xmlns:p="http://schemas.openxmlformats.org/presentationml/2006/main">
   <p:cSld>
     <p:spTree>
@@ -10429,31 +10424,11 @@
           </a:bodyPr>
           <a:lstStyle/>
           <a:p>
-            <a:pPr marL="0" lvl="0" indent="0" algn="ctr" rtl="0">
-              <a:lnSpc>
-                <a:spcPct val="115000"/>
-              </a:lnSpc>
-              <a:spcBef>
-                <a:spcPts val="0"/>
-              </a:spcBef>
-              <a:spcAft>
-                <a:spcPts val="1000"/>
-              </a:spcAft>
-              <a:buNone/>
-            </a:pPr>
+            <a:pPr marL="488950" indent="-342900"/>
             <a:r>
-              <a:rPr lang="en" sz="1800" b="1">
-                <a:solidFill>
-                  <a:srgbClr val="000000"/>
-                </a:solidFill>
-                <a:latin typeface="Calibri"/>
-                <a:ea typeface="Calibri"/>
-                <a:cs typeface="Calibri"/>
-                <a:sym typeface="Calibri"/>
-              </a:rPr>
-              <a:t>Our goal </a:t>
+              <a:rPr lang="en-US" sz="1800" dirty="0"/>
+              <a:t>Project deliverables</a:t>
             </a:r>
-            <a:endParaRPr sz="1800" b="1"/>
           </a:p>
         </p:txBody>
       </p:sp>
@@ -10482,124 +10457,63 @@
           </a:bodyPr>
           <a:lstStyle/>
           <a:p>
-            <a:pPr marL="0" lvl="0" indent="0" algn="l" rtl="0">
-              <a:lnSpc>
-                <a:spcPct val="115000"/>
-              </a:lnSpc>
-              <a:spcBef>
-                <a:spcPts val="0"/>
-              </a:spcBef>
-              <a:spcAft>
-                <a:spcPts val="0"/>
-              </a:spcAft>
+            <a:pPr marL="0" lvl="0" indent="0" algn="ctr">
+              <a:spcBef>
+                <a:spcPts val="1000"/>
+              </a:spcBef>
               <a:buNone/>
             </a:pPr>
             <a:r>
-              <a:rPr lang="en" sz="1100">
+              <a:rPr lang="en-US" sz="2400" dirty="0">
+                <a:solidFill>
+                  <a:srgbClr val="5B9BD5"/>
+                </a:solidFill>
+              </a:rPr>
+              <a:t>At the end of this project we are expected to deliver</a:t>
+            </a:r>
+          </a:p>
+          <a:p>
+            <a:pPr marL="228600" lvl="0" indent="-298450">
+              <a:buClr>
+                <a:srgbClr val="000000"/>
+              </a:buClr>
+              <a:buSzPts val="1100"/>
+              <a:buFont typeface="Noto Sans Symbols"/>
+              <a:buChar char="●"/>
+            </a:pPr>
+            <a:r>
+              <a:rPr lang="en-US" sz="1400" dirty="0">
                 <a:solidFill>
                   <a:srgbClr val="000000"/>
                 </a:solidFill>
               </a:rPr>
-              <a:t>Our goal is to develop / create a software solution for SIM Software Inc. This software package should be able to</a:t>
+              <a:t>A working application (simulation software) in accordance with the project goals</a:t>
             </a:r>
-            <a:endParaRPr sz="1100">
-              <a:solidFill>
-                <a:srgbClr val="000000"/>
-              </a:solidFill>
-            </a:endParaRPr>
           </a:p>
           <a:p>
-            <a:pPr marL="457200" lvl="0" indent="-298450" algn="l" rtl="0">
-              <a:lnSpc>
-                <a:spcPct val="115000"/>
-              </a:lnSpc>
+            <a:pPr marL="228600" lvl="0" indent="-298450">
               <a:spcBef>
                 <a:spcPts val="1000"/>
               </a:spcBef>
               <a:spcAft>
-                <a:spcPts val="0"/>
+                <a:spcPts val="1000"/>
               </a:spcAft>
               <a:buClr>
                 <a:srgbClr val="000000"/>
               </a:buClr>
               <a:buSzPts val="1100"/>
-              <a:buAutoNum type="arabicPeriod"/>
+              <a:buFont typeface="Noto Sans Symbols"/>
+              <a:buChar char="●"/>
             </a:pPr>
             <a:r>
-              <a:rPr lang="en" sz="1100">
+              <a:rPr lang="en-US" sz="1400" dirty="0">
                 <a:solidFill>
                   <a:srgbClr val="000000"/>
                 </a:solidFill>
               </a:rPr>
-              <a:t>Configure the roads and crossings in a city to simulate traffic and pedestrian flow.</a:t>
+              <a:t>Documents that contains information about the requirements, the design of the system and the process.</a:t>
             </a:r>
-            <a:endParaRPr sz="1100">
-              <a:solidFill>
-                <a:srgbClr val="000000"/>
-              </a:solidFill>
-            </a:endParaRPr>
-          </a:p>
-          <a:p>
-            <a:pPr marL="457200" lvl="0" indent="-298450" algn="l" rtl="0">
-              <a:lnSpc>
-                <a:spcPct val="115000"/>
-              </a:lnSpc>
-              <a:spcBef>
-                <a:spcPts val="1000"/>
-              </a:spcBef>
-              <a:spcAft>
-                <a:spcPts val="0"/>
-              </a:spcAft>
-              <a:buClr>
-                <a:srgbClr val="000000"/>
-              </a:buClr>
-              <a:buSzPts val="1100"/>
-              <a:buAutoNum type="arabicPeriod"/>
-            </a:pPr>
-            <a:r>
-              <a:rPr lang="en" sz="1100">
-                <a:solidFill>
-                  <a:srgbClr val="000000"/>
-                </a:solidFill>
-              </a:rPr>
-              <a:t>The simulation provides the means to optimize the configuration of roads, crossings and traffic lights via statistics related to how the traffic resolves.  </a:t>
-            </a:r>
-            <a:endParaRPr sz="1100">
-              <a:solidFill>
-                <a:srgbClr val="000000"/>
-              </a:solidFill>
-            </a:endParaRPr>
-          </a:p>
-          <a:p>
-            <a:pPr marL="457200" lvl="0" indent="-298450" algn="l" rtl="0">
-              <a:lnSpc>
-                <a:spcPct val="115000"/>
-              </a:lnSpc>
-              <a:spcBef>
-                <a:spcPts val="1000"/>
-              </a:spcBef>
-              <a:spcAft>
-                <a:spcPts val="0"/>
-              </a:spcAft>
-              <a:buClr>
-                <a:srgbClr val="000000"/>
-              </a:buClr>
-              <a:buSzPts val="1100"/>
-              <a:buAutoNum type="arabicPeriod"/>
-            </a:pPr>
-            <a:r>
-              <a:rPr lang="en" sz="1100">
-                <a:solidFill>
-                  <a:srgbClr val="000000"/>
-                </a:solidFill>
-              </a:rPr>
-              <a:t>It should be possible to store simulation models and results in a file or database, and -load previously stored models and results from that file or database.</a:t>
-            </a:r>
-            <a:endParaRPr sz="1100">
-              <a:solidFill>
-                <a:srgbClr val="000000"/>
-              </a:solidFill>
-            </a:endParaRPr>
+            <a:endParaRPr lang="en-US" dirty="0"/>
           </a:p>
           <a:p>
             <a:pPr marL="0" lvl="0" indent="0" algn="l" rtl="0">
@@ -10611,7 +10525,7 @@
               </a:spcAft>
               <a:buNone/>
             </a:pPr>
-            <a:endParaRPr/>
+            <a:endParaRPr dirty="0"/>
           </a:p>
         </p:txBody>
       </p:sp>
@@ -10623,198 +10537,7 @@
 </p:sld>
 </file>
 
-<file path=ppt/slides/slide4.xml><?xml version="1.0" encoding="utf-8"?>
-<p:sld xmlns:a="http://schemas.openxmlformats.org/drawingml/2006/main" xmlns:r="http://schemas.openxmlformats.org/officeDocument/2006/relationships" xmlns:p="http://schemas.openxmlformats.org/presentationml/2006/main">
-  <p:cSld>
-    <p:spTree>
-      <p:nvGrpSpPr>
-        <p:cNvPr id="1" name="Shape 145"/>
-        <p:cNvGrpSpPr/>
-        <p:nvPr/>
-      </p:nvGrpSpPr>
-      <p:grpSpPr>
-        <a:xfrm>
-          <a:off x="0" y="0"/>
-          <a:ext cx="0" cy="0"/>
-          <a:chOff x="0" y="0"/>
-          <a:chExt cx="0" cy="0"/>
-        </a:xfrm>
-      </p:grpSpPr>
-      <p:sp>
-        <p:nvSpPr>
-          <p:cNvPr id="146" name="Google Shape;146;p16"/>
-          <p:cNvSpPr txBox="1">
-            <a:spLocks noGrp="1"/>
-          </p:cNvSpPr>
-          <p:nvPr>
-            <p:ph type="title"/>
-          </p:nvPr>
-        </p:nvSpPr>
-        <p:spPr>
-          <a:xfrm>
-            <a:off x="819150" y="866650"/>
-            <a:ext cx="7505700" cy="954600"/>
-          </a:xfrm>
-          <a:prstGeom prst="rect">
-            <a:avLst/>
-          </a:prstGeom>
-        </p:spPr>
-        <p:txBody>
-          <a:bodyPr spcFirstLastPara="1" wrap="square" lIns="91425" tIns="91425" rIns="91425" bIns="91425" anchor="t" anchorCtr="0">
-            <a:noAutofit/>
-          </a:bodyPr>
-          <a:lstStyle/>
-          <a:p>
-            <a:pPr marL="0" lvl="0" indent="0" algn="ctr" rtl="0">
-              <a:lnSpc>
-                <a:spcPct val="115000"/>
-              </a:lnSpc>
-              <a:spcBef>
-                <a:spcPts val="1000"/>
-              </a:spcBef>
-              <a:spcAft>
-                <a:spcPts val="0"/>
-              </a:spcAft>
-              <a:buNone/>
-            </a:pPr>
-            <a:r>
-              <a:rPr lang="en" sz="2400" b="1">
-                <a:solidFill>
-                  <a:srgbClr val="5B9BD5"/>
-                </a:solidFill>
-                <a:latin typeface="Calibri"/>
-                <a:ea typeface="Calibri"/>
-                <a:cs typeface="Calibri"/>
-                <a:sym typeface="Calibri"/>
-              </a:rPr>
-              <a:t> Deliverables </a:t>
-            </a:r>
-            <a:endParaRPr sz="2400" b="1"/>
-          </a:p>
-        </p:txBody>
-      </p:sp>
-      <p:sp>
-        <p:nvSpPr>
-          <p:cNvPr id="147" name="Google Shape;147;p16"/>
-          <p:cNvSpPr txBox="1">
-            <a:spLocks noGrp="1"/>
-          </p:cNvSpPr>
-          <p:nvPr>
-            <p:ph type="body" idx="1"/>
-          </p:nvPr>
-        </p:nvSpPr>
-        <p:spPr>
-          <a:xfrm>
-            <a:off x="819150" y="1747500"/>
-            <a:ext cx="7505700" cy="1648500"/>
-          </a:xfrm>
-          <a:prstGeom prst="rect">
-            <a:avLst/>
-          </a:prstGeom>
-        </p:spPr>
-        <p:txBody>
-          <a:bodyPr spcFirstLastPara="1" wrap="square" lIns="91425" tIns="91425" rIns="91425" bIns="91425" anchor="t" anchorCtr="0">
-            <a:noAutofit/>
-          </a:bodyPr>
-          <a:lstStyle/>
-          <a:p>
-            <a:pPr marL="0" lvl="0" indent="0" algn="ctr" rtl="0">
-              <a:lnSpc>
-                <a:spcPct val="115000"/>
-              </a:lnSpc>
-              <a:spcBef>
-                <a:spcPts val="1000"/>
-              </a:spcBef>
-              <a:spcAft>
-                <a:spcPts val="0"/>
-              </a:spcAft>
-              <a:buNone/>
-            </a:pPr>
-            <a:r>
-              <a:rPr lang="en" sz="1800">
-                <a:solidFill>
-                  <a:srgbClr val="5B9BD5"/>
-                </a:solidFill>
-              </a:rPr>
-              <a:t>At the end of this project we are expected to deliver</a:t>
-            </a:r>
-            <a:endParaRPr sz="1800">
-              <a:solidFill>
-                <a:srgbClr val="5B9BD5"/>
-              </a:solidFill>
-            </a:endParaRPr>
-          </a:p>
-          <a:p>
-            <a:pPr marL="228600" lvl="0" indent="-298450" algn="l" rtl="0">
-              <a:lnSpc>
-                <a:spcPct val="115000"/>
-              </a:lnSpc>
-              <a:spcBef>
-                <a:spcPts val="0"/>
-              </a:spcBef>
-              <a:spcAft>
-                <a:spcPts val="0"/>
-              </a:spcAft>
-              <a:buClr>
-                <a:srgbClr val="000000"/>
-              </a:buClr>
-              <a:buSzPts val="1100"/>
-              <a:buFont typeface="Noto Sans Symbols"/>
-              <a:buChar char="●"/>
-            </a:pPr>
-            <a:r>
-              <a:rPr lang="en" sz="1100">
-                <a:solidFill>
-                  <a:srgbClr val="000000"/>
-                </a:solidFill>
-              </a:rPr>
-              <a:t>A working application (simulation software) in accordance with the project goals</a:t>
-            </a:r>
-            <a:endParaRPr sz="1100">
-              <a:solidFill>
-                <a:srgbClr val="000000"/>
-              </a:solidFill>
-            </a:endParaRPr>
-          </a:p>
-          <a:p>
-            <a:pPr marL="228600" lvl="0" indent="-298450" algn="l" rtl="0">
-              <a:lnSpc>
-                <a:spcPct val="115000"/>
-              </a:lnSpc>
-              <a:spcBef>
-                <a:spcPts val="1000"/>
-              </a:spcBef>
-              <a:spcAft>
-                <a:spcPts val="1000"/>
-              </a:spcAft>
-              <a:buClr>
-                <a:srgbClr val="000000"/>
-              </a:buClr>
-              <a:buSzPts val="1100"/>
-              <a:buFont typeface="Noto Sans Symbols"/>
-              <a:buChar char="●"/>
-            </a:pPr>
-            <a:r>
-              <a:rPr lang="en" sz="1100">
-                <a:solidFill>
-                  <a:srgbClr val="000000"/>
-                </a:solidFill>
-              </a:rPr>
-              <a:t>Documents that contains information about the requirements, the design of the system and the process.</a:t>
-            </a:r>
-            <a:endParaRPr/>
-          </a:p>
-        </p:txBody>
-      </p:sp>
-    </p:spTree>
-  </p:cSld>
-  <p:clrMapOvr>
-    <a:masterClrMapping/>
-  </p:clrMapOvr>
-</p:sld>
-</file>
-
-<file path=ppt/slides/slide5.xml><?xml version="1.0" encoding="utf-8"?>
+<file path=ppt/slides/slide6.xml><?xml version="1.0" encoding="utf-8"?>
 <p:sld xmlns:a="http://schemas.openxmlformats.org/drawingml/2006/main" xmlns:r="http://schemas.openxmlformats.org/officeDocument/2006/relationships" xmlns:p="http://schemas.openxmlformats.org/presentationml/2006/main">
   <p:cSld>
     <p:spTree>
@@ -10871,10 +10594,10 @@
               <a:buNone/>
             </a:pPr>
             <a:r>
-              <a:rPr lang="en"/>
+              <a:rPr lang="en" dirty="0"/>
               <a:t>Our process so far </a:t>
             </a:r>
-            <a:endParaRPr/>
+            <a:endParaRPr dirty="0"/>
           </a:p>
           <a:p>
             <a:pPr marL="0" lvl="0" indent="0" algn="l" rtl="0">
@@ -10886,7 +10609,7 @@
               </a:spcAft>
               <a:buNone/>
             </a:pPr>
-            <a:endParaRPr/>
+            <a:endParaRPr dirty="0"/>
           </a:p>
         </p:txBody>
       </p:sp>
@@ -10989,139 +10712,13 @@
   <p:clrMapOvr>
     <a:masterClrMapping/>
   </p:clrMapOvr>
-</p:sld>
-</file>
-
-<file path=ppt/slides/slide6.xml><?xml version="1.0" encoding="utf-8"?>
-<p:sld xmlns:a="http://schemas.openxmlformats.org/drawingml/2006/main" xmlns:r="http://schemas.openxmlformats.org/officeDocument/2006/relationships" xmlns:p="http://schemas.openxmlformats.org/presentationml/2006/main">
-  <p:cSld>
-    <p:spTree>
-      <p:nvGrpSpPr>
-        <p:cNvPr id="1" name="Shape 158"/>
-        <p:cNvGrpSpPr/>
-        <p:nvPr/>
-      </p:nvGrpSpPr>
-      <p:grpSpPr>
-        <a:xfrm>
-          <a:off x="0" y="0"/>
-          <a:ext cx="0" cy="0"/>
-          <a:chOff x="0" y="0"/>
-          <a:chExt cx="0" cy="0"/>
-        </a:xfrm>
-      </p:grpSpPr>
-      <p:sp>
-        <p:nvSpPr>
-          <p:cNvPr id="159" name="Google Shape;159;p18"/>
-          <p:cNvSpPr txBox="1">
-            <a:spLocks noGrp="1"/>
-          </p:cNvSpPr>
-          <p:nvPr>
-            <p:ph type="title"/>
-          </p:nvPr>
-        </p:nvSpPr>
-        <p:spPr>
-          <a:xfrm>
-            <a:off x="819150" y="845600"/>
-            <a:ext cx="7505700" cy="954600"/>
-          </a:xfrm>
-          <a:prstGeom prst="rect">
-            <a:avLst/>
-          </a:prstGeom>
-        </p:spPr>
-        <p:txBody>
-          <a:bodyPr spcFirstLastPara="1" wrap="square" lIns="91425" tIns="91425" rIns="91425" bIns="91425" anchor="t" anchorCtr="0">
-            <a:noAutofit/>
-          </a:bodyPr>
-          <a:lstStyle/>
-          <a:p>
-            <a:pPr marL="0" lvl="0" indent="0" algn="l" rtl="0">
-              <a:spcBef>
-                <a:spcPts val="0"/>
-              </a:spcBef>
-              <a:spcAft>
-                <a:spcPts val="0"/>
-              </a:spcAft>
-              <a:buNone/>
-            </a:pPr>
-            <a:r>
-              <a:rPr lang="en"/>
-              <a:t>Class description</a:t>
-            </a:r>
-            <a:endParaRPr/>
-          </a:p>
-        </p:txBody>
-      </p:sp>
-      <p:sp>
-        <p:nvSpPr>
-          <p:cNvPr id="160" name="Google Shape;160;p18"/>
-          <p:cNvSpPr txBox="1">
-            <a:spLocks noGrp="1"/>
-          </p:cNvSpPr>
-          <p:nvPr>
-            <p:ph type="body" idx="1"/>
-          </p:nvPr>
-        </p:nvSpPr>
-        <p:spPr>
-          <a:xfrm>
-            <a:off x="819150" y="1990725"/>
-            <a:ext cx="7505700" cy="2448000"/>
-          </a:xfrm>
-          <a:prstGeom prst="rect">
-            <a:avLst/>
-          </a:prstGeom>
-        </p:spPr>
-        <p:txBody>
-          <a:bodyPr spcFirstLastPara="1" wrap="square" lIns="91425" tIns="91425" rIns="91425" bIns="91425" anchor="t" anchorCtr="0">
-            <a:noAutofit/>
-          </a:bodyPr>
-          <a:lstStyle/>
-          <a:p>
-            <a:pPr marL="0" lvl="0" indent="0" algn="l" rtl="0">
-              <a:spcBef>
-                <a:spcPts val="0"/>
-              </a:spcBef>
-              <a:spcAft>
-                <a:spcPts val="0"/>
-              </a:spcAft>
-              <a:buNone/>
-            </a:pPr>
-            <a:r>
-              <a:rPr lang="en"/>
-              <a:t>Classes and their description</a:t>
-            </a:r>
-            <a:endParaRPr/>
-          </a:p>
-          <a:p>
-            <a:pPr marL="0" lvl="0" indent="0" algn="l" rtl="0">
-              <a:spcBef>
-                <a:spcPts val="1600"/>
-              </a:spcBef>
-              <a:spcAft>
-                <a:spcPts val="0"/>
-              </a:spcAft>
-              <a:buNone/>
-            </a:pPr>
-            <a:endParaRPr/>
-          </a:p>
-          <a:p>
-            <a:pPr marL="0" lvl="0" indent="0" algn="l" rtl="0">
-              <a:spcBef>
-                <a:spcPts val="1600"/>
-              </a:spcBef>
-              <a:spcAft>
-                <a:spcPts val="1600"/>
-              </a:spcAft>
-              <a:buNone/>
-            </a:pPr>
-            <a:endParaRPr/>
-          </a:p>
-        </p:txBody>
-      </p:sp>
-    </p:spTree>
-  </p:cSld>
-  <p:clrMapOvr>
-    <a:masterClrMapping/>
-  </p:clrMapOvr>
+  <p:timing>
+    <p:tnLst>
+      <p:par>
+        <p:cTn id="1" dur="indefinite" restart="never" nodeType="tmRoot"/>
+      </p:par>
+    </p:tnLst>
+  </p:timing>
 </p:sld>
 </file>
 
@@ -11177,8 +10774,8 @@
               <a:buNone/>
             </a:pPr>
             <a:r>
-              <a:rPr lang="en" dirty="0"/>
-              <a:t>First prototype</a:t>
+              <a:rPr lang="en" dirty="0" smtClean="0"/>
+              <a:t>Proof of concepts</a:t>
             </a:r>
             <a:endParaRPr dirty="0"/>
           </a:p>
@@ -11289,6 +10886,13 @@
   <p:clrMapOvr>
     <a:masterClrMapping/>
   </p:clrMapOvr>
+  <p:timing>
+    <p:tnLst>
+      <p:par>
+        <p:cTn id="1" dur="indefinite" restart="never" nodeType="tmRoot"/>
+      </p:par>
+    </p:tnLst>
+  </p:timing>
 </p:sld>
 </file>
 
@@ -11344,10 +10948,10 @@
               <a:buNone/>
             </a:pPr>
             <a:r>
-              <a:rPr lang="en"/>
+              <a:rPr lang="en" dirty="0"/>
               <a:t>Our plans for the remaining weeks</a:t>
             </a:r>
-            <a:endParaRPr/>
+            <a:endParaRPr dirty="0"/>
           </a:p>
         </p:txBody>
       </p:sp>
@@ -11414,6 +11018,13 @@
   <p:clrMapOvr>
     <a:masterClrMapping/>
   </p:clrMapOvr>
+  <p:timing>
+    <p:tnLst>
+      <p:par>
+        <p:cTn id="1" dur="indefinite" restart="never" nodeType="tmRoot"/>
+      </p:par>
+    </p:tnLst>
+  </p:timing>
 </p:sld>
 </file>
 
@@ -11472,7 +11083,7 @@
               <a:buNone/>
             </a:pPr>
             <a:r>
-              <a:rPr lang="en" sz="3600">
+              <a:rPr lang="en" sz="3600" dirty="0">
                 <a:solidFill>
                   <a:schemeClr val="dk2"/>
                 </a:solidFill>
@@ -11483,7 +11094,7 @@
               </a:rPr>
               <a:t>Conclusion</a:t>
             </a:r>
-            <a:endParaRPr sz="3600"/>
+            <a:endParaRPr sz="3600" dirty="0"/>
           </a:p>
         </p:txBody>
       </p:sp>
@@ -11512,7 +11123,7 @@
           </a:bodyPr>
           <a:lstStyle/>
           <a:p>
-            <a:pPr marL="0" lvl="0" indent="0" algn="l" rtl="0">
+            <a:pPr marL="0" lvl="0" indent="0" algn="ctr" rtl="0">
               <a:spcBef>
                 <a:spcPts val="0"/>
               </a:spcBef>
@@ -11522,10 +11133,10 @@
               <a:buNone/>
             </a:pPr>
             <a:r>
-              <a:rPr lang="en"/>
-              <a:t>Conclusion</a:t>
+              <a:rPr lang="en-US" sz="2000" dirty="0" smtClean="0"/>
+              <a:t>Thanks you for your kind attention</a:t>
             </a:r>
-            <a:endParaRPr/>
+            <a:endParaRPr sz="2000" dirty="0"/>
           </a:p>
         </p:txBody>
       </p:sp>

--- a/First_version_of_the_presentation.pptx
+++ b/First_version_of_the_presentation.pptx
@@ -267,7 +267,7 @@
   </p:defaultTextStyle>
   <p:extLst>
     <p:ext uri="{EFAFB233-063F-42B5-8137-9DF3F51BA10A}">
-      <p15:sldGuideLst xmlns="" xmlns:mc="http://schemas.openxmlformats.org/markup-compatibility/2006" xmlns:mv="urn:schemas-microsoft-com:mac:vml" xmlns:c="http://schemas.openxmlformats.org/drawingml/2006/chart" xmlns:dgm="http://schemas.openxmlformats.org/drawingml/2006/diagram" xmlns:o="urn:schemas-microsoft-com:office:office" xmlns:v="urn:schemas-microsoft-com:vml" xmlns:pvml="urn:schemas-microsoft-com:office:powerpoint" xmlns:com="http://schemas.openxmlformats.org/drawingml/2006/compatibility" xmlns:p14="http://schemas.microsoft.com/office/powerpoint/2010/main" xmlns:p15="http://schemas.microsoft.com/office/powerpoint/2012/main">
+      <p15:sldGuideLst xmlns:p15="http://schemas.microsoft.com/office/powerpoint/2012/main" xmlns:p14="http://schemas.microsoft.com/office/powerpoint/2010/main" xmlns:com="http://schemas.openxmlformats.org/drawingml/2006/compatibility" xmlns:pvml="urn:schemas-microsoft-com:office:powerpoint" xmlns:v="urn:schemas-microsoft-com:vml" xmlns:o="urn:schemas-microsoft-com:office:office" xmlns:dgm="http://schemas.openxmlformats.org/drawingml/2006/diagram" xmlns:c="http://schemas.openxmlformats.org/drawingml/2006/chart" xmlns:mv="urn:schemas-microsoft-com:mac:vml" xmlns:mc="http://schemas.openxmlformats.org/markup-compatibility/2006" xmlns="">
         <p15:guide id="1" orient="horz" pos="1620">
           <p15:clr>
             <a:srgbClr val="A4A3A4"/>
@@ -1135,7 +1135,7 @@
         </p:nvSpPr>
         <p:spPr>
           <a:xfrm>
-            <a:off x="381300" y="685800"/>
+            <a:off x="381000" y="685800"/>
             <a:ext cx="6096000" cy="3429000"/>
           </a:xfrm>
           <a:custGeom>
@@ -1343,7 +1343,7 @@
         </p:nvSpPr>
         <p:spPr>
           <a:xfrm>
-            <a:off x="381300" y="685800"/>
+            <a:off x="381000" y="685800"/>
             <a:ext cx="6096000" cy="3429000"/>
           </a:xfrm>
           <a:custGeom>
@@ -9928,11 +9928,7 @@
             </a:pPr>
             <a:r>
               <a:rPr lang="en-US" dirty="0" smtClean="0"/>
-              <a:t>Project </a:t>
-            </a:r>
-            <a:r>
-              <a:rPr lang="en-US" dirty="0" smtClean="0"/>
-              <a:t>deliverables</a:t>
+              <a:t>Project deliverables</a:t>
             </a:r>
           </a:p>
           <a:p>
@@ -9948,7 +9944,6 @@
               <a:rPr lang="en-US" dirty="0" smtClean="0"/>
               <a:t>far</a:t>
             </a:r>
-            <a:endParaRPr lang="en-US" dirty="0" smtClean="0"/>
           </a:p>
           <a:p>
             <a:pPr marL="488950" indent="-342900" algn="just">
@@ -9967,11 +9962,7 @@
             </a:pPr>
             <a:r>
               <a:rPr lang="en-US" dirty="0" smtClean="0"/>
-              <a:t>Our </a:t>
-            </a:r>
-            <a:r>
-              <a:rPr lang="en-US" dirty="0" smtClean="0"/>
-              <a:t>plans for the remaining weeks</a:t>
+              <a:t>Our plans for the remaining weeks</a:t>
             </a:r>
             <a:endParaRPr lang="en-US" dirty="0"/>
           </a:p>
@@ -10074,22 +10065,6 @@
               </a:spcAft>
               <a:buNone/>
             </a:pPr>
-            <a:r>
-              <a:rPr lang="en" sz="1100" dirty="0" smtClean="0">
-                <a:solidFill>
-                  <a:srgbClr val="000000"/>
-                </a:solidFill>
-              </a:rPr>
-              <a:t>SIM </a:t>
-            </a:r>
-            <a:r>
-              <a:rPr lang="en" sz="1100" dirty="0">
-                <a:solidFill>
-                  <a:srgbClr val="000000"/>
-                </a:solidFill>
-              </a:rPr>
-              <a:t>Software Inc is one of the leading software companies in the Netherland with it headquarters In Eindhoven.</a:t>
-            </a:r>
             <a:endParaRPr sz="1100" dirty="0">
               <a:solidFill>
                 <a:srgbClr val="000000"/>
@@ -10098,33 +10073,6 @@
           </a:p>
           <a:p>
             <a:pPr marL="0" lvl="0" indent="0" algn="l" rtl="0">
-              <a:lnSpc>
-                <a:spcPct val="115000"/>
-              </a:lnSpc>
-              <a:spcBef>
-                <a:spcPts val="1600"/>
-              </a:spcBef>
-              <a:spcAft>
-                <a:spcPts val="0"/>
-              </a:spcAft>
-              <a:buNone/>
-            </a:pPr>
-            <a:r>
-              <a:rPr lang="en" sz="1100" dirty="0">
-                <a:solidFill>
-                  <a:srgbClr val="000000"/>
-                </a:solidFill>
-              </a:rPr>
-              <a:t>The  company director and his team asked us to develop  a city traffic simulation applications.</a:t>
-            </a:r>
-            <a:endParaRPr sz="1100" dirty="0">
-              <a:solidFill>
-                <a:srgbClr val="000000"/>
-              </a:solidFill>
-            </a:endParaRPr>
-          </a:p>
-          <a:p>
-            <a:pPr marL="0" lvl="0" indent="0" algn="l" rtl="0">
               <a:spcBef>
                 <a:spcPts val="1000"/>
               </a:spcBef>
@@ -10194,6 +10142,85 @@
               <a:buNone/>
             </a:pPr>
             <a:endParaRPr dirty="0"/>
+          </a:p>
+        </p:txBody>
+      </p:sp>
+      <p:pic>
+        <p:nvPicPr>
+          <p:cNvPr id="1026" name="Picture 2" descr="C:\Users\Eng Dinga\Desktop\car traffic.JPG"/>
+          <p:cNvPicPr>
+            <a:picLocks noChangeAspect="1" noChangeArrowheads="1"/>
+          </p:cNvPicPr>
+          <p:nvPr/>
+        </p:nvPicPr>
+        <p:blipFill>
+          <a:blip r:embed="rId3">
+            <a:extLst>
+              <a:ext uri="{28A0092B-C50C-407E-A947-70E740481C1C}">
+                <a14:useLocalDpi xmlns:a14="http://schemas.microsoft.com/office/drawing/2010/main" val="0"/>
+              </a:ext>
+            </a:extLst>
+          </a:blip>
+          <a:srcRect/>
+          <a:stretch>
+            <a:fillRect/>
+          </a:stretch>
+        </p:blipFill>
+        <p:spPr bwMode="auto">
+          <a:xfrm>
+            <a:off x="2501799" y="1653235"/>
+            <a:ext cx="5530292" cy="2874874"/>
+          </a:xfrm>
+          <a:prstGeom prst="rect">
+            <a:avLst/>
+          </a:prstGeom>
+          <a:noFill/>
+          <a:extLst>
+            <a:ext uri="{909E8E84-426E-40DD-AFC4-6F175D3DCCD1}">
+              <a14:hiddenFill xmlns:a14="http://schemas.microsoft.com/office/drawing/2010/main">
+                <a:solidFill>
+                  <a:srgbClr val="FFFFFF"/>
+                </a:solidFill>
+              </a14:hiddenFill>
+            </a:ext>
+          </a:extLst>
+        </p:spPr>
+      </p:pic>
+      <p:sp>
+        <p:nvSpPr>
+          <p:cNvPr id="2" name="TextBox 1"/>
+          <p:cNvSpPr txBox="1"/>
+          <p:nvPr/>
+        </p:nvSpPr>
+        <p:spPr>
+          <a:xfrm>
+            <a:off x="980237" y="1865376"/>
+            <a:ext cx="1711758" cy="738664"/>
+          </a:xfrm>
+          <a:prstGeom prst="rect">
+            <a:avLst/>
+          </a:prstGeom>
+          <a:noFill/>
+        </p:spPr>
+        <p:txBody>
+          <a:bodyPr wrap="square" rtlCol="0">
+            <a:spAutoFit/>
+          </a:bodyPr>
+          <a:lstStyle/>
+          <a:p>
+            <a:r>
+              <a:rPr lang="en-US" dirty="0" smtClean="0"/>
+              <a:t>Car traffic</a:t>
+            </a:r>
+          </a:p>
+          <a:p>
+            <a:r>
+              <a:rPr lang="en-US" dirty="0" smtClean="0"/>
+              <a:t>problems in cities</a:t>
+            </a:r>
+          </a:p>
+          <a:p>
+            <a:endParaRPr lang="en-US" dirty="0"/>
           </a:p>
         </p:txBody>
       </p:sp>
@@ -10234,7 +10261,7 @@
         </p:nvSpPr>
         <p:spPr>
           <a:xfrm>
-            <a:off x="1873334" y="1062053"/>
+            <a:off x="1807497" y="725553"/>
             <a:ext cx="5361300" cy="730171"/>
           </a:xfrm>
         </p:spPr>
@@ -10262,8 +10289,8 @@
         </p:nvSpPr>
         <p:spPr>
           <a:xfrm>
-            <a:off x="811987" y="1894637"/>
-            <a:ext cx="7615123" cy="2421331"/>
+            <a:off x="811987" y="1455724"/>
+            <a:ext cx="3760013" cy="3394253"/>
           </a:xfrm>
         </p:spPr>
         <p:txBody>
@@ -10276,82 +10303,210 @@
               </a:lnSpc>
             </a:pPr>
             <a:r>
-              <a:rPr lang="en-US" dirty="0">
+              <a:rPr lang="en-US" dirty="0" smtClean="0">
                 <a:solidFill>
                   <a:srgbClr val="000000"/>
                 </a:solidFill>
               </a:rPr>
-              <a:t>Our goal is to develop / create a software solution for SIM Software Inc. This software package should be able to</a:t>
+              <a:t>   C</a:t>
             </a:r>
-          </a:p>
-          <a:p>
-            <a:pPr lvl="0" indent="-298450" algn="l">
-              <a:lnSpc>
-                <a:spcPct val="115000"/>
-              </a:lnSpc>
-              <a:spcBef>
-                <a:spcPts val="1000"/>
-              </a:spcBef>
-              <a:buClr>
-                <a:srgbClr val="000000"/>
-              </a:buClr>
-              <a:buSzPts val="1100"/>
-              <a:buAutoNum type="arabicPeriod"/>
-            </a:pPr>
+            <a:r>
+              <a:rPr lang="en-US" dirty="0" smtClean="0">
+                <a:solidFill>
+                  <a:srgbClr val="000000"/>
+                </a:solidFill>
+              </a:rPr>
+              <a:t>reate </a:t>
+            </a:r>
             <a:r>
               <a:rPr lang="en-US" dirty="0">
                 <a:solidFill>
                   <a:srgbClr val="000000"/>
                 </a:solidFill>
               </a:rPr>
-              <a:t>Configure the roads and crossings in a city to simulate traffic and pedestrian flow.</a:t>
+              <a:t>a software solution </a:t>
+            </a:r>
+            <a:r>
+              <a:rPr lang="en-US" dirty="0" smtClean="0">
+                <a:solidFill>
+                  <a:srgbClr val="000000"/>
+                </a:solidFill>
+              </a:rPr>
+              <a:t>.</a:t>
             </a:r>
           </a:p>
           <a:p>
-            <a:pPr lvl="0" indent="-298450" algn="l">
+            <a:pPr marL="0" lvl="0" indent="0" algn="l">
               <a:lnSpc>
                 <a:spcPct val="115000"/>
               </a:lnSpc>
-              <a:spcBef>
-                <a:spcPts val="1000"/>
-              </a:spcBef>
-              <a:buClr>
-                <a:srgbClr val="000000"/>
-              </a:buClr>
-              <a:buSzPts val="1100"/>
-              <a:buAutoNum type="arabicPeriod"/>
             </a:pPr>
+            <a:r>
+              <a:rPr lang="en-US" dirty="0" smtClean="0">
+                <a:solidFill>
+                  <a:srgbClr val="000000"/>
+                </a:solidFill>
+              </a:rPr>
+              <a:t>This </a:t>
+            </a:r>
             <a:r>
               <a:rPr lang="en-US" dirty="0">
                 <a:solidFill>
                   <a:srgbClr val="000000"/>
                 </a:solidFill>
               </a:rPr>
-              <a:t>The simulation provides the means to optimize the configuration of roads, crossings and traffic lights via statistics related to how the traffic resolves.  </a:t>
+              <a:t>software package </a:t>
             </a:r>
+            <a:r>
+              <a:rPr lang="en-US" dirty="0" smtClean="0">
+                <a:solidFill>
+                  <a:srgbClr val="000000"/>
+                </a:solidFill>
+              </a:rPr>
+              <a:t>should</a:t>
+            </a:r>
+            <a:endParaRPr lang="en-US" dirty="0" smtClean="0">
+              <a:solidFill>
+                <a:srgbClr val="000000"/>
+              </a:solidFill>
+            </a:endParaRPr>
           </a:p>
           <a:p>
-            <a:pPr lvl="0" indent="-298450" algn="l">
+            <a:pPr marL="285750" lvl="0" indent="-285750" algn="l">
               <a:lnSpc>
                 <a:spcPct val="115000"/>
               </a:lnSpc>
-              <a:spcBef>
-                <a:spcPts val="1000"/>
-              </a:spcBef>
-              <a:buClr>
-                <a:srgbClr val="000000"/>
-              </a:buClr>
-              <a:buSzPts val="1100"/>
-              <a:buAutoNum type="arabicPeriod"/>
+              <a:buFont typeface="Arial" charset="0"/>
+              <a:buChar char="•"/>
             </a:pPr>
+            <a:r>
+              <a:rPr lang="en-US" dirty="0" smtClean="0">
+                <a:solidFill>
+                  <a:srgbClr val="000000"/>
+                </a:solidFill>
+              </a:rPr>
+              <a:t>simulate </a:t>
+            </a:r>
             <a:r>
               <a:rPr lang="en-US" dirty="0">
                 <a:solidFill>
                   <a:srgbClr val="000000"/>
                 </a:solidFill>
               </a:rPr>
-              <a:t>It should be possible to store simulation models and results in a file or database, and -load previously stored models and results from that file or database.</a:t>
+              <a:t>traffic and pedestrian </a:t>
             </a:r>
+            <a:r>
+              <a:rPr lang="en-US" dirty="0" smtClean="0">
+                <a:solidFill>
+                  <a:srgbClr val="000000"/>
+                </a:solidFill>
+              </a:rPr>
+              <a:t>flow.</a:t>
+            </a:r>
+          </a:p>
+          <a:p>
+            <a:pPr marL="285750" lvl="0" indent="-285750" algn="l">
+              <a:lnSpc>
+                <a:spcPct val="115000"/>
+              </a:lnSpc>
+              <a:buFont typeface="Arial" charset="0"/>
+              <a:buChar char="•"/>
+            </a:pPr>
+            <a:r>
+              <a:rPr lang="en-US" dirty="0" smtClean="0">
+                <a:solidFill>
+                  <a:srgbClr val="000000"/>
+                </a:solidFill>
+              </a:rPr>
+              <a:t>optimize </a:t>
+            </a:r>
+            <a:r>
+              <a:rPr lang="en-US" dirty="0">
+                <a:solidFill>
+                  <a:srgbClr val="000000"/>
+                </a:solidFill>
+              </a:rPr>
+              <a:t>the configuration of roads, crossings and traffic lights via statistics related to how the traffic </a:t>
+            </a:r>
+            <a:r>
+              <a:rPr lang="en-US" dirty="0" smtClean="0">
+                <a:solidFill>
+                  <a:srgbClr val="000000"/>
+                </a:solidFill>
+              </a:rPr>
+              <a:t>resolves.</a:t>
+            </a:r>
+          </a:p>
+          <a:p>
+            <a:pPr marL="285750" lvl="0" indent="-285750" algn="l">
+              <a:lnSpc>
+                <a:spcPct val="115000"/>
+              </a:lnSpc>
+              <a:buFont typeface="Arial" charset="0"/>
+              <a:buChar char="•"/>
+            </a:pPr>
+            <a:r>
+              <a:rPr lang="en-US" dirty="0" smtClean="0">
+                <a:solidFill>
+                  <a:srgbClr val="000000"/>
+                </a:solidFill>
+              </a:rPr>
+              <a:t>store </a:t>
+            </a:r>
+            <a:r>
+              <a:rPr lang="en-US" dirty="0">
+                <a:solidFill>
+                  <a:srgbClr val="000000"/>
+                </a:solidFill>
+              </a:rPr>
+              <a:t>simulation models and results in a </a:t>
+            </a:r>
+            <a:r>
+              <a:rPr lang="en-US" dirty="0" smtClean="0">
+                <a:solidFill>
+                  <a:srgbClr val="000000"/>
+                </a:solidFill>
+              </a:rPr>
+              <a:t>file </a:t>
+            </a:r>
+          </a:p>
+          <a:p>
+            <a:pPr marL="285750" lvl="0" indent="-285750" algn="l">
+              <a:lnSpc>
+                <a:spcPct val="115000"/>
+              </a:lnSpc>
+              <a:buFont typeface="Arial" charset="0"/>
+              <a:buChar char="•"/>
+            </a:pPr>
+            <a:r>
+              <a:rPr lang="en-US" dirty="0" smtClean="0">
+                <a:solidFill>
+                  <a:srgbClr val="000000"/>
+                </a:solidFill>
+              </a:rPr>
+              <a:t>load previously stored </a:t>
+            </a:r>
+            <a:r>
+              <a:rPr lang="en-US" dirty="0">
+                <a:solidFill>
+                  <a:srgbClr val="000000"/>
+                </a:solidFill>
+              </a:rPr>
+              <a:t>models and results from that file </a:t>
+            </a:r>
+            <a:r>
+              <a:rPr lang="en-US" dirty="0">
+                <a:solidFill>
+                  <a:srgbClr val="000000"/>
+                </a:solidFill>
+              </a:rPr>
+              <a:t>.</a:t>
+            </a:r>
+            <a:endParaRPr lang="en-US" dirty="0">
+              <a:solidFill>
+                <a:srgbClr val="000000"/>
+              </a:solidFill>
+            </a:endParaRPr>
           </a:p>
           <a:p>
             <a:pPr marL="0" lvl="0" indent="0" algn="l">
@@ -10369,6 +10524,322 @@
           </a:p>
         </p:txBody>
       </p:sp>
+      <p:sp>
+        <p:nvSpPr>
+          <p:cNvPr id="4" name="Title 1"/>
+          <p:cNvSpPr txBox="1">
+            <a:spLocks/>
+          </p:cNvSpPr>
+          <p:nvPr/>
+        </p:nvSpPr>
+        <p:spPr>
+          <a:xfrm>
+            <a:off x="4572000" y="1543508"/>
+            <a:ext cx="3818534" cy="2611526"/>
+          </a:xfrm>
+          <a:prstGeom prst="rect">
+            <a:avLst/>
+          </a:prstGeom>
+          <a:noFill/>
+          <a:ln>
+            <a:noFill/>
+          </a:ln>
+        </p:spPr>
+        <p:txBody>
+          <a:bodyPr spcFirstLastPara="1" wrap="square" lIns="91425" tIns="91425" rIns="91425" bIns="91425" anchor="ctr" anchorCtr="0"/>
+          <a:lstStyle>
+            <a:defPPr marR="0" lvl="0" algn="l" rtl="0">
+              <a:lnSpc>
+                <a:spcPct val="100000"/>
+              </a:lnSpc>
+              <a:spcBef>
+                <a:spcPts val="0"/>
+              </a:spcBef>
+              <a:spcAft>
+                <a:spcPts val="0"/>
+              </a:spcAft>
+            </a:defPPr>
+            <a:lvl1pPr marR="0" lvl="0" algn="ctr" rtl="0">
+              <a:lnSpc>
+                <a:spcPct val="100000"/>
+              </a:lnSpc>
+              <a:spcBef>
+                <a:spcPts val="0"/>
+              </a:spcBef>
+              <a:spcAft>
+                <a:spcPts val="0"/>
+              </a:spcAft>
+              <a:buClr>
+                <a:schemeClr val="lt1"/>
+              </a:buClr>
+              <a:buSzPts val="3800"/>
+              <a:buFont typeface="Nunito"/>
+              <a:buNone/>
+              <a:defRPr sz="3800" b="0" i="0" u="none" strike="noStrike" cap="none">
+                <a:solidFill>
+                  <a:schemeClr val="lt1"/>
+                </a:solidFill>
+                <a:latin typeface="Nunito"/>
+                <a:ea typeface="Nunito"/>
+                <a:cs typeface="Nunito"/>
+                <a:sym typeface="Nunito"/>
+              </a:defRPr>
+            </a:lvl1pPr>
+            <a:lvl2pPr marR="0" lvl="1" algn="ctr" rtl="0">
+              <a:lnSpc>
+                <a:spcPct val="100000"/>
+              </a:lnSpc>
+              <a:spcBef>
+                <a:spcPts val="0"/>
+              </a:spcBef>
+              <a:spcAft>
+                <a:spcPts val="0"/>
+              </a:spcAft>
+              <a:buClr>
+                <a:schemeClr val="lt1"/>
+              </a:buClr>
+              <a:buSzPts val="3800"/>
+              <a:buFont typeface="Nunito"/>
+              <a:buNone/>
+              <a:defRPr sz="3800" b="0" i="0" u="none" strike="noStrike" cap="none">
+                <a:solidFill>
+                  <a:schemeClr val="lt1"/>
+                </a:solidFill>
+                <a:latin typeface="Nunito"/>
+                <a:ea typeface="Nunito"/>
+                <a:cs typeface="Nunito"/>
+                <a:sym typeface="Nunito"/>
+              </a:defRPr>
+            </a:lvl2pPr>
+            <a:lvl3pPr marR="0" lvl="2" algn="ctr" rtl="0">
+              <a:lnSpc>
+                <a:spcPct val="100000"/>
+              </a:lnSpc>
+              <a:spcBef>
+                <a:spcPts val="0"/>
+              </a:spcBef>
+              <a:spcAft>
+                <a:spcPts val="0"/>
+              </a:spcAft>
+              <a:buClr>
+                <a:schemeClr val="lt1"/>
+              </a:buClr>
+              <a:buSzPts val="3800"/>
+              <a:buFont typeface="Nunito"/>
+              <a:buNone/>
+              <a:defRPr sz="3800" b="0" i="0" u="none" strike="noStrike" cap="none">
+                <a:solidFill>
+                  <a:schemeClr val="lt1"/>
+                </a:solidFill>
+                <a:latin typeface="Nunito"/>
+                <a:ea typeface="Nunito"/>
+                <a:cs typeface="Nunito"/>
+                <a:sym typeface="Nunito"/>
+              </a:defRPr>
+            </a:lvl3pPr>
+            <a:lvl4pPr marR="0" lvl="3" algn="ctr" rtl="0">
+              <a:lnSpc>
+                <a:spcPct val="100000"/>
+              </a:lnSpc>
+              <a:spcBef>
+                <a:spcPts val="0"/>
+              </a:spcBef>
+              <a:spcAft>
+                <a:spcPts val="0"/>
+              </a:spcAft>
+              <a:buClr>
+                <a:schemeClr val="lt1"/>
+              </a:buClr>
+              <a:buSzPts val="3800"/>
+              <a:buFont typeface="Nunito"/>
+              <a:buNone/>
+              <a:defRPr sz="3800" b="0" i="0" u="none" strike="noStrike" cap="none">
+                <a:solidFill>
+                  <a:schemeClr val="lt1"/>
+                </a:solidFill>
+                <a:latin typeface="Nunito"/>
+                <a:ea typeface="Nunito"/>
+                <a:cs typeface="Nunito"/>
+                <a:sym typeface="Nunito"/>
+              </a:defRPr>
+            </a:lvl4pPr>
+            <a:lvl5pPr marR="0" lvl="4" algn="ctr" rtl="0">
+              <a:lnSpc>
+                <a:spcPct val="100000"/>
+              </a:lnSpc>
+              <a:spcBef>
+                <a:spcPts val="0"/>
+              </a:spcBef>
+              <a:spcAft>
+                <a:spcPts val="0"/>
+              </a:spcAft>
+              <a:buClr>
+                <a:schemeClr val="lt1"/>
+              </a:buClr>
+              <a:buSzPts val="3800"/>
+              <a:buFont typeface="Nunito"/>
+              <a:buNone/>
+              <a:defRPr sz="3800" b="0" i="0" u="none" strike="noStrike" cap="none">
+                <a:solidFill>
+                  <a:schemeClr val="lt1"/>
+                </a:solidFill>
+                <a:latin typeface="Nunito"/>
+                <a:ea typeface="Nunito"/>
+                <a:cs typeface="Nunito"/>
+                <a:sym typeface="Nunito"/>
+              </a:defRPr>
+            </a:lvl5pPr>
+            <a:lvl6pPr marR="0" lvl="5" algn="ctr" rtl="0">
+              <a:lnSpc>
+                <a:spcPct val="100000"/>
+              </a:lnSpc>
+              <a:spcBef>
+                <a:spcPts val="0"/>
+              </a:spcBef>
+              <a:spcAft>
+                <a:spcPts val="0"/>
+              </a:spcAft>
+              <a:buClr>
+                <a:schemeClr val="lt1"/>
+              </a:buClr>
+              <a:buSzPts val="3800"/>
+              <a:buFont typeface="Nunito"/>
+              <a:buNone/>
+              <a:defRPr sz="3800" b="0" i="0" u="none" strike="noStrike" cap="none">
+                <a:solidFill>
+                  <a:schemeClr val="lt1"/>
+                </a:solidFill>
+                <a:latin typeface="Nunito"/>
+                <a:ea typeface="Nunito"/>
+                <a:cs typeface="Nunito"/>
+                <a:sym typeface="Nunito"/>
+              </a:defRPr>
+            </a:lvl6pPr>
+            <a:lvl7pPr marR="0" lvl="6" algn="ctr" rtl="0">
+              <a:lnSpc>
+                <a:spcPct val="100000"/>
+              </a:lnSpc>
+              <a:spcBef>
+                <a:spcPts val="0"/>
+              </a:spcBef>
+              <a:spcAft>
+                <a:spcPts val="0"/>
+              </a:spcAft>
+              <a:buClr>
+                <a:schemeClr val="lt1"/>
+              </a:buClr>
+              <a:buSzPts val="3800"/>
+              <a:buFont typeface="Nunito"/>
+              <a:buNone/>
+              <a:defRPr sz="3800" b="0" i="0" u="none" strike="noStrike" cap="none">
+                <a:solidFill>
+                  <a:schemeClr val="lt1"/>
+                </a:solidFill>
+                <a:latin typeface="Nunito"/>
+                <a:ea typeface="Nunito"/>
+                <a:cs typeface="Nunito"/>
+                <a:sym typeface="Nunito"/>
+              </a:defRPr>
+            </a:lvl7pPr>
+            <a:lvl8pPr marR="0" lvl="7" algn="ctr" rtl="0">
+              <a:lnSpc>
+                <a:spcPct val="100000"/>
+              </a:lnSpc>
+              <a:spcBef>
+                <a:spcPts val="0"/>
+              </a:spcBef>
+              <a:spcAft>
+                <a:spcPts val="0"/>
+              </a:spcAft>
+              <a:buClr>
+                <a:schemeClr val="lt1"/>
+              </a:buClr>
+              <a:buSzPts val="3800"/>
+              <a:buFont typeface="Nunito"/>
+              <a:buNone/>
+              <a:defRPr sz="3800" b="0" i="0" u="none" strike="noStrike" cap="none">
+                <a:solidFill>
+                  <a:schemeClr val="lt1"/>
+                </a:solidFill>
+                <a:latin typeface="Nunito"/>
+                <a:ea typeface="Nunito"/>
+                <a:cs typeface="Nunito"/>
+                <a:sym typeface="Nunito"/>
+              </a:defRPr>
+            </a:lvl8pPr>
+            <a:lvl9pPr marR="0" lvl="8" algn="ctr" rtl="0">
+              <a:lnSpc>
+                <a:spcPct val="100000"/>
+              </a:lnSpc>
+              <a:spcBef>
+                <a:spcPts val="0"/>
+              </a:spcBef>
+              <a:spcAft>
+                <a:spcPts val="0"/>
+              </a:spcAft>
+              <a:buClr>
+                <a:schemeClr val="lt1"/>
+              </a:buClr>
+              <a:buSzPts val="3800"/>
+              <a:buFont typeface="Nunito"/>
+              <a:buNone/>
+              <a:defRPr sz="3800" b="0" i="0" u="none" strike="noStrike" cap="none">
+                <a:solidFill>
+                  <a:schemeClr val="lt1"/>
+                </a:solidFill>
+                <a:latin typeface="Nunito"/>
+                <a:ea typeface="Nunito"/>
+                <a:cs typeface="Nunito"/>
+                <a:sym typeface="Nunito"/>
+              </a:defRPr>
+            </a:lvl9pPr>
+          </a:lstStyle>
+          <a:p>
+            <a:endParaRPr lang="en-US" dirty="0"/>
+          </a:p>
+        </p:txBody>
+      </p:sp>
+      <p:pic>
+        <p:nvPicPr>
+          <p:cNvPr id="2050" name="Picture 2" descr="C:\Users\Eng Dinga\Desktop\maxresdefault.jpg"/>
+          <p:cNvPicPr>
+            <a:picLocks noChangeAspect="1" noChangeArrowheads="1"/>
+          </p:cNvPicPr>
+          <p:nvPr/>
+        </p:nvPicPr>
+        <p:blipFill>
+          <a:blip r:embed="rId2">
+            <a:extLst>
+              <a:ext uri="{28A0092B-C50C-407E-A947-70E740481C1C}">
+                <a14:useLocalDpi xmlns:a14="http://schemas.microsoft.com/office/drawing/2010/main" val="0"/>
+              </a:ext>
+            </a:extLst>
+          </a:blip>
+          <a:srcRect/>
+          <a:stretch>
+            <a:fillRect/>
+          </a:stretch>
+        </p:blipFill>
+        <p:spPr bwMode="auto">
+          <a:xfrm>
+            <a:off x="4678071" y="1543508"/>
+            <a:ext cx="3606392" cy="3189427"/>
+          </a:xfrm>
+          <a:prstGeom prst="rect">
+            <a:avLst/>
+          </a:prstGeom>
+          <a:noFill/>
+          <a:extLst>
+            <a:ext uri="{909E8E84-426E-40DD-AFC4-6F175D3DCCD1}">
+              <a14:hiddenFill xmlns:a14="http://schemas.microsoft.com/office/drawing/2010/main">
+                <a:solidFill>
+                  <a:srgbClr val="FFFFFF"/>
+                </a:solidFill>
+              </a14:hiddenFill>
+            </a:ext>
+          </a:extLst>
+        </p:spPr>
+      </p:pic>
     </p:spTree>
     <p:extLst>
       <p:ext uri="{BB962C8B-B14F-4D97-AF65-F5344CB8AC3E}">
@@ -10444,8 +10915,8 @@
         </p:nvSpPr>
         <p:spPr>
           <a:xfrm>
-            <a:off x="819150" y="1505675"/>
-            <a:ext cx="7505700" cy="2232300"/>
+            <a:off x="819150" y="1505674"/>
+            <a:ext cx="7505700" cy="2642043"/>
           </a:xfrm>
           <a:prstGeom prst="rect">
             <a:avLst/>
@@ -10511,7 +10982,47 @@
                   <a:srgbClr val="000000"/>
                 </a:solidFill>
               </a:rPr>
-              <a:t>Documents that contains information about the requirements, the design of the system and the process.</a:t>
+              <a:t>Documents that contains information about the </a:t>
+            </a:r>
+            <a:r>
+              <a:rPr lang="en-US" sz="1400" dirty="0" smtClean="0">
+                <a:solidFill>
+                  <a:srgbClr val="000000"/>
+                </a:solidFill>
+              </a:rPr>
+              <a:t> </a:t>
+            </a:r>
+            <a:r>
+              <a:rPr lang="en-US" sz="1400" dirty="0" smtClean="0">
+                <a:solidFill>
+                  <a:srgbClr val="000000"/>
+                </a:solidFill>
+              </a:rPr>
+              <a:t>requirements</a:t>
+            </a:r>
+            <a:r>
+              <a:rPr lang="en-US" sz="1400" dirty="0">
+                <a:solidFill>
+                  <a:srgbClr val="000000"/>
+                </a:solidFill>
+              </a:rPr>
+              <a:t>, </a:t>
+            </a:r>
+            <a:r>
+              <a:rPr lang="en-US" sz="1400" dirty="0" smtClean="0">
+                <a:solidFill>
+                  <a:srgbClr val="000000"/>
+                </a:solidFill>
+              </a:rPr>
+              <a:t>design </a:t>
+            </a:r>
+            <a:r>
+              <a:rPr lang="en-US" sz="1400" dirty="0">
+                <a:solidFill>
+                  <a:srgbClr val="000000"/>
+                </a:solidFill>
+              </a:rPr>
+              <a:t>of the system and the process.</a:t>
             </a:r>
             <a:endParaRPr lang="en-US" dirty="0"/>
           </a:p>
@@ -10695,7 +11206,7 @@
         </p:blipFill>
         <p:spPr>
           <a:xfrm>
-            <a:off x="523225" y="1318000"/>
+            <a:off x="523225" y="1347260"/>
             <a:ext cx="7865726" cy="3488175"/>
           </a:xfrm>
           <a:prstGeom prst="rect">
@@ -10968,7 +11479,7 @@
         <p:spPr>
           <a:xfrm>
             <a:off x="819150" y="1990725"/>
-            <a:ext cx="7505700" cy="2448000"/>
+            <a:ext cx="3313938" cy="2448000"/>
           </a:xfrm>
           <a:prstGeom prst="rect">
             <a:avLst/>
@@ -10981,6 +11492,9 @@
           <a:lstStyle/>
           <a:p>
             <a:pPr marL="0" lvl="0" indent="0" algn="l" rtl="0">
+              <a:lnSpc>
+                <a:spcPct val="200000"/>
+              </a:lnSpc>
               <a:spcBef>
                 <a:spcPts val="0"/>
               </a:spcBef>
@@ -10990,29 +11504,74 @@
               <a:buNone/>
             </a:pPr>
             <a:r>
-              <a:rPr lang="en"/>
-              <a:t>-How many weeks are remaining?</a:t>
+              <a:rPr lang="en" dirty="0" smtClean="0"/>
+              <a:t>Implement the remaining functionalities</a:t>
             </a:r>
-            <a:endParaRPr/>
           </a:p>
           <a:p>
             <a:pPr marL="0" lvl="0" indent="0" algn="l" rtl="0">
-              <a:spcBef>
-                <a:spcPts val="1600"/>
-              </a:spcBef>
-              <a:spcAft>
-                <a:spcPts val="1600"/>
+              <a:lnSpc>
+                <a:spcPct val="200000"/>
+              </a:lnSpc>
+              <a:spcBef>
+                <a:spcPts val="0"/>
+              </a:spcBef>
+              <a:spcAft>
+                <a:spcPts val="0"/>
               </a:spcAft>
               <a:buNone/>
             </a:pPr>
             <a:r>
-              <a:rPr lang="en"/>
-              <a:t>-What is remaining so far for the application to be complete.</a:t>
+              <a:rPr lang="en-US" dirty="0" smtClean="0"/>
+              <a:t>A</a:t>
             </a:r>
-            <a:endParaRPr/>
+            <a:r>
+              <a:rPr lang="en" dirty="0" smtClean="0"/>
+              <a:t>nd get a full application  that have the all the features that are discribed on our use case</a:t>
+            </a:r>
+            <a:endParaRPr dirty="0"/>
           </a:p>
         </p:txBody>
       </p:sp>
+      <p:pic>
+        <p:nvPicPr>
+          <p:cNvPr id="3074" name="Picture 2" descr="C:\Users\Eng Dinga\Desktop\images.jpg"/>
+          <p:cNvPicPr>
+            <a:picLocks noChangeAspect="1" noChangeArrowheads="1"/>
+          </p:cNvPicPr>
+          <p:nvPr/>
+        </p:nvPicPr>
+        <p:blipFill rotWithShape="1">
+          <a:blip r:embed="rId3">
+            <a:extLst>
+              <a:ext uri="{28A0092B-C50C-407E-A947-70E740481C1C}">
+                <a14:useLocalDpi xmlns:a14="http://schemas.microsoft.com/office/drawing/2010/main" val="0"/>
+              </a:ext>
+            </a:extLst>
+          </a:blip>
+          <a:srcRect b="9066"/>
+          <a:stretch/>
+        </p:blipFill>
+        <p:spPr bwMode="auto">
+          <a:xfrm>
+            <a:off x="4308653" y="1719072"/>
+            <a:ext cx="3957523" cy="2743199"/>
+          </a:xfrm>
+          <a:prstGeom prst="rect">
+            <a:avLst/>
+          </a:prstGeom>
+          <a:noFill/>
+          <a:extLst>
+            <a:ext uri="{909E8E84-426E-40DD-AFC4-6F175D3DCCD1}">
+              <a14:hiddenFill xmlns:a14="http://schemas.microsoft.com/office/drawing/2010/main">
+                <a:solidFill>
+                  <a:srgbClr val="FFFFFF"/>
+                </a:solidFill>
+              </a14:hiddenFill>
+            </a:ext>
+          </a:extLst>
+        </p:spPr>
+      </p:pic>
     </p:spTree>
   </p:cSld>
   <p:clrMapOvr>

--- a/First_version_of_the_presentation.pptx
+++ b/First_version_of_the_presentation.pptx
@@ -22,14 +22,14 @@
   <p:notesSz cx="6858000" cy="9144000"/>
   <p:embeddedFontLst>
     <p:embeddedFont>
-      <p:font typeface="Calibri" pitchFamily="34" charset="0"/>
+      <p:font typeface="Nunito" charset="0"/>
       <p:regular r:id="rId12"/>
       <p:bold r:id="rId13"/>
       <p:italic r:id="rId14"/>
       <p:boldItalic r:id="rId15"/>
     </p:embeddedFont>
     <p:embeddedFont>
-      <p:font typeface="Nunito" charset="0"/>
+      <p:font typeface="Calibri" pitchFamily="34" charset="0"/>
       <p:regular r:id="rId16"/>
       <p:bold r:id="rId17"/>
       <p:italic r:id="rId18"/>
@@ -9529,7 +9529,7 @@
               <a:buNone/>
             </a:pPr>
             <a:r>
-              <a:rPr lang="en" sz="3000">
+              <a:rPr lang="en" sz="3000" dirty="0">
                 <a:latin typeface="Times New Roman"/>
                 <a:ea typeface="Times New Roman"/>
                 <a:cs typeface="Times New Roman"/>
@@ -9537,7 +9537,7 @@
               </a:rPr>
               <a:t>FONTYS UNIVERSITY OF APPLIED SCIENCE DEPARTMENT OF ICT &amp; SOFTWARE </a:t>
             </a:r>
-            <a:endParaRPr sz="3000">
+            <a:endParaRPr sz="3000" dirty="0">
               <a:latin typeface="Times New Roman"/>
               <a:ea typeface="Times New Roman"/>
               <a:cs typeface="Times New Roman"/>
@@ -9787,18 +9787,10 @@
                   <a:srgbClr val="0070C0"/>
                 </a:solidFill>
               </a:rPr>
-              <a:t>Alessandro </a:t>
+              <a:t>Alessandro Sandor                   </a:t>
             </a:r>
             <a:r>
-              <a:rPr lang="en" sz="1100">
-                <a:solidFill>
-                  <a:srgbClr val="0070C0"/>
-                </a:solidFill>
-              </a:rPr>
-              <a:t>Sandor                   </a:t>
-            </a:r>
-            <a:r>
-              <a:rPr lang="en" sz="1100" smtClean="0">
+              <a:rPr lang="en" sz="1100" dirty="0" smtClean="0">
                 <a:solidFill>
                   <a:srgbClr val="0070C0"/>
                 </a:solidFill>
@@ -9834,6 +9826,578 @@
   <p:clrMapOvr>
     <a:masterClrMapping/>
   </p:clrMapOvr>
+  <mc:AlternateContent xmlns:mc="http://schemas.openxmlformats.org/markup-compatibility/2006">
+    <mc:Choice xmlns:p14="http://schemas.microsoft.com/office/powerpoint/2010/main" Requires="p14">
+      <p:transition spd="slow" p14:dur="800">
+        <p:circle/>
+      </p:transition>
+    </mc:Choice>
+    <mc:Fallback>
+      <p:transition spd="slow">
+        <p:circle/>
+      </p:transition>
+    </mc:Fallback>
+  </mc:AlternateContent>
+  <p:timing>
+    <p:tnLst>
+      <p:par>
+        <p:cTn id="1" dur="indefinite" restart="never" nodeType="tmRoot">
+          <p:childTnLst>
+            <p:seq concurrent="1" nextAc="seek">
+              <p:cTn id="2" dur="indefinite" nodeType="mainSeq">
+                <p:childTnLst>
+                  <p:par>
+                    <p:cTn id="3" fill="hold">
+                      <p:stCondLst>
+                        <p:cond delay="indefinite"/>
+                      </p:stCondLst>
+                      <p:childTnLst>
+                        <p:par>
+                          <p:cTn id="4" fill="hold">
+                            <p:stCondLst>
+                              <p:cond delay="0"/>
+                            </p:stCondLst>
+                            <p:childTnLst>
+                              <p:par>
+                                <p:cTn id="5" presetID="53" presetClass="entr" presetSubtype="16" fill="hold" grpId="0" nodeType="clickEffect">
+                                  <p:stCondLst>
+                                    <p:cond delay="0"/>
+                                  </p:stCondLst>
+                                  <p:childTnLst>
+                                    <p:set>
+                                      <p:cBhvr>
+                                        <p:cTn id="6" dur="1" fill="hold">
+                                          <p:stCondLst>
+                                            <p:cond delay="0"/>
+                                          </p:stCondLst>
+                                        </p:cTn>
+                                        <p:tgtEl>
+                                          <p:spTgt spid="128"/>
+                                        </p:tgtEl>
+                                        <p:attrNameLst>
+                                          <p:attrName>style.visibility</p:attrName>
+                                        </p:attrNameLst>
+                                      </p:cBhvr>
+                                      <p:to>
+                                        <p:strVal val="visible"/>
+                                      </p:to>
+                                    </p:set>
+                                    <p:anim calcmode="lin" valueType="num">
+                                      <p:cBhvr>
+                                        <p:cTn id="7" dur="500" fill="hold"/>
+                                        <p:tgtEl>
+                                          <p:spTgt spid="128"/>
+                                        </p:tgtEl>
+                                        <p:attrNameLst>
+                                          <p:attrName>ppt_w</p:attrName>
+                                        </p:attrNameLst>
+                                      </p:cBhvr>
+                                      <p:tavLst>
+                                        <p:tav tm="0">
+                                          <p:val>
+                                            <p:fltVal val="0"/>
+                                          </p:val>
+                                        </p:tav>
+                                        <p:tav tm="100000">
+                                          <p:val>
+                                            <p:strVal val="#ppt_w"/>
+                                          </p:val>
+                                        </p:tav>
+                                      </p:tavLst>
+                                    </p:anim>
+                                    <p:anim calcmode="lin" valueType="num">
+                                      <p:cBhvr>
+                                        <p:cTn id="8" dur="500" fill="hold"/>
+                                        <p:tgtEl>
+                                          <p:spTgt spid="128"/>
+                                        </p:tgtEl>
+                                        <p:attrNameLst>
+                                          <p:attrName>ppt_h</p:attrName>
+                                        </p:attrNameLst>
+                                      </p:cBhvr>
+                                      <p:tavLst>
+                                        <p:tav tm="0">
+                                          <p:val>
+                                            <p:fltVal val="0"/>
+                                          </p:val>
+                                        </p:tav>
+                                        <p:tav tm="100000">
+                                          <p:val>
+                                            <p:strVal val="#ppt_h"/>
+                                          </p:val>
+                                        </p:tav>
+                                      </p:tavLst>
+                                    </p:anim>
+                                    <p:animEffect transition="in" filter="fade">
+                                      <p:cBhvr>
+                                        <p:cTn id="9" dur="500"/>
+                                        <p:tgtEl>
+                                          <p:spTgt spid="128"/>
+                                        </p:tgtEl>
+                                      </p:cBhvr>
+                                    </p:animEffect>
+                                  </p:childTnLst>
+                                </p:cTn>
+                              </p:par>
+                            </p:childTnLst>
+                          </p:cTn>
+                        </p:par>
+                      </p:childTnLst>
+                    </p:cTn>
+                  </p:par>
+                  <p:par>
+                    <p:cTn id="10" fill="hold">
+                      <p:stCondLst>
+                        <p:cond delay="indefinite"/>
+                      </p:stCondLst>
+                      <p:childTnLst>
+                        <p:par>
+                          <p:cTn id="11" fill="hold">
+                            <p:stCondLst>
+                              <p:cond delay="0"/>
+                            </p:stCondLst>
+                            <p:childTnLst>
+                              <p:par>
+                                <p:cTn id="12" presetID="21" presetClass="entr" presetSubtype="1" fill="hold" grpId="0" nodeType="clickEffect">
+                                  <p:stCondLst>
+                                    <p:cond delay="0"/>
+                                  </p:stCondLst>
+                                  <p:childTnLst>
+                                    <p:set>
+                                      <p:cBhvr>
+                                        <p:cTn id="13" dur="1" fill="hold">
+                                          <p:stCondLst>
+                                            <p:cond delay="0"/>
+                                          </p:stCondLst>
+                                        </p:cTn>
+                                        <p:tgtEl>
+                                          <p:spTgt spid="129">
+                                            <p:txEl>
+                                              <p:pRg st="0" end="0"/>
+                                            </p:txEl>
+                                          </p:spTgt>
+                                        </p:tgtEl>
+                                        <p:attrNameLst>
+                                          <p:attrName>style.visibility</p:attrName>
+                                        </p:attrNameLst>
+                                      </p:cBhvr>
+                                      <p:to>
+                                        <p:strVal val="visible"/>
+                                      </p:to>
+                                    </p:set>
+                                    <p:animEffect transition="in" filter="wheel(1)">
+                                      <p:cBhvr>
+                                        <p:cTn id="14" dur="2000"/>
+                                        <p:tgtEl>
+                                          <p:spTgt spid="129">
+                                            <p:txEl>
+                                              <p:pRg st="0" end="0"/>
+                                            </p:txEl>
+                                          </p:spTgt>
+                                        </p:tgtEl>
+                                      </p:cBhvr>
+                                    </p:animEffect>
+                                  </p:childTnLst>
+                                </p:cTn>
+                              </p:par>
+                            </p:childTnLst>
+                          </p:cTn>
+                        </p:par>
+                      </p:childTnLst>
+                    </p:cTn>
+                  </p:par>
+                  <p:par>
+                    <p:cTn id="15" fill="hold">
+                      <p:stCondLst>
+                        <p:cond delay="indefinite"/>
+                      </p:stCondLst>
+                      <p:childTnLst>
+                        <p:par>
+                          <p:cTn id="16" fill="hold">
+                            <p:stCondLst>
+                              <p:cond delay="0"/>
+                            </p:stCondLst>
+                            <p:childTnLst>
+                              <p:par>
+                                <p:cTn id="17" presetID="21" presetClass="entr" presetSubtype="1" fill="hold" grpId="0" nodeType="clickEffect">
+                                  <p:stCondLst>
+                                    <p:cond delay="0"/>
+                                  </p:stCondLst>
+                                  <p:childTnLst>
+                                    <p:set>
+                                      <p:cBhvr>
+                                        <p:cTn id="18" dur="1" fill="hold">
+                                          <p:stCondLst>
+                                            <p:cond delay="0"/>
+                                          </p:stCondLst>
+                                        </p:cTn>
+                                        <p:tgtEl>
+                                          <p:spTgt spid="129">
+                                            <p:txEl>
+                                              <p:pRg st="1" end="1"/>
+                                            </p:txEl>
+                                          </p:spTgt>
+                                        </p:tgtEl>
+                                        <p:attrNameLst>
+                                          <p:attrName>style.visibility</p:attrName>
+                                        </p:attrNameLst>
+                                      </p:cBhvr>
+                                      <p:to>
+                                        <p:strVal val="visible"/>
+                                      </p:to>
+                                    </p:set>
+                                    <p:animEffect transition="in" filter="wheel(1)">
+                                      <p:cBhvr>
+                                        <p:cTn id="19" dur="2000"/>
+                                        <p:tgtEl>
+                                          <p:spTgt spid="129">
+                                            <p:txEl>
+                                              <p:pRg st="1" end="1"/>
+                                            </p:txEl>
+                                          </p:spTgt>
+                                        </p:tgtEl>
+                                      </p:cBhvr>
+                                    </p:animEffect>
+                                  </p:childTnLst>
+                                </p:cTn>
+                              </p:par>
+                            </p:childTnLst>
+                          </p:cTn>
+                        </p:par>
+                      </p:childTnLst>
+                    </p:cTn>
+                  </p:par>
+                  <p:par>
+                    <p:cTn id="20" fill="hold">
+                      <p:stCondLst>
+                        <p:cond delay="indefinite"/>
+                      </p:stCondLst>
+                      <p:childTnLst>
+                        <p:par>
+                          <p:cTn id="21" fill="hold">
+                            <p:stCondLst>
+                              <p:cond delay="0"/>
+                            </p:stCondLst>
+                            <p:childTnLst>
+                              <p:par>
+                                <p:cTn id="22" presetID="21" presetClass="entr" presetSubtype="1" fill="hold" grpId="0" nodeType="clickEffect">
+                                  <p:stCondLst>
+                                    <p:cond delay="0"/>
+                                  </p:stCondLst>
+                                  <p:childTnLst>
+                                    <p:set>
+                                      <p:cBhvr>
+                                        <p:cTn id="23" dur="1" fill="hold">
+                                          <p:stCondLst>
+                                            <p:cond delay="0"/>
+                                          </p:stCondLst>
+                                        </p:cTn>
+                                        <p:tgtEl>
+                                          <p:spTgt spid="129">
+                                            <p:txEl>
+                                              <p:pRg st="2" end="2"/>
+                                            </p:txEl>
+                                          </p:spTgt>
+                                        </p:tgtEl>
+                                        <p:attrNameLst>
+                                          <p:attrName>style.visibility</p:attrName>
+                                        </p:attrNameLst>
+                                      </p:cBhvr>
+                                      <p:to>
+                                        <p:strVal val="visible"/>
+                                      </p:to>
+                                    </p:set>
+                                    <p:animEffect transition="in" filter="wheel(1)">
+                                      <p:cBhvr>
+                                        <p:cTn id="24" dur="2000"/>
+                                        <p:tgtEl>
+                                          <p:spTgt spid="129">
+                                            <p:txEl>
+                                              <p:pRg st="2" end="2"/>
+                                            </p:txEl>
+                                          </p:spTgt>
+                                        </p:tgtEl>
+                                      </p:cBhvr>
+                                    </p:animEffect>
+                                  </p:childTnLst>
+                                </p:cTn>
+                              </p:par>
+                            </p:childTnLst>
+                          </p:cTn>
+                        </p:par>
+                      </p:childTnLst>
+                    </p:cTn>
+                  </p:par>
+                  <p:par>
+                    <p:cTn id="25" fill="hold">
+                      <p:stCondLst>
+                        <p:cond delay="indefinite"/>
+                      </p:stCondLst>
+                      <p:childTnLst>
+                        <p:par>
+                          <p:cTn id="26" fill="hold">
+                            <p:stCondLst>
+                              <p:cond delay="0"/>
+                            </p:stCondLst>
+                            <p:childTnLst>
+                              <p:par>
+                                <p:cTn id="27" presetID="21" presetClass="entr" presetSubtype="1" fill="hold" grpId="0" nodeType="clickEffect">
+                                  <p:stCondLst>
+                                    <p:cond delay="0"/>
+                                  </p:stCondLst>
+                                  <p:childTnLst>
+                                    <p:set>
+                                      <p:cBhvr>
+                                        <p:cTn id="28" dur="1" fill="hold">
+                                          <p:stCondLst>
+                                            <p:cond delay="0"/>
+                                          </p:stCondLst>
+                                        </p:cTn>
+                                        <p:tgtEl>
+                                          <p:spTgt spid="129">
+                                            <p:txEl>
+                                              <p:pRg st="3" end="3"/>
+                                            </p:txEl>
+                                          </p:spTgt>
+                                        </p:tgtEl>
+                                        <p:attrNameLst>
+                                          <p:attrName>style.visibility</p:attrName>
+                                        </p:attrNameLst>
+                                      </p:cBhvr>
+                                      <p:to>
+                                        <p:strVal val="visible"/>
+                                      </p:to>
+                                    </p:set>
+                                    <p:animEffect transition="in" filter="wheel(1)">
+                                      <p:cBhvr>
+                                        <p:cTn id="29" dur="2000"/>
+                                        <p:tgtEl>
+                                          <p:spTgt spid="129">
+                                            <p:txEl>
+                                              <p:pRg st="3" end="3"/>
+                                            </p:txEl>
+                                          </p:spTgt>
+                                        </p:tgtEl>
+                                      </p:cBhvr>
+                                    </p:animEffect>
+                                  </p:childTnLst>
+                                </p:cTn>
+                              </p:par>
+                            </p:childTnLst>
+                          </p:cTn>
+                        </p:par>
+                      </p:childTnLst>
+                    </p:cTn>
+                  </p:par>
+                  <p:par>
+                    <p:cTn id="30" fill="hold">
+                      <p:stCondLst>
+                        <p:cond delay="indefinite"/>
+                      </p:stCondLst>
+                      <p:childTnLst>
+                        <p:par>
+                          <p:cTn id="31" fill="hold">
+                            <p:stCondLst>
+                              <p:cond delay="0"/>
+                            </p:stCondLst>
+                            <p:childTnLst>
+                              <p:par>
+                                <p:cTn id="32" presetID="21" presetClass="entr" presetSubtype="1" fill="hold" grpId="0" nodeType="clickEffect">
+                                  <p:stCondLst>
+                                    <p:cond delay="0"/>
+                                  </p:stCondLst>
+                                  <p:childTnLst>
+                                    <p:set>
+                                      <p:cBhvr>
+                                        <p:cTn id="33" dur="1" fill="hold">
+                                          <p:stCondLst>
+                                            <p:cond delay="0"/>
+                                          </p:stCondLst>
+                                        </p:cTn>
+                                        <p:tgtEl>
+                                          <p:spTgt spid="129">
+                                            <p:txEl>
+                                              <p:pRg st="4" end="4"/>
+                                            </p:txEl>
+                                          </p:spTgt>
+                                        </p:tgtEl>
+                                        <p:attrNameLst>
+                                          <p:attrName>style.visibility</p:attrName>
+                                        </p:attrNameLst>
+                                      </p:cBhvr>
+                                      <p:to>
+                                        <p:strVal val="visible"/>
+                                      </p:to>
+                                    </p:set>
+                                    <p:animEffect transition="in" filter="wheel(1)">
+                                      <p:cBhvr>
+                                        <p:cTn id="34" dur="2000"/>
+                                        <p:tgtEl>
+                                          <p:spTgt spid="129">
+                                            <p:txEl>
+                                              <p:pRg st="4" end="4"/>
+                                            </p:txEl>
+                                          </p:spTgt>
+                                        </p:tgtEl>
+                                      </p:cBhvr>
+                                    </p:animEffect>
+                                  </p:childTnLst>
+                                </p:cTn>
+                              </p:par>
+                            </p:childTnLst>
+                          </p:cTn>
+                        </p:par>
+                      </p:childTnLst>
+                    </p:cTn>
+                  </p:par>
+                  <p:par>
+                    <p:cTn id="35" fill="hold">
+                      <p:stCondLst>
+                        <p:cond delay="indefinite"/>
+                      </p:stCondLst>
+                      <p:childTnLst>
+                        <p:par>
+                          <p:cTn id="36" fill="hold">
+                            <p:stCondLst>
+                              <p:cond delay="0"/>
+                            </p:stCondLst>
+                            <p:childTnLst>
+                              <p:par>
+                                <p:cTn id="37" presetID="21" presetClass="entr" presetSubtype="1" fill="hold" grpId="0" nodeType="clickEffect">
+                                  <p:stCondLst>
+                                    <p:cond delay="0"/>
+                                  </p:stCondLst>
+                                  <p:childTnLst>
+                                    <p:set>
+                                      <p:cBhvr>
+                                        <p:cTn id="38" dur="1" fill="hold">
+                                          <p:stCondLst>
+                                            <p:cond delay="0"/>
+                                          </p:stCondLst>
+                                        </p:cTn>
+                                        <p:tgtEl>
+                                          <p:spTgt spid="129">
+                                            <p:txEl>
+                                              <p:pRg st="5" end="5"/>
+                                            </p:txEl>
+                                          </p:spTgt>
+                                        </p:tgtEl>
+                                        <p:attrNameLst>
+                                          <p:attrName>style.visibility</p:attrName>
+                                        </p:attrNameLst>
+                                      </p:cBhvr>
+                                      <p:to>
+                                        <p:strVal val="visible"/>
+                                      </p:to>
+                                    </p:set>
+                                    <p:animEffect transition="in" filter="wheel(1)">
+                                      <p:cBhvr>
+                                        <p:cTn id="39" dur="2000"/>
+                                        <p:tgtEl>
+                                          <p:spTgt spid="129">
+                                            <p:txEl>
+                                              <p:pRg st="5" end="5"/>
+                                            </p:txEl>
+                                          </p:spTgt>
+                                        </p:tgtEl>
+                                      </p:cBhvr>
+                                    </p:animEffect>
+                                  </p:childTnLst>
+                                </p:cTn>
+                              </p:par>
+                            </p:childTnLst>
+                          </p:cTn>
+                        </p:par>
+                      </p:childTnLst>
+                    </p:cTn>
+                  </p:par>
+                  <p:par>
+                    <p:cTn id="40" fill="hold">
+                      <p:stCondLst>
+                        <p:cond delay="indefinite"/>
+                      </p:stCondLst>
+                      <p:childTnLst>
+                        <p:par>
+                          <p:cTn id="41" fill="hold">
+                            <p:stCondLst>
+                              <p:cond delay="0"/>
+                            </p:stCondLst>
+                            <p:childTnLst>
+                              <p:par>
+                                <p:cTn id="42" presetID="21" presetClass="entr" presetSubtype="1" fill="hold" grpId="0" nodeType="clickEffect">
+                                  <p:stCondLst>
+                                    <p:cond delay="0"/>
+                                  </p:stCondLst>
+                                  <p:childTnLst>
+                                    <p:set>
+                                      <p:cBhvr>
+                                        <p:cTn id="43" dur="1" fill="hold">
+                                          <p:stCondLst>
+                                            <p:cond delay="0"/>
+                                          </p:stCondLst>
+                                        </p:cTn>
+                                        <p:tgtEl>
+                                          <p:spTgt spid="129">
+                                            <p:txEl>
+                                              <p:pRg st="6" end="6"/>
+                                            </p:txEl>
+                                          </p:spTgt>
+                                        </p:tgtEl>
+                                        <p:attrNameLst>
+                                          <p:attrName>style.visibility</p:attrName>
+                                        </p:attrNameLst>
+                                      </p:cBhvr>
+                                      <p:to>
+                                        <p:strVal val="visible"/>
+                                      </p:to>
+                                    </p:set>
+                                    <p:animEffect transition="in" filter="wheel(1)">
+                                      <p:cBhvr>
+                                        <p:cTn id="44" dur="2000"/>
+                                        <p:tgtEl>
+                                          <p:spTgt spid="129">
+                                            <p:txEl>
+                                              <p:pRg st="6" end="6"/>
+                                            </p:txEl>
+                                          </p:spTgt>
+                                        </p:tgtEl>
+                                      </p:cBhvr>
+                                    </p:animEffect>
+                                  </p:childTnLst>
+                                </p:cTn>
+                              </p:par>
+                            </p:childTnLst>
+                          </p:cTn>
+                        </p:par>
+                      </p:childTnLst>
+                    </p:cTn>
+                  </p:par>
+                </p:childTnLst>
+              </p:cTn>
+              <p:prevCondLst>
+                <p:cond evt="onPrev" delay="0">
+                  <p:tgtEl>
+                    <p:sldTgt/>
+                  </p:tgtEl>
+                </p:cond>
+              </p:prevCondLst>
+              <p:nextCondLst>
+                <p:cond evt="onNext" delay="0">
+                  <p:tgtEl>
+                    <p:sldTgt/>
+                  </p:tgtEl>
+                </p:cond>
+              </p:nextCondLst>
+            </p:seq>
+          </p:childTnLst>
+        </p:cTn>
+      </p:par>
+    </p:tnLst>
+    <p:bldLst>
+      <p:bldP spid="128" grpId="0"/>
+      <p:bldP spid="129" grpId="0" build="p"/>
+    </p:bldLst>
+  </p:timing>
 </p:sld>
 </file>
 
@@ -9978,6 +10542,13 @@
   <p:clrMapOvr>
     <a:masterClrMapping/>
   </p:clrMapOvr>
+  <p:timing>
+    <p:tnLst>
+      <p:par>
+        <p:cTn id="1" dur="indefinite" restart="never" nodeType="tmRoot"/>
+      </p:par>
+    </p:tnLst>
+  </p:timing>
 </p:sld>
 </file>
 
@@ -10023,7 +10594,7 @@
           </a:bodyPr>
           <a:lstStyle/>
           <a:p>
-            <a:pPr marL="488950" indent="-342900"/>
+            <a:pPr marL="488950" indent="-342900" algn="ctr"/>
             <a:r>
               <a:rPr lang="en" dirty="0"/>
               <a:t>Problem statement</a:t>
@@ -10043,8 +10614,8 @@
         </p:nvSpPr>
         <p:spPr>
           <a:xfrm>
-            <a:off x="819150" y="1800200"/>
-            <a:ext cx="7505700" cy="2638500"/>
+            <a:off x="2370125" y="1800200"/>
+            <a:ext cx="5954724" cy="2638500"/>
           </a:xfrm>
           <a:prstGeom prst="rect">
             <a:avLst/>
@@ -10168,8 +10739,8 @@
         </p:blipFill>
         <p:spPr bwMode="auto">
           <a:xfrm>
-            <a:off x="2501799" y="1653235"/>
-            <a:ext cx="5530292" cy="2874874"/>
+            <a:off x="2026310" y="1653235"/>
+            <a:ext cx="6005781" cy="2874874"/>
           </a:xfrm>
           <a:prstGeom prst="rect">
             <a:avLst/>
@@ -10194,8 +10765,8 @@
         </p:nvSpPr>
         <p:spPr>
           <a:xfrm>
-            <a:off x="980237" y="1865376"/>
-            <a:ext cx="1711758" cy="738664"/>
+            <a:off x="321869" y="1806853"/>
+            <a:ext cx="1923898" cy="523220"/>
           </a:xfrm>
           <a:prstGeom prst="rect">
             <a:avLst/>
@@ -10210,13 +10781,7 @@
           <a:p>
             <a:r>
               <a:rPr lang="en-US" dirty="0" smtClean="0"/>
-              <a:t>Car traffic</a:t>
-            </a:r>
-          </a:p>
-          <a:p>
-            <a:r>
-              <a:rPr lang="en-US" dirty="0" smtClean="0"/>
-              <a:t>problems in cities</a:t>
+              <a:t>Car traffic in cities</a:t>
             </a:r>
           </a:p>
           <a:p>
@@ -10229,6 +10794,252 @@
   <p:clrMapOvr>
     <a:masterClrMapping/>
   </p:clrMapOvr>
+  <p:timing>
+    <p:tnLst>
+      <p:par>
+        <p:cTn id="1" dur="indefinite" restart="never" nodeType="tmRoot">
+          <p:childTnLst>
+            <p:seq concurrent="1" nextAc="seek">
+              <p:cTn id="2" dur="indefinite" nodeType="mainSeq">
+                <p:childTnLst>
+                  <p:par>
+                    <p:cTn id="3" fill="hold">
+                      <p:stCondLst>
+                        <p:cond delay="indefinite"/>
+                      </p:stCondLst>
+                      <p:childTnLst>
+                        <p:par>
+                          <p:cTn id="4" fill="hold">
+                            <p:stCondLst>
+                              <p:cond delay="0"/>
+                            </p:stCondLst>
+                            <p:childTnLst>
+                              <p:par>
+                                <p:cTn id="5" presetID="2" presetClass="entr" presetSubtype="4" fill="hold" nodeType="clickEffect">
+                                  <p:stCondLst>
+                                    <p:cond delay="0"/>
+                                  </p:stCondLst>
+                                  <p:childTnLst>
+                                    <p:set>
+                                      <p:cBhvr>
+                                        <p:cTn id="6" dur="1" fill="hold">
+                                          <p:stCondLst>
+                                            <p:cond delay="0"/>
+                                          </p:stCondLst>
+                                        </p:cTn>
+                                        <p:tgtEl>
+                                          <p:spTgt spid="1026"/>
+                                        </p:tgtEl>
+                                        <p:attrNameLst>
+                                          <p:attrName>style.visibility</p:attrName>
+                                        </p:attrNameLst>
+                                      </p:cBhvr>
+                                      <p:to>
+                                        <p:strVal val="visible"/>
+                                      </p:to>
+                                    </p:set>
+                                    <p:anim calcmode="lin" valueType="num">
+                                      <p:cBhvr additive="base">
+                                        <p:cTn id="7" dur="1500" fill="hold"/>
+                                        <p:tgtEl>
+                                          <p:spTgt spid="1026"/>
+                                        </p:tgtEl>
+                                        <p:attrNameLst>
+                                          <p:attrName>ppt_x</p:attrName>
+                                        </p:attrNameLst>
+                                      </p:cBhvr>
+                                      <p:tavLst>
+                                        <p:tav tm="0">
+                                          <p:val>
+                                            <p:strVal val="#ppt_x"/>
+                                          </p:val>
+                                        </p:tav>
+                                        <p:tav tm="100000">
+                                          <p:val>
+                                            <p:strVal val="#ppt_x"/>
+                                          </p:val>
+                                        </p:tav>
+                                      </p:tavLst>
+                                    </p:anim>
+                                    <p:anim calcmode="lin" valueType="num">
+                                      <p:cBhvr additive="base">
+                                        <p:cTn id="8" dur="1500" fill="hold"/>
+                                        <p:tgtEl>
+                                          <p:spTgt spid="1026"/>
+                                        </p:tgtEl>
+                                        <p:attrNameLst>
+                                          <p:attrName>ppt_y</p:attrName>
+                                        </p:attrNameLst>
+                                      </p:cBhvr>
+                                      <p:tavLst>
+                                        <p:tav tm="0">
+                                          <p:val>
+                                            <p:strVal val="1+#ppt_h/2"/>
+                                          </p:val>
+                                        </p:tav>
+                                        <p:tav tm="100000">
+                                          <p:val>
+                                            <p:strVal val="#ppt_y"/>
+                                          </p:val>
+                                        </p:tav>
+                                      </p:tavLst>
+                                    </p:anim>
+                                  </p:childTnLst>
+                                </p:cTn>
+                              </p:par>
+                            </p:childTnLst>
+                          </p:cTn>
+                        </p:par>
+                      </p:childTnLst>
+                    </p:cTn>
+                  </p:par>
+                  <p:par>
+                    <p:cTn id="9" fill="hold">
+                      <p:stCondLst>
+                        <p:cond delay="indefinite"/>
+                      </p:stCondLst>
+                      <p:childTnLst>
+                        <p:par>
+                          <p:cTn id="10" fill="hold">
+                            <p:stCondLst>
+                              <p:cond delay="0"/>
+                            </p:stCondLst>
+                            <p:childTnLst>
+                              <p:par>
+                                <p:cTn id="11" presetID="31" presetClass="entr" presetSubtype="0" fill="hold" grpId="0" nodeType="clickEffect">
+                                  <p:stCondLst>
+                                    <p:cond delay="0"/>
+                                  </p:stCondLst>
+                                  <p:childTnLst>
+                                    <p:set>
+                                      <p:cBhvr>
+                                        <p:cTn id="12" dur="1" fill="hold">
+                                          <p:stCondLst>
+                                            <p:cond delay="0"/>
+                                          </p:stCondLst>
+                                        </p:cTn>
+                                        <p:tgtEl>
+                                          <p:spTgt spid="134"/>
+                                        </p:tgtEl>
+                                        <p:attrNameLst>
+                                          <p:attrName>style.visibility</p:attrName>
+                                        </p:attrNameLst>
+                                      </p:cBhvr>
+                                      <p:to>
+                                        <p:strVal val="visible"/>
+                                      </p:to>
+                                    </p:set>
+                                    <p:anim calcmode="lin" valueType="num">
+                                      <p:cBhvr>
+                                        <p:cTn id="13" dur="1000" fill="hold"/>
+                                        <p:tgtEl>
+                                          <p:spTgt spid="134"/>
+                                        </p:tgtEl>
+                                        <p:attrNameLst>
+                                          <p:attrName>ppt_w</p:attrName>
+                                        </p:attrNameLst>
+                                      </p:cBhvr>
+                                      <p:tavLst>
+                                        <p:tav tm="0">
+                                          <p:val>
+                                            <p:fltVal val="0"/>
+                                          </p:val>
+                                        </p:tav>
+                                        <p:tav tm="100000">
+                                          <p:val>
+                                            <p:strVal val="#ppt_w"/>
+                                          </p:val>
+                                        </p:tav>
+                                      </p:tavLst>
+                                    </p:anim>
+                                    <p:anim calcmode="lin" valueType="num">
+                                      <p:cBhvr>
+                                        <p:cTn id="14" dur="1000" fill="hold"/>
+                                        <p:tgtEl>
+                                          <p:spTgt spid="134"/>
+                                        </p:tgtEl>
+                                        <p:attrNameLst>
+                                          <p:attrName>ppt_h</p:attrName>
+                                        </p:attrNameLst>
+                                      </p:cBhvr>
+                                      <p:tavLst>
+                                        <p:tav tm="0">
+                                          <p:val>
+                                            <p:fltVal val="0"/>
+                                          </p:val>
+                                        </p:tav>
+                                        <p:tav tm="100000">
+                                          <p:val>
+                                            <p:strVal val="#ppt_h"/>
+                                          </p:val>
+                                        </p:tav>
+                                      </p:tavLst>
+                                    </p:anim>
+                                    <p:anim calcmode="lin" valueType="num">
+                                      <p:cBhvr>
+                                        <p:cTn id="15" dur="1000" fill="hold"/>
+                                        <p:tgtEl>
+                                          <p:spTgt spid="134"/>
+                                        </p:tgtEl>
+                                        <p:attrNameLst>
+                                          <p:attrName>style.rotation</p:attrName>
+                                        </p:attrNameLst>
+                                      </p:cBhvr>
+                                      <p:tavLst>
+                                        <p:tav tm="0">
+                                          <p:val>
+                                            <p:fltVal val="90"/>
+                                          </p:val>
+                                        </p:tav>
+                                        <p:tav tm="100000">
+                                          <p:val>
+                                            <p:fltVal val="0"/>
+                                          </p:val>
+                                        </p:tav>
+                                      </p:tavLst>
+                                    </p:anim>
+                                    <p:animEffect transition="in" filter="fade">
+                                      <p:cBhvr>
+                                        <p:cTn id="16" dur="1000"/>
+                                        <p:tgtEl>
+                                          <p:spTgt spid="134"/>
+                                        </p:tgtEl>
+                                      </p:cBhvr>
+                                    </p:animEffect>
+                                  </p:childTnLst>
+                                </p:cTn>
+                              </p:par>
+                            </p:childTnLst>
+                          </p:cTn>
+                        </p:par>
+                      </p:childTnLst>
+                    </p:cTn>
+                  </p:par>
+                </p:childTnLst>
+              </p:cTn>
+              <p:prevCondLst>
+                <p:cond evt="onPrev" delay="0">
+                  <p:tgtEl>
+                    <p:sldTgt/>
+                  </p:tgtEl>
+                </p:cond>
+              </p:prevCondLst>
+              <p:nextCondLst>
+                <p:cond evt="onNext" delay="0">
+                  <p:tgtEl>
+                    <p:sldTgt/>
+                  </p:tgtEl>
+                </p:cond>
+              </p:nextCondLst>
+            </p:seq>
+          </p:childTnLst>
+        </p:cTn>
+      </p:par>
+    </p:tnLst>
+    <p:bldLst>
+      <p:bldP spid="134" grpId="0"/>
+    </p:bldLst>
+  </p:timing>
 </p:sld>
 </file>
 
@@ -10270,8 +11081,12 @@
           <a:lstStyle/>
           <a:p>
             <a:r>
+              <a:rPr lang="en-US" sz="3600" dirty="0"/>
+              <a:t>Project</a:t>
+            </a:r>
+            <a:r>
               <a:rPr lang="en-US" sz="4000" dirty="0"/>
-              <a:t>Project goal</a:t>
+              <a:t> goal</a:t>
             </a:r>
             <a:endParaRPr lang="en-US" dirty="0"/>
           </a:p>
@@ -10308,15 +11123,7 @@
                   <a:srgbClr val="000000"/>
                 </a:solidFill>
               </a:rPr>
-              <a:t>   C</a:t>
-            </a:r>
-            <a:r>
-              <a:rPr lang="en-US" dirty="0" smtClean="0">
-                <a:solidFill>
-                  <a:srgbClr val="000000"/>
-                </a:solidFill>
-              </a:rPr>
-              <a:t>reate </a:t>
+              <a:t>   Create </a:t>
             </a:r>
             <a:r>
               <a:rPr lang="en-US" dirty="0">
@@ -10347,7 +11154,7 @@
                   <a:srgbClr val="000000"/>
                 </a:solidFill>
               </a:rPr>
-              <a:t>This </a:t>
+              <a:t>       This </a:t>
             </a:r>
             <a:r>
               <a:rPr lang="en-US" dirty="0">
@@ -10365,11 +11172,6 @@
               </a:rPr>
               <a:t>should</a:t>
             </a:r>
-            <a:endParaRPr lang="en-US" dirty="0" smtClean="0">
-              <a:solidFill>
-                <a:srgbClr val="000000"/>
-              </a:solidFill>
-            </a:endParaRPr>
           </a:p>
           <a:p>
             <a:pPr marL="285750" lvl="0" indent="-285750" algn="l">
@@ -10380,12 +11182,20 @@
               <a:buChar char="•"/>
             </a:pPr>
             <a:r>
+              <a:rPr lang="en-US" dirty="0">
+                <a:solidFill>
+                  <a:srgbClr val="000000"/>
+                </a:solidFill>
+              </a:rPr>
+              <a:t>S</a:t>
+            </a:r>
+            <a:r>
               <a:rPr lang="en-US" dirty="0" smtClean="0">
                 <a:solidFill>
                   <a:srgbClr val="000000"/>
                 </a:solidFill>
               </a:rPr>
-              <a:t>simulate </a:t>
+              <a:t>imulate </a:t>
             </a:r>
             <a:r>
               <a:rPr lang="en-US" dirty="0">
@@ -10413,12 +11223,20 @@
               <a:buChar char="•"/>
             </a:pPr>
             <a:r>
+              <a:rPr lang="en-US" dirty="0">
+                <a:solidFill>
+                  <a:srgbClr val="000000"/>
+                </a:solidFill>
+              </a:rPr>
+              <a:t>O</a:t>
+            </a:r>
+            <a:r>
               <a:rPr lang="en-US" dirty="0" smtClean="0">
                 <a:solidFill>
                   <a:srgbClr val="000000"/>
                 </a:solidFill>
               </a:rPr>
-              <a:t>optimize </a:t>
+              <a:t>ptimize </a:t>
             </a:r>
             <a:r>
               <a:rPr lang="en-US" dirty="0">
@@ -10446,12 +11264,20 @@
               <a:buChar char="•"/>
             </a:pPr>
             <a:r>
+              <a:rPr lang="en-US" dirty="0">
+                <a:solidFill>
+                  <a:srgbClr val="000000"/>
+                </a:solidFill>
+              </a:rPr>
+              <a:t>S</a:t>
+            </a:r>
+            <a:r>
               <a:rPr lang="en-US" dirty="0" smtClean="0">
                 <a:solidFill>
                   <a:srgbClr val="000000"/>
                 </a:solidFill>
               </a:rPr>
-              <a:t>store </a:t>
+              <a:t>tore </a:t>
             </a:r>
             <a:r>
               <a:rPr lang="en-US" dirty="0">
@@ -10479,12 +11305,20 @@
               <a:buChar char="•"/>
             </a:pPr>
             <a:r>
+              <a:rPr lang="en-US" dirty="0">
+                <a:solidFill>
+                  <a:srgbClr val="000000"/>
+                </a:solidFill>
+              </a:rPr>
+              <a:t>L</a:t>
+            </a:r>
+            <a:r>
               <a:rPr lang="en-US" dirty="0" smtClean="0">
                 <a:solidFill>
                   <a:srgbClr val="000000"/>
                 </a:solidFill>
               </a:rPr>
-              <a:t>load previously stored </a:t>
+              <a:t>oad previously stored </a:t>
             </a:r>
             <a:r>
               <a:rPr lang="en-US" dirty="0">
@@ -10492,21 +11326,8 @@
                   <a:srgbClr val="000000"/>
                 </a:solidFill>
               </a:rPr>
-              <a:t>models and results from that file </a:t>
+              <a:t>models and results from that file .</a:t>
             </a:r>
-            <a:r>
-              <a:rPr lang="en-US" dirty="0">
-                <a:solidFill>
-                  <a:srgbClr val="000000"/>
-                </a:solidFill>
-              </a:rPr>
-              <a:t>.</a:t>
-            </a:r>
-            <a:endParaRPr lang="en-US" dirty="0">
-              <a:solidFill>
-                <a:srgbClr val="000000"/>
-              </a:solidFill>
-            </a:endParaRPr>
           </a:p>
           <a:p>
             <a:pPr marL="0" lvl="0" indent="0" algn="l">
@@ -10850,6 +11671,92 @@
   <p:clrMapOvr>
     <a:masterClrMapping/>
   </p:clrMapOvr>
+  <p:timing>
+    <p:tnLst>
+      <p:par>
+        <p:cTn id="1" dur="indefinite" restart="never" nodeType="tmRoot">
+          <p:childTnLst>
+            <p:seq concurrent="1" nextAc="seek">
+              <p:cTn id="2" dur="indefinite" nodeType="mainSeq">
+                <p:childTnLst>
+                  <p:par>
+                    <p:cTn id="3" fill="hold">
+                      <p:stCondLst>
+                        <p:cond delay="indefinite"/>
+                      </p:stCondLst>
+                      <p:childTnLst>
+                        <p:par>
+                          <p:cTn id="4" fill="hold">
+                            <p:stCondLst>
+                              <p:cond delay="0"/>
+                            </p:stCondLst>
+                            <p:childTnLst>
+                              <p:par>
+                                <p:cTn id="5" presetID="21" presetClass="entr" presetSubtype="1" fill="hold" grpId="0" nodeType="clickEffect">
+                                  <p:stCondLst>
+                                    <p:cond delay="0"/>
+                                  </p:stCondLst>
+                                  <p:childTnLst>
+                                    <p:set>
+                                      <p:cBhvr>
+                                        <p:cTn id="6" dur="1" fill="hold">
+                                          <p:stCondLst>
+                                            <p:cond delay="0"/>
+                                          </p:stCondLst>
+                                        </p:cTn>
+                                        <p:tgtEl>
+                                          <p:spTgt spid="2"/>
+                                        </p:tgtEl>
+                                        <p:attrNameLst>
+                                          <p:attrName>style.visibility</p:attrName>
+                                        </p:attrNameLst>
+                                      </p:cBhvr>
+                                      <p:to>
+                                        <p:strVal val="visible"/>
+                                      </p:to>
+                                    </p:set>
+                                    <p:animEffect transition="in" filter="wheel(1)">
+                                      <p:cBhvr>
+                                        <p:cTn id="7" dur="2000"/>
+                                        <p:tgtEl>
+                                          <p:spTgt spid="2"/>
+                                        </p:tgtEl>
+                                      </p:cBhvr>
+                                    </p:animEffect>
+                                  </p:childTnLst>
+                                </p:cTn>
+                              </p:par>
+                            </p:childTnLst>
+                          </p:cTn>
+                        </p:par>
+                      </p:childTnLst>
+                    </p:cTn>
+                  </p:par>
+                </p:childTnLst>
+              </p:cTn>
+              <p:prevCondLst>
+                <p:cond evt="onPrev" delay="0">
+                  <p:tgtEl>
+                    <p:sldTgt/>
+                  </p:tgtEl>
+                </p:cond>
+              </p:prevCondLst>
+              <p:nextCondLst>
+                <p:cond evt="onNext" delay="0">
+                  <p:tgtEl>
+                    <p:sldTgt/>
+                  </p:tgtEl>
+                </p:cond>
+              </p:nextCondLst>
+            </p:seq>
+          </p:childTnLst>
+        </p:cTn>
+      </p:par>
+    </p:tnLst>
+    <p:bldLst>
+      <p:bldP spid="2" grpId="0"/>
+    </p:bldLst>
+  </p:timing>
 </p:sld>
 </file>
 
@@ -10895,10 +11802,18 @@
           </a:bodyPr>
           <a:lstStyle/>
           <a:p>
-            <a:pPr marL="488950" indent="-342900"/>
+            <a:pPr marL="488950" indent="-342900" algn="ctr"/>
             <a:r>
-              <a:rPr lang="en-US" sz="1800" dirty="0"/>
-              <a:t>Project deliverables</a:t>
+              <a:rPr lang="en-US" sz="3600" dirty="0"/>
+              <a:t>Project</a:t>
+            </a:r>
+            <a:r>
+              <a:rPr lang="en-US" sz="2800" dirty="0"/>
+              <a:t> </a:t>
+            </a:r>
+            <a:r>
+              <a:rPr lang="en-US" sz="3600" dirty="0"/>
+              <a:t>deliverables</a:t>
             </a:r>
           </a:p>
         </p:txBody>
@@ -10990,15 +11905,7 @@
                   <a:srgbClr val="000000"/>
                 </a:solidFill>
               </a:rPr>
-              <a:t> </a:t>
-            </a:r>
-            <a:r>
-              <a:rPr lang="en-US" sz="1400" dirty="0" smtClean="0">
-                <a:solidFill>
-                  <a:srgbClr val="000000"/>
-                </a:solidFill>
-              </a:rPr>
-              <a:t>requirements</a:t>
+              <a:t> requirements</a:t>
             </a:r>
             <a:r>
               <a:rPr lang="en-US" sz="1400" dirty="0">
@@ -11045,6 +11952,13 @@
   <p:clrMapOvr>
     <a:masterClrMapping/>
   </p:clrMapOvr>
+  <p:timing>
+    <p:tnLst>
+      <p:par>
+        <p:cTn id="1" dur="indefinite" restart="never" nodeType="tmRoot"/>
+      </p:par>
+    </p:tnLst>
+  </p:timing>
 </p:sld>
 </file>
 
@@ -11106,9 +12020,21 @@
             </a:pPr>
             <a:r>
               <a:rPr lang="en" dirty="0"/>
-              <a:t>Our process so far </a:t>
+              <a:t>Our </a:t>
             </a:r>
-            <a:endParaRPr dirty="0"/>
+            <a:r>
+              <a:rPr lang="en" sz="3600" dirty="0"/>
+              <a:t>process</a:t>
+            </a:r>
+            <a:r>
+              <a:rPr lang="en" dirty="0"/>
+              <a:t> </a:t>
+            </a:r>
+            <a:r>
+              <a:rPr lang="en" sz="3600" dirty="0"/>
+              <a:t>so far </a:t>
+            </a:r>
+            <a:endParaRPr sz="3600" dirty="0"/>
           </a:p>
           <a:p>
             <a:pPr marL="0" lvl="0" indent="0" algn="l" rtl="0">
@@ -11275,7 +12201,7 @@
           </a:bodyPr>
           <a:lstStyle/>
           <a:p>
-            <a:pPr marL="0" lvl="0" indent="0" algn="l" rtl="0">
+            <a:pPr marL="0" lvl="0" indent="0" algn="ctr" rtl="0">
               <a:spcBef>
                 <a:spcPts val="0"/>
               </a:spcBef>
@@ -11285,10 +12211,10 @@
               <a:buNone/>
             </a:pPr>
             <a:r>
-              <a:rPr lang="en" dirty="0" smtClean="0"/>
+              <a:rPr lang="en" sz="3600" dirty="0" smtClean="0"/>
               <a:t>Proof of concepts</a:t>
             </a:r>
-            <a:endParaRPr dirty="0"/>
+            <a:endParaRPr sz="3600" dirty="0"/>
           </a:p>
         </p:txBody>
       </p:sp>
@@ -11304,7 +12230,7 @@
         </p:nvSpPr>
         <p:spPr>
           <a:xfrm>
-            <a:off x="329183" y="1053389"/>
+            <a:off x="365761" y="1104595"/>
             <a:ext cx="8295437" cy="3811219"/>
           </a:xfrm>
           <a:prstGeom prst="rect">
@@ -11332,7 +12258,7 @@
       </p:sp>
       <p:pic>
         <p:nvPicPr>
-          <p:cNvPr id="1027" name="Picture 3"/>
+          <p:cNvPr id="1026" name="Picture 2"/>
           <p:cNvPicPr>
             <a:picLocks noChangeAspect="1" noChangeArrowheads="1"/>
           </p:cNvPicPr>
@@ -11346,13 +12272,13 @@
               </a:ext>
             </a:extLst>
           </a:blip>
-          <a:srcRect l="2718" t="4963" r="11578" b="18031"/>
+          <a:srcRect l="2905" t="18011" r="26882" b="15030"/>
           <a:stretch/>
         </p:blipFill>
         <p:spPr bwMode="auto">
           <a:xfrm>
-            <a:off x="314554" y="899771"/>
-            <a:ext cx="8288121" cy="3935576"/>
+            <a:off x="395022" y="899770"/>
+            <a:ext cx="8266176" cy="3921611"/>
           </a:xfrm>
           <a:prstGeom prst="rect">
             <a:avLst/>
@@ -11397,6 +12323,18 @@
   <p:clrMapOvr>
     <a:masterClrMapping/>
   </p:clrMapOvr>
+  <mc:AlternateContent xmlns:mc="http://schemas.openxmlformats.org/markup-compatibility/2006">
+    <mc:Choice xmlns:p14="http://schemas.microsoft.com/office/powerpoint/2010/main" Requires="p14">
+      <p:transition spd="slow" p14:dur="1500">
+        <p:split orient="vert"/>
+      </p:transition>
+    </mc:Choice>
+    <mc:Fallback>
+      <p:transition spd="slow">
+        <p:split orient="vert"/>
+      </p:transition>
+    </mc:Fallback>
+  </mc:AlternateContent>
   <p:timing>
     <p:tnLst>
       <p:par>
@@ -11459,10 +12397,10 @@
               <a:buNone/>
             </a:pPr>
             <a:r>
-              <a:rPr lang="en" dirty="0"/>
+              <a:rPr lang="en" sz="3600" dirty="0"/>
               <a:t>Our plans for the remaining weeks</a:t>
             </a:r>
-            <a:endParaRPr dirty="0"/>
+            <a:endParaRPr sz="3600" dirty="0"/>
           </a:p>
         </p:txBody>
       </p:sp>
@@ -11491,7 +12429,7 @@
           </a:bodyPr>
           <a:lstStyle/>
           <a:p>
-            <a:pPr marL="0" lvl="0" indent="0" algn="l" rtl="0">
+            <a:pPr marL="285750" lvl="0" indent="-285750" algn="l" rtl="0">
               <a:lnSpc>
                 <a:spcPct val="200000"/>
               </a:lnSpc>
@@ -11501,15 +12439,16 @@
               <a:spcAft>
                 <a:spcPts val="0"/>
               </a:spcAft>
-              <a:buNone/>
+              <a:buFont typeface="Arial" pitchFamily="34" charset="0"/>
+              <a:buChar char="•"/>
             </a:pPr>
             <a:r>
               <a:rPr lang="en" dirty="0" smtClean="0"/>
-              <a:t>Implement the remaining functionalities</a:t>
+              <a:t>Implement the remaining functionalities.</a:t>
             </a:r>
           </a:p>
           <a:p>
-            <a:pPr marL="0" lvl="0" indent="0" algn="l" rtl="0">
+            <a:pPr marL="285750" lvl="0" indent="-285750" algn="l" rtl="0">
               <a:lnSpc>
                 <a:spcPct val="200000"/>
               </a:lnSpc>
@@ -11519,15 +12458,12 @@
               <a:spcAft>
                 <a:spcPts val="0"/>
               </a:spcAft>
-              <a:buNone/>
+              <a:buFont typeface="Arial" pitchFamily="34" charset="0"/>
+              <a:buChar char="•"/>
             </a:pPr>
             <a:r>
-              <a:rPr lang="en-US" dirty="0" smtClean="0"/>
-              <a:t>A</a:t>
-            </a:r>
-            <a:r>
               <a:rPr lang="en" dirty="0" smtClean="0"/>
-              <a:t>nd get a full application  that have the all the features that are discribed on our use case</a:t>
+              <a:t>Get a full application  that have the all the features that are discribed on our use case.</a:t>
             </a:r>
             <a:endParaRPr dirty="0"/>
           </a:p>
@@ -11577,10 +12513,144 @@
   <p:clrMapOvr>
     <a:masterClrMapping/>
   </p:clrMapOvr>
+  <mc:AlternateContent xmlns:mc="http://schemas.openxmlformats.org/markup-compatibility/2006">
+    <mc:Choice xmlns:p14="http://schemas.microsoft.com/office/powerpoint/2010/main" Requires="p14">
+      <p:transition spd="slow" p14:dur="1500">
+        <p:split orient="vert"/>
+      </p:transition>
+    </mc:Choice>
+    <mc:Fallback>
+      <p:transition spd="slow">
+        <p:split orient="vert"/>
+      </p:transition>
+    </mc:Fallback>
+  </mc:AlternateContent>
   <p:timing>
     <p:tnLst>
       <p:par>
-        <p:cTn id="1" dur="indefinite" restart="never" nodeType="tmRoot"/>
+        <p:cTn id="1" dur="indefinite" restart="never" nodeType="tmRoot">
+          <p:childTnLst>
+            <p:seq concurrent="1" nextAc="seek">
+              <p:cTn id="2" dur="indefinite" nodeType="mainSeq">
+                <p:childTnLst>
+                  <p:par>
+                    <p:cTn id="3" fill="hold">
+                      <p:stCondLst>
+                        <p:cond delay="indefinite"/>
+                      </p:stCondLst>
+                      <p:childTnLst>
+                        <p:par>
+                          <p:cTn id="4" fill="hold">
+                            <p:stCondLst>
+                              <p:cond delay="0"/>
+                            </p:stCondLst>
+                            <p:childTnLst>
+                              <p:par>
+                                <p:cTn id="5" presetID="53" presetClass="entr" presetSubtype="16" fill="hold" nodeType="clickEffect">
+                                  <p:stCondLst>
+                                    <p:cond delay="0"/>
+                                  </p:stCondLst>
+                                  <p:childTnLst>
+                                    <p:set>
+                                      <p:cBhvr>
+                                        <p:cTn id="6" dur="1" fill="hold">
+                                          <p:stCondLst>
+                                            <p:cond delay="0"/>
+                                          </p:stCondLst>
+                                        </p:cTn>
+                                        <p:tgtEl>
+                                          <p:spTgt spid="3074"/>
+                                        </p:tgtEl>
+                                        <p:attrNameLst>
+                                          <p:attrName>style.visibility</p:attrName>
+                                        </p:attrNameLst>
+                                      </p:cBhvr>
+                                      <p:to>
+                                        <p:strVal val="visible"/>
+                                      </p:to>
+                                    </p:set>
+                                    <p:anim calcmode="lin" valueType="num">
+                                      <p:cBhvr>
+                                        <p:cTn id="7" dur="1250" fill="hold"/>
+                                        <p:tgtEl>
+                                          <p:spTgt spid="3074"/>
+                                        </p:tgtEl>
+                                        <p:attrNameLst>
+                                          <p:attrName>ppt_w</p:attrName>
+                                        </p:attrNameLst>
+                                      </p:cBhvr>
+                                      <p:tavLst>
+                                        <p:tav tm="0">
+                                          <p:val>
+                                            <p:fltVal val="0"/>
+                                          </p:val>
+                                        </p:tav>
+                                        <p:tav tm="100000">
+                                          <p:val>
+                                            <p:strVal val="#ppt_w"/>
+                                          </p:val>
+                                        </p:tav>
+                                      </p:tavLst>
+                                    </p:anim>
+                                    <p:anim calcmode="lin" valueType="num">
+                                      <p:cBhvr>
+                                        <p:cTn id="8" dur="1250" fill="hold"/>
+                                        <p:tgtEl>
+                                          <p:spTgt spid="3074"/>
+                                        </p:tgtEl>
+                                        <p:attrNameLst>
+                                          <p:attrName>ppt_h</p:attrName>
+                                        </p:attrNameLst>
+                                      </p:cBhvr>
+                                      <p:tavLst>
+                                        <p:tav tm="0">
+                                          <p:val>
+                                            <p:fltVal val="0"/>
+                                          </p:val>
+                                        </p:tav>
+                                        <p:tav tm="100000">
+                                          <p:val>
+                                            <p:strVal val="#ppt_h"/>
+                                          </p:val>
+                                        </p:tav>
+                                      </p:tavLst>
+                                    </p:anim>
+                                    <p:animEffect transition="in" filter="fade">
+                                      <p:cBhvr>
+                                        <p:cTn id="9" dur="1250"/>
+                                        <p:tgtEl>
+                                          <p:spTgt spid="3074"/>
+                                        </p:tgtEl>
+                                      </p:cBhvr>
+                                    </p:animEffect>
+                                  </p:childTnLst>
+                                </p:cTn>
+                              </p:par>
+                            </p:childTnLst>
+                          </p:cTn>
+                        </p:par>
+                      </p:childTnLst>
+                    </p:cTn>
+                  </p:par>
+                </p:childTnLst>
+              </p:cTn>
+              <p:prevCondLst>
+                <p:cond evt="onPrev" delay="0">
+                  <p:tgtEl>
+                    <p:sldTgt/>
+                  </p:tgtEl>
+                </p:cond>
+              </p:prevCondLst>
+              <p:nextCondLst>
+                <p:cond evt="onNext" delay="0">
+                  <p:tgtEl>
+                    <p:sldTgt/>
+                  </p:tgtEl>
+                </p:cond>
+              </p:nextCondLst>
+            </p:seq>
+          </p:childTnLst>
+        </p:cTn>
       </p:par>
     </p:tnLst>
   </p:timing>
@@ -11642,16 +12712,15 @@
               <a:buNone/>
             </a:pPr>
             <a:r>
-              <a:rPr lang="en" sz="3600" dirty="0">
+              <a:rPr lang="en" sz="3600" dirty="0" smtClean="0">
                 <a:solidFill>
                   <a:schemeClr val="dk2"/>
                 </a:solidFill>
                 <a:latin typeface="Calibri"/>
-                <a:ea typeface="Calibri"/>
                 <a:cs typeface="Calibri"/>
                 <a:sym typeface="Calibri"/>
               </a:rPr>
-              <a:t>Conclusion</a:t>
+              <a:t>The end</a:t>
             </a:r>
             <a:endParaRPr sz="3600" dirty="0"/>
           </a:p>
@@ -11704,6 +12773,13 @@
   <p:clrMapOvr>
     <a:masterClrMapping/>
   </p:clrMapOvr>
+  <p:timing>
+    <p:tnLst>
+      <p:par>
+        <p:cTn id="1" dur="indefinite" restart="never" nodeType="tmRoot"/>
+      </p:par>
+    </p:tnLst>
+  </p:timing>
 </p:sld>
 </file>
 
